--- a/_umkc-teaching/slides/Lecture 5.pptx
+++ b/_umkc-teaching/slides/Lecture 5.pptx
@@ -5,14 +5,17 @@
     <p:sldMasterId id="2147483648" r:id="rId1"/>
   </p:sldMasterIdLst>
   <p:notesMasterIdLst>
-    <p:notesMasterId r:id="rId7"/>
+    <p:notesMasterId r:id="rId10"/>
   </p:notesMasterIdLst>
   <p:sldIdLst>
     <p:sldId id="257" r:id="rId2"/>
     <p:sldId id="321" r:id="rId3"/>
     <p:sldId id="324" r:id="rId4"/>
-    <p:sldId id="323" r:id="rId5"/>
-    <p:sldId id="325" r:id="rId6"/>
+    <p:sldId id="326" r:id="rId5"/>
+    <p:sldId id="323" r:id="rId6"/>
+    <p:sldId id="327" r:id="rId7"/>
+    <p:sldId id="328" r:id="rId8"/>
+    <p:sldId id="325" r:id="rId9"/>
   </p:sldIdLst>
   <p:sldSz cx="12192000" cy="6858000"/>
   <p:notesSz cx="6858000" cy="9144000"/>
@@ -710,7 +713,259 @@
     </p:spTree>
     <p:extLst>
       <p:ext uri="{BB962C8B-B14F-4D97-AF65-F5344CB8AC3E}">
+        <p14:creationId xmlns:p14="http://schemas.microsoft.com/office/powerpoint/2010/main" val="169332739"/>
+      </p:ext>
+    </p:extLst>
+  </p:cSld>
+  <p:clrMapOvr>
+    <a:masterClrMapping/>
+  </p:clrMapOvr>
+</p:notes>
+</file>
+
+<file path=ppt/notesSlides/notesSlide4.xml><?xml version="1.0" encoding="utf-8"?>
+<p:notes xmlns:a="http://schemas.openxmlformats.org/drawingml/2006/main" xmlns:r="http://schemas.openxmlformats.org/officeDocument/2006/relationships" xmlns:p="http://schemas.openxmlformats.org/presentationml/2006/main">
+  <p:cSld>
+    <p:spTree>
+      <p:nvGrpSpPr>
+        <p:cNvPr id="1" name=""/>
+        <p:cNvGrpSpPr/>
+        <p:nvPr/>
+      </p:nvGrpSpPr>
+      <p:grpSpPr>
+        <a:xfrm>
+          <a:off x="0" y="0"/>
+          <a:ext cx="0" cy="0"/>
+          <a:chOff x="0" y="0"/>
+          <a:chExt cx="0" cy="0"/>
+        </a:xfrm>
+      </p:grpSpPr>
+      <p:sp>
+        <p:nvSpPr>
+          <p:cNvPr id="2" name="Slide Image Placeholder 1"/>
+          <p:cNvSpPr>
+            <a:spLocks noGrp="1" noRot="1" noChangeAspect="1"/>
+          </p:cNvSpPr>
+          <p:nvPr>
+            <p:ph type="sldImg"/>
+          </p:nvPr>
+        </p:nvSpPr>
+        <p:spPr/>
+      </p:sp>
+      <p:sp>
+        <p:nvSpPr>
+          <p:cNvPr id="3" name="Notes Placeholder 2"/>
+          <p:cNvSpPr>
+            <a:spLocks noGrp="1"/>
+          </p:cNvSpPr>
+          <p:nvPr>
+            <p:ph type="body" idx="1"/>
+          </p:nvPr>
+        </p:nvSpPr>
+        <p:spPr/>
+        <p:txBody>
+          <a:bodyPr/>
+          <a:lstStyle/>
+          <a:p>
+            <a:endParaRPr lang="en-US" dirty="0"/>
+          </a:p>
+        </p:txBody>
+      </p:sp>
+      <p:sp>
+        <p:nvSpPr>
+          <p:cNvPr id="4" name="Slide Number Placeholder 3"/>
+          <p:cNvSpPr>
+            <a:spLocks noGrp="1"/>
+          </p:cNvSpPr>
+          <p:nvPr>
+            <p:ph type="sldNum" sz="quarter" idx="5"/>
+          </p:nvPr>
+        </p:nvSpPr>
+        <p:spPr/>
+        <p:txBody>
+          <a:bodyPr/>
+          <a:lstStyle/>
+          <a:p>
+            <a:fld id="{3F8BDF20-BE86-4883-8A23-4CE3D0058BEA}" type="slidenum">
+              <a:rPr lang="en-US" smtClean="0"/>
+              <a:t>5</a:t>
+            </a:fld>
+            <a:endParaRPr lang="en-US"/>
+          </a:p>
+        </p:txBody>
+      </p:sp>
+    </p:spTree>
+    <p:extLst>
+      <p:ext uri="{BB962C8B-B14F-4D97-AF65-F5344CB8AC3E}">
         <p14:creationId xmlns:p14="http://schemas.microsoft.com/office/powerpoint/2010/main" val="3950285056"/>
+      </p:ext>
+    </p:extLst>
+  </p:cSld>
+  <p:clrMapOvr>
+    <a:masterClrMapping/>
+  </p:clrMapOvr>
+</p:notes>
+</file>
+
+<file path=ppt/notesSlides/notesSlide5.xml><?xml version="1.0" encoding="utf-8"?>
+<p:notes xmlns:a="http://schemas.openxmlformats.org/drawingml/2006/main" xmlns:r="http://schemas.openxmlformats.org/officeDocument/2006/relationships" xmlns:p="http://schemas.openxmlformats.org/presentationml/2006/main">
+  <p:cSld>
+    <p:spTree>
+      <p:nvGrpSpPr>
+        <p:cNvPr id="1" name=""/>
+        <p:cNvGrpSpPr/>
+        <p:nvPr/>
+      </p:nvGrpSpPr>
+      <p:grpSpPr>
+        <a:xfrm>
+          <a:off x="0" y="0"/>
+          <a:ext cx="0" cy="0"/>
+          <a:chOff x="0" y="0"/>
+          <a:chExt cx="0" cy="0"/>
+        </a:xfrm>
+      </p:grpSpPr>
+      <p:sp>
+        <p:nvSpPr>
+          <p:cNvPr id="2" name="Slide Image Placeholder 1"/>
+          <p:cNvSpPr>
+            <a:spLocks noGrp="1" noRot="1" noChangeAspect="1"/>
+          </p:cNvSpPr>
+          <p:nvPr>
+            <p:ph type="sldImg"/>
+          </p:nvPr>
+        </p:nvSpPr>
+        <p:spPr/>
+      </p:sp>
+      <p:sp>
+        <p:nvSpPr>
+          <p:cNvPr id="3" name="Notes Placeholder 2"/>
+          <p:cNvSpPr>
+            <a:spLocks noGrp="1"/>
+          </p:cNvSpPr>
+          <p:nvPr>
+            <p:ph type="body" idx="1"/>
+          </p:nvPr>
+        </p:nvSpPr>
+        <p:spPr/>
+        <p:txBody>
+          <a:bodyPr/>
+          <a:lstStyle/>
+          <a:p>
+            <a:endParaRPr lang="en-US" dirty="0"/>
+          </a:p>
+        </p:txBody>
+      </p:sp>
+      <p:sp>
+        <p:nvSpPr>
+          <p:cNvPr id="4" name="Slide Number Placeholder 3"/>
+          <p:cNvSpPr>
+            <a:spLocks noGrp="1"/>
+          </p:cNvSpPr>
+          <p:nvPr>
+            <p:ph type="sldNum" sz="quarter" idx="5"/>
+          </p:nvPr>
+        </p:nvSpPr>
+        <p:spPr/>
+        <p:txBody>
+          <a:bodyPr/>
+          <a:lstStyle/>
+          <a:p>
+            <a:fld id="{3F8BDF20-BE86-4883-8A23-4CE3D0058BEA}" type="slidenum">
+              <a:rPr lang="en-US" smtClean="0"/>
+              <a:t>6</a:t>
+            </a:fld>
+            <a:endParaRPr lang="en-US"/>
+          </a:p>
+        </p:txBody>
+      </p:sp>
+    </p:spTree>
+    <p:extLst>
+      <p:ext uri="{BB962C8B-B14F-4D97-AF65-F5344CB8AC3E}">
+        <p14:creationId xmlns:p14="http://schemas.microsoft.com/office/powerpoint/2010/main" val="2477063036"/>
+      </p:ext>
+    </p:extLst>
+  </p:cSld>
+  <p:clrMapOvr>
+    <a:masterClrMapping/>
+  </p:clrMapOvr>
+</p:notes>
+</file>
+
+<file path=ppt/notesSlides/notesSlide6.xml><?xml version="1.0" encoding="utf-8"?>
+<p:notes xmlns:a="http://schemas.openxmlformats.org/drawingml/2006/main" xmlns:r="http://schemas.openxmlformats.org/officeDocument/2006/relationships" xmlns:p="http://schemas.openxmlformats.org/presentationml/2006/main">
+  <p:cSld>
+    <p:spTree>
+      <p:nvGrpSpPr>
+        <p:cNvPr id="1" name=""/>
+        <p:cNvGrpSpPr/>
+        <p:nvPr/>
+      </p:nvGrpSpPr>
+      <p:grpSpPr>
+        <a:xfrm>
+          <a:off x="0" y="0"/>
+          <a:ext cx="0" cy="0"/>
+          <a:chOff x="0" y="0"/>
+          <a:chExt cx="0" cy="0"/>
+        </a:xfrm>
+      </p:grpSpPr>
+      <p:sp>
+        <p:nvSpPr>
+          <p:cNvPr id="2" name="Slide Image Placeholder 1"/>
+          <p:cNvSpPr>
+            <a:spLocks noGrp="1" noRot="1" noChangeAspect="1"/>
+          </p:cNvSpPr>
+          <p:nvPr>
+            <p:ph type="sldImg"/>
+          </p:nvPr>
+        </p:nvSpPr>
+        <p:spPr/>
+      </p:sp>
+      <p:sp>
+        <p:nvSpPr>
+          <p:cNvPr id="3" name="Notes Placeholder 2"/>
+          <p:cNvSpPr>
+            <a:spLocks noGrp="1"/>
+          </p:cNvSpPr>
+          <p:nvPr>
+            <p:ph type="body" idx="1"/>
+          </p:nvPr>
+        </p:nvSpPr>
+        <p:spPr/>
+        <p:txBody>
+          <a:bodyPr/>
+          <a:lstStyle/>
+          <a:p>
+            <a:endParaRPr lang="en-US" dirty="0"/>
+          </a:p>
+        </p:txBody>
+      </p:sp>
+      <p:sp>
+        <p:nvSpPr>
+          <p:cNvPr id="4" name="Slide Number Placeholder 3"/>
+          <p:cNvSpPr>
+            <a:spLocks noGrp="1"/>
+          </p:cNvSpPr>
+          <p:nvPr>
+            <p:ph type="sldNum" sz="quarter" idx="5"/>
+          </p:nvPr>
+        </p:nvSpPr>
+        <p:spPr/>
+        <p:txBody>
+          <a:bodyPr/>
+          <a:lstStyle/>
+          <a:p>
+            <a:fld id="{3F8BDF20-BE86-4883-8A23-4CE3D0058BEA}" type="slidenum">
+              <a:rPr lang="en-US" smtClean="0"/>
+              <a:t>7</a:t>
+            </a:fld>
+            <a:endParaRPr lang="en-US"/>
+          </a:p>
+        </p:txBody>
+      </p:sp>
+    </p:spTree>
+    <p:extLst>
+      <p:ext uri="{BB962C8B-B14F-4D97-AF65-F5344CB8AC3E}">
+        <p14:creationId xmlns:p14="http://schemas.microsoft.com/office/powerpoint/2010/main" val="472576672"/>
       </p:ext>
     </p:extLst>
   </p:cSld>
@@ -4977,6 +5232,721 @@
           <a:p>
             <a:r>
               <a:rPr lang="en-US" dirty="0"/>
+              <a:t>Logistic Regression</a:t>
+            </a:r>
+          </a:p>
+        </p:txBody>
+      </p:sp>
+      <mc:AlternateContent xmlns:mc="http://schemas.openxmlformats.org/markup-compatibility/2006">
+        <mc:Choice xmlns:a14="http://schemas.microsoft.com/office/drawing/2010/main" Requires="a14">
+          <p:sp>
+            <p:nvSpPr>
+              <p:cNvPr id="3" name="TextBox 2">
+                <a:extLst>
+                  <a:ext uri="{FF2B5EF4-FFF2-40B4-BE49-F238E27FC236}">
+                    <a16:creationId xmlns:a16="http://schemas.microsoft.com/office/drawing/2014/main" id="{F84C6023-EF49-3990-7E12-50C431B29A3C}"/>
+                  </a:ext>
+                </a:extLst>
+              </p:cNvPr>
+              <p:cNvSpPr txBox="1"/>
+              <p:nvPr/>
+            </p:nvSpPr>
+            <p:spPr>
+              <a:xfrm>
+                <a:off x="883920" y="1861238"/>
+                <a:ext cx="9311640" cy="995144"/>
+              </a:xfrm>
+              <a:prstGeom prst="rect">
+                <a:avLst/>
+              </a:prstGeom>
+              <a:noFill/>
+            </p:spPr>
+            <p:txBody>
+              <a:bodyPr wrap="square">
+                <a:spAutoFit/>
+              </a:bodyPr>
+              <a:lstStyle/>
+              <a:p>
+                <a14:m>
+                  <m:oMathPara xmlns:m="http://schemas.openxmlformats.org/officeDocument/2006/math">
+                    <m:oMathParaPr>
+                      <m:jc m:val="centerGroup"/>
+                    </m:oMathParaPr>
+                    <m:oMath xmlns:m="http://schemas.openxmlformats.org/officeDocument/2006/math">
+                      <m:r>
+                        <a:rPr lang="en-US" sz="2800" i="1">
+                          <a:latin typeface="Cambria Math" panose="02040503050406030204" pitchFamily="18" charset="0"/>
+                        </a:rPr>
+                        <m:t>𝑝</m:t>
+                      </m:r>
+                      <m:r>
+                        <a:rPr lang="en-US" sz="2800" i="1">
+                          <a:latin typeface="Cambria Math" panose="02040503050406030204" pitchFamily="18" charset="0"/>
+                        </a:rPr>
+                        <m:t>(</m:t>
+                      </m:r>
+                      <m:r>
+                        <a:rPr lang="en-US" sz="2800" i="1">
+                          <a:latin typeface="Cambria Math" panose="02040503050406030204" pitchFamily="18" charset="0"/>
+                        </a:rPr>
+                        <m:t>𝑌</m:t>
+                      </m:r>
+                      <m:r>
+                        <a:rPr lang="en-US" sz="2800" i="1">
+                          <a:latin typeface="Cambria Math" panose="02040503050406030204" pitchFamily="18" charset="0"/>
+                        </a:rPr>
+                        <m:t>=1|</m:t>
+                      </m:r>
+                      <m:r>
+                        <a:rPr lang="en-US" sz="2800" i="1">
+                          <a:latin typeface="Cambria Math" panose="02040503050406030204" pitchFamily="18" charset="0"/>
+                        </a:rPr>
+                        <m:t>𝑋</m:t>
+                      </m:r>
+                      <m:r>
+                        <a:rPr lang="en-US" sz="2800" i="1">
+                          <a:latin typeface="Cambria Math" panose="02040503050406030204" pitchFamily="18" charset="0"/>
+                        </a:rPr>
+                        <m:t>)=</m:t>
+                      </m:r>
+                      <m:f>
+                        <m:fPr>
+                          <m:ctrlPr>
+                            <a:rPr lang="en-US" sz="2800" b="0" i="1" smtClean="0">
+                              <a:latin typeface="Cambria Math" panose="02040503050406030204" pitchFamily="18" charset="0"/>
+                            </a:rPr>
+                          </m:ctrlPr>
+                        </m:fPr>
+                        <m:num>
+                          <m:sSup>
+                            <m:sSupPr>
+                              <m:ctrlPr>
+                                <a:rPr lang="en-US" sz="2800" b="0" i="1" smtClean="0">
+                                  <a:latin typeface="Cambria Math" panose="02040503050406030204" pitchFamily="18" charset="0"/>
+                                </a:rPr>
+                              </m:ctrlPr>
+                            </m:sSupPr>
+                            <m:e>
+                              <m:r>
+                                <a:rPr lang="en-US" sz="2800" b="0" i="1" smtClean="0">
+                                  <a:latin typeface="Cambria Math" panose="02040503050406030204" pitchFamily="18" charset="0"/>
+                                </a:rPr>
+                                <m:t>𝑒</m:t>
+                              </m:r>
+                            </m:e>
+                            <m:sup>
+                              <m:sSub>
+                                <m:sSubPr>
+                                  <m:ctrlPr>
+                                    <a:rPr lang="en-US" sz="2800" i="1">
+                                      <a:latin typeface="Cambria Math" panose="02040503050406030204" pitchFamily="18" charset="0"/>
+                                    </a:rPr>
+                                  </m:ctrlPr>
+                                </m:sSubPr>
+                                <m:e>
+                                  <m:r>
+                                    <a:rPr lang="en-US" sz="2800" i="1">
+                                      <a:latin typeface="Cambria Math" panose="02040503050406030204" pitchFamily="18" charset="0"/>
+                                    </a:rPr>
+                                    <m:t>𝛽</m:t>
+                                  </m:r>
+                                </m:e>
+                                <m:sub>
+                                  <m:r>
+                                    <a:rPr lang="en-US" sz="2800" i="1">
+                                      <a:latin typeface="Cambria Math" panose="02040503050406030204" pitchFamily="18" charset="0"/>
+                                    </a:rPr>
+                                    <m:t>0</m:t>
+                                  </m:r>
+                                </m:sub>
+                              </m:sSub>
+                              <m:r>
+                                <a:rPr lang="en-US" sz="2800" i="1">
+                                  <a:latin typeface="Cambria Math" panose="02040503050406030204" pitchFamily="18" charset="0"/>
+                                </a:rPr>
+                                <m:t>+</m:t>
+                              </m:r>
+                              <m:sSub>
+                                <m:sSubPr>
+                                  <m:ctrlPr>
+                                    <a:rPr lang="en-US" sz="2800" i="1">
+                                      <a:latin typeface="Cambria Math" panose="02040503050406030204" pitchFamily="18" charset="0"/>
+                                    </a:rPr>
+                                  </m:ctrlPr>
+                                </m:sSubPr>
+                                <m:e>
+                                  <m:r>
+                                    <a:rPr lang="en-US" sz="2800" i="1">
+                                      <a:latin typeface="Cambria Math" panose="02040503050406030204" pitchFamily="18" charset="0"/>
+                                    </a:rPr>
+                                    <m:t>𝛽</m:t>
+                                  </m:r>
+                                </m:e>
+                                <m:sub>
+                                  <m:r>
+                                    <a:rPr lang="en-US" sz="2800" i="1">
+                                      <a:latin typeface="Cambria Math" panose="02040503050406030204" pitchFamily="18" charset="0"/>
+                                    </a:rPr>
+                                    <m:t>1</m:t>
+                                  </m:r>
+                                </m:sub>
+                              </m:sSub>
+                              <m:r>
+                                <a:rPr lang="en-US" sz="2800" i="1">
+                                  <a:latin typeface="Cambria Math" panose="02040503050406030204" pitchFamily="18" charset="0"/>
+                                </a:rPr>
+                                <m:t>𝑋</m:t>
+                              </m:r>
+                            </m:sup>
+                          </m:sSup>
+                        </m:num>
+                        <m:den>
+                          <m:r>
+                            <a:rPr lang="en-US" sz="2800" b="0" i="1" smtClean="0">
+                              <a:latin typeface="Cambria Math" panose="02040503050406030204" pitchFamily="18" charset="0"/>
+                            </a:rPr>
+                            <m:t>1+</m:t>
+                          </m:r>
+                          <m:sSup>
+                            <m:sSupPr>
+                              <m:ctrlPr>
+                                <a:rPr lang="en-US" sz="2800" i="1">
+                                  <a:latin typeface="Cambria Math" panose="02040503050406030204" pitchFamily="18" charset="0"/>
+                                </a:rPr>
+                              </m:ctrlPr>
+                            </m:sSupPr>
+                            <m:e>
+                              <m:r>
+                                <a:rPr lang="en-US" sz="2800" i="1">
+                                  <a:latin typeface="Cambria Math" panose="02040503050406030204" pitchFamily="18" charset="0"/>
+                                </a:rPr>
+                                <m:t>𝑒</m:t>
+                              </m:r>
+                            </m:e>
+                            <m:sup>
+                              <m:sSub>
+                                <m:sSubPr>
+                                  <m:ctrlPr>
+                                    <a:rPr lang="en-US" sz="2800" i="1">
+                                      <a:latin typeface="Cambria Math" panose="02040503050406030204" pitchFamily="18" charset="0"/>
+                                    </a:rPr>
+                                  </m:ctrlPr>
+                                </m:sSubPr>
+                                <m:e>
+                                  <m:r>
+                                    <a:rPr lang="en-US" sz="2800" i="1">
+                                      <a:latin typeface="Cambria Math" panose="02040503050406030204" pitchFamily="18" charset="0"/>
+                                    </a:rPr>
+                                    <m:t>𝛽</m:t>
+                                  </m:r>
+                                </m:e>
+                                <m:sub>
+                                  <m:r>
+                                    <a:rPr lang="en-US" sz="2800" i="1">
+                                      <a:latin typeface="Cambria Math" panose="02040503050406030204" pitchFamily="18" charset="0"/>
+                                    </a:rPr>
+                                    <m:t>0</m:t>
+                                  </m:r>
+                                </m:sub>
+                              </m:sSub>
+                              <m:r>
+                                <a:rPr lang="en-US" sz="2800" i="1">
+                                  <a:latin typeface="Cambria Math" panose="02040503050406030204" pitchFamily="18" charset="0"/>
+                                </a:rPr>
+                                <m:t>+</m:t>
+                              </m:r>
+                              <m:sSub>
+                                <m:sSubPr>
+                                  <m:ctrlPr>
+                                    <a:rPr lang="en-US" sz="2800" i="1">
+                                      <a:latin typeface="Cambria Math" panose="02040503050406030204" pitchFamily="18" charset="0"/>
+                                    </a:rPr>
+                                  </m:ctrlPr>
+                                </m:sSubPr>
+                                <m:e>
+                                  <m:r>
+                                    <a:rPr lang="en-US" sz="2800" i="1">
+                                      <a:latin typeface="Cambria Math" panose="02040503050406030204" pitchFamily="18" charset="0"/>
+                                    </a:rPr>
+                                    <m:t>𝛽</m:t>
+                                  </m:r>
+                                </m:e>
+                                <m:sub>
+                                  <m:r>
+                                    <a:rPr lang="en-US" sz="2800" i="1">
+                                      <a:latin typeface="Cambria Math" panose="02040503050406030204" pitchFamily="18" charset="0"/>
+                                    </a:rPr>
+                                    <m:t>1</m:t>
+                                  </m:r>
+                                </m:sub>
+                              </m:sSub>
+                              <m:r>
+                                <a:rPr lang="en-US" sz="2800" i="1">
+                                  <a:latin typeface="Cambria Math" panose="02040503050406030204" pitchFamily="18" charset="0"/>
+                                </a:rPr>
+                                <m:t>𝑋</m:t>
+                              </m:r>
+                            </m:sup>
+                          </m:sSup>
+                        </m:den>
+                      </m:f>
+                    </m:oMath>
+                  </m:oMathPara>
+                </a14:m>
+                <a:endParaRPr lang="en-US" sz="2800" dirty="0"/>
+              </a:p>
+            </p:txBody>
+          </p:sp>
+        </mc:Choice>
+        <mc:Fallback>
+          <p:sp>
+            <p:nvSpPr>
+              <p:cNvPr id="3" name="TextBox 2">
+                <a:extLst>
+                  <a:ext uri="{FF2B5EF4-FFF2-40B4-BE49-F238E27FC236}">
+                    <a16:creationId xmlns:a16="http://schemas.microsoft.com/office/drawing/2014/main" id="{F84C6023-EF49-3990-7E12-50C431B29A3C}"/>
+                  </a:ext>
+                </a:extLst>
+              </p:cNvPr>
+              <p:cNvSpPr txBox="1">
+                <a:spLocks noRot="1" noChangeAspect="1" noMove="1" noResize="1" noEditPoints="1" noAdjustHandles="1" noChangeArrowheads="1" noChangeShapeType="1" noTextEdit="1"/>
+              </p:cNvSpPr>
+              <p:nvPr/>
+            </p:nvSpPr>
+            <p:spPr>
+              <a:xfrm>
+                <a:off x="883920" y="1861238"/>
+                <a:ext cx="9311640" cy="995144"/>
+              </a:xfrm>
+              <a:prstGeom prst="rect">
+                <a:avLst/>
+              </a:prstGeom>
+              <a:blipFill>
+                <a:blip r:embed="rId3"/>
+                <a:stretch>
+                  <a:fillRect b="-5000"/>
+                </a:stretch>
+              </a:blipFill>
+            </p:spPr>
+            <p:txBody>
+              <a:bodyPr/>
+              <a:lstStyle/>
+              <a:p>
+                <a:r>
+                  <a:rPr lang="en-US">
+                    <a:noFill/>
+                  </a:rPr>
+                  <a:t> </a:t>
+                </a:r>
+              </a:p>
+            </p:txBody>
+          </p:sp>
+        </mc:Fallback>
+      </mc:AlternateContent>
+      <mc:AlternateContent xmlns:mc="http://schemas.openxmlformats.org/markup-compatibility/2006">
+        <mc:Choice xmlns:a14="http://schemas.microsoft.com/office/drawing/2010/main" Requires="a14">
+          <p:sp>
+            <p:nvSpPr>
+              <p:cNvPr id="5" name="TextBox 4">
+                <a:extLst>
+                  <a:ext uri="{FF2B5EF4-FFF2-40B4-BE49-F238E27FC236}">
+                    <a16:creationId xmlns:a16="http://schemas.microsoft.com/office/drawing/2014/main" id="{3268FCD1-85B2-92D4-B489-6CA8AA1CB4EE}"/>
+                  </a:ext>
+                </a:extLst>
+              </p:cNvPr>
+              <p:cNvSpPr txBox="1"/>
+              <p:nvPr/>
+            </p:nvSpPr>
+            <p:spPr>
+              <a:xfrm>
+                <a:off x="1005840" y="3370600"/>
+                <a:ext cx="9631680" cy="523220"/>
+              </a:xfrm>
+              <a:prstGeom prst="rect">
+                <a:avLst/>
+              </a:prstGeom>
+              <a:noFill/>
+            </p:spPr>
+            <p:txBody>
+              <a:bodyPr wrap="square">
+                <a:spAutoFit/>
+              </a:bodyPr>
+              <a:lstStyle/>
+              <a:p>
+                <a:pPr/>
+                <a14:m>
+                  <m:oMath xmlns:m="http://schemas.openxmlformats.org/officeDocument/2006/math">
+                    <m:r>
+                      <a:rPr lang="en-US" sz="2800" i="1" smtClean="0">
+                        <a:latin typeface="Cambria Math" panose="02040503050406030204" pitchFamily="18" charset="0"/>
+                      </a:rPr>
+                      <m:t>𝑝</m:t>
+                    </m:r>
+                    <m:d>
+                      <m:dPr>
+                        <m:ctrlPr>
+                          <a:rPr lang="en-US" sz="2800" i="1" smtClean="0">
+                            <a:latin typeface="Cambria Math" panose="02040503050406030204" pitchFamily="18" charset="0"/>
+                          </a:rPr>
+                        </m:ctrlPr>
+                      </m:dPr>
+                      <m:e>
+                        <m:r>
+                          <a:rPr lang="en-US" sz="2800" i="1" smtClean="0">
+                            <a:latin typeface="Cambria Math" panose="02040503050406030204" pitchFamily="18" charset="0"/>
+                          </a:rPr>
+                          <m:t>𝑌</m:t>
+                        </m:r>
+                        <m:r>
+                          <a:rPr lang="en-US" sz="2800" i="1" smtClean="0">
+                            <a:latin typeface="Cambria Math" panose="02040503050406030204" pitchFamily="18" charset="0"/>
+                          </a:rPr>
+                          <m:t>=1</m:t>
+                        </m:r>
+                      </m:e>
+                      <m:e>
+                        <m:r>
+                          <a:rPr lang="en-US" sz="2800" i="1" smtClean="0">
+                            <a:latin typeface="Cambria Math" panose="02040503050406030204" pitchFamily="18" charset="0"/>
+                          </a:rPr>
+                          <m:t>𝑋</m:t>
+                        </m:r>
+                      </m:e>
+                    </m:d>
+                  </m:oMath>
+                </a14:m>
+                <a:r>
+                  <a:rPr lang="en-US" sz="2800" b="0" dirty="0"/>
+                  <a:t> always has values between 0 and 1</a:t>
+                </a:r>
+                <a:endParaRPr lang="en-US" sz="2800" dirty="0"/>
+              </a:p>
+            </p:txBody>
+          </p:sp>
+        </mc:Choice>
+        <mc:Fallback>
+          <p:sp>
+            <p:nvSpPr>
+              <p:cNvPr id="5" name="TextBox 4">
+                <a:extLst>
+                  <a:ext uri="{FF2B5EF4-FFF2-40B4-BE49-F238E27FC236}">
+                    <a16:creationId xmlns:a16="http://schemas.microsoft.com/office/drawing/2014/main" id="{3268FCD1-85B2-92D4-B489-6CA8AA1CB4EE}"/>
+                  </a:ext>
+                </a:extLst>
+              </p:cNvPr>
+              <p:cNvSpPr txBox="1">
+                <a:spLocks noRot="1" noChangeAspect="1" noMove="1" noResize="1" noEditPoints="1" noAdjustHandles="1" noChangeArrowheads="1" noChangeShapeType="1" noTextEdit="1"/>
+              </p:cNvSpPr>
+              <p:nvPr/>
+            </p:nvSpPr>
+            <p:spPr>
+              <a:xfrm>
+                <a:off x="1005840" y="3370600"/>
+                <a:ext cx="9631680" cy="523220"/>
+              </a:xfrm>
+              <a:prstGeom prst="rect">
+                <a:avLst/>
+              </a:prstGeom>
+              <a:blipFill>
+                <a:blip r:embed="rId4"/>
+                <a:stretch>
+                  <a:fillRect l="-395" t="-11905" b="-30952"/>
+                </a:stretch>
+              </a:blipFill>
+            </p:spPr>
+            <p:txBody>
+              <a:bodyPr/>
+              <a:lstStyle/>
+              <a:p>
+                <a:r>
+                  <a:rPr lang="en-US">
+                    <a:noFill/>
+                  </a:rPr>
+                  <a:t> </a:t>
+                </a:r>
+              </a:p>
+            </p:txBody>
+          </p:sp>
+        </mc:Fallback>
+      </mc:AlternateContent>
+      <mc:AlternateContent xmlns:mc="http://schemas.openxmlformats.org/markup-compatibility/2006">
+        <mc:Choice xmlns:a14="http://schemas.microsoft.com/office/drawing/2010/main" Requires="a14">
+          <p:sp>
+            <p:nvSpPr>
+              <p:cNvPr id="6" name="TextBox 5">
+                <a:extLst>
+                  <a:ext uri="{FF2B5EF4-FFF2-40B4-BE49-F238E27FC236}">
+                    <a16:creationId xmlns:a16="http://schemas.microsoft.com/office/drawing/2014/main" id="{56A751E9-69D8-9E27-8CF6-7F85B959A467}"/>
+                  </a:ext>
+                </a:extLst>
+              </p:cNvPr>
+              <p:cNvSpPr txBox="1"/>
+              <p:nvPr/>
+            </p:nvSpPr>
+            <p:spPr>
+              <a:xfrm>
+                <a:off x="838200" y="4553690"/>
+                <a:ext cx="9311640" cy="917687"/>
+              </a:xfrm>
+              <a:prstGeom prst="rect">
+                <a:avLst/>
+              </a:prstGeom>
+              <a:noFill/>
+            </p:spPr>
+            <p:txBody>
+              <a:bodyPr wrap="square">
+                <a:spAutoFit/>
+              </a:bodyPr>
+              <a:lstStyle/>
+              <a:p>
+                <a14:m>
+                  <m:oMathPara xmlns:m="http://schemas.openxmlformats.org/officeDocument/2006/math">
+                    <m:oMathParaPr>
+                      <m:jc m:val="centerGroup"/>
+                    </m:oMathParaPr>
+                    <m:oMath xmlns:m="http://schemas.openxmlformats.org/officeDocument/2006/math">
+                      <m:func>
+                        <m:funcPr>
+                          <m:ctrlPr>
+                            <a:rPr lang="en-US" sz="2800" b="0" i="1" smtClean="0">
+                              <a:latin typeface="Cambria Math" panose="02040503050406030204" pitchFamily="18" charset="0"/>
+                            </a:rPr>
+                          </m:ctrlPr>
+                        </m:funcPr>
+                        <m:fName>
+                          <m:r>
+                            <m:rPr>
+                              <m:sty m:val="p"/>
+                            </m:rPr>
+                            <a:rPr lang="en-US" sz="2800" i="0" smtClean="0">
+                              <a:latin typeface="Cambria Math" panose="02040503050406030204" pitchFamily="18" charset="0"/>
+                            </a:rPr>
+                            <m:t>log</m:t>
+                          </m:r>
+                        </m:fName>
+                        <m:e>
+                          <m:d>
+                            <m:dPr>
+                              <m:ctrlPr>
+                                <a:rPr lang="en-US" sz="2800" b="0" i="1" smtClean="0">
+                                  <a:latin typeface="Cambria Math" panose="02040503050406030204" pitchFamily="18" charset="0"/>
+                                </a:rPr>
+                              </m:ctrlPr>
+                            </m:dPr>
+                            <m:e>
+                              <m:f>
+                                <m:fPr>
+                                  <m:ctrlPr>
+                                    <a:rPr lang="en-US" sz="2800" b="0" i="1" smtClean="0">
+                                      <a:latin typeface="Cambria Math" panose="02040503050406030204" pitchFamily="18" charset="0"/>
+                                    </a:rPr>
+                                  </m:ctrlPr>
+                                </m:fPr>
+                                <m:num>
+                                  <m:r>
+                                    <a:rPr lang="en-US" sz="2800" b="0" i="1" smtClean="0">
+                                      <a:latin typeface="Cambria Math" panose="02040503050406030204" pitchFamily="18" charset="0"/>
+                                    </a:rPr>
+                                    <m:t>𝑝</m:t>
+                                  </m:r>
+                                </m:num>
+                                <m:den>
+                                  <m:r>
+                                    <a:rPr lang="en-US" sz="2800" b="0" i="1" smtClean="0">
+                                      <a:latin typeface="Cambria Math" panose="02040503050406030204" pitchFamily="18" charset="0"/>
+                                    </a:rPr>
+                                    <m:t>1−</m:t>
+                                  </m:r>
+                                  <m:r>
+                                    <a:rPr lang="en-US" sz="2800" b="0" i="1" smtClean="0">
+                                      <a:latin typeface="Cambria Math" panose="02040503050406030204" pitchFamily="18" charset="0"/>
+                                    </a:rPr>
+                                    <m:t>𝑝</m:t>
+                                  </m:r>
+                                </m:den>
+                              </m:f>
+                            </m:e>
+                          </m:d>
+                        </m:e>
+                      </m:func>
+                      <m:r>
+                        <a:rPr lang="en-US" sz="2800" b="0" i="1" smtClean="0">
+                          <a:latin typeface="Cambria Math" panose="02040503050406030204" pitchFamily="18" charset="0"/>
+                        </a:rPr>
+                        <m:t>=</m:t>
+                      </m:r>
+                      <m:sSub>
+                        <m:sSubPr>
+                          <m:ctrlPr>
+                            <a:rPr lang="en-US" sz="2800" i="1">
+                              <a:latin typeface="Cambria Math" panose="02040503050406030204" pitchFamily="18" charset="0"/>
+                            </a:rPr>
+                          </m:ctrlPr>
+                        </m:sSubPr>
+                        <m:e>
+                          <m:r>
+                            <a:rPr lang="en-US" sz="2800" i="1">
+                              <a:latin typeface="Cambria Math" panose="02040503050406030204" pitchFamily="18" charset="0"/>
+                            </a:rPr>
+                            <m:t>𝛽</m:t>
+                          </m:r>
+                        </m:e>
+                        <m:sub>
+                          <m:r>
+                            <a:rPr lang="en-US" sz="2800" i="1">
+                              <a:latin typeface="Cambria Math" panose="02040503050406030204" pitchFamily="18" charset="0"/>
+                            </a:rPr>
+                            <m:t>0</m:t>
+                          </m:r>
+                        </m:sub>
+                      </m:sSub>
+                      <m:r>
+                        <a:rPr lang="en-US" sz="2800" i="1">
+                          <a:latin typeface="Cambria Math" panose="02040503050406030204" pitchFamily="18" charset="0"/>
+                        </a:rPr>
+                        <m:t>+</m:t>
+                      </m:r>
+                      <m:sSub>
+                        <m:sSubPr>
+                          <m:ctrlPr>
+                            <a:rPr lang="en-US" sz="2800" i="1">
+                              <a:latin typeface="Cambria Math" panose="02040503050406030204" pitchFamily="18" charset="0"/>
+                            </a:rPr>
+                          </m:ctrlPr>
+                        </m:sSubPr>
+                        <m:e>
+                          <m:r>
+                            <a:rPr lang="en-US" sz="2800" i="1">
+                              <a:latin typeface="Cambria Math" panose="02040503050406030204" pitchFamily="18" charset="0"/>
+                            </a:rPr>
+                            <m:t>𝛽</m:t>
+                          </m:r>
+                        </m:e>
+                        <m:sub>
+                          <m:r>
+                            <a:rPr lang="en-US" sz="2800" i="1">
+                              <a:latin typeface="Cambria Math" panose="02040503050406030204" pitchFamily="18" charset="0"/>
+                            </a:rPr>
+                            <m:t>1</m:t>
+                          </m:r>
+                        </m:sub>
+                      </m:sSub>
+                      <m:r>
+                        <m:rPr>
+                          <m:sty m:val="p"/>
+                        </m:rPr>
+                        <a:rPr lang="en-US" sz="2800" b="0" i="0" smtClean="0">
+                          <a:latin typeface="Cambria Math" panose="02040503050406030204" pitchFamily="18" charset="0"/>
+                        </a:rPr>
+                        <m:t>X</m:t>
+                      </m:r>
+                    </m:oMath>
+                  </m:oMathPara>
+                </a14:m>
+                <a:endParaRPr lang="en-US" sz="2800" dirty="0"/>
+              </a:p>
+            </p:txBody>
+          </p:sp>
+        </mc:Choice>
+        <mc:Fallback>
+          <p:sp>
+            <p:nvSpPr>
+              <p:cNvPr id="6" name="TextBox 5">
+                <a:extLst>
+                  <a:ext uri="{FF2B5EF4-FFF2-40B4-BE49-F238E27FC236}">
+                    <a16:creationId xmlns:a16="http://schemas.microsoft.com/office/drawing/2014/main" id="{56A751E9-69D8-9E27-8CF6-7F85B959A467}"/>
+                  </a:ext>
+                </a:extLst>
+              </p:cNvPr>
+              <p:cNvSpPr txBox="1">
+                <a:spLocks noRot="1" noChangeAspect="1" noMove="1" noResize="1" noEditPoints="1" noAdjustHandles="1" noChangeArrowheads="1" noChangeShapeType="1" noTextEdit="1"/>
+              </p:cNvSpPr>
+              <p:nvPr/>
+            </p:nvSpPr>
+            <p:spPr>
+              <a:xfrm>
+                <a:off x="838200" y="4553690"/>
+                <a:ext cx="9311640" cy="917687"/>
+              </a:xfrm>
+              <a:prstGeom prst="rect">
+                <a:avLst/>
+              </a:prstGeom>
+              <a:blipFill>
+                <a:blip r:embed="rId5"/>
+                <a:stretch>
+                  <a:fillRect b="-6757"/>
+                </a:stretch>
+              </a:blipFill>
+            </p:spPr>
+            <p:txBody>
+              <a:bodyPr/>
+              <a:lstStyle/>
+              <a:p>
+                <a:r>
+                  <a:rPr lang="en-US">
+                    <a:noFill/>
+                  </a:rPr>
+                  <a:t> </a:t>
+                </a:r>
+              </a:p>
+            </p:txBody>
+          </p:sp>
+        </mc:Fallback>
+      </mc:AlternateContent>
+    </p:spTree>
+    <p:extLst>
+      <p:ext uri="{BB962C8B-B14F-4D97-AF65-F5344CB8AC3E}">
+        <p14:creationId xmlns:p14="http://schemas.microsoft.com/office/powerpoint/2010/main" val="3433892090"/>
+      </p:ext>
+    </p:extLst>
+  </p:cSld>
+  <p:clrMapOvr>
+    <a:masterClrMapping/>
+  </p:clrMapOvr>
+</p:sld>
+</file>
+
+<file path=ppt/slides/slide5.xml><?xml version="1.0" encoding="utf-8"?>
+<p:sld xmlns:a="http://schemas.openxmlformats.org/drawingml/2006/main" xmlns:r="http://schemas.openxmlformats.org/officeDocument/2006/relationships" xmlns:p="http://schemas.openxmlformats.org/presentationml/2006/main">
+  <p:cSld>
+    <p:spTree>
+      <p:nvGrpSpPr>
+        <p:cNvPr id="1" name=""/>
+        <p:cNvGrpSpPr/>
+        <p:nvPr/>
+      </p:nvGrpSpPr>
+      <p:grpSpPr>
+        <a:xfrm>
+          <a:off x="0" y="0"/>
+          <a:ext cx="0" cy="0"/>
+          <a:chOff x="0" y="0"/>
+          <a:chExt cx="0" cy="0"/>
+        </a:xfrm>
+      </p:grpSpPr>
+      <p:sp>
+        <p:nvSpPr>
+          <p:cNvPr id="2" name="Title 1"/>
+          <p:cNvSpPr>
+            <a:spLocks noGrp="1"/>
+          </p:cNvSpPr>
+          <p:nvPr>
+            <p:ph type="title"/>
+          </p:nvPr>
+        </p:nvSpPr>
+        <p:spPr>
+          <a:xfrm>
+            <a:off x="838200" y="365126"/>
+            <a:ext cx="10515600" cy="981894"/>
+          </a:xfrm>
+        </p:spPr>
+        <p:txBody>
+          <a:bodyPr>
+            <a:normAutofit/>
+          </a:bodyPr>
+          <a:lstStyle/>
+          <a:p>
+            <a:r>
+              <a:rPr lang="en-US" dirty="0"/>
               <a:t>Linear Regression vs Logistic Regression</a:t>
             </a:r>
           </a:p>
@@ -5004,8 +5974,8 @@
         </p:blipFill>
         <p:spPr>
           <a:xfrm>
-            <a:off x="457391" y="1499420"/>
-            <a:ext cx="11277218" cy="4549774"/>
+            <a:off x="373475" y="1505059"/>
+            <a:ext cx="11376565" cy="4589855"/>
           </a:xfrm>
           <a:prstGeom prst="rect">
             <a:avLst/>
@@ -5025,7 +5995,1301 @@
 </p:sld>
 </file>
 
-<file path=ppt/slides/slide5.xml><?xml version="1.0" encoding="utf-8"?>
+<file path=ppt/slides/slide6.xml><?xml version="1.0" encoding="utf-8"?>
+<p:sld xmlns:a="http://schemas.openxmlformats.org/drawingml/2006/main" xmlns:r="http://schemas.openxmlformats.org/officeDocument/2006/relationships" xmlns:p="http://schemas.openxmlformats.org/presentationml/2006/main">
+  <p:cSld>
+    <p:spTree>
+      <p:nvGrpSpPr>
+        <p:cNvPr id="1" name=""/>
+        <p:cNvGrpSpPr/>
+        <p:nvPr/>
+      </p:nvGrpSpPr>
+      <p:grpSpPr>
+        <a:xfrm>
+          <a:off x="0" y="0"/>
+          <a:ext cx="0" cy="0"/>
+          <a:chOff x="0" y="0"/>
+          <a:chExt cx="0" cy="0"/>
+        </a:xfrm>
+      </p:grpSpPr>
+      <p:sp>
+        <p:nvSpPr>
+          <p:cNvPr id="2" name="Title 1"/>
+          <p:cNvSpPr>
+            <a:spLocks noGrp="1"/>
+          </p:cNvSpPr>
+          <p:nvPr>
+            <p:ph type="title"/>
+          </p:nvPr>
+        </p:nvSpPr>
+        <p:spPr>
+          <a:xfrm>
+            <a:off x="838200" y="365126"/>
+            <a:ext cx="10515600" cy="981894"/>
+          </a:xfrm>
+        </p:spPr>
+        <p:txBody>
+          <a:bodyPr>
+            <a:normAutofit/>
+          </a:bodyPr>
+          <a:lstStyle/>
+          <a:p>
+            <a:r>
+              <a:rPr lang="en-US" dirty="0"/>
+              <a:t>Maximum Likelihood Method</a:t>
+            </a:r>
+          </a:p>
+        </p:txBody>
+      </p:sp>
+      <p:sp>
+        <p:nvSpPr>
+          <p:cNvPr id="3" name="TextBox 2">
+            <a:extLst>
+              <a:ext uri="{FF2B5EF4-FFF2-40B4-BE49-F238E27FC236}">
+                <a16:creationId xmlns:a16="http://schemas.microsoft.com/office/drawing/2014/main" id="{A2A49E76-E37E-F1FA-B35E-804E4BAA6B47}"/>
+              </a:ext>
+            </a:extLst>
+          </p:cNvPr>
+          <p:cNvSpPr txBox="1"/>
+          <p:nvPr/>
+        </p:nvSpPr>
+        <p:spPr>
+          <a:xfrm>
+            <a:off x="838200" y="1876697"/>
+            <a:ext cx="10408920" cy="523220"/>
+          </a:xfrm>
+          <a:prstGeom prst="rect">
+            <a:avLst/>
+          </a:prstGeom>
+          <a:noFill/>
+        </p:spPr>
+        <p:txBody>
+          <a:bodyPr wrap="square">
+            <a:spAutoFit/>
+          </a:bodyPr>
+          <a:lstStyle/>
+          <a:p>
+            <a:pPr/>
+            <a:r>
+              <a:rPr lang="en-US" sz="2800" b="0" dirty="0"/>
+              <a:t>Commonly used for parameter estimation of logistic regression</a:t>
+            </a:r>
+            <a:endParaRPr lang="en-US" sz="2800" dirty="0"/>
+          </a:p>
+        </p:txBody>
+      </p:sp>
+      <p:sp>
+        <p:nvSpPr>
+          <p:cNvPr id="4" name="TextBox 3">
+            <a:extLst>
+              <a:ext uri="{FF2B5EF4-FFF2-40B4-BE49-F238E27FC236}">
+                <a16:creationId xmlns:a16="http://schemas.microsoft.com/office/drawing/2014/main" id="{EE570B9B-4EF1-AC8C-FF11-6B367FD07D84}"/>
+              </a:ext>
+            </a:extLst>
+          </p:cNvPr>
+          <p:cNvSpPr txBox="1"/>
+          <p:nvPr/>
+        </p:nvSpPr>
+        <p:spPr>
+          <a:xfrm>
+            <a:off x="891540" y="2929594"/>
+            <a:ext cx="10408920" cy="523220"/>
+          </a:xfrm>
+          <a:prstGeom prst="rect">
+            <a:avLst/>
+          </a:prstGeom>
+          <a:noFill/>
+        </p:spPr>
+        <p:txBody>
+          <a:bodyPr wrap="square">
+            <a:spAutoFit/>
+          </a:bodyPr>
+          <a:lstStyle/>
+          <a:p>
+            <a:pPr/>
+            <a:r>
+              <a:rPr lang="en-US" sz="2800" b="0" dirty="0"/>
+              <a:t>Assume that the predictors are independent</a:t>
+            </a:r>
+            <a:endParaRPr lang="en-US" sz="2800" dirty="0"/>
+          </a:p>
+        </p:txBody>
+      </p:sp>
+      <mc:AlternateContent xmlns:mc="http://schemas.openxmlformats.org/markup-compatibility/2006">
+        <mc:Choice xmlns:a14="http://schemas.microsoft.com/office/drawing/2010/main" Requires="a14">
+          <p:sp>
+            <p:nvSpPr>
+              <p:cNvPr id="5" name="TextBox 4">
+                <a:extLst>
+                  <a:ext uri="{FF2B5EF4-FFF2-40B4-BE49-F238E27FC236}">
+                    <a16:creationId xmlns:a16="http://schemas.microsoft.com/office/drawing/2014/main" id="{3C2DC1FF-A7F4-D991-DF17-15FAD947C6FE}"/>
+                  </a:ext>
+                </a:extLst>
+              </p:cNvPr>
+              <p:cNvSpPr txBox="1"/>
+              <p:nvPr/>
+            </p:nvSpPr>
+            <p:spPr>
+              <a:xfrm>
+                <a:off x="6461760" y="4080392"/>
+                <a:ext cx="4053840" cy="523220"/>
+              </a:xfrm>
+              <a:prstGeom prst="rect">
+                <a:avLst/>
+              </a:prstGeom>
+              <a:noFill/>
+            </p:spPr>
+            <p:txBody>
+              <a:bodyPr wrap="square">
+                <a:spAutoFit/>
+              </a:bodyPr>
+              <a:lstStyle/>
+              <a:p>
+                <a14:m>
+                  <m:oMathPara xmlns:m="http://schemas.openxmlformats.org/officeDocument/2006/math">
+                    <m:oMathParaPr>
+                      <m:jc m:val="centerGroup"/>
+                    </m:oMathParaPr>
+                    <m:oMath xmlns:m="http://schemas.openxmlformats.org/officeDocument/2006/math">
+                      <m:sSub>
+                        <m:sSubPr>
+                          <m:ctrlPr>
+                            <a:rPr lang="en-US" sz="2800" b="0" i="1" smtClean="0">
+                              <a:latin typeface="Cambria Math" panose="02040503050406030204" pitchFamily="18" charset="0"/>
+                            </a:rPr>
+                          </m:ctrlPr>
+                        </m:sSubPr>
+                        <m:e>
+                          <m:r>
+                            <a:rPr lang="en-US" sz="2800" b="0" i="1" smtClean="0">
+                              <a:latin typeface="Cambria Math" panose="02040503050406030204" pitchFamily="18" charset="0"/>
+                            </a:rPr>
+                            <m:t>𝑝</m:t>
+                          </m:r>
+                        </m:e>
+                        <m:sub>
+                          <m:r>
+                            <a:rPr lang="en-US" sz="2800" b="0" i="1" smtClean="0">
+                              <a:latin typeface="Cambria Math" panose="02040503050406030204" pitchFamily="18" charset="0"/>
+                            </a:rPr>
+                            <m:t>𝑖</m:t>
+                          </m:r>
+                        </m:sub>
+                      </m:sSub>
+                      <m:r>
+                        <a:rPr lang="en-US" sz="2800" b="0" i="1" smtClean="0">
+                          <a:latin typeface="Cambria Math" panose="02040503050406030204" pitchFamily="18" charset="0"/>
+                        </a:rPr>
+                        <m:t>= </m:t>
+                      </m:r>
+                      <m:r>
+                        <a:rPr lang="en-US" sz="2800" i="1">
+                          <a:latin typeface="Cambria Math" panose="02040503050406030204" pitchFamily="18" charset="0"/>
+                        </a:rPr>
+                        <m:t>𝑝</m:t>
+                      </m:r>
+                      <m:r>
+                        <a:rPr lang="en-US" sz="2800" i="1">
+                          <a:latin typeface="Cambria Math" panose="02040503050406030204" pitchFamily="18" charset="0"/>
+                        </a:rPr>
+                        <m:t>(</m:t>
+                      </m:r>
+                      <m:sSub>
+                        <m:sSubPr>
+                          <m:ctrlPr>
+                            <a:rPr lang="en-US" sz="2800" b="0" i="1" smtClean="0">
+                              <a:latin typeface="Cambria Math" panose="02040503050406030204" pitchFamily="18" charset="0"/>
+                            </a:rPr>
+                          </m:ctrlPr>
+                        </m:sSubPr>
+                        <m:e>
+                          <m:r>
+                            <a:rPr lang="en-US" sz="2800" b="0" i="1" smtClean="0">
+                              <a:latin typeface="Cambria Math" panose="02040503050406030204" pitchFamily="18" charset="0"/>
+                            </a:rPr>
+                            <m:t>𝑦</m:t>
+                          </m:r>
+                        </m:e>
+                        <m:sub>
+                          <m:r>
+                            <a:rPr lang="en-US" sz="2800" b="0" i="1" smtClean="0">
+                              <a:latin typeface="Cambria Math" panose="02040503050406030204" pitchFamily="18" charset="0"/>
+                            </a:rPr>
+                            <m:t>𝑖</m:t>
+                          </m:r>
+                        </m:sub>
+                      </m:sSub>
+                      <m:r>
+                        <a:rPr lang="en-US" sz="2800" i="1">
+                          <a:latin typeface="Cambria Math" panose="02040503050406030204" pitchFamily="18" charset="0"/>
+                        </a:rPr>
+                        <m:t>=1|</m:t>
+                      </m:r>
+                      <m:sSub>
+                        <m:sSubPr>
+                          <m:ctrlPr>
+                            <a:rPr lang="en-US" sz="2800" b="0" i="1" smtClean="0">
+                              <a:latin typeface="Cambria Math" panose="02040503050406030204" pitchFamily="18" charset="0"/>
+                            </a:rPr>
+                          </m:ctrlPr>
+                        </m:sSubPr>
+                        <m:e>
+                          <m:r>
+                            <a:rPr lang="en-US" sz="2800" b="0" i="1" smtClean="0">
+                              <a:latin typeface="Cambria Math" panose="02040503050406030204" pitchFamily="18" charset="0"/>
+                            </a:rPr>
+                            <m:t>𝑥</m:t>
+                          </m:r>
+                        </m:e>
+                        <m:sub>
+                          <m:r>
+                            <a:rPr lang="en-US" sz="2800" b="0" i="1" smtClean="0">
+                              <a:latin typeface="Cambria Math" panose="02040503050406030204" pitchFamily="18" charset="0"/>
+                            </a:rPr>
+                            <m:t>𝑖</m:t>
+                          </m:r>
+                        </m:sub>
+                      </m:sSub>
+                      <m:r>
+                        <a:rPr lang="en-US" sz="2800" i="1">
+                          <a:latin typeface="Cambria Math" panose="02040503050406030204" pitchFamily="18" charset="0"/>
+                        </a:rPr>
+                        <m:t>)</m:t>
+                      </m:r>
+                    </m:oMath>
+                  </m:oMathPara>
+                </a14:m>
+                <a:endParaRPr lang="en-US" sz="2800" dirty="0"/>
+              </a:p>
+            </p:txBody>
+          </p:sp>
+        </mc:Choice>
+        <mc:Fallback>
+          <p:sp>
+            <p:nvSpPr>
+              <p:cNvPr id="5" name="TextBox 4">
+                <a:extLst>
+                  <a:ext uri="{FF2B5EF4-FFF2-40B4-BE49-F238E27FC236}">
+                    <a16:creationId xmlns:a16="http://schemas.microsoft.com/office/drawing/2014/main" id="{3C2DC1FF-A7F4-D991-DF17-15FAD947C6FE}"/>
+                  </a:ext>
+                </a:extLst>
+              </p:cNvPr>
+              <p:cNvSpPr txBox="1">
+                <a:spLocks noRot="1" noChangeAspect="1" noMove="1" noResize="1" noEditPoints="1" noAdjustHandles="1" noChangeArrowheads="1" noChangeShapeType="1" noTextEdit="1"/>
+              </p:cNvSpPr>
+              <p:nvPr/>
+            </p:nvSpPr>
+            <p:spPr>
+              <a:xfrm>
+                <a:off x="6461760" y="4080392"/>
+                <a:ext cx="4053840" cy="523220"/>
+              </a:xfrm>
+              <a:prstGeom prst="rect">
+                <a:avLst/>
+              </a:prstGeom>
+              <a:blipFill>
+                <a:blip r:embed="rId3"/>
+                <a:stretch>
+                  <a:fillRect b="-21429"/>
+                </a:stretch>
+              </a:blipFill>
+            </p:spPr>
+            <p:txBody>
+              <a:bodyPr/>
+              <a:lstStyle/>
+              <a:p>
+                <a:r>
+                  <a:rPr lang="en-US">
+                    <a:noFill/>
+                  </a:rPr>
+                  <a:t> </a:t>
+                </a:r>
+              </a:p>
+            </p:txBody>
+          </p:sp>
+        </mc:Fallback>
+      </mc:AlternateContent>
+      <mc:AlternateContent xmlns:mc="http://schemas.openxmlformats.org/markup-compatibility/2006">
+        <mc:Choice xmlns:a14="http://schemas.microsoft.com/office/drawing/2010/main" Requires="a14">
+          <p:sp>
+            <p:nvSpPr>
+              <p:cNvPr id="6" name="TextBox 5">
+                <a:extLst>
+                  <a:ext uri="{FF2B5EF4-FFF2-40B4-BE49-F238E27FC236}">
+                    <a16:creationId xmlns:a16="http://schemas.microsoft.com/office/drawing/2014/main" id="{F0B1FB84-B5E0-5F15-6E25-631C3F49A2CE}"/>
+                  </a:ext>
+                </a:extLst>
+              </p:cNvPr>
+              <p:cNvSpPr txBox="1"/>
+              <p:nvPr/>
+            </p:nvSpPr>
+            <p:spPr>
+              <a:xfrm>
+                <a:off x="1143000" y="4089713"/>
+                <a:ext cx="5715000" cy="579646"/>
+              </a:xfrm>
+              <a:prstGeom prst="rect">
+                <a:avLst/>
+              </a:prstGeom>
+              <a:noFill/>
+            </p:spPr>
+            <p:txBody>
+              <a:bodyPr wrap="square">
+                <a:spAutoFit/>
+              </a:bodyPr>
+              <a:lstStyle/>
+              <a:p>
+                <a14:m>
+                  <m:oMath xmlns:m="http://schemas.openxmlformats.org/officeDocument/2006/math">
+                    <m:r>
+                      <a:rPr lang="en-US" sz="2800" b="0" i="1" smtClean="0">
+                        <a:latin typeface="Cambria Math" panose="02040503050406030204" pitchFamily="18" charset="0"/>
+                      </a:rPr>
+                      <m:t>𝑝</m:t>
+                    </m:r>
+                    <m:d>
+                      <m:dPr>
+                        <m:ctrlPr>
+                          <a:rPr lang="en-US" sz="2800" b="0" i="1" smtClean="0">
+                            <a:latin typeface="Cambria Math" panose="02040503050406030204" pitchFamily="18" charset="0"/>
+                          </a:rPr>
+                        </m:ctrlPr>
+                      </m:dPr>
+                      <m:e>
+                        <m:r>
+                          <a:rPr lang="en-US" sz="2800" b="0" i="1" smtClean="0">
+                            <a:latin typeface="Cambria Math" panose="02040503050406030204" pitchFamily="18" charset="0"/>
+                          </a:rPr>
+                          <m:t>𝐷</m:t>
+                        </m:r>
+                      </m:e>
+                    </m:d>
+                    <m:r>
+                      <a:rPr lang="en-US" sz="2800" b="0" i="1" smtClean="0">
+                        <a:latin typeface="Cambria Math" panose="02040503050406030204" pitchFamily="18" charset="0"/>
+                      </a:rPr>
+                      <m:t>= </m:t>
+                    </m:r>
+                    <m:nary>
+                      <m:naryPr>
+                        <m:chr m:val="∏"/>
+                        <m:supHide m:val="on"/>
+                        <m:ctrlPr>
+                          <a:rPr lang="en-US" sz="2800" b="0" i="1" smtClean="0">
+                            <a:latin typeface="Cambria Math" panose="02040503050406030204" pitchFamily="18" charset="0"/>
+                          </a:rPr>
+                        </m:ctrlPr>
+                      </m:naryPr>
+                      <m:sub>
+                        <m:r>
+                          <m:rPr>
+                            <m:brk m:alnAt="7"/>
+                          </m:rPr>
+                          <a:rPr lang="en-US" sz="2800" b="0" i="1" smtClean="0">
+                            <a:latin typeface="Cambria Math" panose="02040503050406030204" pitchFamily="18" charset="0"/>
+                          </a:rPr>
+                          <m:t>𝑖</m:t>
+                        </m:r>
+                        <m:r>
+                          <a:rPr lang="en-US" sz="2800" b="0" i="1" smtClean="0">
+                            <a:latin typeface="Cambria Math" panose="02040503050406030204" pitchFamily="18" charset="0"/>
+                          </a:rPr>
+                          <m:t>:</m:t>
+                        </m:r>
+                        <m:sSub>
+                          <m:sSubPr>
+                            <m:ctrlPr>
+                              <a:rPr lang="en-US" sz="2800" b="0" i="1" smtClean="0">
+                                <a:latin typeface="Cambria Math" panose="02040503050406030204" pitchFamily="18" charset="0"/>
+                              </a:rPr>
+                            </m:ctrlPr>
+                          </m:sSubPr>
+                          <m:e>
+                            <m:r>
+                              <m:rPr>
+                                <m:brk m:alnAt="7"/>
+                              </m:rPr>
+                              <a:rPr lang="en-US" sz="2800" b="0" i="1" smtClean="0">
+                                <a:latin typeface="Cambria Math" panose="02040503050406030204" pitchFamily="18" charset="0"/>
+                              </a:rPr>
+                              <m:t>𝑦</m:t>
+                            </m:r>
+                          </m:e>
+                          <m:sub>
+                            <m:r>
+                              <m:rPr>
+                                <m:brk m:alnAt="7"/>
+                              </m:rPr>
+                              <a:rPr lang="en-US" sz="2800" b="0" i="1" smtClean="0">
+                                <a:latin typeface="Cambria Math" panose="02040503050406030204" pitchFamily="18" charset="0"/>
+                              </a:rPr>
+                              <m:t>𝑖</m:t>
+                            </m:r>
+                          </m:sub>
+                        </m:sSub>
+                        <m:r>
+                          <m:rPr>
+                            <m:brk m:alnAt="7"/>
+                          </m:rPr>
+                          <a:rPr lang="en-US" sz="2800" b="0" i="1" smtClean="0">
+                            <a:latin typeface="Cambria Math" panose="02040503050406030204" pitchFamily="18" charset="0"/>
+                          </a:rPr>
+                          <m:t>=1</m:t>
+                        </m:r>
+                      </m:sub>
+                      <m:sup/>
+                      <m:e>
+                        <m:sSub>
+                          <m:sSubPr>
+                            <m:ctrlPr>
+                              <a:rPr lang="en-US" sz="2800" b="0" i="1" smtClean="0">
+                                <a:latin typeface="Cambria Math" panose="02040503050406030204" pitchFamily="18" charset="0"/>
+                              </a:rPr>
+                            </m:ctrlPr>
+                          </m:sSubPr>
+                          <m:e>
+                            <m:r>
+                              <a:rPr lang="en-US" sz="2800" b="0" i="1" smtClean="0">
+                                <a:latin typeface="Cambria Math" panose="02040503050406030204" pitchFamily="18" charset="0"/>
+                              </a:rPr>
+                              <m:t>𝑝</m:t>
+                            </m:r>
+                          </m:e>
+                          <m:sub>
+                            <m:r>
+                              <a:rPr lang="en-US" sz="2800" b="0" i="1" smtClean="0">
+                                <a:latin typeface="Cambria Math" panose="02040503050406030204" pitchFamily="18" charset="0"/>
+                              </a:rPr>
+                              <m:t>𝑖</m:t>
+                            </m:r>
+                          </m:sub>
+                        </m:sSub>
+                      </m:e>
+                    </m:nary>
+                  </m:oMath>
+                </a14:m>
+                <a:r>
+                  <a:rPr lang="en-US" sz="2800" dirty="0"/>
+                  <a:t> </a:t>
+                </a:r>
+                <a14:m>
+                  <m:oMath xmlns:m="http://schemas.openxmlformats.org/officeDocument/2006/math">
+                    <m:nary>
+                      <m:naryPr>
+                        <m:chr m:val="∏"/>
+                        <m:supHide m:val="on"/>
+                        <m:ctrlPr>
+                          <a:rPr lang="en-US" sz="2800" i="1">
+                            <a:latin typeface="Cambria Math" panose="02040503050406030204" pitchFamily="18" charset="0"/>
+                          </a:rPr>
+                        </m:ctrlPr>
+                      </m:naryPr>
+                      <m:sub>
+                        <m:r>
+                          <m:rPr>
+                            <m:brk m:alnAt="7"/>
+                          </m:rPr>
+                          <a:rPr lang="en-US" sz="2800" i="1">
+                            <a:latin typeface="Cambria Math" panose="02040503050406030204" pitchFamily="18" charset="0"/>
+                          </a:rPr>
+                          <m:t>𝑖</m:t>
+                        </m:r>
+                        <m:r>
+                          <a:rPr lang="en-US" sz="2800" i="1">
+                            <a:latin typeface="Cambria Math" panose="02040503050406030204" pitchFamily="18" charset="0"/>
+                          </a:rPr>
+                          <m:t>:</m:t>
+                        </m:r>
+                        <m:sSub>
+                          <m:sSubPr>
+                            <m:ctrlPr>
+                              <a:rPr lang="en-US" sz="2800" i="1">
+                                <a:latin typeface="Cambria Math" panose="02040503050406030204" pitchFamily="18" charset="0"/>
+                              </a:rPr>
+                            </m:ctrlPr>
+                          </m:sSubPr>
+                          <m:e>
+                            <m:r>
+                              <m:rPr>
+                                <m:brk m:alnAt="7"/>
+                              </m:rPr>
+                              <a:rPr lang="en-US" sz="2800" i="1">
+                                <a:latin typeface="Cambria Math" panose="02040503050406030204" pitchFamily="18" charset="0"/>
+                              </a:rPr>
+                              <m:t>𝑦</m:t>
+                            </m:r>
+                          </m:e>
+                          <m:sub>
+                            <m:r>
+                              <m:rPr>
+                                <m:brk m:alnAt="7"/>
+                              </m:rPr>
+                              <a:rPr lang="en-US" sz="2800" i="1">
+                                <a:latin typeface="Cambria Math" panose="02040503050406030204" pitchFamily="18" charset="0"/>
+                              </a:rPr>
+                              <m:t>𝑖</m:t>
+                            </m:r>
+                          </m:sub>
+                        </m:sSub>
+                        <m:r>
+                          <m:rPr>
+                            <m:brk m:alnAt="7"/>
+                          </m:rPr>
+                          <a:rPr lang="en-US" sz="2800" i="1">
+                            <a:latin typeface="Cambria Math" panose="02040503050406030204" pitchFamily="18" charset="0"/>
+                          </a:rPr>
+                          <m:t>=</m:t>
+                        </m:r>
+                        <m:r>
+                          <a:rPr lang="en-US" sz="2800" b="0" i="1" smtClean="0">
+                            <a:latin typeface="Cambria Math" panose="02040503050406030204" pitchFamily="18" charset="0"/>
+                          </a:rPr>
+                          <m:t>0</m:t>
+                        </m:r>
+                      </m:sub>
+                      <m:sup/>
+                      <m:e>
+                        <m:sSub>
+                          <m:sSubPr>
+                            <m:ctrlPr>
+                              <a:rPr lang="en-US" sz="2800" i="1">
+                                <a:latin typeface="Cambria Math" panose="02040503050406030204" pitchFamily="18" charset="0"/>
+                              </a:rPr>
+                            </m:ctrlPr>
+                          </m:sSubPr>
+                          <m:e>
+                            <m:r>
+                              <a:rPr lang="en-US" sz="2800" b="0" i="1" smtClean="0">
+                                <a:latin typeface="Cambria Math" panose="02040503050406030204" pitchFamily="18" charset="0"/>
+                              </a:rPr>
+                              <m:t>(1− </m:t>
+                            </m:r>
+                            <m:r>
+                              <a:rPr lang="en-US" sz="2800" i="1">
+                                <a:latin typeface="Cambria Math" panose="02040503050406030204" pitchFamily="18" charset="0"/>
+                              </a:rPr>
+                              <m:t>𝑝</m:t>
+                            </m:r>
+                          </m:e>
+                          <m:sub>
+                            <m:r>
+                              <a:rPr lang="en-US" sz="2800" i="1">
+                                <a:latin typeface="Cambria Math" panose="02040503050406030204" pitchFamily="18" charset="0"/>
+                              </a:rPr>
+                              <m:t>𝑖</m:t>
+                            </m:r>
+                          </m:sub>
+                        </m:sSub>
+                        <m:r>
+                          <a:rPr lang="en-US" sz="2800" b="0" i="1" smtClean="0">
+                            <a:latin typeface="Cambria Math" panose="02040503050406030204" pitchFamily="18" charset="0"/>
+                          </a:rPr>
+                          <m:t>)</m:t>
+                        </m:r>
+                      </m:e>
+                    </m:nary>
+                  </m:oMath>
+                </a14:m>
+                <a:endParaRPr lang="en-US" sz="2800" dirty="0"/>
+              </a:p>
+            </p:txBody>
+          </p:sp>
+        </mc:Choice>
+        <mc:Fallback>
+          <p:sp>
+            <p:nvSpPr>
+              <p:cNvPr id="6" name="TextBox 5">
+                <a:extLst>
+                  <a:ext uri="{FF2B5EF4-FFF2-40B4-BE49-F238E27FC236}">
+                    <a16:creationId xmlns:a16="http://schemas.microsoft.com/office/drawing/2014/main" id="{F0B1FB84-B5E0-5F15-6E25-631C3F49A2CE}"/>
+                  </a:ext>
+                </a:extLst>
+              </p:cNvPr>
+              <p:cNvSpPr txBox="1">
+                <a:spLocks noRot="1" noChangeAspect="1" noMove="1" noResize="1" noEditPoints="1" noAdjustHandles="1" noChangeArrowheads="1" noChangeShapeType="1" noTextEdit="1"/>
+              </p:cNvSpPr>
+              <p:nvPr/>
+            </p:nvSpPr>
+            <p:spPr>
+              <a:xfrm>
+                <a:off x="1143000" y="4089713"/>
+                <a:ext cx="5715000" cy="579646"/>
+              </a:xfrm>
+              <a:prstGeom prst="rect">
+                <a:avLst/>
+              </a:prstGeom>
+              <a:blipFill>
+                <a:blip r:embed="rId4"/>
+                <a:stretch>
+                  <a:fillRect l="-667" t="-115217" b="-167391"/>
+                </a:stretch>
+              </a:blipFill>
+            </p:spPr>
+            <p:txBody>
+              <a:bodyPr/>
+              <a:lstStyle/>
+              <a:p>
+                <a:r>
+                  <a:rPr lang="en-US">
+                    <a:noFill/>
+                  </a:rPr>
+                  <a:t> </a:t>
+                </a:r>
+              </a:p>
+            </p:txBody>
+          </p:sp>
+        </mc:Fallback>
+      </mc:AlternateContent>
+      <p:sp>
+        <p:nvSpPr>
+          <p:cNvPr id="7" name="TextBox 6">
+            <a:extLst>
+              <a:ext uri="{FF2B5EF4-FFF2-40B4-BE49-F238E27FC236}">
+                <a16:creationId xmlns:a16="http://schemas.microsoft.com/office/drawing/2014/main" id="{ECB31C2B-5FB3-C586-1235-43A60EF44E12}"/>
+              </a:ext>
+            </a:extLst>
+          </p:cNvPr>
+          <p:cNvSpPr txBox="1"/>
+          <p:nvPr/>
+        </p:nvSpPr>
+        <p:spPr>
+          <a:xfrm>
+            <a:off x="838200" y="5138284"/>
+            <a:ext cx="10408920" cy="523220"/>
+          </a:xfrm>
+          <a:prstGeom prst="rect">
+            <a:avLst/>
+          </a:prstGeom>
+          <a:noFill/>
+        </p:spPr>
+        <p:txBody>
+          <a:bodyPr wrap="square">
+            <a:spAutoFit/>
+          </a:bodyPr>
+          <a:lstStyle/>
+          <a:p>
+            <a:pPr/>
+            <a:r>
+              <a:rPr lang="en-US" sz="2800" b="0" dirty="0"/>
+              <a:t>This likelihood characterizes the probability of the observed data</a:t>
+            </a:r>
+            <a:endParaRPr lang="en-US" sz="2800" dirty="0"/>
+          </a:p>
+        </p:txBody>
+      </p:sp>
+    </p:spTree>
+    <p:extLst>
+      <p:ext uri="{BB962C8B-B14F-4D97-AF65-F5344CB8AC3E}">
+        <p14:creationId xmlns:p14="http://schemas.microsoft.com/office/powerpoint/2010/main" val="2233701950"/>
+      </p:ext>
+    </p:extLst>
+  </p:cSld>
+  <p:clrMapOvr>
+    <a:masterClrMapping/>
+  </p:clrMapOvr>
+</p:sld>
+</file>
+
+<file path=ppt/slides/slide7.xml><?xml version="1.0" encoding="utf-8"?>
+<p:sld xmlns:a="http://schemas.openxmlformats.org/drawingml/2006/main" xmlns:r="http://schemas.openxmlformats.org/officeDocument/2006/relationships" xmlns:p="http://schemas.openxmlformats.org/presentationml/2006/main">
+  <p:cSld>
+    <p:spTree>
+      <p:nvGrpSpPr>
+        <p:cNvPr id="1" name=""/>
+        <p:cNvGrpSpPr/>
+        <p:nvPr/>
+      </p:nvGrpSpPr>
+      <p:grpSpPr>
+        <a:xfrm>
+          <a:off x="0" y="0"/>
+          <a:ext cx="0" cy="0"/>
+          <a:chOff x="0" y="0"/>
+          <a:chExt cx="0" cy="0"/>
+        </a:xfrm>
+      </p:grpSpPr>
+      <p:sp>
+        <p:nvSpPr>
+          <p:cNvPr id="2" name="Title 1"/>
+          <p:cNvSpPr>
+            <a:spLocks noGrp="1"/>
+          </p:cNvSpPr>
+          <p:nvPr>
+            <p:ph type="title"/>
+          </p:nvPr>
+        </p:nvSpPr>
+        <p:spPr>
+          <a:xfrm>
+            <a:off x="838200" y="365126"/>
+            <a:ext cx="10515600" cy="981894"/>
+          </a:xfrm>
+        </p:spPr>
+        <p:txBody>
+          <a:bodyPr>
+            <a:normAutofit/>
+          </a:bodyPr>
+          <a:lstStyle/>
+          <a:p>
+            <a:r>
+              <a:rPr lang="en-US" dirty="0"/>
+              <a:t>Maximum Likelihood Method</a:t>
+            </a:r>
+          </a:p>
+        </p:txBody>
+      </p:sp>
+      <mc:AlternateContent xmlns:mc="http://schemas.openxmlformats.org/markup-compatibility/2006">
+        <mc:Choice xmlns:a14="http://schemas.microsoft.com/office/drawing/2010/main" Requires="a14">
+          <p:sp>
+            <p:nvSpPr>
+              <p:cNvPr id="3" name="TextBox 2">
+                <a:extLst>
+                  <a:ext uri="{FF2B5EF4-FFF2-40B4-BE49-F238E27FC236}">
+                    <a16:creationId xmlns:a16="http://schemas.microsoft.com/office/drawing/2014/main" id="{DE149E9A-DFC8-67B7-B37A-32508371654C}"/>
+                  </a:ext>
+                </a:extLst>
+              </p:cNvPr>
+              <p:cNvSpPr txBox="1"/>
+              <p:nvPr/>
+            </p:nvSpPr>
+            <p:spPr>
+              <a:xfrm>
+                <a:off x="1356360" y="1742753"/>
+                <a:ext cx="8427720" cy="1194045"/>
+              </a:xfrm>
+              <a:prstGeom prst="rect">
+                <a:avLst/>
+              </a:prstGeom>
+              <a:noFill/>
+            </p:spPr>
+            <p:txBody>
+              <a:bodyPr wrap="square">
+                <a:spAutoFit/>
+              </a:bodyPr>
+              <a:lstStyle/>
+              <a:p>
+                <a14:m>
+                  <m:oMathPara xmlns:m="http://schemas.openxmlformats.org/officeDocument/2006/math">
+                    <m:oMathParaPr>
+                      <m:jc m:val="centerGroup"/>
+                    </m:oMathParaPr>
+                    <m:oMath xmlns:m="http://schemas.openxmlformats.org/officeDocument/2006/math">
+                      <m:func>
+                        <m:funcPr>
+                          <m:ctrlPr>
+                            <a:rPr lang="en-US" sz="2800" b="0" i="1" smtClean="0">
+                              <a:latin typeface="Cambria Math" panose="02040503050406030204" pitchFamily="18" charset="0"/>
+                            </a:rPr>
+                          </m:ctrlPr>
+                        </m:funcPr>
+                        <m:fName>
+                          <m:limLow>
+                            <m:limLowPr>
+                              <m:ctrlPr>
+                                <a:rPr lang="en-US" sz="2800" b="0" i="1" smtClean="0">
+                                  <a:latin typeface="Cambria Math" panose="02040503050406030204" pitchFamily="18" charset="0"/>
+                                </a:rPr>
+                              </m:ctrlPr>
+                            </m:limLowPr>
+                            <m:e>
+                              <m:r>
+                                <m:rPr>
+                                  <m:sty m:val="p"/>
+                                </m:rPr>
+                                <a:rPr lang="en-US" sz="2800" b="0" i="0" smtClean="0">
+                                  <a:latin typeface="Cambria Math" panose="02040503050406030204" pitchFamily="18" charset="0"/>
+                                </a:rPr>
+                                <m:t>max</m:t>
+                              </m:r>
+                            </m:e>
+                            <m:lim>
+                              <m:sSub>
+                                <m:sSubPr>
+                                  <m:ctrlPr>
+                                    <a:rPr lang="en-US" sz="2800" i="1" dirty="0">
+                                      <a:latin typeface="Cambria Math" panose="02040503050406030204" pitchFamily="18" charset="0"/>
+                                    </a:rPr>
+                                  </m:ctrlPr>
+                                </m:sSubPr>
+                                <m:e>
+                                  <m:acc>
+                                    <m:accPr>
+                                      <m:chr m:val="̂"/>
+                                      <m:ctrlPr>
+                                        <a:rPr lang="en-US" sz="2800" i="1">
+                                          <a:latin typeface="Cambria Math" panose="02040503050406030204" pitchFamily="18" charset="0"/>
+                                        </a:rPr>
+                                      </m:ctrlPr>
+                                    </m:accPr>
+                                    <m:e>
+                                      <m:r>
+                                        <a:rPr lang="en-US" sz="2800" i="1">
+                                          <a:latin typeface="Cambria Math" panose="02040503050406030204" pitchFamily="18" charset="0"/>
+                                        </a:rPr>
+                                        <m:t>𝛽</m:t>
+                                      </m:r>
+                                    </m:e>
+                                  </m:acc>
+                                </m:e>
+                                <m:sub>
+                                  <m:r>
+                                    <a:rPr lang="en-US" sz="2800" i="1" dirty="0">
+                                      <a:latin typeface="Cambria Math" panose="02040503050406030204" pitchFamily="18" charset="0"/>
+                                    </a:rPr>
+                                    <m:t>0</m:t>
+                                  </m:r>
+                                </m:sub>
+                              </m:sSub>
+                              <m:r>
+                                <a:rPr lang="en-US" sz="2800" b="0" i="1" dirty="0" smtClean="0">
+                                  <a:latin typeface="Cambria Math" panose="02040503050406030204" pitchFamily="18" charset="0"/>
+                                </a:rPr>
+                                <m:t>,</m:t>
+                              </m:r>
+                              <m:sSub>
+                                <m:sSubPr>
+                                  <m:ctrlPr>
+                                    <a:rPr lang="en-US" sz="2800" i="1" dirty="0">
+                                      <a:latin typeface="Cambria Math" panose="02040503050406030204" pitchFamily="18" charset="0"/>
+                                    </a:rPr>
+                                  </m:ctrlPr>
+                                </m:sSubPr>
+                                <m:e>
+                                  <m:acc>
+                                    <m:accPr>
+                                      <m:chr m:val="̂"/>
+                                      <m:ctrlPr>
+                                        <a:rPr lang="en-US" sz="2800" i="1">
+                                          <a:latin typeface="Cambria Math" panose="02040503050406030204" pitchFamily="18" charset="0"/>
+                                        </a:rPr>
+                                      </m:ctrlPr>
+                                    </m:accPr>
+                                    <m:e>
+                                      <m:r>
+                                        <a:rPr lang="en-US" sz="2800" i="1">
+                                          <a:latin typeface="Cambria Math" panose="02040503050406030204" pitchFamily="18" charset="0"/>
+                                        </a:rPr>
+                                        <m:t>𝛽</m:t>
+                                      </m:r>
+                                    </m:e>
+                                  </m:acc>
+                                </m:e>
+                                <m:sub>
+                                  <m:r>
+                                    <a:rPr lang="en-US" sz="2800" i="1">
+                                      <a:latin typeface="Cambria Math" panose="02040503050406030204" pitchFamily="18" charset="0"/>
+                                    </a:rPr>
+                                    <m:t>1</m:t>
+                                  </m:r>
+                                </m:sub>
+                              </m:sSub>
+                            </m:lim>
+                          </m:limLow>
+                        </m:fName>
+                        <m:e>
+                          <m:r>
+                            <a:rPr lang="en-US" sz="2800" b="0" i="1" smtClean="0">
+                              <a:latin typeface="Cambria Math" panose="02040503050406030204" pitchFamily="18" charset="0"/>
+                            </a:rPr>
+                            <m:t> </m:t>
+                          </m:r>
+                          <m:r>
+                            <a:rPr lang="en-US" sz="2800" i="1">
+                              <a:latin typeface="Cambria Math" panose="02040503050406030204" pitchFamily="18" charset="0"/>
+                            </a:rPr>
+                            <m:t>𝑝</m:t>
+                          </m:r>
+                          <m:d>
+                            <m:dPr>
+                              <m:ctrlPr>
+                                <a:rPr lang="en-US" sz="2800" i="1">
+                                  <a:latin typeface="Cambria Math" panose="02040503050406030204" pitchFamily="18" charset="0"/>
+                                </a:rPr>
+                              </m:ctrlPr>
+                            </m:dPr>
+                            <m:e>
+                              <m:r>
+                                <a:rPr lang="en-US" sz="2800" i="1">
+                                  <a:latin typeface="Cambria Math" panose="02040503050406030204" pitchFamily="18" charset="0"/>
+                                </a:rPr>
+                                <m:t>𝐷</m:t>
+                              </m:r>
+                            </m:e>
+                          </m:d>
+                          <m:r>
+                            <a:rPr lang="en-US" sz="2800" i="1">
+                              <a:latin typeface="Cambria Math" panose="02040503050406030204" pitchFamily="18" charset="0"/>
+                            </a:rPr>
+                            <m:t>= </m:t>
+                          </m:r>
+                          <m:nary>
+                            <m:naryPr>
+                              <m:chr m:val="∏"/>
+                              <m:supHide m:val="on"/>
+                              <m:ctrlPr>
+                                <a:rPr lang="en-US" sz="2800" i="1">
+                                  <a:latin typeface="Cambria Math" panose="02040503050406030204" pitchFamily="18" charset="0"/>
+                                </a:rPr>
+                              </m:ctrlPr>
+                            </m:naryPr>
+                            <m:sub>
+                              <m:r>
+                                <m:rPr>
+                                  <m:brk m:alnAt="7"/>
+                                </m:rPr>
+                                <a:rPr lang="en-US" sz="2800" i="1">
+                                  <a:latin typeface="Cambria Math" panose="02040503050406030204" pitchFamily="18" charset="0"/>
+                                </a:rPr>
+                                <m:t>𝑖</m:t>
+                              </m:r>
+                              <m:r>
+                                <a:rPr lang="en-US" sz="2800" i="1">
+                                  <a:latin typeface="Cambria Math" panose="02040503050406030204" pitchFamily="18" charset="0"/>
+                                </a:rPr>
+                                <m:t>:</m:t>
+                              </m:r>
+                              <m:sSub>
+                                <m:sSubPr>
+                                  <m:ctrlPr>
+                                    <a:rPr lang="en-US" sz="2800" i="1">
+                                      <a:latin typeface="Cambria Math" panose="02040503050406030204" pitchFamily="18" charset="0"/>
+                                    </a:rPr>
+                                  </m:ctrlPr>
+                                </m:sSubPr>
+                                <m:e>
+                                  <m:r>
+                                    <m:rPr>
+                                      <m:brk m:alnAt="7"/>
+                                    </m:rPr>
+                                    <a:rPr lang="en-US" sz="2800" i="1">
+                                      <a:latin typeface="Cambria Math" panose="02040503050406030204" pitchFamily="18" charset="0"/>
+                                    </a:rPr>
+                                    <m:t>𝑦</m:t>
+                                  </m:r>
+                                </m:e>
+                                <m:sub>
+                                  <m:r>
+                                    <m:rPr>
+                                      <m:brk m:alnAt="7"/>
+                                    </m:rPr>
+                                    <a:rPr lang="en-US" sz="2800" i="1">
+                                      <a:latin typeface="Cambria Math" panose="02040503050406030204" pitchFamily="18" charset="0"/>
+                                    </a:rPr>
+                                    <m:t>𝑖</m:t>
+                                  </m:r>
+                                </m:sub>
+                              </m:sSub>
+                              <m:r>
+                                <m:rPr>
+                                  <m:brk m:alnAt="7"/>
+                                </m:rPr>
+                                <a:rPr lang="en-US" sz="2800" i="1">
+                                  <a:latin typeface="Cambria Math" panose="02040503050406030204" pitchFamily="18" charset="0"/>
+                                </a:rPr>
+                                <m:t>=</m:t>
+                              </m:r>
+                              <m:r>
+                                <a:rPr lang="en-US" sz="2800" i="1">
+                                  <a:latin typeface="Cambria Math" panose="02040503050406030204" pitchFamily="18" charset="0"/>
+                                </a:rPr>
+                                <m:t>1</m:t>
+                              </m:r>
+                            </m:sub>
+                            <m:sup/>
+                            <m:e>
+                              <m:sSub>
+                                <m:sSubPr>
+                                  <m:ctrlPr>
+                                    <a:rPr lang="en-US" sz="2800" i="1">
+                                      <a:latin typeface="Cambria Math" panose="02040503050406030204" pitchFamily="18" charset="0"/>
+                                    </a:rPr>
+                                  </m:ctrlPr>
+                                </m:sSubPr>
+                                <m:e>
+                                  <m:r>
+                                    <a:rPr lang="en-US" sz="2800" i="1">
+                                      <a:latin typeface="Cambria Math" panose="02040503050406030204" pitchFamily="18" charset="0"/>
+                                    </a:rPr>
+                                    <m:t>𝑝</m:t>
+                                  </m:r>
+                                </m:e>
+                                <m:sub>
+                                  <m:r>
+                                    <a:rPr lang="en-US" sz="2800" i="1">
+                                      <a:latin typeface="Cambria Math" panose="02040503050406030204" pitchFamily="18" charset="0"/>
+                                    </a:rPr>
+                                    <m:t>𝑖</m:t>
+                                  </m:r>
+                                </m:sub>
+                              </m:sSub>
+                            </m:e>
+                          </m:nary>
+                          <m:r>
+                            <m:rPr>
+                              <m:nor/>
+                            </m:rPr>
+                            <a:rPr lang="en-US" sz="2800" dirty="0"/>
+                            <m:t> </m:t>
+                          </m:r>
+                          <m:nary>
+                            <m:naryPr>
+                              <m:chr m:val="∏"/>
+                              <m:supHide m:val="on"/>
+                              <m:ctrlPr>
+                                <a:rPr lang="en-US" sz="2800" i="1">
+                                  <a:latin typeface="Cambria Math" panose="02040503050406030204" pitchFamily="18" charset="0"/>
+                                </a:rPr>
+                              </m:ctrlPr>
+                            </m:naryPr>
+                            <m:sub>
+                              <m:r>
+                                <m:rPr>
+                                  <m:brk m:alnAt="7"/>
+                                </m:rPr>
+                                <a:rPr lang="en-US" sz="2800" i="1">
+                                  <a:latin typeface="Cambria Math" panose="02040503050406030204" pitchFamily="18" charset="0"/>
+                                </a:rPr>
+                                <m:t>𝑖</m:t>
+                              </m:r>
+                              <m:r>
+                                <a:rPr lang="en-US" sz="2800" i="1">
+                                  <a:latin typeface="Cambria Math" panose="02040503050406030204" pitchFamily="18" charset="0"/>
+                                </a:rPr>
+                                <m:t>:</m:t>
+                              </m:r>
+                              <m:sSub>
+                                <m:sSubPr>
+                                  <m:ctrlPr>
+                                    <a:rPr lang="en-US" sz="2800" i="1">
+                                      <a:latin typeface="Cambria Math" panose="02040503050406030204" pitchFamily="18" charset="0"/>
+                                    </a:rPr>
+                                  </m:ctrlPr>
+                                </m:sSubPr>
+                                <m:e>
+                                  <m:r>
+                                    <m:rPr>
+                                      <m:brk m:alnAt="7"/>
+                                    </m:rPr>
+                                    <a:rPr lang="en-US" sz="2800" i="1">
+                                      <a:latin typeface="Cambria Math" panose="02040503050406030204" pitchFamily="18" charset="0"/>
+                                    </a:rPr>
+                                    <m:t>𝑦</m:t>
+                                  </m:r>
+                                </m:e>
+                                <m:sub>
+                                  <m:r>
+                                    <m:rPr>
+                                      <m:brk m:alnAt="7"/>
+                                    </m:rPr>
+                                    <a:rPr lang="en-US" sz="2800" i="1">
+                                      <a:latin typeface="Cambria Math" panose="02040503050406030204" pitchFamily="18" charset="0"/>
+                                    </a:rPr>
+                                    <m:t>𝑖</m:t>
+                                  </m:r>
+                                </m:sub>
+                              </m:sSub>
+                              <m:r>
+                                <m:rPr>
+                                  <m:brk m:alnAt="7"/>
+                                </m:rPr>
+                                <a:rPr lang="en-US" sz="2800" i="1">
+                                  <a:latin typeface="Cambria Math" panose="02040503050406030204" pitchFamily="18" charset="0"/>
+                                </a:rPr>
+                                <m:t>=</m:t>
+                              </m:r>
+                              <m:r>
+                                <a:rPr lang="en-US" sz="2800" i="1">
+                                  <a:latin typeface="Cambria Math" panose="02040503050406030204" pitchFamily="18" charset="0"/>
+                                </a:rPr>
+                                <m:t>0</m:t>
+                              </m:r>
+                            </m:sub>
+                            <m:sup/>
+                            <m:e>
+                              <m:sSub>
+                                <m:sSubPr>
+                                  <m:ctrlPr>
+                                    <a:rPr lang="en-US" sz="2800" i="1">
+                                      <a:latin typeface="Cambria Math" panose="02040503050406030204" pitchFamily="18" charset="0"/>
+                                    </a:rPr>
+                                  </m:ctrlPr>
+                                </m:sSubPr>
+                                <m:e>
+                                  <m:r>
+                                    <a:rPr lang="en-US" sz="2800" i="1">
+                                      <a:latin typeface="Cambria Math" panose="02040503050406030204" pitchFamily="18" charset="0"/>
+                                    </a:rPr>
+                                    <m:t>(1− </m:t>
+                                  </m:r>
+                                  <m:r>
+                                    <a:rPr lang="en-US" sz="2800" i="1">
+                                      <a:latin typeface="Cambria Math" panose="02040503050406030204" pitchFamily="18" charset="0"/>
+                                    </a:rPr>
+                                    <m:t>𝑝</m:t>
+                                  </m:r>
+                                </m:e>
+                                <m:sub>
+                                  <m:r>
+                                    <a:rPr lang="en-US" sz="2800" i="1">
+                                      <a:latin typeface="Cambria Math" panose="02040503050406030204" pitchFamily="18" charset="0"/>
+                                    </a:rPr>
+                                    <m:t>𝑖</m:t>
+                                  </m:r>
+                                </m:sub>
+                              </m:sSub>
+                              <m:r>
+                                <a:rPr lang="en-US" sz="2800" i="1">
+                                  <a:latin typeface="Cambria Math" panose="02040503050406030204" pitchFamily="18" charset="0"/>
+                                </a:rPr>
+                                <m:t>)</m:t>
+                              </m:r>
+                            </m:e>
+                          </m:nary>
+                        </m:e>
+                      </m:func>
+                    </m:oMath>
+                  </m:oMathPara>
+                </a14:m>
+                <a:endParaRPr lang="en-US" sz="2800" dirty="0"/>
+              </a:p>
+            </p:txBody>
+          </p:sp>
+        </mc:Choice>
+        <mc:Fallback>
+          <p:sp>
+            <p:nvSpPr>
+              <p:cNvPr id="3" name="TextBox 2">
+                <a:extLst>
+                  <a:ext uri="{FF2B5EF4-FFF2-40B4-BE49-F238E27FC236}">
+                    <a16:creationId xmlns:a16="http://schemas.microsoft.com/office/drawing/2014/main" id="{DE149E9A-DFC8-67B7-B37A-32508371654C}"/>
+                  </a:ext>
+                </a:extLst>
+              </p:cNvPr>
+              <p:cNvSpPr txBox="1">
+                <a:spLocks noRot="1" noChangeAspect="1" noMove="1" noResize="1" noEditPoints="1" noAdjustHandles="1" noChangeArrowheads="1" noChangeShapeType="1" noTextEdit="1"/>
+              </p:cNvSpPr>
+              <p:nvPr/>
+            </p:nvSpPr>
+            <p:spPr>
+              <a:xfrm>
+                <a:off x="1356360" y="1742753"/>
+                <a:ext cx="8427720" cy="1194045"/>
+              </a:xfrm>
+              <a:prstGeom prst="rect">
+                <a:avLst/>
+              </a:prstGeom>
+              <a:blipFill>
+                <a:blip r:embed="rId3"/>
+                <a:stretch>
+                  <a:fillRect t="-124211" b="-168421"/>
+                </a:stretch>
+              </a:blipFill>
+            </p:spPr>
+            <p:txBody>
+              <a:bodyPr/>
+              <a:lstStyle/>
+              <a:p>
+                <a:r>
+                  <a:rPr lang="en-US">
+                    <a:noFill/>
+                  </a:rPr>
+                  <a:t> </a:t>
+                </a:r>
+              </a:p>
+            </p:txBody>
+          </p:sp>
+        </mc:Fallback>
+      </mc:AlternateContent>
+      <p:sp>
+        <p:nvSpPr>
+          <p:cNvPr id="4" name="TextBox 3">
+            <a:extLst>
+              <a:ext uri="{FF2B5EF4-FFF2-40B4-BE49-F238E27FC236}">
+                <a16:creationId xmlns:a16="http://schemas.microsoft.com/office/drawing/2014/main" id="{B4EC2C19-CBB9-9158-680E-379C4BCA6065}"/>
+              </a:ext>
+            </a:extLst>
+          </p:cNvPr>
+          <p:cNvSpPr txBox="1"/>
+          <p:nvPr/>
+        </p:nvSpPr>
+        <p:spPr>
+          <a:xfrm>
+            <a:off x="838200" y="3429000"/>
+            <a:ext cx="10408920" cy="523220"/>
+          </a:xfrm>
+          <a:prstGeom prst="rect">
+            <a:avLst/>
+          </a:prstGeom>
+          <a:noFill/>
+        </p:spPr>
+        <p:txBody>
+          <a:bodyPr wrap="square">
+            <a:spAutoFit/>
+          </a:bodyPr>
+          <a:lstStyle/>
+          <a:p>
+            <a:pPr/>
+            <a:r>
+              <a:rPr lang="en-US" sz="2800" b="0" dirty="0"/>
+              <a:t>Take the derivative and set it as 0</a:t>
+            </a:r>
+            <a:endParaRPr lang="en-US" sz="2800" dirty="0"/>
+          </a:p>
+        </p:txBody>
+      </p:sp>
+      <p:sp>
+        <p:nvSpPr>
+          <p:cNvPr id="5" name="TextBox 4">
+            <a:extLst>
+              <a:ext uri="{FF2B5EF4-FFF2-40B4-BE49-F238E27FC236}">
+                <a16:creationId xmlns:a16="http://schemas.microsoft.com/office/drawing/2014/main" id="{D282BE02-46EA-A22F-28E8-4807B9A1181B}"/>
+              </a:ext>
+            </a:extLst>
+          </p:cNvPr>
+          <p:cNvSpPr txBox="1"/>
+          <p:nvPr/>
+        </p:nvSpPr>
+        <p:spPr>
+          <a:xfrm>
+            <a:off x="891540" y="4495558"/>
+            <a:ext cx="10408920" cy="523220"/>
+          </a:xfrm>
+          <a:prstGeom prst="rect">
+            <a:avLst/>
+          </a:prstGeom>
+          <a:noFill/>
+        </p:spPr>
+        <p:txBody>
+          <a:bodyPr wrap="square">
+            <a:spAutoFit/>
+          </a:bodyPr>
+          <a:lstStyle/>
+          <a:p>
+            <a:pPr/>
+            <a:r>
+              <a:rPr lang="en-US" sz="2800" b="0" dirty="0"/>
+              <a:t>In practice, we could use </a:t>
+            </a:r>
+            <a:r>
+              <a:rPr lang="en-US" sz="2800" b="0" dirty="0" err="1"/>
+              <a:t>sklearn</a:t>
+            </a:r>
+            <a:endParaRPr lang="en-US" sz="2800" dirty="0"/>
+          </a:p>
+        </p:txBody>
+      </p:sp>
+    </p:spTree>
+    <p:extLst>
+      <p:ext uri="{BB962C8B-B14F-4D97-AF65-F5344CB8AC3E}">
+        <p14:creationId xmlns:p14="http://schemas.microsoft.com/office/powerpoint/2010/main" val="1468005439"/>
+      </p:ext>
+    </p:extLst>
+  </p:cSld>
+  <p:clrMapOvr>
+    <a:masterClrMapping/>
+  </p:clrMapOvr>
+</p:sld>
+</file>
+
+<file path=ppt/slides/slide8.xml><?xml version="1.0" encoding="utf-8"?>
 <p:sld xmlns:a="http://schemas.openxmlformats.org/drawingml/2006/main" xmlns:r="http://schemas.openxmlformats.org/officeDocument/2006/relationships" xmlns:p="http://schemas.openxmlformats.org/presentationml/2006/main">
   <p:cSld>
     <p:spTree>

--- a/_umkc-teaching/slides/Lecture 5.pptx
+++ b/_umkc-teaching/slides/Lecture 5.pptx
@@ -5,7 +5,7 @@
     <p:sldMasterId id="2147483648" r:id="rId1"/>
   </p:sldMasterIdLst>
   <p:notesMasterIdLst>
-    <p:notesMasterId r:id="rId10"/>
+    <p:notesMasterId r:id="rId15"/>
   </p:notesMasterIdLst>
   <p:sldIdLst>
     <p:sldId id="257" r:id="rId2"/>
@@ -15,7 +15,12 @@
     <p:sldId id="323" r:id="rId6"/>
     <p:sldId id="327" r:id="rId7"/>
     <p:sldId id="328" r:id="rId8"/>
-    <p:sldId id="325" r:id="rId9"/>
+    <p:sldId id="329" r:id="rId9"/>
+    <p:sldId id="330" r:id="rId10"/>
+    <p:sldId id="331" r:id="rId11"/>
+    <p:sldId id="332" r:id="rId12"/>
+    <p:sldId id="333" r:id="rId13"/>
+    <p:sldId id="325" r:id="rId14"/>
   </p:sldIdLst>
   <p:sldSz cx="12192000" cy="6858000"/>
   <p:notesSz cx="6858000" cy="9144000"/>
@@ -555,6 +560,174 @@
 </p:notes>
 </file>
 
+<file path=ppt/notesSlides/notesSlide10.xml><?xml version="1.0" encoding="utf-8"?>
+<p:notes xmlns:a="http://schemas.openxmlformats.org/drawingml/2006/main" xmlns:r="http://schemas.openxmlformats.org/officeDocument/2006/relationships" xmlns:p="http://schemas.openxmlformats.org/presentationml/2006/main">
+  <p:cSld>
+    <p:spTree>
+      <p:nvGrpSpPr>
+        <p:cNvPr id="1" name=""/>
+        <p:cNvGrpSpPr/>
+        <p:nvPr/>
+      </p:nvGrpSpPr>
+      <p:grpSpPr>
+        <a:xfrm>
+          <a:off x="0" y="0"/>
+          <a:ext cx="0" cy="0"/>
+          <a:chOff x="0" y="0"/>
+          <a:chExt cx="0" cy="0"/>
+        </a:xfrm>
+      </p:grpSpPr>
+      <p:sp>
+        <p:nvSpPr>
+          <p:cNvPr id="2" name="Slide Image Placeholder 1"/>
+          <p:cNvSpPr>
+            <a:spLocks noGrp="1" noRot="1" noChangeAspect="1"/>
+          </p:cNvSpPr>
+          <p:nvPr>
+            <p:ph type="sldImg"/>
+          </p:nvPr>
+        </p:nvSpPr>
+        <p:spPr/>
+      </p:sp>
+      <p:sp>
+        <p:nvSpPr>
+          <p:cNvPr id="3" name="Notes Placeholder 2"/>
+          <p:cNvSpPr>
+            <a:spLocks noGrp="1"/>
+          </p:cNvSpPr>
+          <p:nvPr>
+            <p:ph type="body" idx="1"/>
+          </p:nvPr>
+        </p:nvSpPr>
+        <p:spPr/>
+        <p:txBody>
+          <a:bodyPr/>
+          <a:lstStyle/>
+          <a:p>
+            <a:endParaRPr lang="en-US" dirty="0"/>
+          </a:p>
+        </p:txBody>
+      </p:sp>
+      <p:sp>
+        <p:nvSpPr>
+          <p:cNvPr id="4" name="Slide Number Placeholder 3"/>
+          <p:cNvSpPr>
+            <a:spLocks noGrp="1"/>
+          </p:cNvSpPr>
+          <p:nvPr>
+            <p:ph type="sldNum" sz="quarter" idx="5"/>
+          </p:nvPr>
+        </p:nvSpPr>
+        <p:spPr/>
+        <p:txBody>
+          <a:bodyPr/>
+          <a:lstStyle/>
+          <a:p>
+            <a:fld id="{3F8BDF20-BE86-4883-8A23-4CE3D0058BEA}" type="slidenum">
+              <a:rPr lang="en-US" smtClean="0"/>
+              <a:t>11</a:t>
+            </a:fld>
+            <a:endParaRPr lang="en-US"/>
+          </a:p>
+        </p:txBody>
+      </p:sp>
+    </p:spTree>
+    <p:extLst>
+      <p:ext uri="{BB962C8B-B14F-4D97-AF65-F5344CB8AC3E}">
+        <p14:creationId xmlns:p14="http://schemas.microsoft.com/office/powerpoint/2010/main" val="3248652805"/>
+      </p:ext>
+    </p:extLst>
+  </p:cSld>
+  <p:clrMapOvr>
+    <a:masterClrMapping/>
+  </p:clrMapOvr>
+</p:notes>
+</file>
+
+<file path=ppt/notesSlides/notesSlide11.xml><?xml version="1.0" encoding="utf-8"?>
+<p:notes xmlns:a="http://schemas.openxmlformats.org/drawingml/2006/main" xmlns:r="http://schemas.openxmlformats.org/officeDocument/2006/relationships" xmlns:p="http://schemas.openxmlformats.org/presentationml/2006/main">
+  <p:cSld>
+    <p:spTree>
+      <p:nvGrpSpPr>
+        <p:cNvPr id="1" name=""/>
+        <p:cNvGrpSpPr/>
+        <p:nvPr/>
+      </p:nvGrpSpPr>
+      <p:grpSpPr>
+        <a:xfrm>
+          <a:off x="0" y="0"/>
+          <a:ext cx="0" cy="0"/>
+          <a:chOff x="0" y="0"/>
+          <a:chExt cx="0" cy="0"/>
+        </a:xfrm>
+      </p:grpSpPr>
+      <p:sp>
+        <p:nvSpPr>
+          <p:cNvPr id="2" name="Slide Image Placeholder 1"/>
+          <p:cNvSpPr>
+            <a:spLocks noGrp="1" noRot="1" noChangeAspect="1"/>
+          </p:cNvSpPr>
+          <p:nvPr>
+            <p:ph type="sldImg"/>
+          </p:nvPr>
+        </p:nvSpPr>
+        <p:spPr/>
+      </p:sp>
+      <p:sp>
+        <p:nvSpPr>
+          <p:cNvPr id="3" name="Notes Placeholder 2"/>
+          <p:cNvSpPr>
+            <a:spLocks noGrp="1"/>
+          </p:cNvSpPr>
+          <p:nvPr>
+            <p:ph type="body" idx="1"/>
+          </p:nvPr>
+        </p:nvSpPr>
+        <p:spPr/>
+        <p:txBody>
+          <a:bodyPr/>
+          <a:lstStyle/>
+          <a:p>
+            <a:endParaRPr lang="en-US" dirty="0"/>
+          </a:p>
+        </p:txBody>
+      </p:sp>
+      <p:sp>
+        <p:nvSpPr>
+          <p:cNvPr id="4" name="Slide Number Placeholder 3"/>
+          <p:cNvSpPr>
+            <a:spLocks noGrp="1"/>
+          </p:cNvSpPr>
+          <p:nvPr>
+            <p:ph type="sldNum" sz="quarter" idx="5"/>
+          </p:nvPr>
+        </p:nvSpPr>
+        <p:spPr/>
+        <p:txBody>
+          <a:bodyPr/>
+          <a:lstStyle/>
+          <a:p>
+            <a:fld id="{3F8BDF20-BE86-4883-8A23-4CE3D0058BEA}" type="slidenum">
+              <a:rPr lang="en-US" smtClean="0"/>
+              <a:t>12</a:t>
+            </a:fld>
+            <a:endParaRPr lang="en-US"/>
+          </a:p>
+        </p:txBody>
+      </p:sp>
+    </p:spTree>
+    <p:extLst>
+      <p:ext uri="{BB962C8B-B14F-4D97-AF65-F5344CB8AC3E}">
+        <p14:creationId xmlns:p14="http://schemas.microsoft.com/office/powerpoint/2010/main" val="3191724286"/>
+      </p:ext>
+    </p:extLst>
+  </p:cSld>
+  <p:clrMapOvr>
+    <a:masterClrMapping/>
+  </p:clrMapOvr>
+</p:notes>
+</file>
+
 <file path=ppt/notesSlides/notesSlide2.xml><?xml version="1.0" encoding="utf-8"?>
 <p:notes xmlns:a="http://schemas.openxmlformats.org/drawingml/2006/main" xmlns:r="http://schemas.openxmlformats.org/officeDocument/2006/relationships" xmlns:p="http://schemas.openxmlformats.org/presentationml/2006/main">
   <p:cSld>
@@ -966,6 +1139,258 @@
     <p:extLst>
       <p:ext uri="{BB962C8B-B14F-4D97-AF65-F5344CB8AC3E}">
         <p14:creationId xmlns:p14="http://schemas.microsoft.com/office/powerpoint/2010/main" val="472576672"/>
+      </p:ext>
+    </p:extLst>
+  </p:cSld>
+  <p:clrMapOvr>
+    <a:masterClrMapping/>
+  </p:clrMapOvr>
+</p:notes>
+</file>
+
+<file path=ppt/notesSlides/notesSlide7.xml><?xml version="1.0" encoding="utf-8"?>
+<p:notes xmlns:a="http://schemas.openxmlformats.org/drawingml/2006/main" xmlns:r="http://schemas.openxmlformats.org/officeDocument/2006/relationships" xmlns:p="http://schemas.openxmlformats.org/presentationml/2006/main">
+  <p:cSld>
+    <p:spTree>
+      <p:nvGrpSpPr>
+        <p:cNvPr id="1" name=""/>
+        <p:cNvGrpSpPr/>
+        <p:nvPr/>
+      </p:nvGrpSpPr>
+      <p:grpSpPr>
+        <a:xfrm>
+          <a:off x="0" y="0"/>
+          <a:ext cx="0" cy="0"/>
+          <a:chOff x="0" y="0"/>
+          <a:chExt cx="0" cy="0"/>
+        </a:xfrm>
+      </p:grpSpPr>
+      <p:sp>
+        <p:nvSpPr>
+          <p:cNvPr id="2" name="Slide Image Placeholder 1"/>
+          <p:cNvSpPr>
+            <a:spLocks noGrp="1" noRot="1" noChangeAspect="1"/>
+          </p:cNvSpPr>
+          <p:nvPr>
+            <p:ph type="sldImg"/>
+          </p:nvPr>
+        </p:nvSpPr>
+        <p:spPr/>
+      </p:sp>
+      <p:sp>
+        <p:nvSpPr>
+          <p:cNvPr id="3" name="Notes Placeholder 2"/>
+          <p:cNvSpPr>
+            <a:spLocks noGrp="1"/>
+          </p:cNvSpPr>
+          <p:nvPr>
+            <p:ph type="body" idx="1"/>
+          </p:nvPr>
+        </p:nvSpPr>
+        <p:spPr/>
+        <p:txBody>
+          <a:bodyPr/>
+          <a:lstStyle/>
+          <a:p>
+            <a:endParaRPr lang="en-US" dirty="0"/>
+          </a:p>
+        </p:txBody>
+      </p:sp>
+      <p:sp>
+        <p:nvSpPr>
+          <p:cNvPr id="4" name="Slide Number Placeholder 3"/>
+          <p:cNvSpPr>
+            <a:spLocks noGrp="1"/>
+          </p:cNvSpPr>
+          <p:nvPr>
+            <p:ph type="sldNum" sz="quarter" idx="5"/>
+          </p:nvPr>
+        </p:nvSpPr>
+        <p:spPr/>
+        <p:txBody>
+          <a:bodyPr/>
+          <a:lstStyle/>
+          <a:p>
+            <a:fld id="{3F8BDF20-BE86-4883-8A23-4CE3D0058BEA}" type="slidenum">
+              <a:rPr lang="en-US" smtClean="0"/>
+              <a:t>8</a:t>
+            </a:fld>
+            <a:endParaRPr lang="en-US"/>
+          </a:p>
+        </p:txBody>
+      </p:sp>
+    </p:spTree>
+    <p:extLst>
+      <p:ext uri="{BB962C8B-B14F-4D97-AF65-F5344CB8AC3E}">
+        <p14:creationId xmlns:p14="http://schemas.microsoft.com/office/powerpoint/2010/main" val="2061369086"/>
+      </p:ext>
+    </p:extLst>
+  </p:cSld>
+  <p:clrMapOvr>
+    <a:masterClrMapping/>
+  </p:clrMapOvr>
+</p:notes>
+</file>
+
+<file path=ppt/notesSlides/notesSlide8.xml><?xml version="1.0" encoding="utf-8"?>
+<p:notes xmlns:a="http://schemas.openxmlformats.org/drawingml/2006/main" xmlns:r="http://schemas.openxmlformats.org/officeDocument/2006/relationships" xmlns:p="http://schemas.openxmlformats.org/presentationml/2006/main">
+  <p:cSld>
+    <p:spTree>
+      <p:nvGrpSpPr>
+        <p:cNvPr id="1" name=""/>
+        <p:cNvGrpSpPr/>
+        <p:nvPr/>
+      </p:nvGrpSpPr>
+      <p:grpSpPr>
+        <a:xfrm>
+          <a:off x="0" y="0"/>
+          <a:ext cx="0" cy="0"/>
+          <a:chOff x="0" y="0"/>
+          <a:chExt cx="0" cy="0"/>
+        </a:xfrm>
+      </p:grpSpPr>
+      <p:sp>
+        <p:nvSpPr>
+          <p:cNvPr id="2" name="Slide Image Placeholder 1"/>
+          <p:cNvSpPr>
+            <a:spLocks noGrp="1" noRot="1" noChangeAspect="1"/>
+          </p:cNvSpPr>
+          <p:nvPr>
+            <p:ph type="sldImg"/>
+          </p:nvPr>
+        </p:nvSpPr>
+        <p:spPr/>
+      </p:sp>
+      <p:sp>
+        <p:nvSpPr>
+          <p:cNvPr id="3" name="Notes Placeholder 2"/>
+          <p:cNvSpPr>
+            <a:spLocks noGrp="1"/>
+          </p:cNvSpPr>
+          <p:nvPr>
+            <p:ph type="body" idx="1"/>
+          </p:nvPr>
+        </p:nvSpPr>
+        <p:spPr/>
+        <p:txBody>
+          <a:bodyPr/>
+          <a:lstStyle/>
+          <a:p>
+            <a:endParaRPr lang="en-US" dirty="0"/>
+          </a:p>
+        </p:txBody>
+      </p:sp>
+      <p:sp>
+        <p:nvSpPr>
+          <p:cNvPr id="4" name="Slide Number Placeholder 3"/>
+          <p:cNvSpPr>
+            <a:spLocks noGrp="1"/>
+          </p:cNvSpPr>
+          <p:nvPr>
+            <p:ph type="sldNum" sz="quarter" idx="5"/>
+          </p:nvPr>
+        </p:nvSpPr>
+        <p:spPr/>
+        <p:txBody>
+          <a:bodyPr/>
+          <a:lstStyle/>
+          <a:p>
+            <a:fld id="{3F8BDF20-BE86-4883-8A23-4CE3D0058BEA}" type="slidenum">
+              <a:rPr lang="en-US" smtClean="0"/>
+              <a:t>9</a:t>
+            </a:fld>
+            <a:endParaRPr lang="en-US"/>
+          </a:p>
+        </p:txBody>
+      </p:sp>
+    </p:spTree>
+    <p:extLst>
+      <p:ext uri="{BB962C8B-B14F-4D97-AF65-F5344CB8AC3E}">
+        <p14:creationId xmlns:p14="http://schemas.microsoft.com/office/powerpoint/2010/main" val="3879649829"/>
+      </p:ext>
+    </p:extLst>
+  </p:cSld>
+  <p:clrMapOvr>
+    <a:masterClrMapping/>
+  </p:clrMapOvr>
+</p:notes>
+</file>
+
+<file path=ppt/notesSlides/notesSlide9.xml><?xml version="1.0" encoding="utf-8"?>
+<p:notes xmlns:a="http://schemas.openxmlformats.org/drawingml/2006/main" xmlns:r="http://schemas.openxmlformats.org/officeDocument/2006/relationships" xmlns:p="http://schemas.openxmlformats.org/presentationml/2006/main">
+  <p:cSld>
+    <p:spTree>
+      <p:nvGrpSpPr>
+        <p:cNvPr id="1" name=""/>
+        <p:cNvGrpSpPr/>
+        <p:nvPr/>
+      </p:nvGrpSpPr>
+      <p:grpSpPr>
+        <a:xfrm>
+          <a:off x="0" y="0"/>
+          <a:ext cx="0" cy="0"/>
+          <a:chOff x="0" y="0"/>
+          <a:chExt cx="0" cy="0"/>
+        </a:xfrm>
+      </p:grpSpPr>
+      <p:sp>
+        <p:nvSpPr>
+          <p:cNvPr id="2" name="Slide Image Placeholder 1"/>
+          <p:cNvSpPr>
+            <a:spLocks noGrp="1" noRot="1" noChangeAspect="1"/>
+          </p:cNvSpPr>
+          <p:nvPr>
+            <p:ph type="sldImg"/>
+          </p:nvPr>
+        </p:nvSpPr>
+        <p:spPr/>
+      </p:sp>
+      <p:sp>
+        <p:nvSpPr>
+          <p:cNvPr id="3" name="Notes Placeholder 2"/>
+          <p:cNvSpPr>
+            <a:spLocks noGrp="1"/>
+          </p:cNvSpPr>
+          <p:nvPr>
+            <p:ph type="body" idx="1"/>
+          </p:nvPr>
+        </p:nvSpPr>
+        <p:spPr/>
+        <p:txBody>
+          <a:bodyPr/>
+          <a:lstStyle/>
+          <a:p>
+            <a:endParaRPr lang="en-US" dirty="0"/>
+          </a:p>
+        </p:txBody>
+      </p:sp>
+      <p:sp>
+        <p:nvSpPr>
+          <p:cNvPr id="4" name="Slide Number Placeholder 3"/>
+          <p:cNvSpPr>
+            <a:spLocks noGrp="1"/>
+          </p:cNvSpPr>
+          <p:nvPr>
+            <p:ph type="sldNum" sz="quarter" idx="5"/>
+          </p:nvPr>
+        </p:nvSpPr>
+        <p:spPr/>
+        <p:txBody>
+          <a:bodyPr/>
+          <a:lstStyle/>
+          <a:p>
+            <a:fld id="{3F8BDF20-BE86-4883-8A23-4CE3D0058BEA}" type="slidenum">
+              <a:rPr lang="en-US" smtClean="0"/>
+              <a:t>10</a:t>
+            </a:fld>
+            <a:endParaRPr lang="en-US"/>
+          </a:p>
+        </p:txBody>
+      </p:sp>
+    </p:spTree>
+    <p:extLst>
+      <p:ext uri="{BB962C8B-B14F-4D97-AF65-F5344CB8AC3E}">
+        <p14:creationId xmlns:p14="http://schemas.microsoft.com/office/powerpoint/2010/main" val="2472404673"/>
       </p:ext>
     </p:extLst>
   </p:cSld>
@@ -3838,7 +4263,7 @@
             </a:br>
             <a:r>
               <a:rPr lang="en-US" sz="4800" b="1" dirty="0"/>
-              <a:t>Classification</a:t>
+              <a:t>Statistical Learning for Classification</a:t>
             </a:r>
             <a:endParaRPr lang="en-US" sz="4800" dirty="0"/>
           </a:p>
@@ -4051,6 +4476,2078 @@
     <p:extLst>
       <p:ext uri="{BB962C8B-B14F-4D97-AF65-F5344CB8AC3E}">
         <p14:creationId xmlns:p14="http://schemas.microsoft.com/office/powerpoint/2010/main" val="3522399239"/>
+      </p:ext>
+    </p:extLst>
+  </p:cSld>
+  <p:clrMapOvr>
+    <a:masterClrMapping/>
+  </p:clrMapOvr>
+</p:sld>
+</file>
+
+<file path=ppt/slides/slide10.xml><?xml version="1.0" encoding="utf-8"?>
+<p:sld xmlns:a="http://schemas.openxmlformats.org/drawingml/2006/main" xmlns:r="http://schemas.openxmlformats.org/officeDocument/2006/relationships" xmlns:p="http://schemas.openxmlformats.org/presentationml/2006/main">
+  <p:cSld>
+    <p:spTree>
+      <p:nvGrpSpPr>
+        <p:cNvPr id="1" name=""/>
+        <p:cNvGrpSpPr/>
+        <p:nvPr/>
+      </p:nvGrpSpPr>
+      <p:grpSpPr>
+        <a:xfrm>
+          <a:off x="0" y="0"/>
+          <a:ext cx="0" cy="0"/>
+          <a:chOff x="0" y="0"/>
+          <a:chExt cx="0" cy="0"/>
+        </a:xfrm>
+      </p:grpSpPr>
+      <p:sp>
+        <p:nvSpPr>
+          <p:cNvPr id="2" name="Title 1"/>
+          <p:cNvSpPr>
+            <a:spLocks noGrp="1"/>
+          </p:cNvSpPr>
+          <p:nvPr>
+            <p:ph type="title"/>
+          </p:nvPr>
+        </p:nvSpPr>
+        <p:spPr>
+          <a:xfrm>
+            <a:off x="838200" y="365126"/>
+            <a:ext cx="10515600" cy="981894"/>
+          </a:xfrm>
+        </p:spPr>
+        <p:txBody>
+          <a:bodyPr>
+            <a:normAutofit/>
+          </a:bodyPr>
+          <a:lstStyle/>
+          <a:p>
+            <a:r>
+              <a:rPr lang="en-US" dirty="0"/>
+              <a:t>Discriminant Analysis</a:t>
+            </a:r>
+          </a:p>
+        </p:txBody>
+      </p:sp>
+      <p:sp>
+        <p:nvSpPr>
+          <p:cNvPr id="5" name="TextBox 4">
+            <a:extLst>
+              <a:ext uri="{FF2B5EF4-FFF2-40B4-BE49-F238E27FC236}">
+                <a16:creationId xmlns:a16="http://schemas.microsoft.com/office/drawing/2014/main" id="{292447B8-792C-EAAB-F5D0-41EC1CF82C00}"/>
+              </a:ext>
+            </a:extLst>
+          </p:cNvPr>
+          <p:cNvSpPr txBox="1"/>
+          <p:nvPr/>
+        </p:nvSpPr>
+        <p:spPr>
+          <a:xfrm>
+            <a:off x="891540" y="1749533"/>
+            <a:ext cx="10408920" cy="523220"/>
+          </a:xfrm>
+          <a:prstGeom prst="rect">
+            <a:avLst/>
+          </a:prstGeom>
+          <a:noFill/>
+        </p:spPr>
+        <p:txBody>
+          <a:bodyPr wrap="square">
+            <a:spAutoFit/>
+          </a:bodyPr>
+          <a:lstStyle/>
+          <a:p>
+            <a:pPr/>
+            <a:r>
+              <a:rPr lang="en-US" sz="2800" dirty="0"/>
+              <a:t>Model the data distribution for each class as Gaussian distribution</a:t>
+            </a:r>
+          </a:p>
+        </p:txBody>
+      </p:sp>
+      <mc:AlternateContent xmlns:mc="http://schemas.openxmlformats.org/markup-compatibility/2006">
+        <mc:Choice xmlns:a14="http://schemas.microsoft.com/office/drawing/2010/main" Requires="a14">
+          <p:sp>
+            <p:nvSpPr>
+              <p:cNvPr id="8" name="TextBox 7">
+                <a:extLst>
+                  <a:ext uri="{FF2B5EF4-FFF2-40B4-BE49-F238E27FC236}">
+                    <a16:creationId xmlns:a16="http://schemas.microsoft.com/office/drawing/2014/main" id="{B678922A-7CEF-4484-BF49-BE036E4E0B90}"/>
+                  </a:ext>
+                </a:extLst>
+              </p:cNvPr>
+              <p:cNvSpPr txBox="1"/>
+              <p:nvPr/>
+            </p:nvSpPr>
+            <p:spPr>
+              <a:xfrm>
+                <a:off x="944880" y="2905780"/>
+                <a:ext cx="10408920" cy="523220"/>
+              </a:xfrm>
+              <a:prstGeom prst="rect">
+                <a:avLst/>
+              </a:prstGeom>
+              <a:noFill/>
+            </p:spPr>
+            <p:txBody>
+              <a:bodyPr wrap="square">
+                <a:spAutoFit/>
+              </a:bodyPr>
+              <a:lstStyle/>
+              <a:p>
+                <a:pPr/>
+                <a:r>
+                  <a:rPr lang="en-US" sz="2800" dirty="0"/>
+                  <a:t>Use the </a:t>
+                </a:r>
+                <a:r>
+                  <a:rPr lang="en-US" sz="2800" b="1" dirty="0"/>
+                  <a:t>Bayes theorem </a:t>
+                </a:r>
+                <a:r>
+                  <a:rPr lang="en-US" sz="2800" dirty="0"/>
+                  <a:t>to obtain </a:t>
+                </a:r>
+                <a14:m>
+                  <m:oMath xmlns:m="http://schemas.openxmlformats.org/officeDocument/2006/math">
+                    <m:r>
+                      <a:rPr lang="en-US" sz="2800" i="1" smtClean="0">
+                        <a:latin typeface="Cambria Math" panose="02040503050406030204" pitchFamily="18" charset="0"/>
+                      </a:rPr>
+                      <m:t>𝑝</m:t>
+                    </m:r>
+                    <m:r>
+                      <a:rPr lang="en-US" sz="2800" i="1" smtClean="0">
+                        <a:latin typeface="Cambria Math" panose="02040503050406030204" pitchFamily="18" charset="0"/>
+                      </a:rPr>
+                      <m:t>(</m:t>
+                    </m:r>
+                    <m:r>
+                      <a:rPr lang="en-US" sz="2800" i="1" smtClean="0">
+                        <a:latin typeface="Cambria Math" panose="02040503050406030204" pitchFamily="18" charset="0"/>
+                      </a:rPr>
+                      <m:t>𝑌</m:t>
+                    </m:r>
+                    <m:r>
+                      <a:rPr lang="en-US" sz="2800" i="1">
+                        <a:latin typeface="Cambria Math" panose="02040503050406030204" pitchFamily="18" charset="0"/>
+                      </a:rPr>
+                      <m:t>|</m:t>
+                    </m:r>
+                    <m:r>
+                      <a:rPr lang="en-US" sz="2800" i="1">
+                        <a:latin typeface="Cambria Math" panose="02040503050406030204" pitchFamily="18" charset="0"/>
+                      </a:rPr>
+                      <m:t>𝑋</m:t>
+                    </m:r>
+                    <m:r>
+                      <a:rPr lang="en-US" sz="2800" b="0" i="1" smtClean="0">
+                        <a:latin typeface="Cambria Math" panose="02040503050406030204" pitchFamily="18" charset="0"/>
+                      </a:rPr>
+                      <m:t>)</m:t>
+                    </m:r>
+                  </m:oMath>
+                </a14:m>
+                <a:r>
+                  <a:rPr lang="en-US" sz="2800" dirty="0"/>
+                  <a:t> </a:t>
+                </a:r>
+              </a:p>
+            </p:txBody>
+          </p:sp>
+        </mc:Choice>
+        <mc:Fallback>
+          <p:sp>
+            <p:nvSpPr>
+              <p:cNvPr id="8" name="TextBox 7">
+                <a:extLst>
+                  <a:ext uri="{FF2B5EF4-FFF2-40B4-BE49-F238E27FC236}">
+                    <a16:creationId xmlns:a16="http://schemas.microsoft.com/office/drawing/2014/main" id="{B678922A-7CEF-4484-BF49-BE036E4E0B90}"/>
+                  </a:ext>
+                </a:extLst>
+              </p:cNvPr>
+              <p:cNvSpPr txBox="1">
+                <a:spLocks noRot="1" noChangeAspect="1" noMove="1" noResize="1" noEditPoints="1" noAdjustHandles="1" noChangeArrowheads="1" noChangeShapeType="1" noTextEdit="1"/>
+              </p:cNvSpPr>
+              <p:nvPr/>
+            </p:nvSpPr>
+            <p:spPr>
+              <a:xfrm>
+                <a:off x="944880" y="2905780"/>
+                <a:ext cx="10408920" cy="523220"/>
+              </a:xfrm>
+              <a:prstGeom prst="rect">
+                <a:avLst/>
+              </a:prstGeom>
+              <a:blipFill>
+                <a:blip r:embed="rId3"/>
+                <a:stretch>
+                  <a:fillRect l="-1218" t="-11628" b="-27907"/>
+                </a:stretch>
+              </a:blipFill>
+            </p:spPr>
+            <p:txBody>
+              <a:bodyPr/>
+              <a:lstStyle/>
+              <a:p>
+                <a:r>
+                  <a:rPr lang="en-US">
+                    <a:noFill/>
+                  </a:rPr>
+                  <a:t> </a:t>
+                </a:r>
+              </a:p>
+            </p:txBody>
+          </p:sp>
+        </mc:Fallback>
+      </mc:AlternateContent>
+      <mc:AlternateContent xmlns:mc="http://schemas.openxmlformats.org/markup-compatibility/2006">
+        <mc:Choice xmlns:a14="http://schemas.microsoft.com/office/drawing/2010/main" Requires="a14">
+          <p:sp>
+            <p:nvSpPr>
+              <p:cNvPr id="9" name="TextBox 8">
+                <a:extLst>
+                  <a:ext uri="{FF2B5EF4-FFF2-40B4-BE49-F238E27FC236}">
+                    <a16:creationId xmlns:a16="http://schemas.microsoft.com/office/drawing/2014/main" id="{FA418102-814C-A5A8-3FFE-790533AE2E2D}"/>
+                  </a:ext>
+                </a:extLst>
+              </p:cNvPr>
+              <p:cNvSpPr txBox="1"/>
+              <p:nvPr/>
+            </p:nvSpPr>
+            <p:spPr>
+              <a:xfrm>
+                <a:off x="487680" y="4171834"/>
+                <a:ext cx="10408920" cy="1001043"/>
+              </a:xfrm>
+              <a:prstGeom prst="rect">
+                <a:avLst/>
+              </a:prstGeom>
+              <a:noFill/>
+            </p:spPr>
+            <p:txBody>
+              <a:bodyPr wrap="square">
+                <a:spAutoFit/>
+              </a:bodyPr>
+              <a:lstStyle/>
+              <a:p>
+                <a:pPr/>
+                <a14:m>
+                  <m:oMathPara xmlns:m="http://schemas.openxmlformats.org/officeDocument/2006/math">
+                    <m:oMathParaPr>
+                      <m:jc m:val="centerGroup"/>
+                    </m:oMathParaPr>
+                    <m:oMath xmlns:m="http://schemas.openxmlformats.org/officeDocument/2006/math">
+                      <m:r>
+                        <a:rPr lang="en-US" sz="2800" i="1" smtClean="0">
+                          <a:latin typeface="Cambria Math" panose="02040503050406030204" pitchFamily="18" charset="0"/>
+                        </a:rPr>
+                        <m:t>𝑝</m:t>
+                      </m:r>
+                      <m:d>
+                        <m:dPr>
+                          <m:ctrlPr>
+                            <a:rPr lang="en-US" sz="2800" i="1" smtClean="0">
+                              <a:latin typeface="Cambria Math" panose="02040503050406030204" pitchFamily="18" charset="0"/>
+                            </a:rPr>
+                          </m:ctrlPr>
+                        </m:dPr>
+                        <m:e>
+                          <m:r>
+                            <a:rPr lang="en-US" sz="2800" i="1" smtClean="0">
+                              <a:latin typeface="Cambria Math" panose="02040503050406030204" pitchFamily="18" charset="0"/>
+                            </a:rPr>
+                            <m:t>𝑌</m:t>
+                          </m:r>
+                          <m:r>
+                            <a:rPr lang="en-US" sz="2800" b="0" i="1" smtClean="0">
+                              <a:latin typeface="Cambria Math" panose="02040503050406030204" pitchFamily="18" charset="0"/>
+                            </a:rPr>
+                            <m:t>=</m:t>
+                          </m:r>
+                          <m:r>
+                            <a:rPr lang="en-US" sz="2800" b="0" i="1" smtClean="0">
+                              <a:latin typeface="Cambria Math" panose="02040503050406030204" pitchFamily="18" charset="0"/>
+                            </a:rPr>
+                            <m:t>𝑦</m:t>
+                          </m:r>
+                        </m:e>
+                        <m:e>
+                          <m:r>
+                            <a:rPr lang="en-US" sz="2800" i="1">
+                              <a:latin typeface="Cambria Math" panose="02040503050406030204" pitchFamily="18" charset="0"/>
+                            </a:rPr>
+                            <m:t>𝑋</m:t>
+                          </m:r>
+                          <m:r>
+                            <a:rPr lang="en-US" sz="2800" b="0" i="1" smtClean="0">
+                              <a:latin typeface="Cambria Math" panose="02040503050406030204" pitchFamily="18" charset="0"/>
+                            </a:rPr>
+                            <m:t>=</m:t>
+                          </m:r>
+                          <m:r>
+                            <a:rPr lang="en-US" sz="2800" b="0" i="1" smtClean="0">
+                              <a:latin typeface="Cambria Math" panose="02040503050406030204" pitchFamily="18" charset="0"/>
+                            </a:rPr>
+                            <m:t>𝑥</m:t>
+                          </m:r>
+                        </m:e>
+                      </m:d>
+                      <m:r>
+                        <a:rPr lang="en-US" sz="2800" b="0" i="1" smtClean="0">
+                          <a:latin typeface="Cambria Math" panose="02040503050406030204" pitchFamily="18" charset="0"/>
+                        </a:rPr>
+                        <m:t>=</m:t>
+                      </m:r>
+                      <m:f>
+                        <m:fPr>
+                          <m:ctrlPr>
+                            <a:rPr lang="en-US" sz="2800" i="1">
+                              <a:latin typeface="Cambria Math" panose="02040503050406030204" pitchFamily="18" charset="0"/>
+                            </a:rPr>
+                          </m:ctrlPr>
+                        </m:fPr>
+                        <m:num>
+                          <m:r>
+                            <a:rPr lang="en-US" sz="2800" b="0" i="1" smtClean="0">
+                              <a:latin typeface="Cambria Math" panose="02040503050406030204" pitchFamily="18" charset="0"/>
+                            </a:rPr>
+                            <m:t>𝑝</m:t>
+                          </m:r>
+                          <m:d>
+                            <m:dPr>
+                              <m:ctrlPr>
+                                <a:rPr lang="en-US" sz="2800" b="0" i="1" smtClean="0">
+                                  <a:latin typeface="Cambria Math" panose="02040503050406030204" pitchFamily="18" charset="0"/>
+                                </a:rPr>
+                              </m:ctrlPr>
+                            </m:dPr>
+                            <m:e>
+                              <m:r>
+                                <a:rPr lang="en-US" sz="2800" b="0" i="1" smtClean="0">
+                                  <a:latin typeface="Cambria Math" panose="02040503050406030204" pitchFamily="18" charset="0"/>
+                                </a:rPr>
+                                <m:t>𝑋</m:t>
+                              </m:r>
+                              <m:r>
+                                <a:rPr lang="en-US" sz="2800" b="0" i="1" smtClean="0">
+                                  <a:latin typeface="Cambria Math" panose="02040503050406030204" pitchFamily="18" charset="0"/>
+                                </a:rPr>
+                                <m:t>=</m:t>
+                              </m:r>
+                              <m:r>
+                                <a:rPr lang="en-US" sz="2800" b="0" i="1" smtClean="0">
+                                  <a:latin typeface="Cambria Math" panose="02040503050406030204" pitchFamily="18" charset="0"/>
+                                </a:rPr>
+                                <m:t>𝑥</m:t>
+                              </m:r>
+                            </m:e>
+                            <m:e>
+                              <m:r>
+                                <a:rPr lang="en-US" sz="2800" b="0" i="1" smtClean="0">
+                                  <a:latin typeface="Cambria Math" panose="02040503050406030204" pitchFamily="18" charset="0"/>
+                                </a:rPr>
+                                <m:t>𝑌</m:t>
+                              </m:r>
+                              <m:r>
+                                <a:rPr lang="en-US" sz="2800" b="0" i="1" smtClean="0">
+                                  <a:latin typeface="Cambria Math" panose="02040503050406030204" pitchFamily="18" charset="0"/>
+                                </a:rPr>
+                                <m:t>=</m:t>
+                              </m:r>
+                              <m:r>
+                                <a:rPr lang="en-US" sz="2800" b="0" i="1" smtClean="0">
+                                  <a:latin typeface="Cambria Math" panose="02040503050406030204" pitchFamily="18" charset="0"/>
+                                </a:rPr>
+                                <m:t>𝑦</m:t>
+                              </m:r>
+                            </m:e>
+                          </m:d>
+                          <m:r>
+                            <a:rPr lang="en-US" sz="2800" b="0" i="1" smtClean="0">
+                              <a:latin typeface="Cambria Math" panose="02040503050406030204" pitchFamily="18" charset="0"/>
+                            </a:rPr>
+                            <m:t>𝑝</m:t>
+                          </m:r>
+                          <m:r>
+                            <a:rPr lang="en-US" sz="2800" b="0" i="1" smtClean="0">
+                              <a:latin typeface="Cambria Math" panose="02040503050406030204" pitchFamily="18" charset="0"/>
+                            </a:rPr>
+                            <m:t>(</m:t>
+                          </m:r>
+                          <m:r>
+                            <a:rPr lang="en-US" sz="2800" b="0" i="1" smtClean="0">
+                              <a:latin typeface="Cambria Math" panose="02040503050406030204" pitchFamily="18" charset="0"/>
+                            </a:rPr>
+                            <m:t>𝑌</m:t>
+                          </m:r>
+                          <m:r>
+                            <a:rPr lang="en-US" sz="2800" b="0" i="1" smtClean="0">
+                              <a:latin typeface="Cambria Math" panose="02040503050406030204" pitchFamily="18" charset="0"/>
+                            </a:rPr>
+                            <m:t>=</m:t>
+                          </m:r>
+                          <m:r>
+                            <a:rPr lang="en-US" sz="2800" b="0" i="1" smtClean="0">
+                              <a:latin typeface="Cambria Math" panose="02040503050406030204" pitchFamily="18" charset="0"/>
+                            </a:rPr>
+                            <m:t>𝑦</m:t>
+                          </m:r>
+                          <m:r>
+                            <a:rPr lang="en-US" sz="2800" b="0" i="1" smtClean="0">
+                              <a:latin typeface="Cambria Math" panose="02040503050406030204" pitchFamily="18" charset="0"/>
+                            </a:rPr>
+                            <m:t>)</m:t>
+                          </m:r>
+                        </m:num>
+                        <m:den>
+                          <m:r>
+                            <a:rPr lang="en-US" sz="2800" b="0" i="1" smtClean="0">
+                              <a:latin typeface="Cambria Math" panose="02040503050406030204" pitchFamily="18" charset="0"/>
+                            </a:rPr>
+                            <m:t>𝑝</m:t>
+                          </m:r>
+                          <m:r>
+                            <a:rPr lang="en-US" sz="2800" b="0" i="1" smtClean="0">
+                              <a:latin typeface="Cambria Math" panose="02040503050406030204" pitchFamily="18" charset="0"/>
+                            </a:rPr>
+                            <m:t>(</m:t>
+                          </m:r>
+                          <m:r>
+                            <a:rPr lang="en-US" sz="2800" b="0" i="1" smtClean="0">
+                              <a:latin typeface="Cambria Math" panose="02040503050406030204" pitchFamily="18" charset="0"/>
+                            </a:rPr>
+                            <m:t>𝑋</m:t>
+                          </m:r>
+                          <m:r>
+                            <a:rPr lang="en-US" sz="2800" b="0" i="1" smtClean="0">
+                              <a:latin typeface="Cambria Math" panose="02040503050406030204" pitchFamily="18" charset="0"/>
+                            </a:rPr>
+                            <m:t>=</m:t>
+                          </m:r>
+                          <m:r>
+                            <a:rPr lang="en-US" sz="2800" b="0" i="1" smtClean="0">
+                              <a:latin typeface="Cambria Math" panose="02040503050406030204" pitchFamily="18" charset="0"/>
+                            </a:rPr>
+                            <m:t>𝑥</m:t>
+                          </m:r>
+                          <m:r>
+                            <a:rPr lang="en-US" sz="2800" b="0" i="1" smtClean="0">
+                              <a:latin typeface="Cambria Math" panose="02040503050406030204" pitchFamily="18" charset="0"/>
+                            </a:rPr>
+                            <m:t>)</m:t>
+                          </m:r>
+                        </m:den>
+                      </m:f>
+                    </m:oMath>
+                  </m:oMathPara>
+                </a14:m>
+                <a:endParaRPr lang="en-US" sz="2800" dirty="0"/>
+              </a:p>
+            </p:txBody>
+          </p:sp>
+        </mc:Choice>
+        <mc:Fallback>
+          <p:sp>
+            <p:nvSpPr>
+              <p:cNvPr id="9" name="TextBox 8">
+                <a:extLst>
+                  <a:ext uri="{FF2B5EF4-FFF2-40B4-BE49-F238E27FC236}">
+                    <a16:creationId xmlns:a16="http://schemas.microsoft.com/office/drawing/2014/main" id="{FA418102-814C-A5A8-3FFE-790533AE2E2D}"/>
+                  </a:ext>
+                </a:extLst>
+              </p:cNvPr>
+              <p:cNvSpPr txBox="1">
+                <a:spLocks noRot="1" noChangeAspect="1" noMove="1" noResize="1" noEditPoints="1" noAdjustHandles="1" noChangeArrowheads="1" noChangeShapeType="1" noTextEdit="1"/>
+              </p:cNvSpPr>
+              <p:nvPr/>
+            </p:nvSpPr>
+            <p:spPr>
+              <a:xfrm>
+                <a:off x="487680" y="4171834"/>
+                <a:ext cx="10408920" cy="1001043"/>
+              </a:xfrm>
+              <a:prstGeom prst="rect">
+                <a:avLst/>
+              </a:prstGeom>
+              <a:blipFill>
+                <a:blip r:embed="rId4"/>
+                <a:stretch>
+                  <a:fillRect b="-10000"/>
+                </a:stretch>
+              </a:blipFill>
+            </p:spPr>
+            <p:txBody>
+              <a:bodyPr/>
+              <a:lstStyle/>
+              <a:p>
+                <a:r>
+                  <a:rPr lang="en-US">
+                    <a:noFill/>
+                  </a:rPr>
+                  <a:t> </a:t>
+                </a:r>
+              </a:p>
+            </p:txBody>
+          </p:sp>
+        </mc:Fallback>
+      </mc:AlternateContent>
+    </p:spTree>
+    <p:extLst>
+      <p:ext uri="{BB962C8B-B14F-4D97-AF65-F5344CB8AC3E}">
+        <p14:creationId xmlns:p14="http://schemas.microsoft.com/office/powerpoint/2010/main" val="2542798167"/>
+      </p:ext>
+    </p:extLst>
+  </p:cSld>
+  <p:clrMapOvr>
+    <a:masterClrMapping/>
+  </p:clrMapOvr>
+</p:sld>
+</file>
+
+<file path=ppt/slides/slide11.xml><?xml version="1.0" encoding="utf-8"?>
+<p:sld xmlns:a="http://schemas.openxmlformats.org/drawingml/2006/main" xmlns:r="http://schemas.openxmlformats.org/officeDocument/2006/relationships" xmlns:p="http://schemas.openxmlformats.org/presentationml/2006/main">
+  <p:cSld>
+    <p:spTree>
+      <p:nvGrpSpPr>
+        <p:cNvPr id="1" name=""/>
+        <p:cNvGrpSpPr/>
+        <p:nvPr/>
+      </p:nvGrpSpPr>
+      <p:grpSpPr>
+        <a:xfrm>
+          <a:off x="0" y="0"/>
+          <a:ext cx="0" cy="0"/>
+          <a:chOff x="0" y="0"/>
+          <a:chExt cx="0" cy="0"/>
+        </a:xfrm>
+      </p:grpSpPr>
+      <p:sp>
+        <p:nvSpPr>
+          <p:cNvPr id="2" name="Title 1"/>
+          <p:cNvSpPr>
+            <a:spLocks noGrp="1"/>
+          </p:cNvSpPr>
+          <p:nvPr>
+            <p:ph type="title"/>
+          </p:nvPr>
+        </p:nvSpPr>
+        <p:spPr>
+          <a:xfrm>
+            <a:off x="838200" y="365126"/>
+            <a:ext cx="10515600" cy="981894"/>
+          </a:xfrm>
+        </p:spPr>
+        <p:txBody>
+          <a:bodyPr>
+            <a:normAutofit/>
+          </a:bodyPr>
+          <a:lstStyle/>
+          <a:p>
+            <a:r>
+              <a:rPr lang="en-US" dirty="0"/>
+              <a:t>Discriminant Analysis</a:t>
+            </a:r>
+          </a:p>
+        </p:txBody>
+      </p:sp>
+      <mc:AlternateContent xmlns:mc="http://schemas.openxmlformats.org/markup-compatibility/2006">
+        <mc:Choice xmlns:a14="http://schemas.microsoft.com/office/drawing/2010/main" Requires="a14">
+          <p:sp>
+            <p:nvSpPr>
+              <p:cNvPr id="9" name="TextBox 8">
+                <a:extLst>
+                  <a:ext uri="{FF2B5EF4-FFF2-40B4-BE49-F238E27FC236}">
+                    <a16:creationId xmlns:a16="http://schemas.microsoft.com/office/drawing/2014/main" id="{FA418102-814C-A5A8-3FFE-790533AE2E2D}"/>
+                  </a:ext>
+                </a:extLst>
+              </p:cNvPr>
+              <p:cNvSpPr txBox="1"/>
+              <p:nvPr/>
+            </p:nvSpPr>
+            <p:spPr>
+              <a:xfrm>
+                <a:off x="426720" y="1794394"/>
+                <a:ext cx="10408920" cy="1001043"/>
+              </a:xfrm>
+              <a:prstGeom prst="rect">
+                <a:avLst/>
+              </a:prstGeom>
+              <a:noFill/>
+            </p:spPr>
+            <p:txBody>
+              <a:bodyPr wrap="square">
+                <a:spAutoFit/>
+              </a:bodyPr>
+              <a:lstStyle/>
+              <a:p>
+                <a:pPr/>
+                <a14:m>
+                  <m:oMathPara xmlns:m="http://schemas.openxmlformats.org/officeDocument/2006/math">
+                    <m:oMathParaPr>
+                      <m:jc m:val="centerGroup"/>
+                    </m:oMathParaPr>
+                    <m:oMath xmlns:m="http://schemas.openxmlformats.org/officeDocument/2006/math">
+                      <m:r>
+                        <a:rPr lang="en-US" sz="2800" i="1" smtClean="0">
+                          <a:latin typeface="Cambria Math" panose="02040503050406030204" pitchFamily="18" charset="0"/>
+                        </a:rPr>
+                        <m:t>𝑝</m:t>
+                      </m:r>
+                      <m:d>
+                        <m:dPr>
+                          <m:ctrlPr>
+                            <a:rPr lang="en-US" sz="2800" i="1" smtClean="0">
+                              <a:latin typeface="Cambria Math" panose="02040503050406030204" pitchFamily="18" charset="0"/>
+                            </a:rPr>
+                          </m:ctrlPr>
+                        </m:dPr>
+                        <m:e>
+                          <m:r>
+                            <a:rPr lang="en-US" sz="2800" i="1" smtClean="0">
+                              <a:latin typeface="Cambria Math" panose="02040503050406030204" pitchFamily="18" charset="0"/>
+                            </a:rPr>
+                            <m:t>𝑌</m:t>
+                          </m:r>
+                          <m:r>
+                            <a:rPr lang="en-US" sz="2800" b="0" i="1" smtClean="0">
+                              <a:latin typeface="Cambria Math" panose="02040503050406030204" pitchFamily="18" charset="0"/>
+                            </a:rPr>
+                            <m:t>=</m:t>
+                          </m:r>
+                          <m:r>
+                            <a:rPr lang="en-US" sz="2800" b="0" i="1" smtClean="0">
+                              <a:latin typeface="Cambria Math" panose="02040503050406030204" pitchFamily="18" charset="0"/>
+                            </a:rPr>
+                            <m:t>𝑘</m:t>
+                          </m:r>
+                        </m:e>
+                        <m:e>
+                          <m:r>
+                            <a:rPr lang="en-US" sz="2800" i="1">
+                              <a:latin typeface="Cambria Math" panose="02040503050406030204" pitchFamily="18" charset="0"/>
+                            </a:rPr>
+                            <m:t>𝑋</m:t>
+                          </m:r>
+                          <m:r>
+                            <a:rPr lang="en-US" sz="2800" b="0" i="1" smtClean="0">
+                              <a:latin typeface="Cambria Math" panose="02040503050406030204" pitchFamily="18" charset="0"/>
+                            </a:rPr>
+                            <m:t>=</m:t>
+                          </m:r>
+                          <m:r>
+                            <a:rPr lang="en-US" sz="2800" b="0" i="1" smtClean="0">
+                              <a:latin typeface="Cambria Math" panose="02040503050406030204" pitchFamily="18" charset="0"/>
+                            </a:rPr>
+                            <m:t>𝑥</m:t>
+                          </m:r>
+                        </m:e>
+                      </m:d>
+                      <m:r>
+                        <a:rPr lang="en-US" sz="2800" b="0" i="1" smtClean="0">
+                          <a:latin typeface="Cambria Math" panose="02040503050406030204" pitchFamily="18" charset="0"/>
+                        </a:rPr>
+                        <m:t>=</m:t>
+                      </m:r>
+                      <m:f>
+                        <m:fPr>
+                          <m:ctrlPr>
+                            <a:rPr lang="en-US" sz="2800" i="1">
+                              <a:latin typeface="Cambria Math" panose="02040503050406030204" pitchFamily="18" charset="0"/>
+                            </a:rPr>
+                          </m:ctrlPr>
+                        </m:fPr>
+                        <m:num>
+                          <m:r>
+                            <a:rPr lang="en-US" sz="2800" b="0" i="1" smtClean="0">
+                              <a:latin typeface="Cambria Math" panose="02040503050406030204" pitchFamily="18" charset="0"/>
+                            </a:rPr>
+                            <m:t>𝑝</m:t>
+                          </m:r>
+                          <m:d>
+                            <m:dPr>
+                              <m:ctrlPr>
+                                <a:rPr lang="en-US" sz="2800" b="0" i="1" smtClean="0">
+                                  <a:latin typeface="Cambria Math" panose="02040503050406030204" pitchFamily="18" charset="0"/>
+                                </a:rPr>
+                              </m:ctrlPr>
+                            </m:dPr>
+                            <m:e>
+                              <m:r>
+                                <a:rPr lang="en-US" sz="2800" b="0" i="1" smtClean="0">
+                                  <a:latin typeface="Cambria Math" panose="02040503050406030204" pitchFamily="18" charset="0"/>
+                                </a:rPr>
+                                <m:t>𝑋</m:t>
+                              </m:r>
+                              <m:r>
+                                <a:rPr lang="en-US" sz="2800" b="0" i="1" smtClean="0">
+                                  <a:latin typeface="Cambria Math" panose="02040503050406030204" pitchFamily="18" charset="0"/>
+                                </a:rPr>
+                                <m:t>=</m:t>
+                              </m:r>
+                              <m:r>
+                                <a:rPr lang="en-US" sz="2800" b="0" i="1" smtClean="0">
+                                  <a:latin typeface="Cambria Math" panose="02040503050406030204" pitchFamily="18" charset="0"/>
+                                </a:rPr>
+                                <m:t>𝑥</m:t>
+                              </m:r>
+                            </m:e>
+                            <m:e>
+                              <m:r>
+                                <a:rPr lang="en-US" sz="2800" b="0" i="1" smtClean="0">
+                                  <a:latin typeface="Cambria Math" panose="02040503050406030204" pitchFamily="18" charset="0"/>
+                                </a:rPr>
+                                <m:t>𝑌</m:t>
+                              </m:r>
+                              <m:r>
+                                <a:rPr lang="en-US" sz="2800" b="0" i="1" smtClean="0">
+                                  <a:latin typeface="Cambria Math" panose="02040503050406030204" pitchFamily="18" charset="0"/>
+                                </a:rPr>
+                                <m:t>=</m:t>
+                              </m:r>
+                              <m:r>
+                                <a:rPr lang="en-US" sz="2800" b="0" i="1" smtClean="0">
+                                  <a:latin typeface="Cambria Math" panose="02040503050406030204" pitchFamily="18" charset="0"/>
+                                </a:rPr>
+                                <m:t>𝑘</m:t>
+                              </m:r>
+                            </m:e>
+                          </m:d>
+                          <m:r>
+                            <a:rPr lang="en-US" sz="2800" b="0" i="1" smtClean="0">
+                              <a:latin typeface="Cambria Math" panose="02040503050406030204" pitchFamily="18" charset="0"/>
+                            </a:rPr>
+                            <m:t>𝑝</m:t>
+                          </m:r>
+                          <m:r>
+                            <a:rPr lang="en-US" sz="2800" b="0" i="1" smtClean="0">
+                              <a:latin typeface="Cambria Math" panose="02040503050406030204" pitchFamily="18" charset="0"/>
+                            </a:rPr>
+                            <m:t>(</m:t>
+                          </m:r>
+                          <m:r>
+                            <a:rPr lang="en-US" sz="2800" b="0" i="1" smtClean="0">
+                              <a:latin typeface="Cambria Math" panose="02040503050406030204" pitchFamily="18" charset="0"/>
+                            </a:rPr>
+                            <m:t>𝑌</m:t>
+                          </m:r>
+                          <m:r>
+                            <a:rPr lang="en-US" sz="2800" b="0" i="1" smtClean="0">
+                              <a:latin typeface="Cambria Math" panose="02040503050406030204" pitchFamily="18" charset="0"/>
+                            </a:rPr>
+                            <m:t>=</m:t>
+                          </m:r>
+                          <m:r>
+                            <a:rPr lang="en-US" sz="2800" b="0" i="1" smtClean="0">
+                              <a:latin typeface="Cambria Math" panose="02040503050406030204" pitchFamily="18" charset="0"/>
+                            </a:rPr>
+                            <m:t>𝑘</m:t>
+                          </m:r>
+                          <m:r>
+                            <a:rPr lang="en-US" sz="2800" b="0" i="1" smtClean="0">
+                              <a:latin typeface="Cambria Math" panose="02040503050406030204" pitchFamily="18" charset="0"/>
+                            </a:rPr>
+                            <m:t>)</m:t>
+                          </m:r>
+                        </m:num>
+                        <m:den>
+                          <m:r>
+                            <a:rPr lang="en-US" sz="2800" b="0" i="1" smtClean="0">
+                              <a:latin typeface="Cambria Math" panose="02040503050406030204" pitchFamily="18" charset="0"/>
+                            </a:rPr>
+                            <m:t>𝑝</m:t>
+                          </m:r>
+                          <m:r>
+                            <a:rPr lang="en-US" sz="2800" b="0" i="1" smtClean="0">
+                              <a:latin typeface="Cambria Math" panose="02040503050406030204" pitchFamily="18" charset="0"/>
+                            </a:rPr>
+                            <m:t>(</m:t>
+                          </m:r>
+                          <m:r>
+                            <a:rPr lang="en-US" sz="2800" b="0" i="1" smtClean="0">
+                              <a:latin typeface="Cambria Math" panose="02040503050406030204" pitchFamily="18" charset="0"/>
+                            </a:rPr>
+                            <m:t>𝑋</m:t>
+                          </m:r>
+                          <m:r>
+                            <a:rPr lang="en-US" sz="2800" b="0" i="1" smtClean="0">
+                              <a:latin typeface="Cambria Math" panose="02040503050406030204" pitchFamily="18" charset="0"/>
+                            </a:rPr>
+                            <m:t>=</m:t>
+                          </m:r>
+                          <m:r>
+                            <a:rPr lang="en-US" sz="2800" b="0" i="1" smtClean="0">
+                              <a:latin typeface="Cambria Math" panose="02040503050406030204" pitchFamily="18" charset="0"/>
+                            </a:rPr>
+                            <m:t>𝑥</m:t>
+                          </m:r>
+                          <m:r>
+                            <a:rPr lang="en-US" sz="2800" b="0" i="1" smtClean="0">
+                              <a:latin typeface="Cambria Math" panose="02040503050406030204" pitchFamily="18" charset="0"/>
+                            </a:rPr>
+                            <m:t>)</m:t>
+                          </m:r>
+                        </m:den>
+                      </m:f>
+                    </m:oMath>
+                  </m:oMathPara>
+                </a14:m>
+                <a:endParaRPr lang="en-US" sz="2800" dirty="0"/>
+              </a:p>
+            </p:txBody>
+          </p:sp>
+        </mc:Choice>
+        <mc:Fallback>
+          <p:sp>
+            <p:nvSpPr>
+              <p:cNvPr id="9" name="TextBox 8">
+                <a:extLst>
+                  <a:ext uri="{FF2B5EF4-FFF2-40B4-BE49-F238E27FC236}">
+                    <a16:creationId xmlns:a16="http://schemas.microsoft.com/office/drawing/2014/main" id="{FA418102-814C-A5A8-3FFE-790533AE2E2D}"/>
+                  </a:ext>
+                </a:extLst>
+              </p:cNvPr>
+              <p:cNvSpPr txBox="1">
+                <a:spLocks noRot="1" noChangeAspect="1" noMove="1" noResize="1" noEditPoints="1" noAdjustHandles="1" noChangeArrowheads="1" noChangeShapeType="1" noTextEdit="1"/>
+              </p:cNvSpPr>
+              <p:nvPr/>
+            </p:nvSpPr>
+            <p:spPr>
+              <a:xfrm>
+                <a:off x="426720" y="1794394"/>
+                <a:ext cx="10408920" cy="1001043"/>
+              </a:xfrm>
+              <a:prstGeom prst="rect">
+                <a:avLst/>
+              </a:prstGeom>
+              <a:blipFill>
+                <a:blip r:embed="rId3"/>
+                <a:stretch>
+                  <a:fillRect b="-10000"/>
+                </a:stretch>
+              </a:blipFill>
+            </p:spPr>
+            <p:txBody>
+              <a:bodyPr/>
+              <a:lstStyle/>
+              <a:p>
+                <a:r>
+                  <a:rPr lang="en-US">
+                    <a:noFill/>
+                  </a:rPr>
+                  <a:t> </a:t>
+                </a:r>
+              </a:p>
+            </p:txBody>
+          </p:sp>
+        </mc:Fallback>
+      </mc:AlternateContent>
+      <mc:AlternateContent xmlns:mc="http://schemas.openxmlformats.org/markup-compatibility/2006">
+        <mc:Choice xmlns:a14="http://schemas.microsoft.com/office/drawing/2010/main" Requires="a14">
+          <p:sp>
+            <p:nvSpPr>
+              <p:cNvPr id="3" name="TextBox 2">
+                <a:extLst>
+                  <a:ext uri="{FF2B5EF4-FFF2-40B4-BE49-F238E27FC236}">
+                    <a16:creationId xmlns:a16="http://schemas.microsoft.com/office/drawing/2014/main" id="{0B32C037-7F59-3E8A-114A-912FC276F871}"/>
+                  </a:ext>
+                </a:extLst>
+              </p:cNvPr>
+              <p:cNvSpPr txBox="1"/>
+              <p:nvPr/>
+            </p:nvSpPr>
+            <p:spPr>
+              <a:xfrm>
+                <a:off x="944880" y="3242811"/>
+                <a:ext cx="10408920" cy="523220"/>
+              </a:xfrm>
+              <a:prstGeom prst="rect">
+                <a:avLst/>
+              </a:prstGeom>
+              <a:noFill/>
+            </p:spPr>
+            <p:txBody>
+              <a:bodyPr wrap="square">
+                <a:spAutoFit/>
+              </a:bodyPr>
+              <a:lstStyle/>
+              <a:p>
+                <a:pPr/>
+                <a:r>
+                  <a:rPr lang="en-US" sz="2800" dirty="0"/>
+                  <a:t>Prior distribution: </a:t>
+                </a:r>
+                <a14:m>
+                  <m:oMath xmlns:m="http://schemas.openxmlformats.org/officeDocument/2006/math">
+                    <m:sSub>
+                      <m:sSubPr>
+                        <m:ctrlPr>
+                          <a:rPr lang="en-US" sz="2800" b="0" i="1" smtClean="0">
+                            <a:latin typeface="Cambria Math" panose="02040503050406030204" pitchFamily="18" charset="0"/>
+                          </a:rPr>
+                        </m:ctrlPr>
+                      </m:sSubPr>
+                      <m:e>
+                        <m:r>
+                          <a:rPr lang="en-US" sz="2800" b="0" i="1" smtClean="0">
+                            <a:latin typeface="Cambria Math" panose="02040503050406030204" pitchFamily="18" charset="0"/>
+                          </a:rPr>
+                          <m:t>𝜋</m:t>
+                        </m:r>
+                      </m:e>
+                      <m:sub>
+                        <m:r>
+                          <a:rPr lang="en-US" sz="2800" b="0" i="1" smtClean="0">
+                            <a:latin typeface="Cambria Math" panose="02040503050406030204" pitchFamily="18" charset="0"/>
+                          </a:rPr>
+                          <m:t>𝑘</m:t>
+                        </m:r>
+                      </m:sub>
+                    </m:sSub>
+                    <m:r>
+                      <a:rPr lang="en-US" sz="2800" b="0" i="1" smtClean="0">
+                        <a:latin typeface="Cambria Math" panose="02040503050406030204" pitchFamily="18" charset="0"/>
+                      </a:rPr>
+                      <m:t>=</m:t>
+                    </m:r>
+                    <m:r>
+                      <a:rPr lang="en-US" sz="2800" b="0" i="1" smtClean="0">
+                        <a:latin typeface="Cambria Math" panose="02040503050406030204" pitchFamily="18" charset="0"/>
+                      </a:rPr>
+                      <m:t>𝑝</m:t>
+                    </m:r>
+                    <m:r>
+                      <a:rPr lang="en-US" sz="2800" b="0" i="1" smtClean="0">
+                        <a:latin typeface="Cambria Math" panose="02040503050406030204" pitchFamily="18" charset="0"/>
+                      </a:rPr>
+                      <m:t>(</m:t>
+                    </m:r>
+                    <m:r>
+                      <a:rPr lang="en-US" sz="2800" b="0" i="1" smtClean="0">
+                        <a:latin typeface="Cambria Math" panose="02040503050406030204" pitchFamily="18" charset="0"/>
+                      </a:rPr>
+                      <m:t>𝑌</m:t>
+                    </m:r>
+                    <m:r>
+                      <a:rPr lang="en-US" sz="2800" b="0" i="1" smtClean="0">
+                        <a:latin typeface="Cambria Math" panose="02040503050406030204" pitchFamily="18" charset="0"/>
+                      </a:rPr>
+                      <m:t>=</m:t>
+                    </m:r>
+                    <m:r>
+                      <a:rPr lang="en-US" sz="2800" b="0" i="1" smtClean="0">
+                        <a:latin typeface="Cambria Math" panose="02040503050406030204" pitchFamily="18" charset="0"/>
+                      </a:rPr>
+                      <m:t>𝑘</m:t>
+                    </m:r>
+                    <m:r>
+                      <a:rPr lang="en-US" sz="2800" b="0" i="1" smtClean="0">
+                        <a:latin typeface="Cambria Math" panose="02040503050406030204" pitchFamily="18" charset="0"/>
+                      </a:rPr>
+                      <m:t>)</m:t>
+                    </m:r>
+                  </m:oMath>
+                </a14:m>
+                <a:r>
+                  <a:rPr lang="en-US" sz="2800" dirty="0"/>
+                  <a:t>  </a:t>
+                </a:r>
+              </a:p>
+            </p:txBody>
+          </p:sp>
+        </mc:Choice>
+        <mc:Fallback>
+          <p:sp>
+            <p:nvSpPr>
+              <p:cNvPr id="3" name="TextBox 2">
+                <a:extLst>
+                  <a:ext uri="{FF2B5EF4-FFF2-40B4-BE49-F238E27FC236}">
+                    <a16:creationId xmlns:a16="http://schemas.microsoft.com/office/drawing/2014/main" id="{0B32C037-7F59-3E8A-114A-912FC276F871}"/>
+                  </a:ext>
+                </a:extLst>
+              </p:cNvPr>
+              <p:cNvSpPr txBox="1">
+                <a:spLocks noRot="1" noChangeAspect="1" noMove="1" noResize="1" noEditPoints="1" noAdjustHandles="1" noChangeArrowheads="1" noChangeShapeType="1" noTextEdit="1"/>
+              </p:cNvSpPr>
+              <p:nvPr/>
+            </p:nvSpPr>
+            <p:spPr>
+              <a:xfrm>
+                <a:off x="944880" y="3242811"/>
+                <a:ext cx="10408920" cy="523220"/>
+              </a:xfrm>
+              <a:prstGeom prst="rect">
+                <a:avLst/>
+              </a:prstGeom>
+              <a:blipFill>
+                <a:blip r:embed="rId4"/>
+                <a:stretch>
+                  <a:fillRect l="-1218" t="-11905" b="-30952"/>
+                </a:stretch>
+              </a:blipFill>
+            </p:spPr>
+            <p:txBody>
+              <a:bodyPr/>
+              <a:lstStyle/>
+              <a:p>
+                <a:r>
+                  <a:rPr lang="en-US">
+                    <a:noFill/>
+                  </a:rPr>
+                  <a:t> </a:t>
+                </a:r>
+              </a:p>
+            </p:txBody>
+          </p:sp>
+        </mc:Fallback>
+      </mc:AlternateContent>
+      <mc:AlternateContent xmlns:mc="http://schemas.openxmlformats.org/markup-compatibility/2006">
+        <mc:Choice xmlns:a14="http://schemas.microsoft.com/office/drawing/2010/main" Requires="a14">
+          <p:sp>
+            <p:nvSpPr>
+              <p:cNvPr id="4" name="TextBox 3">
+                <a:extLst>
+                  <a:ext uri="{FF2B5EF4-FFF2-40B4-BE49-F238E27FC236}">
+                    <a16:creationId xmlns:a16="http://schemas.microsoft.com/office/drawing/2014/main" id="{8F8CAF24-DCE6-845E-1B38-830FC1D61502}"/>
+                  </a:ext>
+                </a:extLst>
+              </p:cNvPr>
+              <p:cNvSpPr txBox="1"/>
+              <p:nvPr/>
+            </p:nvSpPr>
+            <p:spPr>
+              <a:xfrm>
+                <a:off x="944880" y="4168008"/>
+                <a:ext cx="10408920" cy="523220"/>
+              </a:xfrm>
+              <a:prstGeom prst="rect">
+                <a:avLst/>
+              </a:prstGeom>
+              <a:noFill/>
+            </p:spPr>
+            <p:txBody>
+              <a:bodyPr wrap="square">
+                <a:spAutoFit/>
+              </a:bodyPr>
+              <a:lstStyle/>
+              <a:p>
+                <a:pPr/>
+                <a:r>
+                  <a:rPr lang="en-US" sz="2800" dirty="0"/>
+                  <a:t>Data density for class k: </a:t>
+                </a:r>
+                <a14:m>
+                  <m:oMath xmlns:m="http://schemas.openxmlformats.org/officeDocument/2006/math">
+                    <m:sSub>
+                      <m:sSubPr>
+                        <m:ctrlPr>
+                          <a:rPr lang="en-US" sz="2800" b="0" i="1" smtClean="0">
+                            <a:latin typeface="Cambria Math" panose="02040503050406030204" pitchFamily="18" charset="0"/>
+                          </a:rPr>
+                        </m:ctrlPr>
+                      </m:sSubPr>
+                      <m:e>
+                        <m:r>
+                          <a:rPr lang="en-US" sz="2800" i="1">
+                            <a:latin typeface="Cambria Math" panose="02040503050406030204" pitchFamily="18" charset="0"/>
+                          </a:rPr>
+                          <m:t>𝑓</m:t>
+                        </m:r>
+                      </m:e>
+                      <m:sub>
+                        <m:r>
+                          <a:rPr lang="en-US" sz="2800" b="0" i="1" smtClean="0">
+                            <a:latin typeface="Cambria Math" panose="02040503050406030204" pitchFamily="18" charset="0"/>
+                          </a:rPr>
+                          <m:t>𝑘</m:t>
+                        </m:r>
+                      </m:sub>
+                    </m:sSub>
+                    <m:r>
+                      <a:rPr lang="en-US" sz="2800" b="0" i="1" smtClean="0">
+                        <a:latin typeface="Cambria Math" panose="02040503050406030204" pitchFamily="18" charset="0"/>
+                      </a:rPr>
+                      <m:t>(</m:t>
+                    </m:r>
+                    <m:r>
+                      <a:rPr lang="en-US" sz="2800" b="0" i="1" smtClean="0">
+                        <a:latin typeface="Cambria Math" panose="02040503050406030204" pitchFamily="18" charset="0"/>
+                      </a:rPr>
+                      <m:t>𝑥</m:t>
+                    </m:r>
+                    <m:r>
+                      <a:rPr lang="en-US" sz="2800" b="0" i="1" smtClean="0">
+                        <a:latin typeface="Cambria Math" panose="02040503050406030204" pitchFamily="18" charset="0"/>
+                      </a:rPr>
+                      <m:t>)=</m:t>
+                    </m:r>
+                    <m:r>
+                      <a:rPr lang="en-US" sz="2800" i="1">
+                        <a:latin typeface="Cambria Math" panose="02040503050406030204" pitchFamily="18" charset="0"/>
+                      </a:rPr>
+                      <m:t>𝑝</m:t>
+                    </m:r>
+                    <m:d>
+                      <m:dPr>
+                        <m:ctrlPr>
+                          <a:rPr lang="en-US" sz="2800" i="1">
+                            <a:latin typeface="Cambria Math" panose="02040503050406030204" pitchFamily="18" charset="0"/>
+                          </a:rPr>
+                        </m:ctrlPr>
+                      </m:dPr>
+                      <m:e>
+                        <m:r>
+                          <a:rPr lang="en-US" sz="2800" i="1">
+                            <a:latin typeface="Cambria Math" panose="02040503050406030204" pitchFamily="18" charset="0"/>
+                          </a:rPr>
+                          <m:t>𝑋</m:t>
+                        </m:r>
+                        <m:r>
+                          <a:rPr lang="en-US" sz="2800" i="1">
+                            <a:latin typeface="Cambria Math" panose="02040503050406030204" pitchFamily="18" charset="0"/>
+                          </a:rPr>
+                          <m:t>=</m:t>
+                        </m:r>
+                        <m:r>
+                          <a:rPr lang="en-US" sz="2800" i="1">
+                            <a:latin typeface="Cambria Math" panose="02040503050406030204" pitchFamily="18" charset="0"/>
+                          </a:rPr>
+                          <m:t>𝑥</m:t>
+                        </m:r>
+                      </m:e>
+                      <m:e>
+                        <m:r>
+                          <a:rPr lang="en-US" sz="2800" i="1">
+                            <a:latin typeface="Cambria Math" panose="02040503050406030204" pitchFamily="18" charset="0"/>
+                          </a:rPr>
+                          <m:t>𝑌</m:t>
+                        </m:r>
+                        <m:r>
+                          <a:rPr lang="en-US" sz="2800" i="1">
+                            <a:latin typeface="Cambria Math" panose="02040503050406030204" pitchFamily="18" charset="0"/>
+                          </a:rPr>
+                          <m:t>=</m:t>
+                        </m:r>
+                        <m:r>
+                          <a:rPr lang="en-US" sz="2800" i="1">
+                            <a:latin typeface="Cambria Math" panose="02040503050406030204" pitchFamily="18" charset="0"/>
+                          </a:rPr>
+                          <m:t>𝑘</m:t>
+                        </m:r>
+                      </m:e>
+                    </m:d>
+                  </m:oMath>
+                </a14:m>
+                <a:endParaRPr lang="en-US" sz="2800" dirty="0"/>
+              </a:p>
+            </p:txBody>
+          </p:sp>
+        </mc:Choice>
+        <mc:Fallback>
+          <p:sp>
+            <p:nvSpPr>
+              <p:cNvPr id="4" name="TextBox 3">
+                <a:extLst>
+                  <a:ext uri="{FF2B5EF4-FFF2-40B4-BE49-F238E27FC236}">
+                    <a16:creationId xmlns:a16="http://schemas.microsoft.com/office/drawing/2014/main" id="{8F8CAF24-DCE6-845E-1B38-830FC1D61502}"/>
+                  </a:ext>
+                </a:extLst>
+              </p:cNvPr>
+              <p:cNvSpPr txBox="1">
+                <a:spLocks noRot="1" noChangeAspect="1" noMove="1" noResize="1" noEditPoints="1" noAdjustHandles="1" noChangeArrowheads="1" noChangeShapeType="1" noTextEdit="1"/>
+              </p:cNvSpPr>
+              <p:nvPr/>
+            </p:nvSpPr>
+            <p:spPr>
+              <a:xfrm>
+                <a:off x="944880" y="4168008"/>
+                <a:ext cx="10408920" cy="523220"/>
+              </a:xfrm>
+              <a:prstGeom prst="rect">
+                <a:avLst/>
+              </a:prstGeom>
+              <a:blipFill>
+                <a:blip r:embed="rId5"/>
+                <a:stretch>
+                  <a:fillRect l="-1218" t="-11905" b="-30952"/>
+                </a:stretch>
+              </a:blipFill>
+            </p:spPr>
+            <p:txBody>
+              <a:bodyPr/>
+              <a:lstStyle/>
+              <a:p>
+                <a:r>
+                  <a:rPr lang="en-US">
+                    <a:noFill/>
+                  </a:rPr>
+                  <a:t> </a:t>
+                </a:r>
+              </a:p>
+            </p:txBody>
+          </p:sp>
+        </mc:Fallback>
+      </mc:AlternateContent>
+      <mc:AlternateContent xmlns:mc="http://schemas.openxmlformats.org/markup-compatibility/2006">
+        <mc:Choice xmlns:a14="http://schemas.microsoft.com/office/drawing/2010/main" Requires="a14">
+          <p:sp>
+            <p:nvSpPr>
+              <p:cNvPr id="6" name="TextBox 5">
+                <a:extLst>
+                  <a:ext uri="{FF2B5EF4-FFF2-40B4-BE49-F238E27FC236}">
+                    <a16:creationId xmlns:a16="http://schemas.microsoft.com/office/drawing/2014/main" id="{35F57094-E7A4-A1E2-D285-7250A9C24B09}"/>
+                  </a:ext>
+                </a:extLst>
+              </p:cNvPr>
+              <p:cNvSpPr txBox="1"/>
+              <p:nvPr/>
+            </p:nvSpPr>
+            <p:spPr>
+              <a:xfrm>
+                <a:off x="304800" y="5150079"/>
+                <a:ext cx="10408920" cy="1023485"/>
+              </a:xfrm>
+              <a:prstGeom prst="rect">
+                <a:avLst/>
+              </a:prstGeom>
+              <a:noFill/>
+            </p:spPr>
+            <p:txBody>
+              <a:bodyPr wrap="square">
+                <a:spAutoFit/>
+              </a:bodyPr>
+              <a:lstStyle/>
+              <a:p>
+                <a:pPr/>
+                <a14:m>
+                  <m:oMathPara xmlns:m="http://schemas.openxmlformats.org/officeDocument/2006/math">
+                    <m:oMathParaPr>
+                      <m:jc m:val="centerGroup"/>
+                    </m:oMathParaPr>
+                    <m:oMath xmlns:m="http://schemas.openxmlformats.org/officeDocument/2006/math">
+                      <m:r>
+                        <a:rPr lang="en-US" sz="2800" i="1" smtClean="0">
+                          <a:latin typeface="Cambria Math" panose="02040503050406030204" pitchFamily="18" charset="0"/>
+                        </a:rPr>
+                        <m:t>𝑝</m:t>
+                      </m:r>
+                      <m:d>
+                        <m:dPr>
+                          <m:ctrlPr>
+                            <a:rPr lang="en-US" sz="2800" i="1" smtClean="0">
+                              <a:latin typeface="Cambria Math" panose="02040503050406030204" pitchFamily="18" charset="0"/>
+                            </a:rPr>
+                          </m:ctrlPr>
+                        </m:dPr>
+                        <m:e>
+                          <m:r>
+                            <a:rPr lang="en-US" sz="2800" i="1" smtClean="0">
+                              <a:latin typeface="Cambria Math" panose="02040503050406030204" pitchFamily="18" charset="0"/>
+                            </a:rPr>
+                            <m:t>𝑌</m:t>
+                          </m:r>
+                          <m:r>
+                            <a:rPr lang="en-US" sz="2800" b="0" i="1" smtClean="0">
+                              <a:latin typeface="Cambria Math" panose="02040503050406030204" pitchFamily="18" charset="0"/>
+                            </a:rPr>
+                            <m:t>=</m:t>
+                          </m:r>
+                          <m:r>
+                            <a:rPr lang="en-US" sz="2800" b="0" i="1" smtClean="0">
+                              <a:latin typeface="Cambria Math" panose="02040503050406030204" pitchFamily="18" charset="0"/>
+                            </a:rPr>
+                            <m:t>𝑘</m:t>
+                          </m:r>
+                        </m:e>
+                        <m:e>
+                          <m:r>
+                            <a:rPr lang="en-US" sz="2800" i="1">
+                              <a:latin typeface="Cambria Math" panose="02040503050406030204" pitchFamily="18" charset="0"/>
+                            </a:rPr>
+                            <m:t>𝑋</m:t>
+                          </m:r>
+                          <m:r>
+                            <a:rPr lang="en-US" sz="2800" b="0" i="1" smtClean="0">
+                              <a:latin typeface="Cambria Math" panose="02040503050406030204" pitchFamily="18" charset="0"/>
+                            </a:rPr>
+                            <m:t>=</m:t>
+                          </m:r>
+                          <m:r>
+                            <a:rPr lang="en-US" sz="2800" b="0" i="1" smtClean="0">
+                              <a:latin typeface="Cambria Math" panose="02040503050406030204" pitchFamily="18" charset="0"/>
+                            </a:rPr>
+                            <m:t>𝑥</m:t>
+                          </m:r>
+                        </m:e>
+                      </m:d>
+                      <m:r>
+                        <a:rPr lang="en-US" sz="2800" b="0" i="1" smtClean="0">
+                          <a:latin typeface="Cambria Math" panose="02040503050406030204" pitchFamily="18" charset="0"/>
+                        </a:rPr>
+                        <m:t>=</m:t>
+                      </m:r>
+                      <m:f>
+                        <m:fPr>
+                          <m:ctrlPr>
+                            <a:rPr lang="en-US" sz="2800" i="1">
+                              <a:latin typeface="Cambria Math" panose="02040503050406030204" pitchFamily="18" charset="0"/>
+                            </a:rPr>
+                          </m:ctrlPr>
+                        </m:fPr>
+                        <m:num>
+                          <m:sSub>
+                            <m:sSubPr>
+                              <m:ctrlPr>
+                                <a:rPr lang="en-US" sz="2800" i="1">
+                                  <a:latin typeface="Cambria Math" panose="02040503050406030204" pitchFamily="18" charset="0"/>
+                                </a:rPr>
+                              </m:ctrlPr>
+                            </m:sSubPr>
+                            <m:e>
+                              <m:r>
+                                <a:rPr lang="en-US" sz="2800" i="1">
+                                  <a:latin typeface="Cambria Math" panose="02040503050406030204" pitchFamily="18" charset="0"/>
+                                </a:rPr>
+                                <m:t>𝜋</m:t>
+                              </m:r>
+                            </m:e>
+                            <m:sub>
+                              <m:r>
+                                <a:rPr lang="en-US" sz="2800" i="1">
+                                  <a:latin typeface="Cambria Math" panose="02040503050406030204" pitchFamily="18" charset="0"/>
+                                </a:rPr>
+                                <m:t>𝑘</m:t>
+                              </m:r>
+                            </m:sub>
+                          </m:sSub>
+                          <m:sSub>
+                            <m:sSubPr>
+                              <m:ctrlPr>
+                                <a:rPr lang="en-US" sz="2800" i="1">
+                                  <a:latin typeface="Cambria Math" panose="02040503050406030204" pitchFamily="18" charset="0"/>
+                                </a:rPr>
+                              </m:ctrlPr>
+                            </m:sSubPr>
+                            <m:e>
+                              <m:r>
+                                <a:rPr lang="en-US" sz="2800" i="1">
+                                  <a:latin typeface="Cambria Math" panose="02040503050406030204" pitchFamily="18" charset="0"/>
+                                </a:rPr>
+                                <m:t>𝑓</m:t>
+                              </m:r>
+                            </m:e>
+                            <m:sub>
+                              <m:r>
+                                <a:rPr lang="en-US" sz="2800" i="1">
+                                  <a:latin typeface="Cambria Math" panose="02040503050406030204" pitchFamily="18" charset="0"/>
+                                </a:rPr>
+                                <m:t>𝑘</m:t>
+                              </m:r>
+                            </m:sub>
+                          </m:sSub>
+                          <m:r>
+                            <a:rPr lang="en-US" sz="2800" i="1">
+                              <a:latin typeface="Cambria Math" panose="02040503050406030204" pitchFamily="18" charset="0"/>
+                            </a:rPr>
+                            <m:t>(</m:t>
+                          </m:r>
+                          <m:r>
+                            <a:rPr lang="en-US" sz="2800" i="1">
+                              <a:latin typeface="Cambria Math" panose="02040503050406030204" pitchFamily="18" charset="0"/>
+                            </a:rPr>
+                            <m:t>𝑥</m:t>
+                          </m:r>
+                          <m:r>
+                            <a:rPr lang="en-US" sz="2800" i="1">
+                              <a:latin typeface="Cambria Math" panose="02040503050406030204" pitchFamily="18" charset="0"/>
+                            </a:rPr>
+                            <m:t>)</m:t>
+                          </m:r>
+                        </m:num>
+                        <m:den>
+                          <m:nary>
+                            <m:naryPr>
+                              <m:chr m:val="∑"/>
+                              <m:ctrlPr>
+                                <a:rPr lang="en-US" sz="2800" i="1">
+                                  <a:latin typeface="Cambria Math" panose="02040503050406030204" pitchFamily="18" charset="0"/>
+                                </a:rPr>
+                              </m:ctrlPr>
+                            </m:naryPr>
+                            <m:sub>
+                              <m:r>
+                                <m:rPr>
+                                  <m:brk m:alnAt="23"/>
+                                </m:rPr>
+                                <a:rPr lang="en-US" sz="2800" i="1">
+                                  <a:latin typeface="Cambria Math" panose="02040503050406030204" pitchFamily="18" charset="0"/>
+                                </a:rPr>
+                                <m:t>𝑙</m:t>
+                              </m:r>
+                              <m:r>
+                                <a:rPr lang="en-US" sz="2800" i="1">
+                                  <a:latin typeface="Cambria Math" panose="02040503050406030204" pitchFamily="18" charset="0"/>
+                                </a:rPr>
+                                <m:t>=1</m:t>
+                              </m:r>
+                            </m:sub>
+                            <m:sup>
+                              <m:r>
+                                <a:rPr lang="en-US" sz="2800" i="1">
+                                  <a:latin typeface="Cambria Math" panose="02040503050406030204" pitchFamily="18" charset="0"/>
+                                </a:rPr>
+                                <m:t>𝐾</m:t>
+                              </m:r>
+                            </m:sup>
+                            <m:e>
+                              <m:sSub>
+                                <m:sSubPr>
+                                  <m:ctrlPr>
+                                    <a:rPr lang="en-US" sz="2800" i="1">
+                                      <a:latin typeface="Cambria Math" panose="02040503050406030204" pitchFamily="18" charset="0"/>
+                                    </a:rPr>
+                                  </m:ctrlPr>
+                                </m:sSubPr>
+                                <m:e>
+                                  <m:r>
+                                    <a:rPr lang="en-US" sz="2800" i="1">
+                                      <a:latin typeface="Cambria Math" panose="02040503050406030204" pitchFamily="18" charset="0"/>
+                                    </a:rPr>
+                                    <m:t>𝜋</m:t>
+                                  </m:r>
+                                </m:e>
+                                <m:sub>
+                                  <m:r>
+                                    <a:rPr lang="en-US" sz="2800" b="0" i="1" smtClean="0">
+                                      <a:latin typeface="Cambria Math" panose="02040503050406030204" pitchFamily="18" charset="0"/>
+                                    </a:rPr>
+                                    <m:t>𝑙</m:t>
+                                  </m:r>
+                                </m:sub>
+                              </m:sSub>
+                              <m:sSub>
+                                <m:sSubPr>
+                                  <m:ctrlPr>
+                                    <a:rPr lang="en-US" sz="2800" i="1">
+                                      <a:latin typeface="Cambria Math" panose="02040503050406030204" pitchFamily="18" charset="0"/>
+                                    </a:rPr>
+                                  </m:ctrlPr>
+                                </m:sSubPr>
+                                <m:e>
+                                  <m:r>
+                                    <a:rPr lang="en-US" sz="2800" i="1">
+                                      <a:latin typeface="Cambria Math" panose="02040503050406030204" pitchFamily="18" charset="0"/>
+                                    </a:rPr>
+                                    <m:t>𝑓</m:t>
+                                  </m:r>
+                                </m:e>
+                                <m:sub>
+                                  <m:r>
+                                    <a:rPr lang="en-US" sz="2800" b="0" i="1" smtClean="0">
+                                      <a:latin typeface="Cambria Math" panose="02040503050406030204" pitchFamily="18" charset="0"/>
+                                    </a:rPr>
+                                    <m:t>𝑙</m:t>
+                                  </m:r>
+                                </m:sub>
+                              </m:sSub>
+                              <m:r>
+                                <a:rPr lang="en-US" sz="2800" i="1">
+                                  <a:latin typeface="Cambria Math" panose="02040503050406030204" pitchFamily="18" charset="0"/>
+                                </a:rPr>
+                                <m:t>(</m:t>
+                              </m:r>
+                              <m:r>
+                                <a:rPr lang="en-US" sz="2800" i="1">
+                                  <a:latin typeface="Cambria Math" panose="02040503050406030204" pitchFamily="18" charset="0"/>
+                                </a:rPr>
+                                <m:t>𝑥</m:t>
+                              </m:r>
+                              <m:r>
+                                <a:rPr lang="en-US" sz="2800" i="1">
+                                  <a:latin typeface="Cambria Math" panose="02040503050406030204" pitchFamily="18" charset="0"/>
+                                </a:rPr>
+                                <m:t>)</m:t>
+                              </m:r>
+                            </m:e>
+                          </m:nary>
+                        </m:den>
+                      </m:f>
+                    </m:oMath>
+                  </m:oMathPara>
+                </a14:m>
+                <a:endParaRPr lang="en-US" sz="2800" dirty="0"/>
+              </a:p>
+            </p:txBody>
+          </p:sp>
+        </mc:Choice>
+        <mc:Fallback>
+          <p:sp>
+            <p:nvSpPr>
+              <p:cNvPr id="6" name="TextBox 5">
+                <a:extLst>
+                  <a:ext uri="{FF2B5EF4-FFF2-40B4-BE49-F238E27FC236}">
+                    <a16:creationId xmlns:a16="http://schemas.microsoft.com/office/drawing/2014/main" id="{35F57094-E7A4-A1E2-D285-7250A9C24B09}"/>
+                  </a:ext>
+                </a:extLst>
+              </p:cNvPr>
+              <p:cNvSpPr txBox="1">
+                <a:spLocks noRot="1" noChangeAspect="1" noMove="1" noResize="1" noEditPoints="1" noAdjustHandles="1" noChangeArrowheads="1" noChangeShapeType="1" noTextEdit="1"/>
+              </p:cNvSpPr>
+              <p:nvPr/>
+            </p:nvSpPr>
+            <p:spPr>
+              <a:xfrm>
+                <a:off x="304800" y="5150079"/>
+                <a:ext cx="10408920" cy="1023485"/>
+              </a:xfrm>
+              <a:prstGeom prst="rect">
+                <a:avLst/>
+              </a:prstGeom>
+              <a:blipFill>
+                <a:blip r:embed="rId6"/>
+                <a:stretch>
+                  <a:fillRect t="-18293" b="-96341"/>
+                </a:stretch>
+              </a:blipFill>
+            </p:spPr>
+            <p:txBody>
+              <a:bodyPr/>
+              <a:lstStyle/>
+              <a:p>
+                <a:r>
+                  <a:rPr lang="en-US">
+                    <a:noFill/>
+                  </a:rPr>
+                  <a:t> </a:t>
+                </a:r>
+              </a:p>
+            </p:txBody>
+          </p:sp>
+        </mc:Fallback>
+      </mc:AlternateContent>
+    </p:spTree>
+    <p:extLst>
+      <p:ext uri="{BB962C8B-B14F-4D97-AF65-F5344CB8AC3E}">
+        <p14:creationId xmlns:p14="http://schemas.microsoft.com/office/powerpoint/2010/main" val="911125115"/>
+      </p:ext>
+    </p:extLst>
+  </p:cSld>
+  <p:clrMapOvr>
+    <a:masterClrMapping/>
+  </p:clrMapOvr>
+</p:sld>
+</file>
+
+<file path=ppt/slides/slide12.xml><?xml version="1.0" encoding="utf-8"?>
+<p:sld xmlns:a="http://schemas.openxmlformats.org/drawingml/2006/main" xmlns:r="http://schemas.openxmlformats.org/officeDocument/2006/relationships" xmlns:p="http://schemas.openxmlformats.org/presentationml/2006/main">
+  <p:cSld>
+    <p:spTree>
+      <p:nvGrpSpPr>
+        <p:cNvPr id="1" name=""/>
+        <p:cNvGrpSpPr/>
+        <p:nvPr/>
+      </p:nvGrpSpPr>
+      <p:grpSpPr>
+        <a:xfrm>
+          <a:off x="0" y="0"/>
+          <a:ext cx="0" cy="0"/>
+          <a:chOff x="0" y="0"/>
+          <a:chExt cx="0" cy="0"/>
+        </a:xfrm>
+      </p:grpSpPr>
+      <p:sp>
+        <p:nvSpPr>
+          <p:cNvPr id="2" name="Title 1"/>
+          <p:cNvSpPr>
+            <a:spLocks noGrp="1"/>
+          </p:cNvSpPr>
+          <p:nvPr>
+            <p:ph type="title"/>
+          </p:nvPr>
+        </p:nvSpPr>
+        <p:spPr>
+          <a:xfrm>
+            <a:off x="838200" y="365126"/>
+            <a:ext cx="10515600" cy="981894"/>
+          </a:xfrm>
+        </p:spPr>
+        <p:txBody>
+          <a:bodyPr>
+            <a:normAutofit/>
+          </a:bodyPr>
+          <a:lstStyle/>
+          <a:p>
+            <a:r>
+              <a:rPr lang="en-US" dirty="0"/>
+              <a:t>Discriminant Analysis</a:t>
+            </a:r>
+          </a:p>
+        </p:txBody>
+      </p:sp>
+      <p:sp>
+        <p:nvSpPr>
+          <p:cNvPr id="3" name="TextBox 2">
+            <a:extLst>
+              <a:ext uri="{FF2B5EF4-FFF2-40B4-BE49-F238E27FC236}">
+                <a16:creationId xmlns:a16="http://schemas.microsoft.com/office/drawing/2014/main" id="{47DED05A-B10A-493C-6461-6D5580BB9B8E}"/>
+              </a:ext>
+            </a:extLst>
+          </p:cNvPr>
+          <p:cNvSpPr txBox="1"/>
+          <p:nvPr/>
+        </p:nvSpPr>
+        <p:spPr>
+          <a:xfrm>
+            <a:off x="891540" y="1749533"/>
+            <a:ext cx="10408920" cy="523220"/>
+          </a:xfrm>
+          <a:prstGeom prst="rect">
+            <a:avLst/>
+          </a:prstGeom>
+          <a:noFill/>
+        </p:spPr>
+        <p:txBody>
+          <a:bodyPr wrap="square">
+            <a:spAutoFit/>
+          </a:bodyPr>
+          <a:lstStyle/>
+          <a:p>
+            <a:pPr/>
+            <a:r>
+              <a:rPr lang="en-US" sz="2800" dirty="0"/>
+              <a:t>Model the data distribution for each class as Gaussian distribution</a:t>
+            </a:r>
+          </a:p>
+        </p:txBody>
+      </p:sp>
+      <mc:AlternateContent xmlns:mc="http://schemas.openxmlformats.org/markup-compatibility/2006">
+        <mc:Choice xmlns:a14="http://schemas.microsoft.com/office/drawing/2010/main" Requires="a14">
+          <p:sp>
+            <p:nvSpPr>
+              <p:cNvPr id="4" name="TextBox 3">
+                <a:extLst>
+                  <a:ext uri="{FF2B5EF4-FFF2-40B4-BE49-F238E27FC236}">
+                    <a16:creationId xmlns:a16="http://schemas.microsoft.com/office/drawing/2014/main" id="{A4D8EC2C-909D-669C-73D2-F906AAB777B6}"/>
+                  </a:ext>
+                </a:extLst>
+              </p:cNvPr>
+              <p:cNvSpPr txBox="1"/>
+              <p:nvPr/>
+            </p:nvSpPr>
+            <p:spPr>
+              <a:xfrm>
+                <a:off x="441960" y="2848264"/>
+                <a:ext cx="10408920" cy="1161472"/>
+              </a:xfrm>
+              <a:prstGeom prst="rect">
+                <a:avLst/>
+              </a:prstGeom>
+              <a:noFill/>
+            </p:spPr>
+            <p:txBody>
+              <a:bodyPr wrap="square">
+                <a:spAutoFit/>
+              </a:bodyPr>
+              <a:lstStyle/>
+              <a:p>
+                <a:pPr/>
+                <a14:m>
+                  <m:oMathPara xmlns:m="http://schemas.openxmlformats.org/officeDocument/2006/math">
+                    <m:oMathParaPr>
+                      <m:jc m:val="centerGroup"/>
+                    </m:oMathParaPr>
+                    <m:oMath xmlns:m="http://schemas.openxmlformats.org/officeDocument/2006/math">
+                      <m:sSub>
+                        <m:sSubPr>
+                          <m:ctrlPr>
+                            <a:rPr lang="en-US" sz="2800" i="1" smtClean="0">
+                              <a:latin typeface="Cambria Math" panose="02040503050406030204" pitchFamily="18" charset="0"/>
+                            </a:rPr>
+                          </m:ctrlPr>
+                        </m:sSubPr>
+                        <m:e>
+                          <m:r>
+                            <a:rPr lang="en-US" sz="2800" i="1">
+                              <a:latin typeface="Cambria Math" panose="02040503050406030204" pitchFamily="18" charset="0"/>
+                            </a:rPr>
+                            <m:t>𝑓</m:t>
+                          </m:r>
+                        </m:e>
+                        <m:sub>
+                          <m:r>
+                            <a:rPr lang="en-US" sz="2800" i="1">
+                              <a:latin typeface="Cambria Math" panose="02040503050406030204" pitchFamily="18" charset="0"/>
+                            </a:rPr>
+                            <m:t>𝑘</m:t>
+                          </m:r>
+                        </m:sub>
+                      </m:sSub>
+                      <m:r>
+                        <a:rPr lang="en-US" sz="2800" i="1">
+                          <a:latin typeface="Cambria Math" panose="02040503050406030204" pitchFamily="18" charset="0"/>
+                        </a:rPr>
+                        <m:t>(</m:t>
+                      </m:r>
+                      <m:r>
+                        <a:rPr lang="en-US" sz="2800" i="1">
+                          <a:latin typeface="Cambria Math" panose="02040503050406030204" pitchFamily="18" charset="0"/>
+                        </a:rPr>
+                        <m:t>𝑥</m:t>
+                      </m:r>
+                      <m:r>
+                        <a:rPr lang="en-US" sz="2800" i="1">
+                          <a:latin typeface="Cambria Math" panose="02040503050406030204" pitchFamily="18" charset="0"/>
+                        </a:rPr>
+                        <m:t>)=</m:t>
+                      </m:r>
+                      <m:f>
+                        <m:fPr>
+                          <m:ctrlPr>
+                            <a:rPr lang="en-US" sz="2800" i="1" smtClean="0">
+                              <a:latin typeface="Cambria Math" panose="02040503050406030204" pitchFamily="18" charset="0"/>
+                            </a:rPr>
+                          </m:ctrlPr>
+                        </m:fPr>
+                        <m:num>
+                          <m:r>
+                            <a:rPr lang="en-US" sz="2800" b="0" i="1" smtClean="0">
+                              <a:latin typeface="Cambria Math" panose="02040503050406030204" pitchFamily="18" charset="0"/>
+                            </a:rPr>
+                            <m:t>1</m:t>
+                          </m:r>
+                        </m:num>
+                        <m:den>
+                          <m:rad>
+                            <m:radPr>
+                              <m:degHide m:val="on"/>
+                              <m:ctrlPr>
+                                <a:rPr lang="en-US" sz="2800" i="1" smtClean="0">
+                                  <a:latin typeface="Cambria Math" panose="02040503050406030204" pitchFamily="18" charset="0"/>
+                                </a:rPr>
+                              </m:ctrlPr>
+                            </m:radPr>
+                            <m:deg/>
+                            <m:e>
+                              <m:r>
+                                <a:rPr lang="en-US" sz="2800" b="0" i="1" smtClean="0">
+                                  <a:latin typeface="Cambria Math" panose="02040503050406030204" pitchFamily="18" charset="0"/>
+                                </a:rPr>
+                                <m:t>2</m:t>
+                              </m:r>
+                              <m:r>
+                                <a:rPr lang="en-US" sz="2800" b="0" i="1" smtClean="0">
+                                  <a:latin typeface="Cambria Math" panose="02040503050406030204" pitchFamily="18" charset="0"/>
+                                </a:rPr>
+                                <m:t>𝜋</m:t>
+                              </m:r>
+                              <m:sSub>
+                                <m:sSubPr>
+                                  <m:ctrlPr>
+                                    <a:rPr lang="en-US" sz="2800" b="0" i="1" smtClean="0">
+                                      <a:latin typeface="Cambria Math" panose="02040503050406030204" pitchFamily="18" charset="0"/>
+                                    </a:rPr>
+                                  </m:ctrlPr>
+                                </m:sSubPr>
+                                <m:e>
+                                  <m:r>
+                                    <a:rPr lang="en-US" sz="2800" b="0" i="1" smtClean="0">
+                                      <a:latin typeface="Cambria Math" panose="02040503050406030204" pitchFamily="18" charset="0"/>
+                                    </a:rPr>
+                                    <m:t>𝜎</m:t>
+                                  </m:r>
+                                </m:e>
+                                <m:sub>
+                                  <m:r>
+                                    <a:rPr lang="en-US" sz="2800" b="0" i="1" smtClean="0">
+                                      <a:latin typeface="Cambria Math" panose="02040503050406030204" pitchFamily="18" charset="0"/>
+                                    </a:rPr>
+                                    <m:t>𝑘</m:t>
+                                  </m:r>
+                                </m:sub>
+                              </m:sSub>
+                            </m:e>
+                          </m:rad>
+                        </m:den>
+                      </m:f>
+                      <m:sSup>
+                        <m:sSupPr>
+                          <m:ctrlPr>
+                            <a:rPr lang="en-US" sz="2800" b="0" i="1" smtClean="0">
+                              <a:latin typeface="Cambria Math" panose="02040503050406030204" pitchFamily="18" charset="0"/>
+                            </a:rPr>
+                          </m:ctrlPr>
+                        </m:sSupPr>
+                        <m:e>
+                          <m:r>
+                            <a:rPr lang="en-US" sz="2800" b="0" i="1" smtClean="0">
+                              <a:latin typeface="Cambria Math" panose="02040503050406030204" pitchFamily="18" charset="0"/>
+                            </a:rPr>
+                            <m:t>𝑒</m:t>
+                          </m:r>
+                        </m:e>
+                        <m:sup>
+                          <m:r>
+                            <a:rPr lang="en-US" sz="2800" b="0" i="1" smtClean="0">
+                              <a:latin typeface="Cambria Math" panose="02040503050406030204" pitchFamily="18" charset="0"/>
+                            </a:rPr>
+                            <m:t>−</m:t>
+                          </m:r>
+                          <m:f>
+                            <m:fPr>
+                              <m:ctrlPr>
+                                <a:rPr lang="en-US" sz="2800" b="0" i="1" smtClean="0">
+                                  <a:latin typeface="Cambria Math" panose="02040503050406030204" pitchFamily="18" charset="0"/>
+                                </a:rPr>
+                              </m:ctrlPr>
+                            </m:fPr>
+                            <m:num>
+                              <m:r>
+                                <a:rPr lang="en-US" sz="2800" b="0" i="1" smtClean="0">
+                                  <a:latin typeface="Cambria Math" panose="02040503050406030204" pitchFamily="18" charset="0"/>
+                                </a:rPr>
+                                <m:t>1</m:t>
+                              </m:r>
+                            </m:num>
+                            <m:den>
+                              <m:r>
+                                <a:rPr lang="en-US" sz="2800" b="0" i="1" smtClean="0">
+                                  <a:latin typeface="Cambria Math" panose="02040503050406030204" pitchFamily="18" charset="0"/>
+                                </a:rPr>
+                                <m:t>2</m:t>
+                              </m:r>
+                            </m:den>
+                          </m:f>
+                          <m:sSup>
+                            <m:sSupPr>
+                              <m:ctrlPr>
+                                <a:rPr lang="en-US" sz="2800" b="0" i="1" smtClean="0">
+                                  <a:latin typeface="Cambria Math" panose="02040503050406030204" pitchFamily="18" charset="0"/>
+                                </a:rPr>
+                              </m:ctrlPr>
+                            </m:sSupPr>
+                            <m:e>
+                              <m:d>
+                                <m:dPr>
+                                  <m:ctrlPr>
+                                    <a:rPr lang="en-US" sz="2800" b="0" i="1" smtClean="0">
+                                      <a:latin typeface="Cambria Math" panose="02040503050406030204" pitchFamily="18" charset="0"/>
+                                    </a:rPr>
+                                  </m:ctrlPr>
+                                </m:dPr>
+                                <m:e>
+                                  <m:f>
+                                    <m:fPr>
+                                      <m:ctrlPr>
+                                        <a:rPr lang="en-US" sz="2800" b="0" i="1" smtClean="0">
+                                          <a:latin typeface="Cambria Math" panose="02040503050406030204" pitchFamily="18" charset="0"/>
+                                        </a:rPr>
+                                      </m:ctrlPr>
+                                    </m:fPr>
+                                    <m:num>
+                                      <m:r>
+                                        <a:rPr lang="en-US" sz="2800" b="0" i="1" smtClean="0">
+                                          <a:latin typeface="Cambria Math" panose="02040503050406030204" pitchFamily="18" charset="0"/>
+                                        </a:rPr>
+                                        <m:t>𝑥</m:t>
+                                      </m:r>
+                                      <m:r>
+                                        <a:rPr lang="en-US" sz="2800" b="0" i="1" smtClean="0">
+                                          <a:latin typeface="Cambria Math" panose="02040503050406030204" pitchFamily="18" charset="0"/>
+                                        </a:rPr>
+                                        <m:t>−</m:t>
+                                      </m:r>
+                                      <m:sSub>
+                                        <m:sSubPr>
+                                          <m:ctrlPr>
+                                            <a:rPr lang="en-US" sz="2800" b="0" i="1" smtClean="0">
+                                              <a:latin typeface="Cambria Math" panose="02040503050406030204" pitchFamily="18" charset="0"/>
+                                            </a:rPr>
+                                          </m:ctrlPr>
+                                        </m:sSubPr>
+                                        <m:e>
+                                          <m:r>
+                                            <a:rPr lang="en-US" sz="2800" b="0" i="1" smtClean="0">
+                                              <a:latin typeface="Cambria Math" panose="02040503050406030204" pitchFamily="18" charset="0"/>
+                                            </a:rPr>
+                                            <m:t>𝜇</m:t>
+                                          </m:r>
+                                        </m:e>
+                                        <m:sub>
+                                          <m:r>
+                                            <a:rPr lang="en-US" sz="2800" b="0" i="1" smtClean="0">
+                                              <a:latin typeface="Cambria Math" panose="02040503050406030204" pitchFamily="18" charset="0"/>
+                                            </a:rPr>
+                                            <m:t>𝑥</m:t>
+                                          </m:r>
+                                        </m:sub>
+                                      </m:sSub>
+                                    </m:num>
+                                    <m:den>
+                                      <m:sSub>
+                                        <m:sSubPr>
+                                          <m:ctrlPr>
+                                            <a:rPr lang="en-US" sz="2800" b="0" i="1" smtClean="0">
+                                              <a:latin typeface="Cambria Math" panose="02040503050406030204" pitchFamily="18" charset="0"/>
+                                            </a:rPr>
+                                          </m:ctrlPr>
+                                        </m:sSubPr>
+                                        <m:e>
+                                          <m:r>
+                                            <a:rPr lang="en-US" sz="2800" b="0" i="1" smtClean="0">
+                                              <a:latin typeface="Cambria Math" panose="02040503050406030204" pitchFamily="18" charset="0"/>
+                                            </a:rPr>
+                                            <m:t>𝜎</m:t>
+                                          </m:r>
+                                        </m:e>
+                                        <m:sub>
+                                          <m:r>
+                                            <a:rPr lang="en-US" sz="2800" b="0" i="1" smtClean="0">
+                                              <a:latin typeface="Cambria Math" panose="02040503050406030204" pitchFamily="18" charset="0"/>
+                                            </a:rPr>
+                                            <m:t>𝑘</m:t>
+                                          </m:r>
+                                        </m:sub>
+                                      </m:sSub>
+                                    </m:den>
+                                  </m:f>
+                                </m:e>
+                              </m:d>
+                            </m:e>
+                            <m:sup>
+                              <m:r>
+                                <a:rPr lang="en-US" sz="2800" b="0" i="1" smtClean="0">
+                                  <a:latin typeface="Cambria Math" panose="02040503050406030204" pitchFamily="18" charset="0"/>
+                                </a:rPr>
+                                <m:t>2</m:t>
+                              </m:r>
+                            </m:sup>
+                          </m:sSup>
+                        </m:sup>
+                      </m:sSup>
+                    </m:oMath>
+                  </m:oMathPara>
+                </a14:m>
+                <a:endParaRPr lang="en-US" sz="2800" dirty="0"/>
+              </a:p>
+            </p:txBody>
+          </p:sp>
+        </mc:Choice>
+        <mc:Fallback>
+          <p:sp>
+            <p:nvSpPr>
+              <p:cNvPr id="4" name="TextBox 3">
+                <a:extLst>
+                  <a:ext uri="{FF2B5EF4-FFF2-40B4-BE49-F238E27FC236}">
+                    <a16:creationId xmlns:a16="http://schemas.microsoft.com/office/drawing/2014/main" id="{A4D8EC2C-909D-669C-73D2-F906AAB777B6}"/>
+                  </a:ext>
+                </a:extLst>
+              </p:cNvPr>
+              <p:cNvSpPr txBox="1">
+                <a:spLocks noRot="1" noChangeAspect="1" noMove="1" noResize="1" noEditPoints="1" noAdjustHandles="1" noChangeArrowheads="1" noChangeShapeType="1" noTextEdit="1"/>
+              </p:cNvSpPr>
+              <p:nvPr/>
+            </p:nvSpPr>
+            <p:spPr>
+              <a:xfrm>
+                <a:off x="441960" y="2848264"/>
+                <a:ext cx="10408920" cy="1161472"/>
+              </a:xfrm>
+              <a:prstGeom prst="rect">
+                <a:avLst/>
+              </a:prstGeom>
+              <a:blipFill>
+                <a:blip r:embed="rId3"/>
+                <a:stretch>
+                  <a:fillRect/>
+                </a:stretch>
+              </a:blipFill>
+            </p:spPr>
+            <p:txBody>
+              <a:bodyPr/>
+              <a:lstStyle/>
+              <a:p>
+                <a:r>
+                  <a:rPr lang="en-US">
+                    <a:noFill/>
+                  </a:rPr>
+                  <a:t> </a:t>
+                </a:r>
+              </a:p>
+            </p:txBody>
+          </p:sp>
+        </mc:Fallback>
+      </mc:AlternateContent>
+    </p:spTree>
+    <p:extLst>
+      <p:ext uri="{BB962C8B-B14F-4D97-AF65-F5344CB8AC3E}">
+        <p14:creationId xmlns:p14="http://schemas.microsoft.com/office/powerpoint/2010/main" val="2061895174"/>
+      </p:ext>
+    </p:extLst>
+  </p:cSld>
+  <p:clrMapOvr>
+    <a:masterClrMapping/>
+  </p:clrMapOvr>
+</p:sld>
+</file>
+
+<file path=ppt/slides/slide13.xml><?xml version="1.0" encoding="utf-8"?>
+<p:sld xmlns:a="http://schemas.openxmlformats.org/drawingml/2006/main" xmlns:r="http://schemas.openxmlformats.org/officeDocument/2006/relationships" xmlns:p="http://schemas.openxmlformats.org/presentationml/2006/main">
+  <p:cSld>
+    <p:spTree>
+      <p:nvGrpSpPr>
+        <p:cNvPr id="1" name=""/>
+        <p:cNvGrpSpPr/>
+        <p:nvPr/>
+      </p:nvGrpSpPr>
+      <p:grpSpPr>
+        <a:xfrm>
+          <a:off x="0" y="0"/>
+          <a:ext cx="0" cy="0"/>
+          <a:chOff x="0" y="0"/>
+          <a:chExt cx="0" cy="0"/>
+        </a:xfrm>
+      </p:grpSpPr>
+      <p:sp>
+        <p:nvSpPr>
+          <p:cNvPr id="10" name="TextBox 9">
+            <a:extLst>
+              <a:ext uri="{FF2B5EF4-FFF2-40B4-BE49-F238E27FC236}">
+                <a16:creationId xmlns:a16="http://schemas.microsoft.com/office/drawing/2014/main" id="{514E73AD-7A38-9D42-8C4C-ADC0FDE0FBC3}"/>
+              </a:ext>
+            </a:extLst>
+          </p:cNvPr>
+          <p:cNvSpPr txBox="1"/>
+          <p:nvPr/>
+        </p:nvSpPr>
+        <p:spPr>
+          <a:xfrm>
+            <a:off x="4792980" y="2601575"/>
+            <a:ext cx="5951220" cy="1077218"/>
+          </a:xfrm>
+          <a:prstGeom prst="rect">
+            <a:avLst/>
+          </a:prstGeom>
+          <a:noFill/>
+        </p:spPr>
+        <p:txBody>
+          <a:bodyPr wrap="square">
+            <a:spAutoFit/>
+          </a:bodyPr>
+          <a:lstStyle/>
+          <a:p>
+            <a:r>
+              <a:rPr lang="en-US" sz="6400" dirty="0"/>
+              <a:t>Q &amp; A</a:t>
+            </a:r>
+          </a:p>
+        </p:txBody>
+      </p:sp>
+    </p:spTree>
+    <p:extLst>
+      <p:ext uri="{BB962C8B-B14F-4D97-AF65-F5344CB8AC3E}">
+        <p14:creationId xmlns:p14="http://schemas.microsoft.com/office/powerpoint/2010/main" val="1222215017"/>
       </p:ext>
     </p:extLst>
   </p:cSld>
@@ -7212,7 +9709,7 @@
         </p:nvSpPr>
         <p:spPr>
           <a:xfrm>
-            <a:off x="838200" y="3429000"/>
+            <a:off x="891540" y="3403043"/>
             <a:ext cx="10408920" cy="523220"/>
           </a:xfrm>
           <a:prstGeom prst="rect">
@@ -7229,7 +9726,7 @@
             <a:pPr/>
             <a:r>
               <a:rPr lang="en-US" sz="2800" b="0" dirty="0"/>
-              <a:t>Take the derivative and set it as 0</a:t>
+              <a:t>May need to use an optimizer to solve the problem</a:t>
             </a:r>
             <a:endParaRPr lang="en-US" sz="2800" dirty="0"/>
           </a:p>
@@ -7270,7 +9767,7 @@
             </a:r>
             <a:r>
               <a:rPr lang="en-US" sz="2800" b="0" dirty="0" err="1"/>
-              <a:t>sklearn</a:t>
+              <a:t>sklearn.linear_model.LogisticRegression</a:t>
             </a:r>
             <a:endParaRPr lang="en-US" sz="2800" dirty="0"/>
           </a:p>
@@ -7308,10 +9805,39 @@
       </p:grpSpPr>
       <p:sp>
         <p:nvSpPr>
-          <p:cNvPr id="10" name="TextBox 9">
+          <p:cNvPr id="2" name="Title 1"/>
+          <p:cNvSpPr>
+            <a:spLocks noGrp="1"/>
+          </p:cNvSpPr>
+          <p:nvPr>
+            <p:ph type="title"/>
+          </p:nvPr>
+        </p:nvSpPr>
+        <p:spPr>
+          <a:xfrm>
+            <a:off x="838200" y="365126"/>
+            <a:ext cx="10515600" cy="981894"/>
+          </a:xfrm>
+        </p:spPr>
+        <p:txBody>
+          <a:bodyPr>
+            <a:normAutofit/>
+          </a:bodyPr>
+          <a:lstStyle/>
+          <a:p>
+            <a:r>
+              <a:rPr lang="en-US" dirty="0"/>
+              <a:t>Multi-Class Logistic Regression</a:t>
+            </a:r>
+          </a:p>
+        </p:txBody>
+      </p:sp>
+      <p:sp>
+        <p:nvSpPr>
+          <p:cNvPr id="4" name="TextBox 3">
             <a:extLst>
               <a:ext uri="{FF2B5EF4-FFF2-40B4-BE49-F238E27FC236}">
-                <a16:creationId xmlns:a16="http://schemas.microsoft.com/office/drawing/2014/main" id="{514E73AD-7A38-9D42-8C4C-ADC0FDE0FBC3}"/>
+                <a16:creationId xmlns:a16="http://schemas.microsoft.com/office/drawing/2014/main" id="{B4EC2C19-CBB9-9158-680E-379C4BCA6065}"/>
               </a:ext>
             </a:extLst>
           </p:cNvPr>
@@ -7320,8 +9846,8 @@
         </p:nvSpPr>
         <p:spPr>
           <a:xfrm>
-            <a:off x="4792980" y="2601575"/>
-            <a:ext cx="5951220" cy="1077218"/>
+            <a:off x="891540" y="1680923"/>
+            <a:ext cx="10408920" cy="523220"/>
           </a:xfrm>
           <a:prstGeom prst="rect">
             <a:avLst/>
@@ -7334,17 +9860,948 @@
           </a:bodyPr>
           <a:lstStyle/>
           <a:p>
+            <a:pPr/>
             <a:r>
-              <a:rPr lang="en-US" sz="6400" dirty="0"/>
-              <a:t>Q &amp; A</a:t>
+              <a:rPr lang="en-US" sz="2800" b="0" dirty="0"/>
+              <a:t>A linear function for each class</a:t>
             </a:r>
+            <a:endParaRPr lang="en-US" sz="2800" dirty="0"/>
+          </a:p>
+        </p:txBody>
+      </p:sp>
+      <mc:AlternateContent xmlns:mc="http://schemas.openxmlformats.org/markup-compatibility/2006">
+        <mc:Choice xmlns:a14="http://schemas.microsoft.com/office/drawing/2010/main" Requires="a14">
+          <p:sp>
+            <p:nvSpPr>
+              <p:cNvPr id="6" name="TextBox 5">
+                <a:extLst>
+                  <a:ext uri="{FF2B5EF4-FFF2-40B4-BE49-F238E27FC236}">
+                    <a16:creationId xmlns:a16="http://schemas.microsoft.com/office/drawing/2014/main" id="{7AF242B8-90FB-EA1F-81BA-135C177D0C3A}"/>
+                  </a:ext>
+                </a:extLst>
+              </p:cNvPr>
+              <p:cNvSpPr txBox="1"/>
+              <p:nvPr/>
+            </p:nvSpPr>
+            <p:spPr>
+              <a:xfrm>
+                <a:off x="685800" y="2538046"/>
+                <a:ext cx="9311640" cy="1121846"/>
+              </a:xfrm>
+              <a:prstGeom prst="rect">
+                <a:avLst/>
+              </a:prstGeom>
+              <a:noFill/>
+            </p:spPr>
+            <p:txBody>
+              <a:bodyPr wrap="square">
+                <a:spAutoFit/>
+              </a:bodyPr>
+              <a:lstStyle/>
+              <a:p>
+                <a14:m>
+                  <m:oMathPara xmlns:m="http://schemas.openxmlformats.org/officeDocument/2006/math">
+                    <m:oMathParaPr>
+                      <m:jc m:val="centerGroup"/>
+                    </m:oMathParaPr>
+                    <m:oMath xmlns:m="http://schemas.openxmlformats.org/officeDocument/2006/math">
+                      <m:r>
+                        <a:rPr lang="en-US" sz="2800" i="1" smtClean="0">
+                          <a:latin typeface="Cambria Math" panose="02040503050406030204" pitchFamily="18" charset="0"/>
+                        </a:rPr>
+                        <m:t>𝑝</m:t>
+                      </m:r>
+                      <m:r>
+                        <a:rPr lang="en-US" sz="2800" i="1" smtClean="0">
+                          <a:latin typeface="Cambria Math" panose="02040503050406030204" pitchFamily="18" charset="0"/>
+                        </a:rPr>
+                        <m:t>(</m:t>
+                      </m:r>
+                      <m:r>
+                        <a:rPr lang="en-US" sz="2800" i="1" smtClean="0">
+                          <a:latin typeface="Cambria Math" panose="02040503050406030204" pitchFamily="18" charset="0"/>
+                        </a:rPr>
+                        <m:t>𝑌</m:t>
+                      </m:r>
+                      <m:r>
+                        <a:rPr lang="en-US" sz="2800" i="1" smtClean="0">
+                          <a:latin typeface="Cambria Math" panose="02040503050406030204" pitchFamily="18" charset="0"/>
+                        </a:rPr>
+                        <m:t>=</m:t>
+                      </m:r>
+                      <m:r>
+                        <a:rPr lang="en-US" sz="2800" b="0" i="1" smtClean="0">
+                          <a:latin typeface="Cambria Math" panose="02040503050406030204" pitchFamily="18" charset="0"/>
+                        </a:rPr>
+                        <m:t>𝑘</m:t>
+                      </m:r>
+                      <m:r>
+                        <a:rPr lang="en-US" sz="2800" i="1">
+                          <a:latin typeface="Cambria Math" panose="02040503050406030204" pitchFamily="18" charset="0"/>
+                        </a:rPr>
+                        <m:t>|</m:t>
+                      </m:r>
+                      <m:r>
+                        <a:rPr lang="en-US" sz="2800" i="1">
+                          <a:latin typeface="Cambria Math" panose="02040503050406030204" pitchFamily="18" charset="0"/>
+                        </a:rPr>
+                        <m:t>𝑋</m:t>
+                      </m:r>
+                      <m:r>
+                        <a:rPr lang="en-US" sz="2800" i="1">
+                          <a:latin typeface="Cambria Math" panose="02040503050406030204" pitchFamily="18" charset="0"/>
+                        </a:rPr>
+                        <m:t>)=</m:t>
+                      </m:r>
+                      <m:f>
+                        <m:fPr>
+                          <m:ctrlPr>
+                            <a:rPr lang="en-US" sz="2800" b="0" i="1" smtClean="0">
+                              <a:latin typeface="Cambria Math" panose="02040503050406030204" pitchFamily="18" charset="0"/>
+                            </a:rPr>
+                          </m:ctrlPr>
+                        </m:fPr>
+                        <m:num>
+                          <m:sSup>
+                            <m:sSupPr>
+                              <m:ctrlPr>
+                                <a:rPr lang="en-US" sz="2800" b="0" i="1" smtClean="0">
+                                  <a:latin typeface="Cambria Math" panose="02040503050406030204" pitchFamily="18" charset="0"/>
+                                </a:rPr>
+                              </m:ctrlPr>
+                            </m:sSupPr>
+                            <m:e>
+                              <m:r>
+                                <a:rPr lang="en-US" sz="2800" b="0" i="1" smtClean="0">
+                                  <a:latin typeface="Cambria Math" panose="02040503050406030204" pitchFamily="18" charset="0"/>
+                                </a:rPr>
+                                <m:t>𝑒</m:t>
+                              </m:r>
+                            </m:e>
+                            <m:sup>
+                              <m:sSub>
+                                <m:sSubPr>
+                                  <m:ctrlPr>
+                                    <a:rPr lang="en-US" sz="2800" i="1">
+                                      <a:latin typeface="Cambria Math" panose="02040503050406030204" pitchFamily="18" charset="0"/>
+                                    </a:rPr>
+                                  </m:ctrlPr>
+                                </m:sSubPr>
+                                <m:e>
+                                  <m:r>
+                                    <a:rPr lang="en-US" sz="2800" i="1">
+                                      <a:latin typeface="Cambria Math" panose="02040503050406030204" pitchFamily="18" charset="0"/>
+                                    </a:rPr>
+                                    <m:t>𝛽</m:t>
+                                  </m:r>
+                                </m:e>
+                                <m:sub>
+                                  <m:r>
+                                    <a:rPr lang="en-US" sz="2800" i="1">
+                                      <a:latin typeface="Cambria Math" panose="02040503050406030204" pitchFamily="18" charset="0"/>
+                                    </a:rPr>
+                                    <m:t>0</m:t>
+                                  </m:r>
+                                  <m:r>
+                                    <a:rPr lang="en-US" sz="2800" b="0" i="1" smtClean="0">
+                                      <a:latin typeface="Cambria Math" panose="02040503050406030204" pitchFamily="18" charset="0"/>
+                                    </a:rPr>
+                                    <m:t>𝑘</m:t>
+                                  </m:r>
+                                </m:sub>
+                              </m:sSub>
+                              <m:r>
+                                <a:rPr lang="en-US" sz="2800" i="1">
+                                  <a:latin typeface="Cambria Math" panose="02040503050406030204" pitchFamily="18" charset="0"/>
+                                </a:rPr>
+                                <m:t>+</m:t>
+                              </m:r>
+                              <m:sSub>
+                                <m:sSubPr>
+                                  <m:ctrlPr>
+                                    <a:rPr lang="en-US" sz="2800" i="1">
+                                      <a:latin typeface="Cambria Math" panose="02040503050406030204" pitchFamily="18" charset="0"/>
+                                    </a:rPr>
+                                  </m:ctrlPr>
+                                </m:sSubPr>
+                                <m:e>
+                                  <m:r>
+                                    <a:rPr lang="en-US" sz="2800" i="1">
+                                      <a:latin typeface="Cambria Math" panose="02040503050406030204" pitchFamily="18" charset="0"/>
+                                    </a:rPr>
+                                    <m:t>𝛽</m:t>
+                                  </m:r>
+                                </m:e>
+                                <m:sub>
+                                  <m:r>
+                                    <a:rPr lang="en-US" sz="2800" i="1">
+                                      <a:latin typeface="Cambria Math" panose="02040503050406030204" pitchFamily="18" charset="0"/>
+                                    </a:rPr>
+                                    <m:t>1</m:t>
+                                  </m:r>
+                                  <m:r>
+                                    <a:rPr lang="en-US" sz="2800" b="0" i="1" smtClean="0">
+                                      <a:latin typeface="Cambria Math" panose="02040503050406030204" pitchFamily="18" charset="0"/>
+                                    </a:rPr>
+                                    <m:t>𝑘</m:t>
+                                  </m:r>
+                                </m:sub>
+                              </m:sSub>
+                              <m:r>
+                                <a:rPr lang="en-US" sz="2800" i="1">
+                                  <a:latin typeface="Cambria Math" panose="02040503050406030204" pitchFamily="18" charset="0"/>
+                                </a:rPr>
+                                <m:t>𝑋</m:t>
+                              </m:r>
+                            </m:sup>
+                          </m:sSup>
+                        </m:num>
+                        <m:den>
+                          <m:nary>
+                            <m:naryPr>
+                              <m:chr m:val="∑"/>
+                              <m:ctrlPr>
+                                <a:rPr lang="en-US" sz="2800" b="0" i="1" smtClean="0">
+                                  <a:latin typeface="Cambria Math" panose="02040503050406030204" pitchFamily="18" charset="0"/>
+                                </a:rPr>
+                              </m:ctrlPr>
+                            </m:naryPr>
+                            <m:sub>
+                              <m:r>
+                                <m:rPr>
+                                  <m:brk m:alnAt="23"/>
+                                </m:rPr>
+                                <a:rPr lang="en-US" sz="2800" b="0" i="1" smtClean="0">
+                                  <a:latin typeface="Cambria Math" panose="02040503050406030204" pitchFamily="18" charset="0"/>
+                                </a:rPr>
+                                <m:t>𝑙</m:t>
+                              </m:r>
+                              <m:r>
+                                <a:rPr lang="en-US" sz="2800" b="0" i="1" smtClean="0">
+                                  <a:latin typeface="Cambria Math" panose="02040503050406030204" pitchFamily="18" charset="0"/>
+                                </a:rPr>
+                                <m:t>=1</m:t>
+                              </m:r>
+                            </m:sub>
+                            <m:sup>
+                              <m:r>
+                                <a:rPr lang="en-US" sz="2800" b="0" i="1" smtClean="0">
+                                  <a:latin typeface="Cambria Math" panose="02040503050406030204" pitchFamily="18" charset="0"/>
+                                </a:rPr>
+                                <m:t>𝐾</m:t>
+                              </m:r>
+                            </m:sup>
+                            <m:e>
+                              <m:sSup>
+                                <m:sSupPr>
+                                  <m:ctrlPr>
+                                    <a:rPr lang="en-US" sz="2800" i="1">
+                                      <a:latin typeface="Cambria Math" panose="02040503050406030204" pitchFamily="18" charset="0"/>
+                                    </a:rPr>
+                                  </m:ctrlPr>
+                                </m:sSupPr>
+                                <m:e>
+                                  <m:r>
+                                    <a:rPr lang="en-US" sz="2800" i="1">
+                                      <a:latin typeface="Cambria Math" panose="02040503050406030204" pitchFamily="18" charset="0"/>
+                                    </a:rPr>
+                                    <m:t>𝑒</m:t>
+                                  </m:r>
+                                </m:e>
+                                <m:sup>
+                                  <m:sSub>
+                                    <m:sSubPr>
+                                      <m:ctrlPr>
+                                        <a:rPr lang="en-US" sz="2800" i="1">
+                                          <a:latin typeface="Cambria Math" panose="02040503050406030204" pitchFamily="18" charset="0"/>
+                                        </a:rPr>
+                                      </m:ctrlPr>
+                                    </m:sSubPr>
+                                    <m:e>
+                                      <m:r>
+                                        <a:rPr lang="en-US" sz="2800" i="1">
+                                          <a:latin typeface="Cambria Math" panose="02040503050406030204" pitchFamily="18" charset="0"/>
+                                        </a:rPr>
+                                        <m:t>𝛽</m:t>
+                                      </m:r>
+                                    </m:e>
+                                    <m:sub>
+                                      <m:r>
+                                        <a:rPr lang="en-US" sz="2800" i="1">
+                                          <a:latin typeface="Cambria Math" panose="02040503050406030204" pitchFamily="18" charset="0"/>
+                                        </a:rPr>
+                                        <m:t>0</m:t>
+                                      </m:r>
+                                      <m:r>
+                                        <a:rPr lang="en-US" sz="2800" b="0" i="1" smtClean="0">
+                                          <a:latin typeface="Cambria Math" panose="02040503050406030204" pitchFamily="18" charset="0"/>
+                                        </a:rPr>
+                                        <m:t>𝑙</m:t>
+                                      </m:r>
+                                    </m:sub>
+                                  </m:sSub>
+                                  <m:r>
+                                    <a:rPr lang="en-US" sz="2800" i="1">
+                                      <a:latin typeface="Cambria Math" panose="02040503050406030204" pitchFamily="18" charset="0"/>
+                                    </a:rPr>
+                                    <m:t>+</m:t>
+                                  </m:r>
+                                  <m:sSub>
+                                    <m:sSubPr>
+                                      <m:ctrlPr>
+                                        <a:rPr lang="en-US" sz="2800" i="1">
+                                          <a:latin typeface="Cambria Math" panose="02040503050406030204" pitchFamily="18" charset="0"/>
+                                        </a:rPr>
+                                      </m:ctrlPr>
+                                    </m:sSubPr>
+                                    <m:e>
+                                      <m:r>
+                                        <a:rPr lang="en-US" sz="2800" i="1">
+                                          <a:latin typeface="Cambria Math" panose="02040503050406030204" pitchFamily="18" charset="0"/>
+                                        </a:rPr>
+                                        <m:t>𝛽</m:t>
+                                      </m:r>
+                                    </m:e>
+                                    <m:sub>
+                                      <m:r>
+                                        <a:rPr lang="en-US" sz="2800" i="1">
+                                          <a:latin typeface="Cambria Math" panose="02040503050406030204" pitchFamily="18" charset="0"/>
+                                        </a:rPr>
+                                        <m:t>1</m:t>
+                                      </m:r>
+                                      <m:r>
+                                        <a:rPr lang="en-US" sz="2800" b="0" i="1" smtClean="0">
+                                          <a:latin typeface="Cambria Math" panose="02040503050406030204" pitchFamily="18" charset="0"/>
+                                        </a:rPr>
+                                        <m:t>𝑙</m:t>
+                                      </m:r>
+                                    </m:sub>
+                                  </m:sSub>
+                                  <m:r>
+                                    <a:rPr lang="en-US" sz="2800" i="1">
+                                      <a:latin typeface="Cambria Math" panose="02040503050406030204" pitchFamily="18" charset="0"/>
+                                    </a:rPr>
+                                    <m:t>𝑋</m:t>
+                                  </m:r>
+                                </m:sup>
+                              </m:sSup>
+                            </m:e>
+                          </m:nary>
+                        </m:den>
+                      </m:f>
+                    </m:oMath>
+                  </m:oMathPara>
+                </a14:m>
+                <a:endParaRPr lang="en-US" sz="2800" dirty="0"/>
+              </a:p>
+            </p:txBody>
+          </p:sp>
+        </mc:Choice>
+        <mc:Fallback>
+          <p:sp>
+            <p:nvSpPr>
+              <p:cNvPr id="6" name="TextBox 5">
+                <a:extLst>
+                  <a:ext uri="{FF2B5EF4-FFF2-40B4-BE49-F238E27FC236}">
+                    <a16:creationId xmlns:a16="http://schemas.microsoft.com/office/drawing/2014/main" id="{7AF242B8-90FB-EA1F-81BA-135C177D0C3A}"/>
+                  </a:ext>
+                </a:extLst>
+              </p:cNvPr>
+              <p:cNvSpPr txBox="1">
+                <a:spLocks noRot="1" noChangeAspect="1" noMove="1" noResize="1" noEditPoints="1" noAdjustHandles="1" noChangeArrowheads="1" noChangeShapeType="1" noTextEdit="1"/>
+              </p:cNvSpPr>
+              <p:nvPr/>
+            </p:nvSpPr>
+            <p:spPr>
+              <a:xfrm>
+                <a:off x="685800" y="2538046"/>
+                <a:ext cx="9311640" cy="1121846"/>
+              </a:xfrm>
+              <a:prstGeom prst="rect">
+                <a:avLst/>
+              </a:prstGeom>
+              <a:blipFill>
+                <a:blip r:embed="rId3"/>
+                <a:stretch>
+                  <a:fillRect t="-10112" b="-87640"/>
+                </a:stretch>
+              </a:blipFill>
+            </p:spPr>
+            <p:txBody>
+              <a:bodyPr/>
+              <a:lstStyle/>
+              <a:p>
+                <a:r>
+                  <a:rPr lang="en-US">
+                    <a:noFill/>
+                  </a:rPr>
+                  <a:t> </a:t>
+                </a:r>
+              </a:p>
+            </p:txBody>
+          </p:sp>
+        </mc:Fallback>
+      </mc:AlternateContent>
+      <p:sp>
+        <p:nvSpPr>
+          <p:cNvPr id="7" name="TextBox 6">
+            <a:extLst>
+              <a:ext uri="{FF2B5EF4-FFF2-40B4-BE49-F238E27FC236}">
+                <a16:creationId xmlns:a16="http://schemas.microsoft.com/office/drawing/2014/main" id="{81FD40F0-3857-6AEA-2FE2-A9D99FD81A25}"/>
+              </a:ext>
+            </a:extLst>
+          </p:cNvPr>
+          <p:cNvSpPr txBox="1"/>
+          <p:nvPr/>
+        </p:nvSpPr>
+        <p:spPr>
+          <a:xfrm>
+            <a:off x="944880" y="4130638"/>
+            <a:ext cx="10408920" cy="954107"/>
+          </a:xfrm>
+          <a:prstGeom prst="rect">
+            <a:avLst/>
+          </a:prstGeom>
+          <a:noFill/>
+        </p:spPr>
+        <p:txBody>
+          <a:bodyPr wrap="square">
+            <a:spAutoFit/>
+          </a:bodyPr>
+          <a:lstStyle/>
+          <a:p>
+            <a:r>
+              <a:rPr lang="en-US" sz="2800" b="0" dirty="0"/>
+              <a:t>Multi-class logistic regression is also called multinomial regression </a:t>
+            </a:r>
+          </a:p>
+          <a:p>
+            <a:r>
+              <a:rPr lang="en-US" sz="2800" b="0" dirty="0"/>
+              <a:t> </a:t>
+            </a:r>
+            <a:endParaRPr lang="en-US" sz="2800" dirty="0"/>
           </a:p>
         </p:txBody>
       </p:sp>
     </p:spTree>
     <p:extLst>
       <p:ext uri="{BB962C8B-B14F-4D97-AF65-F5344CB8AC3E}">
-        <p14:creationId xmlns:p14="http://schemas.microsoft.com/office/powerpoint/2010/main" val="1222215017"/>
+        <p14:creationId xmlns:p14="http://schemas.microsoft.com/office/powerpoint/2010/main" val="2108836664"/>
+      </p:ext>
+    </p:extLst>
+  </p:cSld>
+  <p:clrMapOvr>
+    <a:masterClrMapping/>
+  </p:clrMapOvr>
+</p:sld>
+</file>
+
+<file path=ppt/slides/slide9.xml><?xml version="1.0" encoding="utf-8"?>
+<p:sld xmlns:a="http://schemas.openxmlformats.org/drawingml/2006/main" xmlns:r="http://schemas.openxmlformats.org/officeDocument/2006/relationships" xmlns:p="http://schemas.openxmlformats.org/presentationml/2006/main">
+  <p:cSld>
+    <p:spTree>
+      <p:nvGrpSpPr>
+        <p:cNvPr id="1" name=""/>
+        <p:cNvGrpSpPr/>
+        <p:nvPr/>
+      </p:nvGrpSpPr>
+      <p:grpSpPr>
+        <a:xfrm>
+          <a:off x="0" y="0"/>
+          <a:ext cx="0" cy="0"/>
+          <a:chOff x="0" y="0"/>
+          <a:chExt cx="0" cy="0"/>
+        </a:xfrm>
+      </p:grpSpPr>
+      <p:sp>
+        <p:nvSpPr>
+          <p:cNvPr id="2" name="Title 1"/>
+          <p:cNvSpPr>
+            <a:spLocks noGrp="1"/>
+          </p:cNvSpPr>
+          <p:nvPr>
+            <p:ph type="title"/>
+          </p:nvPr>
+        </p:nvSpPr>
+        <p:spPr>
+          <a:xfrm>
+            <a:off x="838200" y="365126"/>
+            <a:ext cx="10515600" cy="981894"/>
+          </a:xfrm>
+        </p:spPr>
+        <p:txBody>
+          <a:bodyPr>
+            <a:normAutofit/>
+          </a:bodyPr>
+          <a:lstStyle/>
+          <a:p>
+            <a:r>
+              <a:rPr lang="en-US" dirty="0"/>
+              <a:t>Discriminant Analysis</a:t>
+            </a:r>
+          </a:p>
+        </p:txBody>
+      </p:sp>
+      <p:sp>
+        <p:nvSpPr>
+          <p:cNvPr id="5" name="TextBox 4">
+            <a:extLst>
+              <a:ext uri="{FF2B5EF4-FFF2-40B4-BE49-F238E27FC236}">
+                <a16:creationId xmlns:a16="http://schemas.microsoft.com/office/drawing/2014/main" id="{292447B8-792C-EAAB-F5D0-41EC1CF82C00}"/>
+              </a:ext>
+            </a:extLst>
+          </p:cNvPr>
+          <p:cNvSpPr txBox="1"/>
+          <p:nvPr/>
+        </p:nvSpPr>
+        <p:spPr>
+          <a:xfrm>
+            <a:off x="891540" y="1680923"/>
+            <a:ext cx="10408920" cy="523220"/>
+          </a:xfrm>
+          <a:prstGeom prst="rect">
+            <a:avLst/>
+          </a:prstGeom>
+          <a:noFill/>
+        </p:spPr>
+        <p:txBody>
+          <a:bodyPr wrap="square">
+            <a:spAutoFit/>
+          </a:bodyPr>
+          <a:lstStyle/>
+          <a:p>
+            <a:pPr/>
+            <a:r>
+              <a:rPr lang="en-US" sz="2800" dirty="0"/>
+              <a:t>Model the data distribution for each class as Gaussian distribution</a:t>
+            </a:r>
+          </a:p>
+        </p:txBody>
+      </p:sp>
+      <mc:AlternateContent xmlns:mc="http://schemas.openxmlformats.org/markup-compatibility/2006">
+        <mc:Choice xmlns:a14="http://schemas.microsoft.com/office/drawing/2010/main" Requires="a14">
+          <p:sp>
+            <p:nvSpPr>
+              <p:cNvPr id="8" name="TextBox 7">
+                <a:extLst>
+                  <a:ext uri="{FF2B5EF4-FFF2-40B4-BE49-F238E27FC236}">
+                    <a16:creationId xmlns:a16="http://schemas.microsoft.com/office/drawing/2014/main" id="{B678922A-7CEF-4484-BF49-BE036E4E0B90}"/>
+                  </a:ext>
+                </a:extLst>
+              </p:cNvPr>
+              <p:cNvSpPr txBox="1"/>
+              <p:nvPr/>
+            </p:nvSpPr>
+            <p:spPr>
+              <a:xfrm>
+                <a:off x="944880" y="2905780"/>
+                <a:ext cx="10408920" cy="523220"/>
+              </a:xfrm>
+              <a:prstGeom prst="rect">
+                <a:avLst/>
+              </a:prstGeom>
+              <a:noFill/>
+            </p:spPr>
+            <p:txBody>
+              <a:bodyPr wrap="square">
+                <a:spAutoFit/>
+              </a:bodyPr>
+              <a:lstStyle/>
+              <a:p>
+                <a:pPr/>
+                <a:r>
+                  <a:rPr lang="en-US" sz="2800" dirty="0"/>
+                  <a:t>Use the Bayes theorem to obtain </a:t>
+                </a:r>
+                <a14:m>
+                  <m:oMath xmlns:m="http://schemas.openxmlformats.org/officeDocument/2006/math">
+                    <m:r>
+                      <a:rPr lang="en-US" sz="2800" i="1" smtClean="0">
+                        <a:latin typeface="Cambria Math" panose="02040503050406030204" pitchFamily="18" charset="0"/>
+                      </a:rPr>
+                      <m:t>𝑝</m:t>
+                    </m:r>
+                    <m:r>
+                      <a:rPr lang="en-US" sz="2800" i="1" smtClean="0">
+                        <a:latin typeface="Cambria Math" panose="02040503050406030204" pitchFamily="18" charset="0"/>
+                      </a:rPr>
+                      <m:t>(</m:t>
+                    </m:r>
+                    <m:r>
+                      <a:rPr lang="en-US" sz="2800" i="1" smtClean="0">
+                        <a:latin typeface="Cambria Math" panose="02040503050406030204" pitchFamily="18" charset="0"/>
+                      </a:rPr>
+                      <m:t>𝑌</m:t>
+                    </m:r>
+                    <m:r>
+                      <a:rPr lang="en-US" sz="2800" i="1">
+                        <a:latin typeface="Cambria Math" panose="02040503050406030204" pitchFamily="18" charset="0"/>
+                      </a:rPr>
+                      <m:t>|</m:t>
+                    </m:r>
+                    <m:r>
+                      <a:rPr lang="en-US" sz="2800" i="1">
+                        <a:latin typeface="Cambria Math" panose="02040503050406030204" pitchFamily="18" charset="0"/>
+                      </a:rPr>
+                      <m:t>𝑋</m:t>
+                    </m:r>
+                    <m:r>
+                      <a:rPr lang="en-US" sz="2800" b="0" i="1" smtClean="0">
+                        <a:latin typeface="Cambria Math" panose="02040503050406030204" pitchFamily="18" charset="0"/>
+                      </a:rPr>
+                      <m:t>)</m:t>
+                    </m:r>
+                  </m:oMath>
+                </a14:m>
+                <a:r>
+                  <a:rPr lang="en-US" sz="2800" dirty="0"/>
+                  <a:t> </a:t>
+                </a:r>
+              </a:p>
+            </p:txBody>
+          </p:sp>
+        </mc:Choice>
+        <mc:Fallback>
+          <p:sp>
+            <p:nvSpPr>
+              <p:cNvPr id="8" name="TextBox 7">
+                <a:extLst>
+                  <a:ext uri="{FF2B5EF4-FFF2-40B4-BE49-F238E27FC236}">
+                    <a16:creationId xmlns:a16="http://schemas.microsoft.com/office/drawing/2014/main" id="{B678922A-7CEF-4484-BF49-BE036E4E0B90}"/>
+                  </a:ext>
+                </a:extLst>
+              </p:cNvPr>
+              <p:cNvSpPr txBox="1">
+                <a:spLocks noRot="1" noChangeAspect="1" noMove="1" noResize="1" noEditPoints="1" noAdjustHandles="1" noChangeArrowheads="1" noChangeShapeType="1" noTextEdit="1"/>
+              </p:cNvSpPr>
+              <p:nvPr/>
+            </p:nvSpPr>
+            <p:spPr>
+              <a:xfrm>
+                <a:off x="944880" y="2905780"/>
+                <a:ext cx="10408920" cy="523220"/>
+              </a:xfrm>
+              <a:prstGeom prst="rect">
+                <a:avLst/>
+              </a:prstGeom>
+              <a:blipFill>
+                <a:blip r:embed="rId3"/>
+                <a:stretch>
+                  <a:fillRect l="-1218" t="-11628" b="-27907"/>
+                </a:stretch>
+              </a:blipFill>
+            </p:spPr>
+            <p:txBody>
+              <a:bodyPr/>
+              <a:lstStyle/>
+              <a:p>
+                <a:r>
+                  <a:rPr lang="en-US">
+                    <a:noFill/>
+                  </a:rPr>
+                  <a:t> </a:t>
+                </a:r>
+              </a:p>
+            </p:txBody>
+          </p:sp>
+        </mc:Fallback>
+      </mc:AlternateContent>
+      <mc:AlternateContent xmlns:mc="http://schemas.openxmlformats.org/markup-compatibility/2006">
+        <mc:Choice xmlns:a14="http://schemas.microsoft.com/office/drawing/2010/main" Requires="a14">
+          <p:sp>
+            <p:nvSpPr>
+              <p:cNvPr id="9" name="TextBox 8">
+                <a:extLst>
+                  <a:ext uri="{FF2B5EF4-FFF2-40B4-BE49-F238E27FC236}">
+                    <a16:creationId xmlns:a16="http://schemas.microsoft.com/office/drawing/2014/main" id="{FA418102-814C-A5A8-3FFE-790533AE2E2D}"/>
+                  </a:ext>
+                </a:extLst>
+              </p:cNvPr>
+              <p:cNvSpPr txBox="1"/>
+              <p:nvPr/>
+            </p:nvSpPr>
+            <p:spPr>
+              <a:xfrm>
+                <a:off x="487680" y="4171834"/>
+                <a:ext cx="10408920" cy="1001043"/>
+              </a:xfrm>
+              <a:prstGeom prst="rect">
+                <a:avLst/>
+              </a:prstGeom>
+              <a:noFill/>
+            </p:spPr>
+            <p:txBody>
+              <a:bodyPr wrap="square">
+                <a:spAutoFit/>
+              </a:bodyPr>
+              <a:lstStyle/>
+              <a:p>
+                <a:pPr/>
+                <a14:m>
+                  <m:oMathPara xmlns:m="http://schemas.openxmlformats.org/officeDocument/2006/math">
+                    <m:oMathParaPr>
+                      <m:jc m:val="centerGroup"/>
+                    </m:oMathParaPr>
+                    <m:oMath xmlns:m="http://schemas.openxmlformats.org/officeDocument/2006/math">
+                      <m:r>
+                        <a:rPr lang="en-US" sz="2800" i="1" smtClean="0">
+                          <a:latin typeface="Cambria Math" panose="02040503050406030204" pitchFamily="18" charset="0"/>
+                        </a:rPr>
+                        <m:t>𝑝</m:t>
+                      </m:r>
+                      <m:d>
+                        <m:dPr>
+                          <m:ctrlPr>
+                            <a:rPr lang="en-US" sz="2800" i="1" smtClean="0">
+                              <a:latin typeface="Cambria Math" panose="02040503050406030204" pitchFamily="18" charset="0"/>
+                            </a:rPr>
+                          </m:ctrlPr>
+                        </m:dPr>
+                        <m:e>
+                          <m:r>
+                            <a:rPr lang="en-US" sz="2800" i="1" smtClean="0">
+                              <a:latin typeface="Cambria Math" panose="02040503050406030204" pitchFamily="18" charset="0"/>
+                            </a:rPr>
+                            <m:t>𝑌</m:t>
+                          </m:r>
+                          <m:r>
+                            <a:rPr lang="en-US" sz="2800" b="0" i="1" smtClean="0">
+                              <a:latin typeface="Cambria Math" panose="02040503050406030204" pitchFamily="18" charset="0"/>
+                            </a:rPr>
+                            <m:t>=</m:t>
+                          </m:r>
+                          <m:r>
+                            <a:rPr lang="en-US" sz="2800" b="0" i="1" smtClean="0">
+                              <a:latin typeface="Cambria Math" panose="02040503050406030204" pitchFamily="18" charset="0"/>
+                            </a:rPr>
+                            <m:t>𝑦</m:t>
+                          </m:r>
+                        </m:e>
+                        <m:e>
+                          <m:r>
+                            <a:rPr lang="en-US" sz="2800" i="1">
+                              <a:latin typeface="Cambria Math" panose="02040503050406030204" pitchFamily="18" charset="0"/>
+                            </a:rPr>
+                            <m:t>𝑋</m:t>
+                          </m:r>
+                          <m:r>
+                            <a:rPr lang="en-US" sz="2800" b="0" i="1" smtClean="0">
+                              <a:latin typeface="Cambria Math" panose="02040503050406030204" pitchFamily="18" charset="0"/>
+                            </a:rPr>
+                            <m:t>=</m:t>
+                          </m:r>
+                          <m:r>
+                            <a:rPr lang="en-US" sz="2800" b="0" i="1" smtClean="0">
+                              <a:latin typeface="Cambria Math" panose="02040503050406030204" pitchFamily="18" charset="0"/>
+                            </a:rPr>
+                            <m:t>𝑥</m:t>
+                          </m:r>
+                        </m:e>
+                      </m:d>
+                      <m:r>
+                        <a:rPr lang="en-US" sz="2800" b="0" i="1" smtClean="0">
+                          <a:latin typeface="Cambria Math" panose="02040503050406030204" pitchFamily="18" charset="0"/>
+                        </a:rPr>
+                        <m:t>=</m:t>
+                      </m:r>
+                      <m:f>
+                        <m:fPr>
+                          <m:ctrlPr>
+                            <a:rPr lang="en-US" sz="2800" i="1">
+                              <a:latin typeface="Cambria Math" panose="02040503050406030204" pitchFamily="18" charset="0"/>
+                            </a:rPr>
+                          </m:ctrlPr>
+                        </m:fPr>
+                        <m:num>
+                          <m:r>
+                            <a:rPr lang="en-US" sz="2800" b="0" i="1" smtClean="0">
+                              <a:latin typeface="Cambria Math" panose="02040503050406030204" pitchFamily="18" charset="0"/>
+                            </a:rPr>
+                            <m:t>𝑝</m:t>
+                          </m:r>
+                          <m:d>
+                            <m:dPr>
+                              <m:ctrlPr>
+                                <a:rPr lang="en-US" sz="2800" b="0" i="1" smtClean="0">
+                                  <a:latin typeface="Cambria Math" panose="02040503050406030204" pitchFamily="18" charset="0"/>
+                                </a:rPr>
+                              </m:ctrlPr>
+                            </m:dPr>
+                            <m:e>
+                              <m:r>
+                                <a:rPr lang="en-US" sz="2800" b="0" i="1" smtClean="0">
+                                  <a:latin typeface="Cambria Math" panose="02040503050406030204" pitchFamily="18" charset="0"/>
+                                </a:rPr>
+                                <m:t>𝑋</m:t>
+                              </m:r>
+                              <m:r>
+                                <a:rPr lang="en-US" sz="2800" b="0" i="1" smtClean="0">
+                                  <a:latin typeface="Cambria Math" panose="02040503050406030204" pitchFamily="18" charset="0"/>
+                                </a:rPr>
+                                <m:t>=</m:t>
+                              </m:r>
+                              <m:r>
+                                <a:rPr lang="en-US" sz="2800" b="0" i="1" smtClean="0">
+                                  <a:latin typeface="Cambria Math" panose="02040503050406030204" pitchFamily="18" charset="0"/>
+                                </a:rPr>
+                                <m:t>𝑥</m:t>
+                              </m:r>
+                            </m:e>
+                            <m:e>
+                              <m:r>
+                                <a:rPr lang="en-US" sz="2800" b="0" i="1" smtClean="0">
+                                  <a:latin typeface="Cambria Math" panose="02040503050406030204" pitchFamily="18" charset="0"/>
+                                </a:rPr>
+                                <m:t>𝑌</m:t>
+                              </m:r>
+                              <m:r>
+                                <a:rPr lang="en-US" sz="2800" b="0" i="1" smtClean="0">
+                                  <a:latin typeface="Cambria Math" panose="02040503050406030204" pitchFamily="18" charset="0"/>
+                                </a:rPr>
+                                <m:t>=</m:t>
+                              </m:r>
+                              <m:r>
+                                <a:rPr lang="en-US" sz="2800" b="0" i="1" smtClean="0">
+                                  <a:latin typeface="Cambria Math" panose="02040503050406030204" pitchFamily="18" charset="0"/>
+                                </a:rPr>
+                                <m:t>𝑦</m:t>
+                              </m:r>
+                            </m:e>
+                          </m:d>
+                          <m:r>
+                            <a:rPr lang="en-US" sz="2800" b="0" i="1" smtClean="0">
+                              <a:latin typeface="Cambria Math" panose="02040503050406030204" pitchFamily="18" charset="0"/>
+                            </a:rPr>
+                            <m:t>𝑝</m:t>
+                          </m:r>
+                          <m:r>
+                            <a:rPr lang="en-US" sz="2800" b="0" i="1" smtClean="0">
+                              <a:latin typeface="Cambria Math" panose="02040503050406030204" pitchFamily="18" charset="0"/>
+                            </a:rPr>
+                            <m:t>(</m:t>
+                          </m:r>
+                          <m:r>
+                            <a:rPr lang="en-US" sz="2800" b="0" i="1" smtClean="0">
+                              <a:latin typeface="Cambria Math" panose="02040503050406030204" pitchFamily="18" charset="0"/>
+                            </a:rPr>
+                            <m:t>𝑌</m:t>
+                          </m:r>
+                          <m:r>
+                            <a:rPr lang="en-US" sz="2800" b="0" i="1" smtClean="0">
+                              <a:latin typeface="Cambria Math" panose="02040503050406030204" pitchFamily="18" charset="0"/>
+                            </a:rPr>
+                            <m:t>=</m:t>
+                          </m:r>
+                          <m:r>
+                            <a:rPr lang="en-US" sz="2800" b="0" i="1" smtClean="0">
+                              <a:latin typeface="Cambria Math" panose="02040503050406030204" pitchFamily="18" charset="0"/>
+                            </a:rPr>
+                            <m:t>𝑦</m:t>
+                          </m:r>
+                          <m:r>
+                            <a:rPr lang="en-US" sz="2800" b="0" i="1" smtClean="0">
+                              <a:latin typeface="Cambria Math" panose="02040503050406030204" pitchFamily="18" charset="0"/>
+                            </a:rPr>
+                            <m:t>)</m:t>
+                          </m:r>
+                        </m:num>
+                        <m:den>
+                          <m:r>
+                            <a:rPr lang="en-US" sz="2800" b="0" i="1" smtClean="0">
+                              <a:latin typeface="Cambria Math" panose="02040503050406030204" pitchFamily="18" charset="0"/>
+                            </a:rPr>
+                            <m:t>𝑝</m:t>
+                          </m:r>
+                          <m:r>
+                            <a:rPr lang="en-US" sz="2800" b="0" i="1" smtClean="0">
+                              <a:latin typeface="Cambria Math" panose="02040503050406030204" pitchFamily="18" charset="0"/>
+                            </a:rPr>
+                            <m:t>(</m:t>
+                          </m:r>
+                          <m:r>
+                            <a:rPr lang="en-US" sz="2800" b="0" i="1" smtClean="0">
+                              <a:latin typeface="Cambria Math" panose="02040503050406030204" pitchFamily="18" charset="0"/>
+                            </a:rPr>
+                            <m:t>𝑋</m:t>
+                          </m:r>
+                          <m:r>
+                            <a:rPr lang="en-US" sz="2800" b="0" i="1" smtClean="0">
+                              <a:latin typeface="Cambria Math" panose="02040503050406030204" pitchFamily="18" charset="0"/>
+                            </a:rPr>
+                            <m:t>=</m:t>
+                          </m:r>
+                          <m:r>
+                            <a:rPr lang="en-US" sz="2800" b="0" i="1" smtClean="0">
+                              <a:latin typeface="Cambria Math" panose="02040503050406030204" pitchFamily="18" charset="0"/>
+                            </a:rPr>
+                            <m:t>𝑥</m:t>
+                          </m:r>
+                          <m:r>
+                            <a:rPr lang="en-US" sz="2800" b="0" i="1" smtClean="0">
+                              <a:latin typeface="Cambria Math" panose="02040503050406030204" pitchFamily="18" charset="0"/>
+                            </a:rPr>
+                            <m:t>)</m:t>
+                          </m:r>
+                        </m:den>
+                      </m:f>
+                    </m:oMath>
+                  </m:oMathPara>
+                </a14:m>
+                <a:endParaRPr lang="en-US" sz="2800" dirty="0"/>
+              </a:p>
+            </p:txBody>
+          </p:sp>
+        </mc:Choice>
+        <mc:Fallback>
+          <p:sp>
+            <p:nvSpPr>
+              <p:cNvPr id="9" name="TextBox 8">
+                <a:extLst>
+                  <a:ext uri="{FF2B5EF4-FFF2-40B4-BE49-F238E27FC236}">
+                    <a16:creationId xmlns:a16="http://schemas.microsoft.com/office/drawing/2014/main" id="{FA418102-814C-A5A8-3FFE-790533AE2E2D}"/>
+                  </a:ext>
+                </a:extLst>
+              </p:cNvPr>
+              <p:cNvSpPr txBox="1">
+                <a:spLocks noRot="1" noChangeAspect="1" noMove="1" noResize="1" noEditPoints="1" noAdjustHandles="1" noChangeArrowheads="1" noChangeShapeType="1" noTextEdit="1"/>
+              </p:cNvSpPr>
+              <p:nvPr/>
+            </p:nvSpPr>
+            <p:spPr>
+              <a:xfrm>
+                <a:off x="487680" y="4171834"/>
+                <a:ext cx="10408920" cy="1001043"/>
+              </a:xfrm>
+              <a:prstGeom prst="rect">
+                <a:avLst/>
+              </a:prstGeom>
+              <a:blipFill>
+                <a:blip r:embed="rId4"/>
+                <a:stretch>
+                  <a:fillRect b="-10000"/>
+                </a:stretch>
+              </a:blipFill>
+            </p:spPr>
+            <p:txBody>
+              <a:bodyPr/>
+              <a:lstStyle/>
+              <a:p>
+                <a:r>
+                  <a:rPr lang="en-US">
+                    <a:noFill/>
+                  </a:rPr>
+                  <a:t> </a:t>
+                </a:r>
+              </a:p>
+            </p:txBody>
+          </p:sp>
+        </mc:Fallback>
+      </mc:AlternateContent>
+    </p:spTree>
+    <p:extLst>
+      <p:ext uri="{BB962C8B-B14F-4D97-AF65-F5344CB8AC3E}">
+        <p14:creationId xmlns:p14="http://schemas.microsoft.com/office/powerpoint/2010/main" val="2467597709"/>
       </p:ext>
     </p:extLst>
   </p:cSld>

--- a/_umkc-teaching/slides/Lecture 5.pptx
+++ b/_umkc-teaching/slides/Lecture 5.pptx
@@ -6479,6 +6479,42 @@
           </p:sp>
         </mc:Fallback>
       </mc:AlternateContent>
+      <p:sp>
+        <p:nvSpPr>
+          <p:cNvPr id="6" name="TextBox 5">
+            <a:extLst>
+              <a:ext uri="{FF2B5EF4-FFF2-40B4-BE49-F238E27FC236}">
+                <a16:creationId xmlns:a16="http://schemas.microsoft.com/office/drawing/2014/main" id="{0EFBAD5B-AD35-1E9E-AC99-B3A81F6E619F}"/>
+              </a:ext>
+            </a:extLst>
+          </p:cNvPr>
+          <p:cNvSpPr txBox="1"/>
+          <p:nvPr/>
+        </p:nvSpPr>
+        <p:spPr>
+          <a:xfrm>
+            <a:off x="838200" y="4585247"/>
+            <a:ext cx="10408920" cy="523220"/>
+          </a:xfrm>
+          <a:prstGeom prst="rect">
+            <a:avLst/>
+          </a:prstGeom>
+          <a:noFill/>
+        </p:spPr>
+        <p:txBody>
+          <a:bodyPr wrap="square">
+            <a:spAutoFit/>
+          </a:bodyPr>
+          <a:lstStyle/>
+          <a:p>
+            <a:pPr/>
+            <a:r>
+              <a:rPr lang="en-US" sz="2800" dirty="0"/>
+              <a:t>Use the data from class k to learn the two parameters</a:t>
+            </a:r>
+          </a:p>
+        </p:txBody>
+      </p:sp>
     </p:spTree>
     <p:extLst>
       <p:ext uri="{BB962C8B-B14F-4D97-AF65-F5344CB8AC3E}">

--- a/_umkc-teaching/slides/Lecture 5.pptx
+++ b/_umkc-teaching/slides/Lecture 5.pptx
@@ -5,7 +5,7 @@
     <p:sldMasterId id="2147483648" r:id="rId1"/>
   </p:sldMasterIdLst>
   <p:notesMasterIdLst>
-    <p:notesMasterId r:id="rId15"/>
+    <p:notesMasterId r:id="rId16"/>
   </p:notesMasterIdLst>
   <p:sldIdLst>
     <p:sldId id="257" r:id="rId2"/>
@@ -16,11 +16,12 @@
     <p:sldId id="327" r:id="rId7"/>
     <p:sldId id="328" r:id="rId8"/>
     <p:sldId id="329" r:id="rId9"/>
-    <p:sldId id="330" r:id="rId10"/>
-    <p:sldId id="331" r:id="rId11"/>
-    <p:sldId id="332" r:id="rId12"/>
-    <p:sldId id="333" r:id="rId13"/>
-    <p:sldId id="325" r:id="rId14"/>
+    <p:sldId id="331" r:id="rId10"/>
+    <p:sldId id="332" r:id="rId11"/>
+    <p:sldId id="333" r:id="rId12"/>
+    <p:sldId id="334" r:id="rId13"/>
+    <p:sldId id="335" r:id="rId14"/>
+    <p:sldId id="325" r:id="rId15"/>
   </p:sldIdLst>
   <p:sldSz cx="12192000" cy="6858000"/>
   <p:notesSz cx="6858000" cy="9144000"/>
@@ -634,7 +635,7 @@
     </p:spTree>
     <p:extLst>
       <p:ext uri="{BB962C8B-B14F-4D97-AF65-F5344CB8AC3E}">
-        <p14:creationId xmlns:p14="http://schemas.microsoft.com/office/powerpoint/2010/main" val="3248652805"/>
+        <p14:creationId xmlns:p14="http://schemas.microsoft.com/office/powerpoint/2010/main" val="3191724286"/>
       </p:ext>
     </p:extLst>
   </p:cSld>
@@ -718,7 +719,91 @@
     </p:spTree>
     <p:extLst>
       <p:ext uri="{BB962C8B-B14F-4D97-AF65-F5344CB8AC3E}">
-        <p14:creationId xmlns:p14="http://schemas.microsoft.com/office/powerpoint/2010/main" val="3191724286"/>
+        <p14:creationId xmlns:p14="http://schemas.microsoft.com/office/powerpoint/2010/main" val="2604943977"/>
+      </p:ext>
+    </p:extLst>
+  </p:cSld>
+  <p:clrMapOvr>
+    <a:masterClrMapping/>
+  </p:clrMapOvr>
+</p:notes>
+</file>
+
+<file path=ppt/notesSlides/notesSlide12.xml><?xml version="1.0" encoding="utf-8"?>
+<p:notes xmlns:a="http://schemas.openxmlformats.org/drawingml/2006/main" xmlns:r="http://schemas.openxmlformats.org/officeDocument/2006/relationships" xmlns:p="http://schemas.openxmlformats.org/presentationml/2006/main">
+  <p:cSld>
+    <p:spTree>
+      <p:nvGrpSpPr>
+        <p:cNvPr id="1" name=""/>
+        <p:cNvGrpSpPr/>
+        <p:nvPr/>
+      </p:nvGrpSpPr>
+      <p:grpSpPr>
+        <a:xfrm>
+          <a:off x="0" y="0"/>
+          <a:ext cx="0" cy="0"/>
+          <a:chOff x="0" y="0"/>
+          <a:chExt cx="0" cy="0"/>
+        </a:xfrm>
+      </p:grpSpPr>
+      <p:sp>
+        <p:nvSpPr>
+          <p:cNvPr id="2" name="Slide Image Placeholder 1"/>
+          <p:cNvSpPr>
+            <a:spLocks noGrp="1" noRot="1" noChangeAspect="1"/>
+          </p:cNvSpPr>
+          <p:nvPr>
+            <p:ph type="sldImg"/>
+          </p:nvPr>
+        </p:nvSpPr>
+        <p:spPr/>
+      </p:sp>
+      <p:sp>
+        <p:nvSpPr>
+          <p:cNvPr id="3" name="Notes Placeholder 2"/>
+          <p:cNvSpPr>
+            <a:spLocks noGrp="1"/>
+          </p:cNvSpPr>
+          <p:nvPr>
+            <p:ph type="body" idx="1"/>
+          </p:nvPr>
+        </p:nvSpPr>
+        <p:spPr/>
+        <p:txBody>
+          <a:bodyPr/>
+          <a:lstStyle/>
+          <a:p>
+            <a:endParaRPr lang="en-US" dirty="0"/>
+          </a:p>
+        </p:txBody>
+      </p:sp>
+      <p:sp>
+        <p:nvSpPr>
+          <p:cNvPr id="4" name="Slide Number Placeholder 3"/>
+          <p:cNvSpPr>
+            <a:spLocks noGrp="1"/>
+          </p:cNvSpPr>
+          <p:nvPr>
+            <p:ph type="sldNum" sz="quarter" idx="5"/>
+          </p:nvPr>
+        </p:nvSpPr>
+        <p:spPr/>
+        <p:txBody>
+          <a:bodyPr/>
+          <a:lstStyle/>
+          <a:p>
+            <a:fld id="{3F8BDF20-BE86-4883-8A23-4CE3D0058BEA}" type="slidenum">
+              <a:rPr lang="en-US" smtClean="0"/>
+              <a:t>13</a:t>
+            </a:fld>
+            <a:endParaRPr lang="en-US"/>
+          </a:p>
+        </p:txBody>
+      </p:sp>
+    </p:spTree>
+    <p:extLst>
+      <p:ext uri="{BB962C8B-B14F-4D97-AF65-F5344CB8AC3E}">
+        <p14:creationId xmlns:p14="http://schemas.microsoft.com/office/powerpoint/2010/main" val="2908532850"/>
       </p:ext>
     </p:extLst>
   </p:cSld>
@@ -1306,7 +1391,7 @@
     </p:spTree>
     <p:extLst>
       <p:ext uri="{BB962C8B-B14F-4D97-AF65-F5344CB8AC3E}">
-        <p14:creationId xmlns:p14="http://schemas.microsoft.com/office/powerpoint/2010/main" val="3879649829"/>
+        <p14:creationId xmlns:p14="http://schemas.microsoft.com/office/powerpoint/2010/main" val="2472404673"/>
       </p:ext>
     </p:extLst>
   </p:cSld>
@@ -1390,7 +1475,7 @@
     </p:spTree>
     <p:extLst>
       <p:ext uri="{BB962C8B-B14F-4D97-AF65-F5344CB8AC3E}">
-        <p14:creationId xmlns:p14="http://schemas.microsoft.com/office/powerpoint/2010/main" val="2472404673"/>
+        <p14:creationId xmlns:p14="http://schemas.microsoft.com/office/powerpoint/2010/main" val="3248652805"/>
       </p:ext>
     </p:extLst>
   </p:cSld>
@@ -4486,528 +4571,6 @@
 </file>
 
 <file path=ppt/slides/slide10.xml><?xml version="1.0" encoding="utf-8"?>
-<p:sld xmlns:a="http://schemas.openxmlformats.org/drawingml/2006/main" xmlns:r="http://schemas.openxmlformats.org/officeDocument/2006/relationships" xmlns:p="http://schemas.openxmlformats.org/presentationml/2006/main">
-  <p:cSld>
-    <p:spTree>
-      <p:nvGrpSpPr>
-        <p:cNvPr id="1" name=""/>
-        <p:cNvGrpSpPr/>
-        <p:nvPr/>
-      </p:nvGrpSpPr>
-      <p:grpSpPr>
-        <a:xfrm>
-          <a:off x="0" y="0"/>
-          <a:ext cx="0" cy="0"/>
-          <a:chOff x="0" y="0"/>
-          <a:chExt cx="0" cy="0"/>
-        </a:xfrm>
-      </p:grpSpPr>
-      <p:sp>
-        <p:nvSpPr>
-          <p:cNvPr id="2" name="Title 1"/>
-          <p:cNvSpPr>
-            <a:spLocks noGrp="1"/>
-          </p:cNvSpPr>
-          <p:nvPr>
-            <p:ph type="title"/>
-          </p:nvPr>
-        </p:nvSpPr>
-        <p:spPr>
-          <a:xfrm>
-            <a:off x="838200" y="365126"/>
-            <a:ext cx="10515600" cy="981894"/>
-          </a:xfrm>
-        </p:spPr>
-        <p:txBody>
-          <a:bodyPr>
-            <a:normAutofit/>
-          </a:bodyPr>
-          <a:lstStyle/>
-          <a:p>
-            <a:r>
-              <a:rPr lang="en-US" dirty="0"/>
-              <a:t>Discriminant Analysis</a:t>
-            </a:r>
-          </a:p>
-        </p:txBody>
-      </p:sp>
-      <p:sp>
-        <p:nvSpPr>
-          <p:cNvPr id="5" name="TextBox 4">
-            <a:extLst>
-              <a:ext uri="{FF2B5EF4-FFF2-40B4-BE49-F238E27FC236}">
-                <a16:creationId xmlns:a16="http://schemas.microsoft.com/office/drawing/2014/main" id="{292447B8-792C-EAAB-F5D0-41EC1CF82C00}"/>
-              </a:ext>
-            </a:extLst>
-          </p:cNvPr>
-          <p:cNvSpPr txBox="1"/>
-          <p:nvPr/>
-        </p:nvSpPr>
-        <p:spPr>
-          <a:xfrm>
-            <a:off x="891540" y="1749533"/>
-            <a:ext cx="10408920" cy="523220"/>
-          </a:xfrm>
-          <a:prstGeom prst="rect">
-            <a:avLst/>
-          </a:prstGeom>
-          <a:noFill/>
-        </p:spPr>
-        <p:txBody>
-          <a:bodyPr wrap="square">
-            <a:spAutoFit/>
-          </a:bodyPr>
-          <a:lstStyle/>
-          <a:p>
-            <a:pPr/>
-            <a:r>
-              <a:rPr lang="en-US" sz="2800" dirty="0"/>
-              <a:t>Model the data distribution for each class as Gaussian distribution</a:t>
-            </a:r>
-          </a:p>
-        </p:txBody>
-      </p:sp>
-      <mc:AlternateContent xmlns:mc="http://schemas.openxmlformats.org/markup-compatibility/2006">
-        <mc:Choice xmlns:a14="http://schemas.microsoft.com/office/drawing/2010/main" Requires="a14">
-          <p:sp>
-            <p:nvSpPr>
-              <p:cNvPr id="8" name="TextBox 7">
-                <a:extLst>
-                  <a:ext uri="{FF2B5EF4-FFF2-40B4-BE49-F238E27FC236}">
-                    <a16:creationId xmlns:a16="http://schemas.microsoft.com/office/drawing/2014/main" id="{B678922A-7CEF-4484-BF49-BE036E4E0B90}"/>
-                  </a:ext>
-                </a:extLst>
-              </p:cNvPr>
-              <p:cNvSpPr txBox="1"/>
-              <p:nvPr/>
-            </p:nvSpPr>
-            <p:spPr>
-              <a:xfrm>
-                <a:off x="944880" y="2905780"/>
-                <a:ext cx="10408920" cy="523220"/>
-              </a:xfrm>
-              <a:prstGeom prst="rect">
-                <a:avLst/>
-              </a:prstGeom>
-              <a:noFill/>
-            </p:spPr>
-            <p:txBody>
-              <a:bodyPr wrap="square">
-                <a:spAutoFit/>
-              </a:bodyPr>
-              <a:lstStyle/>
-              <a:p>
-                <a:pPr/>
-                <a:r>
-                  <a:rPr lang="en-US" sz="2800" dirty="0"/>
-                  <a:t>Use the </a:t>
-                </a:r>
-                <a:r>
-                  <a:rPr lang="en-US" sz="2800" b="1" dirty="0"/>
-                  <a:t>Bayes theorem </a:t>
-                </a:r>
-                <a:r>
-                  <a:rPr lang="en-US" sz="2800" dirty="0"/>
-                  <a:t>to obtain </a:t>
-                </a:r>
-                <a14:m>
-                  <m:oMath xmlns:m="http://schemas.openxmlformats.org/officeDocument/2006/math">
-                    <m:r>
-                      <a:rPr lang="en-US" sz="2800" i="1" smtClean="0">
-                        <a:latin typeface="Cambria Math" panose="02040503050406030204" pitchFamily="18" charset="0"/>
-                      </a:rPr>
-                      <m:t>𝑝</m:t>
-                    </m:r>
-                    <m:r>
-                      <a:rPr lang="en-US" sz="2800" i="1" smtClean="0">
-                        <a:latin typeface="Cambria Math" panose="02040503050406030204" pitchFamily="18" charset="0"/>
-                      </a:rPr>
-                      <m:t>(</m:t>
-                    </m:r>
-                    <m:r>
-                      <a:rPr lang="en-US" sz="2800" i="1" smtClean="0">
-                        <a:latin typeface="Cambria Math" panose="02040503050406030204" pitchFamily="18" charset="0"/>
-                      </a:rPr>
-                      <m:t>𝑌</m:t>
-                    </m:r>
-                    <m:r>
-                      <a:rPr lang="en-US" sz="2800" i="1">
-                        <a:latin typeface="Cambria Math" panose="02040503050406030204" pitchFamily="18" charset="0"/>
-                      </a:rPr>
-                      <m:t>|</m:t>
-                    </m:r>
-                    <m:r>
-                      <a:rPr lang="en-US" sz="2800" i="1">
-                        <a:latin typeface="Cambria Math" panose="02040503050406030204" pitchFamily="18" charset="0"/>
-                      </a:rPr>
-                      <m:t>𝑋</m:t>
-                    </m:r>
-                    <m:r>
-                      <a:rPr lang="en-US" sz="2800" b="0" i="1" smtClean="0">
-                        <a:latin typeface="Cambria Math" panose="02040503050406030204" pitchFamily="18" charset="0"/>
-                      </a:rPr>
-                      <m:t>)</m:t>
-                    </m:r>
-                  </m:oMath>
-                </a14:m>
-                <a:r>
-                  <a:rPr lang="en-US" sz="2800" dirty="0"/>
-                  <a:t> </a:t>
-                </a:r>
-              </a:p>
-            </p:txBody>
-          </p:sp>
-        </mc:Choice>
-        <mc:Fallback>
-          <p:sp>
-            <p:nvSpPr>
-              <p:cNvPr id="8" name="TextBox 7">
-                <a:extLst>
-                  <a:ext uri="{FF2B5EF4-FFF2-40B4-BE49-F238E27FC236}">
-                    <a16:creationId xmlns:a16="http://schemas.microsoft.com/office/drawing/2014/main" id="{B678922A-7CEF-4484-BF49-BE036E4E0B90}"/>
-                  </a:ext>
-                </a:extLst>
-              </p:cNvPr>
-              <p:cNvSpPr txBox="1">
-                <a:spLocks noRot="1" noChangeAspect="1" noMove="1" noResize="1" noEditPoints="1" noAdjustHandles="1" noChangeArrowheads="1" noChangeShapeType="1" noTextEdit="1"/>
-              </p:cNvSpPr>
-              <p:nvPr/>
-            </p:nvSpPr>
-            <p:spPr>
-              <a:xfrm>
-                <a:off x="944880" y="2905780"/>
-                <a:ext cx="10408920" cy="523220"/>
-              </a:xfrm>
-              <a:prstGeom prst="rect">
-                <a:avLst/>
-              </a:prstGeom>
-              <a:blipFill>
-                <a:blip r:embed="rId3"/>
-                <a:stretch>
-                  <a:fillRect l="-1218" t="-11628" b="-27907"/>
-                </a:stretch>
-              </a:blipFill>
-            </p:spPr>
-            <p:txBody>
-              <a:bodyPr/>
-              <a:lstStyle/>
-              <a:p>
-                <a:r>
-                  <a:rPr lang="en-US">
-                    <a:noFill/>
-                  </a:rPr>
-                  <a:t> </a:t>
-                </a:r>
-              </a:p>
-            </p:txBody>
-          </p:sp>
-        </mc:Fallback>
-      </mc:AlternateContent>
-      <mc:AlternateContent xmlns:mc="http://schemas.openxmlformats.org/markup-compatibility/2006">
-        <mc:Choice xmlns:a14="http://schemas.microsoft.com/office/drawing/2010/main" Requires="a14">
-          <p:sp>
-            <p:nvSpPr>
-              <p:cNvPr id="9" name="TextBox 8">
-                <a:extLst>
-                  <a:ext uri="{FF2B5EF4-FFF2-40B4-BE49-F238E27FC236}">
-                    <a16:creationId xmlns:a16="http://schemas.microsoft.com/office/drawing/2014/main" id="{FA418102-814C-A5A8-3FFE-790533AE2E2D}"/>
-                  </a:ext>
-                </a:extLst>
-              </p:cNvPr>
-              <p:cNvSpPr txBox="1"/>
-              <p:nvPr/>
-            </p:nvSpPr>
-            <p:spPr>
-              <a:xfrm>
-                <a:off x="487680" y="4171834"/>
-                <a:ext cx="10408920" cy="1001043"/>
-              </a:xfrm>
-              <a:prstGeom prst="rect">
-                <a:avLst/>
-              </a:prstGeom>
-              <a:noFill/>
-            </p:spPr>
-            <p:txBody>
-              <a:bodyPr wrap="square">
-                <a:spAutoFit/>
-              </a:bodyPr>
-              <a:lstStyle/>
-              <a:p>
-                <a:pPr/>
-                <a14:m>
-                  <m:oMathPara xmlns:m="http://schemas.openxmlformats.org/officeDocument/2006/math">
-                    <m:oMathParaPr>
-                      <m:jc m:val="centerGroup"/>
-                    </m:oMathParaPr>
-                    <m:oMath xmlns:m="http://schemas.openxmlformats.org/officeDocument/2006/math">
-                      <m:r>
-                        <a:rPr lang="en-US" sz="2800" i="1" smtClean="0">
-                          <a:latin typeface="Cambria Math" panose="02040503050406030204" pitchFamily="18" charset="0"/>
-                        </a:rPr>
-                        <m:t>𝑝</m:t>
-                      </m:r>
-                      <m:d>
-                        <m:dPr>
-                          <m:ctrlPr>
-                            <a:rPr lang="en-US" sz="2800" i="1" smtClean="0">
-                              <a:latin typeface="Cambria Math" panose="02040503050406030204" pitchFamily="18" charset="0"/>
-                            </a:rPr>
-                          </m:ctrlPr>
-                        </m:dPr>
-                        <m:e>
-                          <m:r>
-                            <a:rPr lang="en-US" sz="2800" i="1" smtClean="0">
-                              <a:latin typeface="Cambria Math" panose="02040503050406030204" pitchFamily="18" charset="0"/>
-                            </a:rPr>
-                            <m:t>𝑌</m:t>
-                          </m:r>
-                          <m:r>
-                            <a:rPr lang="en-US" sz="2800" b="0" i="1" smtClean="0">
-                              <a:latin typeface="Cambria Math" panose="02040503050406030204" pitchFamily="18" charset="0"/>
-                            </a:rPr>
-                            <m:t>=</m:t>
-                          </m:r>
-                          <m:r>
-                            <a:rPr lang="en-US" sz="2800" b="0" i="1" smtClean="0">
-                              <a:latin typeface="Cambria Math" panose="02040503050406030204" pitchFamily="18" charset="0"/>
-                            </a:rPr>
-                            <m:t>𝑦</m:t>
-                          </m:r>
-                        </m:e>
-                        <m:e>
-                          <m:r>
-                            <a:rPr lang="en-US" sz="2800" i="1">
-                              <a:latin typeface="Cambria Math" panose="02040503050406030204" pitchFamily="18" charset="0"/>
-                            </a:rPr>
-                            <m:t>𝑋</m:t>
-                          </m:r>
-                          <m:r>
-                            <a:rPr lang="en-US" sz="2800" b="0" i="1" smtClean="0">
-                              <a:latin typeface="Cambria Math" panose="02040503050406030204" pitchFamily="18" charset="0"/>
-                            </a:rPr>
-                            <m:t>=</m:t>
-                          </m:r>
-                          <m:r>
-                            <a:rPr lang="en-US" sz="2800" b="0" i="1" smtClean="0">
-                              <a:latin typeface="Cambria Math" panose="02040503050406030204" pitchFamily="18" charset="0"/>
-                            </a:rPr>
-                            <m:t>𝑥</m:t>
-                          </m:r>
-                        </m:e>
-                      </m:d>
-                      <m:r>
-                        <a:rPr lang="en-US" sz="2800" b="0" i="1" smtClean="0">
-                          <a:latin typeface="Cambria Math" panose="02040503050406030204" pitchFamily="18" charset="0"/>
-                        </a:rPr>
-                        <m:t>=</m:t>
-                      </m:r>
-                      <m:f>
-                        <m:fPr>
-                          <m:ctrlPr>
-                            <a:rPr lang="en-US" sz="2800" i="1">
-                              <a:latin typeface="Cambria Math" panose="02040503050406030204" pitchFamily="18" charset="0"/>
-                            </a:rPr>
-                          </m:ctrlPr>
-                        </m:fPr>
-                        <m:num>
-                          <m:r>
-                            <a:rPr lang="en-US" sz="2800" b="0" i="1" smtClean="0">
-                              <a:latin typeface="Cambria Math" panose="02040503050406030204" pitchFamily="18" charset="0"/>
-                            </a:rPr>
-                            <m:t>𝑝</m:t>
-                          </m:r>
-                          <m:d>
-                            <m:dPr>
-                              <m:ctrlPr>
-                                <a:rPr lang="en-US" sz="2800" b="0" i="1" smtClean="0">
-                                  <a:latin typeface="Cambria Math" panose="02040503050406030204" pitchFamily="18" charset="0"/>
-                                </a:rPr>
-                              </m:ctrlPr>
-                            </m:dPr>
-                            <m:e>
-                              <m:r>
-                                <a:rPr lang="en-US" sz="2800" b="0" i="1" smtClean="0">
-                                  <a:latin typeface="Cambria Math" panose="02040503050406030204" pitchFamily="18" charset="0"/>
-                                </a:rPr>
-                                <m:t>𝑋</m:t>
-                              </m:r>
-                              <m:r>
-                                <a:rPr lang="en-US" sz="2800" b="0" i="1" smtClean="0">
-                                  <a:latin typeface="Cambria Math" panose="02040503050406030204" pitchFamily="18" charset="0"/>
-                                </a:rPr>
-                                <m:t>=</m:t>
-                              </m:r>
-                              <m:r>
-                                <a:rPr lang="en-US" sz="2800" b="0" i="1" smtClean="0">
-                                  <a:latin typeface="Cambria Math" panose="02040503050406030204" pitchFamily="18" charset="0"/>
-                                </a:rPr>
-                                <m:t>𝑥</m:t>
-                              </m:r>
-                            </m:e>
-                            <m:e>
-                              <m:r>
-                                <a:rPr lang="en-US" sz="2800" b="0" i="1" smtClean="0">
-                                  <a:latin typeface="Cambria Math" panose="02040503050406030204" pitchFamily="18" charset="0"/>
-                                </a:rPr>
-                                <m:t>𝑌</m:t>
-                              </m:r>
-                              <m:r>
-                                <a:rPr lang="en-US" sz="2800" b="0" i="1" smtClean="0">
-                                  <a:latin typeface="Cambria Math" panose="02040503050406030204" pitchFamily="18" charset="0"/>
-                                </a:rPr>
-                                <m:t>=</m:t>
-                              </m:r>
-                              <m:r>
-                                <a:rPr lang="en-US" sz="2800" b="0" i="1" smtClean="0">
-                                  <a:latin typeface="Cambria Math" panose="02040503050406030204" pitchFamily="18" charset="0"/>
-                                </a:rPr>
-                                <m:t>𝑦</m:t>
-                              </m:r>
-                            </m:e>
-                          </m:d>
-                          <m:r>
-                            <a:rPr lang="en-US" sz="2800" b="0" i="1" smtClean="0">
-                              <a:latin typeface="Cambria Math" panose="02040503050406030204" pitchFamily="18" charset="0"/>
-                            </a:rPr>
-                            <m:t>𝑝</m:t>
-                          </m:r>
-                          <m:r>
-                            <a:rPr lang="en-US" sz="2800" b="0" i="1" smtClean="0">
-                              <a:latin typeface="Cambria Math" panose="02040503050406030204" pitchFamily="18" charset="0"/>
-                            </a:rPr>
-                            <m:t>(</m:t>
-                          </m:r>
-                          <m:r>
-                            <a:rPr lang="en-US" sz="2800" b="0" i="1" smtClean="0">
-                              <a:latin typeface="Cambria Math" panose="02040503050406030204" pitchFamily="18" charset="0"/>
-                            </a:rPr>
-                            <m:t>𝑌</m:t>
-                          </m:r>
-                          <m:r>
-                            <a:rPr lang="en-US" sz="2800" b="0" i="1" smtClean="0">
-                              <a:latin typeface="Cambria Math" panose="02040503050406030204" pitchFamily="18" charset="0"/>
-                            </a:rPr>
-                            <m:t>=</m:t>
-                          </m:r>
-                          <m:r>
-                            <a:rPr lang="en-US" sz="2800" b="0" i="1" smtClean="0">
-                              <a:latin typeface="Cambria Math" panose="02040503050406030204" pitchFamily="18" charset="0"/>
-                            </a:rPr>
-                            <m:t>𝑦</m:t>
-                          </m:r>
-                          <m:r>
-                            <a:rPr lang="en-US" sz="2800" b="0" i="1" smtClean="0">
-                              <a:latin typeface="Cambria Math" panose="02040503050406030204" pitchFamily="18" charset="0"/>
-                            </a:rPr>
-                            <m:t>)</m:t>
-                          </m:r>
-                        </m:num>
-                        <m:den>
-                          <m:r>
-                            <a:rPr lang="en-US" sz="2800" b="0" i="1" smtClean="0">
-                              <a:latin typeface="Cambria Math" panose="02040503050406030204" pitchFamily="18" charset="0"/>
-                            </a:rPr>
-                            <m:t>𝑝</m:t>
-                          </m:r>
-                          <m:r>
-                            <a:rPr lang="en-US" sz="2800" b="0" i="1" smtClean="0">
-                              <a:latin typeface="Cambria Math" panose="02040503050406030204" pitchFamily="18" charset="0"/>
-                            </a:rPr>
-                            <m:t>(</m:t>
-                          </m:r>
-                          <m:r>
-                            <a:rPr lang="en-US" sz="2800" b="0" i="1" smtClean="0">
-                              <a:latin typeface="Cambria Math" panose="02040503050406030204" pitchFamily="18" charset="0"/>
-                            </a:rPr>
-                            <m:t>𝑋</m:t>
-                          </m:r>
-                          <m:r>
-                            <a:rPr lang="en-US" sz="2800" b="0" i="1" smtClean="0">
-                              <a:latin typeface="Cambria Math" panose="02040503050406030204" pitchFamily="18" charset="0"/>
-                            </a:rPr>
-                            <m:t>=</m:t>
-                          </m:r>
-                          <m:r>
-                            <a:rPr lang="en-US" sz="2800" b="0" i="1" smtClean="0">
-                              <a:latin typeface="Cambria Math" panose="02040503050406030204" pitchFamily="18" charset="0"/>
-                            </a:rPr>
-                            <m:t>𝑥</m:t>
-                          </m:r>
-                          <m:r>
-                            <a:rPr lang="en-US" sz="2800" b="0" i="1" smtClean="0">
-                              <a:latin typeface="Cambria Math" panose="02040503050406030204" pitchFamily="18" charset="0"/>
-                            </a:rPr>
-                            <m:t>)</m:t>
-                          </m:r>
-                        </m:den>
-                      </m:f>
-                    </m:oMath>
-                  </m:oMathPara>
-                </a14:m>
-                <a:endParaRPr lang="en-US" sz="2800" dirty="0"/>
-              </a:p>
-            </p:txBody>
-          </p:sp>
-        </mc:Choice>
-        <mc:Fallback>
-          <p:sp>
-            <p:nvSpPr>
-              <p:cNvPr id="9" name="TextBox 8">
-                <a:extLst>
-                  <a:ext uri="{FF2B5EF4-FFF2-40B4-BE49-F238E27FC236}">
-                    <a16:creationId xmlns:a16="http://schemas.microsoft.com/office/drawing/2014/main" id="{FA418102-814C-A5A8-3FFE-790533AE2E2D}"/>
-                  </a:ext>
-                </a:extLst>
-              </p:cNvPr>
-              <p:cNvSpPr txBox="1">
-                <a:spLocks noRot="1" noChangeAspect="1" noMove="1" noResize="1" noEditPoints="1" noAdjustHandles="1" noChangeArrowheads="1" noChangeShapeType="1" noTextEdit="1"/>
-              </p:cNvSpPr>
-              <p:nvPr/>
-            </p:nvSpPr>
-            <p:spPr>
-              <a:xfrm>
-                <a:off x="487680" y="4171834"/>
-                <a:ext cx="10408920" cy="1001043"/>
-              </a:xfrm>
-              <a:prstGeom prst="rect">
-                <a:avLst/>
-              </a:prstGeom>
-              <a:blipFill>
-                <a:blip r:embed="rId4"/>
-                <a:stretch>
-                  <a:fillRect b="-10000"/>
-                </a:stretch>
-              </a:blipFill>
-            </p:spPr>
-            <p:txBody>
-              <a:bodyPr/>
-              <a:lstStyle/>
-              <a:p>
-                <a:r>
-                  <a:rPr lang="en-US">
-                    <a:noFill/>
-                  </a:rPr>
-                  <a:t> </a:t>
-                </a:r>
-              </a:p>
-            </p:txBody>
-          </p:sp>
-        </mc:Fallback>
-      </mc:AlternateContent>
-    </p:spTree>
-    <p:extLst>
-      <p:ext uri="{BB962C8B-B14F-4D97-AF65-F5344CB8AC3E}">
-        <p14:creationId xmlns:p14="http://schemas.microsoft.com/office/powerpoint/2010/main" val="2542798167"/>
-      </p:ext>
-    </p:extLst>
-  </p:cSld>
-  <p:clrMapOvr>
-    <a:masterClrMapping/>
-  </p:clrMapOvr>
-</p:sld>
-</file>
-
-<file path=ppt/slides/slide11.xml><?xml version="1.0" encoding="utf-8"?>
 <p:sld xmlns:a="http://schemas.openxmlformats.org/drawingml/2006/main" xmlns:r="http://schemas.openxmlformats.org/officeDocument/2006/relationships" xmlns:p="http://schemas.openxmlformats.org/presentationml/2006/main">
   <p:cSld>
     <p:spTree>
@@ -6040,7 +5603,7 @@
 </p:sld>
 </file>
 
-<file path=ppt/slides/slide12.xml><?xml version="1.0" encoding="utf-8"?>
+<file path=ppt/slides/slide11.xml><?xml version="1.0" encoding="utf-8"?>
 <p:sld xmlns:a="http://schemas.openxmlformats.org/drawingml/2006/main" xmlns:r="http://schemas.openxmlformats.org/officeDocument/2006/relationships" xmlns:p="http://schemas.openxmlformats.org/presentationml/2006/main">
   <p:cSld>
     <p:spTree>
@@ -6138,7 +5701,7 @@
             </p:nvSpPr>
             <p:spPr>
               <a:xfrm>
-                <a:off x="441960" y="2848264"/>
+                <a:off x="518160" y="2642524"/>
                 <a:ext cx="10408920" cy="1161472"/>
               </a:xfrm>
               <a:prstGeom prst="rect">
@@ -6379,7 +5942,7 @@
                                             <a:rPr lang="en-US" sz="2800" b="0" i="1" smtClean="0">
                                               <a:latin typeface="Cambria Math" panose="02040503050406030204" pitchFamily="18" charset="0"/>
                                             </a:rPr>
-                                            <m:t>𝑥</m:t>
+                                            <m:t>𝑘</m:t>
                                           </m:r>
                                         </m:sub>
                                       </m:sSub>
@@ -6451,7 +6014,7 @@
             </p:nvSpPr>
             <p:spPr>
               <a:xfrm>
-                <a:off x="441960" y="2848264"/>
+                <a:off x="518160" y="2642524"/>
                 <a:ext cx="10408920" cy="1161472"/>
               </a:xfrm>
               <a:prstGeom prst="rect">
@@ -6493,7 +6056,7 @@
         </p:nvSpPr>
         <p:spPr>
           <a:xfrm>
-            <a:off x="838200" y="4585247"/>
+            <a:off x="838200" y="4173767"/>
             <a:ext cx="10408920" cy="523220"/>
           </a:xfrm>
           <a:prstGeom prst="rect">
@@ -6510,11 +6073,663 @@
             <a:pPr/>
             <a:r>
               <a:rPr lang="en-US" sz="2800" dirty="0"/>
-              <a:t>Use the data from class k to learn the two parameters</a:t>
+              <a:t>Use the data from class k to estimate the mean and standard deviation</a:t>
             </a:r>
           </a:p>
         </p:txBody>
       </p:sp>
+      <mc:AlternateContent xmlns:mc="http://schemas.openxmlformats.org/markup-compatibility/2006">
+        <mc:Choice xmlns:a14="http://schemas.microsoft.com/office/drawing/2010/main" Requires="a14">
+          <p:sp>
+            <p:nvSpPr>
+              <p:cNvPr id="10" name="TextBox 9">
+                <a:extLst>
+                  <a:ext uri="{FF2B5EF4-FFF2-40B4-BE49-F238E27FC236}">
+                    <a16:creationId xmlns:a16="http://schemas.microsoft.com/office/drawing/2014/main" id="{44510693-E10E-20BA-BF7D-82F1D294B46A}"/>
+                  </a:ext>
+                </a:extLst>
+              </p:cNvPr>
+              <p:cNvSpPr txBox="1"/>
+              <p:nvPr/>
+            </p:nvSpPr>
+            <p:spPr>
+              <a:xfrm>
+                <a:off x="518160" y="5024984"/>
+                <a:ext cx="11300460" cy="1360052"/>
+              </a:xfrm>
+              <a:prstGeom prst="rect">
+                <a:avLst/>
+              </a:prstGeom>
+              <a:noFill/>
+            </p:spPr>
+            <p:txBody>
+              <a:bodyPr wrap="square">
+                <a:spAutoFit/>
+              </a:bodyPr>
+              <a:lstStyle/>
+              <a:p>
+                <a:pPr/>
+                <a14:m>
+                  <m:oMathPara xmlns:m="http://schemas.openxmlformats.org/officeDocument/2006/math">
+                    <m:oMathParaPr>
+                      <m:jc m:val="centerGroup"/>
+                    </m:oMathParaPr>
+                    <m:oMath xmlns:m="http://schemas.openxmlformats.org/officeDocument/2006/math">
+                      <m:sSub>
+                        <m:sSubPr>
+                          <m:ctrlPr>
+                            <a:rPr lang="en-US" sz="2800" i="1" dirty="0" smtClean="0">
+                              <a:latin typeface="Cambria Math" panose="02040503050406030204" pitchFamily="18" charset="0"/>
+                            </a:rPr>
+                          </m:ctrlPr>
+                        </m:sSubPr>
+                        <m:e>
+                          <m:acc>
+                            <m:accPr>
+                              <m:chr m:val="̂"/>
+                              <m:ctrlPr>
+                                <a:rPr lang="en-US" sz="2800" i="1">
+                                  <a:latin typeface="Cambria Math" panose="02040503050406030204" pitchFamily="18" charset="0"/>
+                                </a:rPr>
+                              </m:ctrlPr>
+                            </m:accPr>
+                            <m:e>
+                              <m:r>
+                                <a:rPr lang="en-US" sz="2800" b="0" i="1" smtClean="0">
+                                  <a:latin typeface="Cambria Math" panose="02040503050406030204" pitchFamily="18" charset="0"/>
+                                </a:rPr>
+                                <m:t>𝜋</m:t>
+                              </m:r>
+                            </m:e>
+                          </m:acc>
+                        </m:e>
+                        <m:sub>
+                          <m:r>
+                            <a:rPr lang="en-US" sz="2800" b="0" i="1" smtClean="0">
+                              <a:latin typeface="Cambria Math" panose="02040503050406030204" pitchFamily="18" charset="0"/>
+                            </a:rPr>
+                            <m:t>𝑘</m:t>
+                          </m:r>
+                        </m:sub>
+                      </m:sSub>
+                      <m:r>
+                        <a:rPr lang="en-US" sz="2800" b="0" i="1" smtClean="0">
+                          <a:latin typeface="Cambria Math" panose="02040503050406030204" pitchFamily="18" charset="0"/>
+                        </a:rPr>
+                        <m:t>=</m:t>
+                      </m:r>
+                      <m:f>
+                        <m:fPr>
+                          <m:ctrlPr>
+                            <a:rPr lang="en-US" sz="2800" b="0" i="1" smtClean="0">
+                              <a:latin typeface="Cambria Math" panose="02040503050406030204" pitchFamily="18" charset="0"/>
+                            </a:rPr>
+                          </m:ctrlPr>
+                        </m:fPr>
+                        <m:num>
+                          <m:sSub>
+                            <m:sSubPr>
+                              <m:ctrlPr>
+                                <a:rPr lang="en-US" sz="2800" b="0" i="1" smtClean="0">
+                                  <a:latin typeface="Cambria Math" panose="02040503050406030204" pitchFamily="18" charset="0"/>
+                                </a:rPr>
+                              </m:ctrlPr>
+                            </m:sSubPr>
+                            <m:e>
+                              <m:r>
+                                <a:rPr lang="en-US" sz="2800" b="0" i="1" smtClean="0">
+                                  <a:latin typeface="Cambria Math" panose="02040503050406030204" pitchFamily="18" charset="0"/>
+                                </a:rPr>
+                                <m:t>𝑛</m:t>
+                              </m:r>
+                            </m:e>
+                            <m:sub>
+                              <m:r>
+                                <a:rPr lang="en-US" sz="2800" b="0" i="1" smtClean="0">
+                                  <a:latin typeface="Cambria Math" panose="02040503050406030204" pitchFamily="18" charset="0"/>
+                                </a:rPr>
+                                <m:t>𝑘</m:t>
+                              </m:r>
+                            </m:sub>
+                          </m:sSub>
+                        </m:num>
+                        <m:den>
+                          <m:r>
+                            <a:rPr lang="en-US" sz="2800" b="0" i="1" smtClean="0">
+                              <a:latin typeface="Cambria Math" panose="02040503050406030204" pitchFamily="18" charset="0"/>
+                            </a:rPr>
+                            <m:t>𝑛</m:t>
+                          </m:r>
+                        </m:den>
+                      </m:f>
+                      <m:r>
+                        <a:rPr lang="en-US" sz="2800" b="0" i="1" smtClean="0">
+                          <a:latin typeface="Cambria Math" panose="02040503050406030204" pitchFamily="18" charset="0"/>
+                        </a:rPr>
+                        <m:t>,  </m:t>
+                      </m:r>
+                      <m:sSub>
+                        <m:sSubPr>
+                          <m:ctrlPr>
+                            <a:rPr lang="en-US" sz="2800" i="1" dirty="0">
+                              <a:latin typeface="Cambria Math" panose="02040503050406030204" pitchFamily="18" charset="0"/>
+                            </a:rPr>
+                          </m:ctrlPr>
+                        </m:sSubPr>
+                        <m:e>
+                          <m:acc>
+                            <m:accPr>
+                              <m:chr m:val="̂"/>
+                              <m:ctrlPr>
+                                <a:rPr lang="en-US" sz="2800" i="1">
+                                  <a:latin typeface="Cambria Math" panose="02040503050406030204" pitchFamily="18" charset="0"/>
+                                </a:rPr>
+                              </m:ctrlPr>
+                            </m:accPr>
+                            <m:e>
+                              <m:r>
+                                <a:rPr lang="en-US" sz="2800" b="0" i="1" smtClean="0">
+                                  <a:latin typeface="Cambria Math" panose="02040503050406030204" pitchFamily="18" charset="0"/>
+                                </a:rPr>
+                                <m:t>𝜇</m:t>
+                              </m:r>
+                            </m:e>
+                          </m:acc>
+                        </m:e>
+                        <m:sub>
+                          <m:r>
+                            <a:rPr lang="en-US" sz="2800" b="0" i="1" smtClean="0">
+                              <a:latin typeface="Cambria Math" panose="02040503050406030204" pitchFamily="18" charset="0"/>
+                            </a:rPr>
+                            <m:t>𝑘</m:t>
+                          </m:r>
+                        </m:sub>
+                      </m:sSub>
+                      <m:r>
+                        <a:rPr lang="en-US" sz="2800" b="0" i="1" dirty="0" smtClean="0">
+                          <a:latin typeface="Cambria Math" panose="02040503050406030204" pitchFamily="18" charset="0"/>
+                        </a:rPr>
+                        <m:t>=</m:t>
+                      </m:r>
+                      <m:f>
+                        <m:fPr>
+                          <m:ctrlPr>
+                            <a:rPr lang="en-US" sz="2800" b="0" i="1" dirty="0" smtClean="0">
+                              <a:latin typeface="Cambria Math" panose="02040503050406030204" pitchFamily="18" charset="0"/>
+                            </a:rPr>
+                          </m:ctrlPr>
+                        </m:fPr>
+                        <m:num>
+                          <m:r>
+                            <a:rPr lang="en-US" sz="2800" b="0" i="1" dirty="0" smtClean="0">
+                              <a:latin typeface="Cambria Math" panose="02040503050406030204" pitchFamily="18" charset="0"/>
+                            </a:rPr>
+                            <m:t>1</m:t>
+                          </m:r>
+                        </m:num>
+                        <m:den>
+                          <m:sSub>
+                            <m:sSubPr>
+                              <m:ctrlPr>
+                                <a:rPr lang="en-US" sz="2800" b="0" i="1" dirty="0" smtClean="0">
+                                  <a:latin typeface="Cambria Math" panose="02040503050406030204" pitchFamily="18" charset="0"/>
+                                </a:rPr>
+                              </m:ctrlPr>
+                            </m:sSubPr>
+                            <m:e>
+                              <m:r>
+                                <a:rPr lang="en-US" sz="2800" b="0" i="1" dirty="0" smtClean="0">
+                                  <a:latin typeface="Cambria Math" panose="02040503050406030204" pitchFamily="18" charset="0"/>
+                                </a:rPr>
+                                <m:t>𝑛</m:t>
+                              </m:r>
+                            </m:e>
+                            <m:sub>
+                              <m:r>
+                                <a:rPr lang="en-US" sz="2800" b="0" i="1" dirty="0" smtClean="0">
+                                  <a:latin typeface="Cambria Math" panose="02040503050406030204" pitchFamily="18" charset="0"/>
+                                </a:rPr>
+                                <m:t>𝑘</m:t>
+                              </m:r>
+                            </m:sub>
+                          </m:sSub>
+                        </m:den>
+                      </m:f>
+                      <m:nary>
+                        <m:naryPr>
+                          <m:chr m:val="∑"/>
+                          <m:supHide m:val="on"/>
+                          <m:ctrlPr>
+                            <a:rPr lang="en-US" sz="2800" i="1">
+                              <a:latin typeface="Cambria Math" panose="02040503050406030204" pitchFamily="18" charset="0"/>
+                            </a:rPr>
+                          </m:ctrlPr>
+                        </m:naryPr>
+                        <m:sub>
+                          <m:r>
+                            <a:rPr lang="en-US" sz="2800" b="0" i="1" smtClean="0">
+                              <a:latin typeface="Cambria Math" panose="02040503050406030204" pitchFamily="18" charset="0"/>
+                            </a:rPr>
+                            <m:t>𝑖</m:t>
+                          </m:r>
+                          <m:r>
+                            <a:rPr lang="en-US" sz="2800" b="0" i="1" smtClean="0">
+                              <a:latin typeface="Cambria Math" panose="02040503050406030204" pitchFamily="18" charset="0"/>
+                            </a:rPr>
+                            <m:t>:</m:t>
+                          </m:r>
+                          <m:sSub>
+                            <m:sSubPr>
+                              <m:ctrlPr>
+                                <a:rPr lang="en-US" sz="2800" b="0" i="1" smtClean="0">
+                                  <a:latin typeface="Cambria Math" panose="02040503050406030204" pitchFamily="18" charset="0"/>
+                                </a:rPr>
+                              </m:ctrlPr>
+                            </m:sSubPr>
+                            <m:e>
+                              <m:r>
+                                <a:rPr lang="en-US" sz="2800" b="0" i="1" smtClean="0">
+                                  <a:latin typeface="Cambria Math" panose="02040503050406030204" pitchFamily="18" charset="0"/>
+                                </a:rPr>
+                                <m:t>𝑦</m:t>
+                              </m:r>
+                            </m:e>
+                            <m:sub>
+                              <m:r>
+                                <a:rPr lang="en-US" sz="2800" b="0" i="1" smtClean="0">
+                                  <a:latin typeface="Cambria Math" panose="02040503050406030204" pitchFamily="18" charset="0"/>
+                                </a:rPr>
+                                <m:t>𝑖</m:t>
+                              </m:r>
+                            </m:sub>
+                          </m:sSub>
+                          <m:r>
+                            <a:rPr lang="en-US" sz="2800" b="0" i="1" smtClean="0">
+                              <a:latin typeface="Cambria Math" panose="02040503050406030204" pitchFamily="18" charset="0"/>
+                            </a:rPr>
+                            <m:t>=</m:t>
+                          </m:r>
+                          <m:r>
+                            <a:rPr lang="en-US" sz="2800" b="0" i="1" smtClean="0">
+                              <a:latin typeface="Cambria Math" panose="02040503050406030204" pitchFamily="18" charset="0"/>
+                            </a:rPr>
+                            <m:t>𝑘</m:t>
+                          </m:r>
+                        </m:sub>
+                        <m:sup/>
+                        <m:e>
+                          <m:sSub>
+                            <m:sSubPr>
+                              <m:ctrlPr>
+                                <a:rPr lang="en-US" sz="2800" b="0" i="1" smtClean="0">
+                                  <a:latin typeface="Cambria Math" panose="02040503050406030204" pitchFamily="18" charset="0"/>
+                                </a:rPr>
+                              </m:ctrlPr>
+                            </m:sSubPr>
+                            <m:e>
+                              <m:r>
+                                <a:rPr lang="en-US" sz="2800" i="1">
+                                  <a:latin typeface="Cambria Math" panose="02040503050406030204" pitchFamily="18" charset="0"/>
+                                </a:rPr>
+                                <m:t>𝑥</m:t>
+                              </m:r>
+                            </m:e>
+                            <m:sub>
+                              <m:r>
+                                <a:rPr lang="en-US" sz="2800" b="0" i="1" smtClean="0">
+                                  <a:latin typeface="Cambria Math" panose="02040503050406030204" pitchFamily="18" charset="0"/>
+                                </a:rPr>
+                                <m:t>𝑖</m:t>
+                              </m:r>
+                            </m:sub>
+                          </m:sSub>
+                        </m:e>
+                      </m:nary>
+                      <m:r>
+                        <a:rPr lang="en-US" sz="2800" b="0" i="0" smtClean="0">
+                          <a:latin typeface="Cambria Math" panose="02040503050406030204" pitchFamily="18" charset="0"/>
+                        </a:rPr>
+                        <m:t>,</m:t>
+                      </m:r>
+                      <m:r>
+                        <a:rPr lang="en-US" sz="2800" b="0" i="1" smtClean="0">
+                          <a:latin typeface="Cambria Math" panose="02040503050406030204" pitchFamily="18" charset="0"/>
+                        </a:rPr>
+                        <m:t>  </m:t>
+                      </m:r>
+                      <m:sSup>
+                        <m:sSupPr>
+                          <m:ctrlPr>
+                            <a:rPr lang="en-US" sz="2800" b="0" i="1" dirty="0" smtClean="0">
+                              <a:latin typeface="Cambria Math" panose="02040503050406030204" pitchFamily="18" charset="0"/>
+                            </a:rPr>
+                          </m:ctrlPr>
+                        </m:sSupPr>
+                        <m:e>
+                          <m:acc>
+                            <m:accPr>
+                              <m:chr m:val="̂"/>
+                              <m:ctrlPr>
+                                <a:rPr lang="en-US" sz="2800" b="0" i="1" dirty="0" smtClean="0">
+                                  <a:latin typeface="Cambria Math" panose="02040503050406030204" pitchFamily="18" charset="0"/>
+                                </a:rPr>
+                              </m:ctrlPr>
+                            </m:accPr>
+                            <m:e>
+                              <m:r>
+                                <a:rPr lang="en-US" sz="2800" b="0" i="1" dirty="0" smtClean="0">
+                                  <a:latin typeface="Cambria Math" panose="02040503050406030204" pitchFamily="18" charset="0"/>
+                                </a:rPr>
+                                <m:t>𝜎</m:t>
+                              </m:r>
+                            </m:e>
+                          </m:acc>
+                        </m:e>
+                        <m:sup>
+                          <m:r>
+                            <a:rPr lang="en-US" sz="2800" b="0" i="1" dirty="0" smtClean="0">
+                              <a:latin typeface="Cambria Math" panose="02040503050406030204" pitchFamily="18" charset="0"/>
+                            </a:rPr>
+                            <m:t>2</m:t>
+                          </m:r>
+                        </m:sup>
+                      </m:sSup>
+                      <m:r>
+                        <a:rPr lang="en-US" sz="2800" i="1" dirty="0">
+                          <a:latin typeface="Cambria Math" panose="02040503050406030204" pitchFamily="18" charset="0"/>
+                        </a:rPr>
+                        <m:t>=</m:t>
+                      </m:r>
+                      <m:f>
+                        <m:fPr>
+                          <m:ctrlPr>
+                            <a:rPr lang="en-US" sz="2800" i="1" dirty="0">
+                              <a:latin typeface="Cambria Math" panose="02040503050406030204" pitchFamily="18" charset="0"/>
+                            </a:rPr>
+                          </m:ctrlPr>
+                        </m:fPr>
+                        <m:num>
+                          <m:r>
+                            <a:rPr lang="en-US" sz="2800" i="1" dirty="0">
+                              <a:latin typeface="Cambria Math" panose="02040503050406030204" pitchFamily="18" charset="0"/>
+                            </a:rPr>
+                            <m:t>1</m:t>
+                          </m:r>
+                        </m:num>
+                        <m:den>
+                          <m:r>
+                            <a:rPr lang="en-US" sz="2800" b="0" i="1" dirty="0" smtClean="0">
+                              <a:latin typeface="Cambria Math" panose="02040503050406030204" pitchFamily="18" charset="0"/>
+                            </a:rPr>
+                            <m:t>𝑛</m:t>
+                          </m:r>
+                          <m:r>
+                            <a:rPr lang="en-US" sz="2800" b="0" i="1" dirty="0" smtClean="0">
+                              <a:latin typeface="Cambria Math" panose="02040503050406030204" pitchFamily="18" charset="0"/>
+                            </a:rPr>
+                            <m:t>−</m:t>
+                          </m:r>
+                          <m:r>
+                            <a:rPr lang="en-US" sz="2800" b="0" i="1" dirty="0" smtClean="0">
+                              <a:latin typeface="Cambria Math" panose="02040503050406030204" pitchFamily="18" charset="0"/>
+                            </a:rPr>
+                            <m:t>𝐾</m:t>
+                          </m:r>
+                        </m:den>
+                      </m:f>
+                      <m:nary>
+                        <m:naryPr>
+                          <m:chr m:val="∑"/>
+                          <m:ctrlPr>
+                            <a:rPr lang="en-US" sz="2800" i="1" dirty="0" smtClean="0">
+                              <a:latin typeface="Cambria Math" panose="02040503050406030204" pitchFamily="18" charset="0"/>
+                            </a:rPr>
+                          </m:ctrlPr>
+                        </m:naryPr>
+                        <m:sub>
+                          <m:r>
+                            <m:rPr>
+                              <m:brk m:alnAt="23"/>
+                            </m:rPr>
+                            <a:rPr lang="en-US" sz="2800" b="0" i="1" dirty="0" smtClean="0">
+                              <a:latin typeface="Cambria Math" panose="02040503050406030204" pitchFamily="18" charset="0"/>
+                            </a:rPr>
+                            <m:t>𝑘</m:t>
+                          </m:r>
+                          <m:r>
+                            <a:rPr lang="en-US" sz="2800" b="0" i="1" dirty="0" smtClean="0">
+                              <a:latin typeface="Cambria Math" panose="02040503050406030204" pitchFamily="18" charset="0"/>
+                            </a:rPr>
+                            <m:t>=1</m:t>
+                          </m:r>
+                        </m:sub>
+                        <m:sup>
+                          <m:r>
+                            <a:rPr lang="en-US" sz="2800" b="0" i="1" dirty="0" smtClean="0">
+                              <a:latin typeface="Cambria Math" panose="02040503050406030204" pitchFamily="18" charset="0"/>
+                            </a:rPr>
+                            <m:t>𝐾</m:t>
+                          </m:r>
+                        </m:sup>
+                        <m:e>
+                          <m:nary>
+                            <m:naryPr>
+                              <m:chr m:val="∑"/>
+                              <m:supHide m:val="on"/>
+                              <m:ctrlPr>
+                                <a:rPr lang="en-US" sz="2800" i="1" dirty="0" smtClean="0">
+                                  <a:latin typeface="Cambria Math" panose="02040503050406030204" pitchFamily="18" charset="0"/>
+                                </a:rPr>
+                              </m:ctrlPr>
+                            </m:naryPr>
+                            <m:sub>
+                              <m:r>
+                                <m:rPr>
+                                  <m:brk m:alnAt="7"/>
+                                </m:rPr>
+                                <a:rPr lang="en-US" sz="2800" b="0" i="1" dirty="0" smtClean="0">
+                                  <a:latin typeface="Cambria Math" panose="02040503050406030204" pitchFamily="18" charset="0"/>
+                                </a:rPr>
+                                <m:t>𝑖</m:t>
+                              </m:r>
+                              <m:r>
+                                <a:rPr lang="en-US" sz="2800" b="0" i="1" dirty="0" smtClean="0">
+                                  <a:latin typeface="Cambria Math" panose="02040503050406030204" pitchFamily="18" charset="0"/>
+                                </a:rPr>
+                                <m:t>:</m:t>
+                              </m:r>
+                              <m:sSub>
+                                <m:sSubPr>
+                                  <m:ctrlPr>
+                                    <a:rPr lang="en-US" sz="2800" b="0" i="1" dirty="0" smtClean="0">
+                                      <a:latin typeface="Cambria Math" panose="02040503050406030204" pitchFamily="18" charset="0"/>
+                                    </a:rPr>
+                                  </m:ctrlPr>
+                                </m:sSubPr>
+                                <m:e>
+                                  <m:r>
+                                    <m:rPr>
+                                      <m:brk m:alnAt="7"/>
+                                    </m:rPr>
+                                    <a:rPr lang="en-US" sz="2800" b="0" i="1" dirty="0" smtClean="0">
+                                      <a:latin typeface="Cambria Math" panose="02040503050406030204" pitchFamily="18" charset="0"/>
+                                    </a:rPr>
+                                    <m:t>𝑦</m:t>
+                                  </m:r>
+                                </m:e>
+                                <m:sub>
+                                  <m:r>
+                                    <m:rPr>
+                                      <m:brk m:alnAt="7"/>
+                                    </m:rPr>
+                                    <a:rPr lang="en-US" sz="2800" b="0" i="1" dirty="0" smtClean="0">
+                                      <a:latin typeface="Cambria Math" panose="02040503050406030204" pitchFamily="18" charset="0"/>
+                                    </a:rPr>
+                                    <m:t>𝑖</m:t>
+                                  </m:r>
+                                </m:sub>
+                              </m:sSub>
+                              <m:r>
+                                <m:rPr>
+                                  <m:brk m:alnAt="7"/>
+                                </m:rPr>
+                                <a:rPr lang="en-US" sz="2800" b="0" i="1" dirty="0" smtClean="0">
+                                  <a:latin typeface="Cambria Math" panose="02040503050406030204" pitchFamily="18" charset="0"/>
+                                </a:rPr>
+                                <m:t>=</m:t>
+                              </m:r>
+                              <m:r>
+                                <a:rPr lang="en-US" sz="2800" b="0" i="1" dirty="0" smtClean="0">
+                                  <a:latin typeface="Cambria Math" panose="02040503050406030204" pitchFamily="18" charset="0"/>
+                                </a:rPr>
+                                <m:t>𝑘</m:t>
+                              </m:r>
+                            </m:sub>
+                            <m:sup/>
+                            <m:e>
+                              <m:sSup>
+                                <m:sSupPr>
+                                  <m:ctrlPr>
+                                    <a:rPr lang="en-US" sz="2800" b="0" i="1" dirty="0" smtClean="0">
+                                      <a:latin typeface="Cambria Math" panose="02040503050406030204" pitchFamily="18" charset="0"/>
+                                    </a:rPr>
+                                  </m:ctrlPr>
+                                </m:sSupPr>
+                                <m:e>
+                                  <m:d>
+                                    <m:dPr>
+                                      <m:ctrlPr>
+                                        <a:rPr lang="en-US" sz="2800" b="0" i="1" dirty="0" smtClean="0">
+                                          <a:latin typeface="Cambria Math" panose="02040503050406030204" pitchFamily="18" charset="0"/>
+                                        </a:rPr>
+                                      </m:ctrlPr>
+                                    </m:dPr>
+                                    <m:e>
+                                      <m:sSub>
+                                        <m:sSubPr>
+                                          <m:ctrlPr>
+                                            <a:rPr lang="en-US" sz="2800" b="0" i="1" dirty="0" smtClean="0">
+                                              <a:latin typeface="Cambria Math" panose="02040503050406030204" pitchFamily="18" charset="0"/>
+                                            </a:rPr>
+                                          </m:ctrlPr>
+                                        </m:sSubPr>
+                                        <m:e>
+                                          <m:r>
+                                            <a:rPr lang="en-US" sz="2800" b="0" i="1" dirty="0" smtClean="0">
+                                              <a:latin typeface="Cambria Math" panose="02040503050406030204" pitchFamily="18" charset="0"/>
+                                            </a:rPr>
+                                            <m:t>𝑥</m:t>
+                                          </m:r>
+                                        </m:e>
+                                        <m:sub>
+                                          <m:r>
+                                            <a:rPr lang="en-US" sz="2800" b="0" i="1" dirty="0" smtClean="0">
+                                              <a:latin typeface="Cambria Math" panose="02040503050406030204" pitchFamily="18" charset="0"/>
+                                            </a:rPr>
+                                            <m:t>𝑖</m:t>
+                                          </m:r>
+                                        </m:sub>
+                                      </m:sSub>
+                                      <m:r>
+                                        <a:rPr lang="en-US" sz="2800" b="0" i="1" dirty="0" smtClean="0">
+                                          <a:latin typeface="Cambria Math" panose="02040503050406030204" pitchFamily="18" charset="0"/>
+                                        </a:rPr>
+                                        <m:t>−</m:t>
+                                      </m:r>
+                                      <m:sSub>
+                                        <m:sSubPr>
+                                          <m:ctrlPr>
+                                            <a:rPr lang="en-US" sz="2800" b="0" i="1" dirty="0" smtClean="0">
+                                              <a:latin typeface="Cambria Math" panose="02040503050406030204" pitchFamily="18" charset="0"/>
+                                            </a:rPr>
+                                          </m:ctrlPr>
+                                        </m:sSubPr>
+                                        <m:e>
+                                          <m:r>
+                                            <a:rPr lang="en-US" sz="2800" b="0" i="1" dirty="0" smtClean="0">
+                                              <a:latin typeface="Cambria Math" panose="02040503050406030204" pitchFamily="18" charset="0"/>
+                                            </a:rPr>
+                                            <m:t>𝜇</m:t>
+                                          </m:r>
+                                        </m:e>
+                                        <m:sub>
+                                          <m:r>
+                                            <a:rPr lang="en-US" sz="2800" b="0" i="1" dirty="0" smtClean="0">
+                                              <a:latin typeface="Cambria Math" panose="02040503050406030204" pitchFamily="18" charset="0"/>
+                                            </a:rPr>
+                                            <m:t>𝑘</m:t>
+                                          </m:r>
+                                        </m:sub>
+                                      </m:sSub>
+                                    </m:e>
+                                  </m:d>
+                                </m:e>
+                                <m:sup>
+                                  <m:r>
+                                    <a:rPr lang="en-US" sz="2800" b="0" i="1" dirty="0" smtClean="0">
+                                      <a:latin typeface="Cambria Math" panose="02040503050406030204" pitchFamily="18" charset="0"/>
+                                    </a:rPr>
+                                    <m:t>2</m:t>
+                                  </m:r>
+                                </m:sup>
+                              </m:sSup>
+                            </m:e>
+                          </m:nary>
+                        </m:e>
+                      </m:nary>
+                    </m:oMath>
+                  </m:oMathPara>
+                </a14:m>
+                <a:endParaRPr lang="en-US" sz="2800" dirty="0"/>
+              </a:p>
+            </p:txBody>
+          </p:sp>
+        </mc:Choice>
+        <mc:Fallback>
+          <p:sp>
+            <p:nvSpPr>
+              <p:cNvPr id="10" name="TextBox 9">
+                <a:extLst>
+                  <a:ext uri="{FF2B5EF4-FFF2-40B4-BE49-F238E27FC236}">
+                    <a16:creationId xmlns:a16="http://schemas.microsoft.com/office/drawing/2014/main" id="{44510693-E10E-20BA-BF7D-82F1D294B46A}"/>
+                  </a:ext>
+                </a:extLst>
+              </p:cNvPr>
+              <p:cNvSpPr txBox="1">
+                <a:spLocks noRot="1" noChangeAspect="1" noMove="1" noResize="1" noEditPoints="1" noAdjustHandles="1" noChangeArrowheads="1" noChangeShapeType="1" noTextEdit="1"/>
+              </p:cNvSpPr>
+              <p:nvPr/>
+            </p:nvSpPr>
+            <p:spPr>
+              <a:xfrm>
+                <a:off x="518160" y="5024984"/>
+                <a:ext cx="11300460" cy="1360052"/>
+              </a:xfrm>
+              <a:prstGeom prst="rect">
+                <a:avLst/>
+              </a:prstGeom>
+              <a:blipFill>
+                <a:blip r:embed="rId4"/>
+                <a:stretch>
+                  <a:fillRect t="-97222" b="-148148"/>
+                </a:stretch>
+              </a:blipFill>
+            </p:spPr>
+            <p:txBody>
+              <a:bodyPr/>
+              <a:lstStyle/>
+              <a:p>
+                <a:r>
+                  <a:rPr lang="en-US">
+                    <a:noFill/>
+                  </a:rPr>
+                  <a:t> </a:t>
+                </a:r>
+              </a:p>
+            </p:txBody>
+          </p:sp>
+        </mc:Fallback>
+      </mc:AlternateContent>
     </p:spTree>
     <p:extLst>
       <p:ext uri="{BB962C8B-B14F-4D97-AF65-F5344CB8AC3E}">
@@ -6528,7 +6743,1357 @@
 </p:sld>
 </file>
 
+<file path=ppt/slides/slide12.xml><?xml version="1.0" encoding="utf-8"?>
+<p:sld xmlns:a="http://schemas.openxmlformats.org/drawingml/2006/main" xmlns:r="http://schemas.openxmlformats.org/officeDocument/2006/relationships" xmlns:p="http://schemas.openxmlformats.org/presentationml/2006/main">
+  <p:cSld>
+    <p:spTree>
+      <p:nvGrpSpPr>
+        <p:cNvPr id="1" name=""/>
+        <p:cNvGrpSpPr/>
+        <p:nvPr/>
+      </p:nvGrpSpPr>
+      <p:grpSpPr>
+        <a:xfrm>
+          <a:off x="0" y="0"/>
+          <a:ext cx="0" cy="0"/>
+          <a:chOff x="0" y="0"/>
+          <a:chExt cx="0" cy="0"/>
+        </a:xfrm>
+      </p:grpSpPr>
+      <p:sp>
+        <p:nvSpPr>
+          <p:cNvPr id="2" name="Title 1"/>
+          <p:cNvSpPr>
+            <a:spLocks noGrp="1"/>
+          </p:cNvSpPr>
+          <p:nvPr>
+            <p:ph type="title"/>
+          </p:nvPr>
+        </p:nvSpPr>
+        <p:spPr>
+          <a:xfrm>
+            <a:off x="838200" y="365126"/>
+            <a:ext cx="10515600" cy="981894"/>
+          </a:xfrm>
+        </p:spPr>
+        <p:txBody>
+          <a:bodyPr>
+            <a:normAutofit/>
+          </a:bodyPr>
+          <a:lstStyle/>
+          <a:p>
+            <a:r>
+              <a:rPr lang="en-US" dirty="0"/>
+              <a:t>Discriminant Analysis</a:t>
+            </a:r>
+          </a:p>
+        </p:txBody>
+      </p:sp>
+      <mc:AlternateContent xmlns:mc="http://schemas.openxmlformats.org/markup-compatibility/2006">
+        <mc:Choice xmlns:a14="http://schemas.microsoft.com/office/drawing/2010/main" Requires="a14">
+          <p:sp>
+            <p:nvSpPr>
+              <p:cNvPr id="3" name="TextBox 2">
+                <a:extLst>
+                  <a:ext uri="{FF2B5EF4-FFF2-40B4-BE49-F238E27FC236}">
+                    <a16:creationId xmlns:a16="http://schemas.microsoft.com/office/drawing/2014/main" id="{47DED05A-B10A-493C-6461-6D5580BB9B8E}"/>
+                  </a:ext>
+                </a:extLst>
+              </p:cNvPr>
+              <p:cNvSpPr txBox="1"/>
+              <p:nvPr/>
+            </p:nvSpPr>
+            <p:spPr>
+              <a:xfrm>
+                <a:off x="891540" y="1749533"/>
+                <a:ext cx="10408920" cy="523220"/>
+              </a:xfrm>
+              <a:prstGeom prst="rect">
+                <a:avLst/>
+              </a:prstGeom>
+              <a:noFill/>
+            </p:spPr>
+            <p:txBody>
+              <a:bodyPr wrap="square">
+                <a:spAutoFit/>
+              </a:bodyPr>
+              <a:lstStyle/>
+              <a:p>
+                <a:pPr/>
+                <a:r>
+                  <a:rPr lang="en-US" sz="2800" dirty="0"/>
+                  <a:t>Classify </a:t>
+                </a:r>
+                <a14:m>
+                  <m:oMath xmlns:m="http://schemas.openxmlformats.org/officeDocument/2006/math">
+                    <m:r>
+                      <a:rPr lang="en-US" sz="2800" b="0" i="1" smtClean="0">
+                        <a:latin typeface="Cambria Math" panose="02040503050406030204" pitchFamily="18" charset="0"/>
+                      </a:rPr>
+                      <m:t>𝑥</m:t>
+                    </m:r>
+                  </m:oMath>
+                </a14:m>
+                <a:r>
+                  <a:rPr lang="en-US" sz="2800" dirty="0"/>
+                  <a:t> as </a:t>
+                </a:r>
+                <a14:m>
+                  <m:oMath xmlns:m="http://schemas.openxmlformats.org/officeDocument/2006/math">
+                    <m:r>
+                      <a:rPr lang="en-US" sz="2800" b="0" i="1" smtClean="0">
+                        <a:latin typeface="Cambria Math" panose="02040503050406030204" pitchFamily="18" charset="0"/>
+                      </a:rPr>
+                      <m:t>𝑘</m:t>
+                    </m:r>
+                  </m:oMath>
+                </a14:m>
+                <a:r>
+                  <a:rPr lang="en-US" sz="2800" dirty="0"/>
+                  <a:t> with the largest probability </a:t>
+                </a:r>
+                <a14:m>
+                  <m:oMath xmlns:m="http://schemas.openxmlformats.org/officeDocument/2006/math">
+                    <m:sSub>
+                      <m:sSubPr>
+                        <m:ctrlPr>
+                          <a:rPr lang="en-US" sz="2800" b="0" i="1" smtClean="0">
+                            <a:latin typeface="Cambria Math" panose="02040503050406030204" pitchFamily="18" charset="0"/>
+                          </a:rPr>
+                        </m:ctrlPr>
+                      </m:sSubPr>
+                      <m:e>
+                        <m:r>
+                          <a:rPr lang="en-US" sz="2800" b="0" i="1" smtClean="0">
+                            <a:latin typeface="Cambria Math" panose="02040503050406030204" pitchFamily="18" charset="0"/>
+                          </a:rPr>
+                          <m:t>𝑝</m:t>
+                        </m:r>
+                      </m:e>
+                      <m:sub>
+                        <m:r>
+                          <a:rPr lang="en-US" sz="2800" b="0" i="1" smtClean="0">
+                            <a:latin typeface="Cambria Math" panose="02040503050406030204" pitchFamily="18" charset="0"/>
+                          </a:rPr>
+                          <m:t>𝑘</m:t>
+                        </m:r>
+                      </m:sub>
+                    </m:sSub>
+                    <m:r>
+                      <a:rPr lang="en-US" sz="2800" b="0" i="1" smtClean="0">
+                        <a:latin typeface="Cambria Math" panose="02040503050406030204" pitchFamily="18" charset="0"/>
+                      </a:rPr>
+                      <m:t>(</m:t>
+                    </m:r>
+                    <m:r>
+                      <a:rPr lang="en-US" sz="2800" b="0" i="1" smtClean="0">
+                        <a:latin typeface="Cambria Math" panose="02040503050406030204" pitchFamily="18" charset="0"/>
+                      </a:rPr>
+                      <m:t>𝑥</m:t>
+                    </m:r>
+                    <m:r>
+                      <a:rPr lang="en-US" sz="2800" b="0" i="1" smtClean="0">
+                        <a:latin typeface="Cambria Math" panose="02040503050406030204" pitchFamily="18" charset="0"/>
+                      </a:rPr>
+                      <m:t>)</m:t>
+                    </m:r>
+                  </m:oMath>
+                </a14:m>
+                <a:r>
+                  <a:rPr lang="en-US" sz="2800" dirty="0"/>
+                  <a:t> </a:t>
+                </a:r>
+              </a:p>
+            </p:txBody>
+          </p:sp>
+        </mc:Choice>
+        <mc:Fallback>
+          <p:sp>
+            <p:nvSpPr>
+              <p:cNvPr id="3" name="TextBox 2">
+                <a:extLst>
+                  <a:ext uri="{FF2B5EF4-FFF2-40B4-BE49-F238E27FC236}">
+                    <a16:creationId xmlns:a16="http://schemas.microsoft.com/office/drawing/2014/main" id="{47DED05A-B10A-493C-6461-6D5580BB9B8E}"/>
+                  </a:ext>
+                </a:extLst>
+              </p:cNvPr>
+              <p:cNvSpPr txBox="1">
+                <a:spLocks noRot="1" noChangeAspect="1" noMove="1" noResize="1" noEditPoints="1" noAdjustHandles="1" noChangeArrowheads="1" noChangeShapeType="1" noTextEdit="1"/>
+              </p:cNvSpPr>
+              <p:nvPr/>
+            </p:nvSpPr>
+            <p:spPr>
+              <a:xfrm>
+                <a:off x="891540" y="1749533"/>
+                <a:ext cx="10408920" cy="523220"/>
+              </a:xfrm>
+              <a:prstGeom prst="rect">
+                <a:avLst/>
+              </a:prstGeom>
+              <a:blipFill>
+                <a:blip r:embed="rId3"/>
+                <a:stretch>
+                  <a:fillRect l="-1220" t="-11628" b="-27907"/>
+                </a:stretch>
+              </a:blipFill>
+            </p:spPr>
+            <p:txBody>
+              <a:bodyPr/>
+              <a:lstStyle/>
+              <a:p>
+                <a:r>
+                  <a:rPr lang="en-US">
+                    <a:noFill/>
+                  </a:rPr>
+                  <a:t> </a:t>
+                </a:r>
+              </a:p>
+            </p:txBody>
+          </p:sp>
+        </mc:Fallback>
+      </mc:AlternateContent>
+      <mc:AlternateContent xmlns:mc="http://schemas.openxmlformats.org/markup-compatibility/2006">
+        <mc:Choice xmlns:a14="http://schemas.microsoft.com/office/drawing/2010/main" Requires="a14">
+          <p:sp>
+            <p:nvSpPr>
+              <p:cNvPr id="4" name="TextBox 3">
+                <a:extLst>
+                  <a:ext uri="{FF2B5EF4-FFF2-40B4-BE49-F238E27FC236}">
+                    <a16:creationId xmlns:a16="http://schemas.microsoft.com/office/drawing/2014/main" id="{A4D8EC2C-909D-669C-73D2-F906AAB777B6}"/>
+                  </a:ext>
+                </a:extLst>
+              </p:cNvPr>
+              <p:cNvSpPr txBox="1"/>
+              <p:nvPr/>
+            </p:nvSpPr>
+            <p:spPr>
+              <a:xfrm>
+                <a:off x="365760" y="2377077"/>
+                <a:ext cx="10408920" cy="2103846"/>
+              </a:xfrm>
+              <a:prstGeom prst="rect">
+                <a:avLst/>
+              </a:prstGeom>
+              <a:noFill/>
+            </p:spPr>
+            <p:txBody>
+              <a:bodyPr wrap="square">
+                <a:spAutoFit/>
+              </a:bodyPr>
+              <a:lstStyle/>
+              <a:p>
+                <a:pPr/>
+                <a14:m>
+                  <m:oMathPara xmlns:m="http://schemas.openxmlformats.org/officeDocument/2006/math">
+                    <m:oMathParaPr>
+                      <m:jc m:val="centerGroup"/>
+                    </m:oMathParaPr>
+                    <m:oMath xmlns:m="http://schemas.openxmlformats.org/officeDocument/2006/math">
+                      <m:sSub>
+                        <m:sSubPr>
+                          <m:ctrlPr>
+                            <a:rPr lang="en-US" sz="2800" b="0" i="1" smtClean="0">
+                              <a:latin typeface="Cambria Math" panose="02040503050406030204" pitchFamily="18" charset="0"/>
+                            </a:rPr>
+                          </m:ctrlPr>
+                        </m:sSubPr>
+                        <m:e>
+                          <m:r>
+                            <a:rPr lang="en-US" sz="2800" b="0" i="1" smtClean="0">
+                              <a:latin typeface="Cambria Math" panose="02040503050406030204" pitchFamily="18" charset="0"/>
+                            </a:rPr>
+                            <m:t>𝑝</m:t>
+                          </m:r>
+                        </m:e>
+                        <m:sub>
+                          <m:r>
+                            <a:rPr lang="en-US" sz="2800" b="0" i="1" smtClean="0">
+                              <a:latin typeface="Cambria Math" panose="02040503050406030204" pitchFamily="18" charset="0"/>
+                            </a:rPr>
+                            <m:t>𝑘</m:t>
+                          </m:r>
+                        </m:sub>
+                      </m:sSub>
+                      <m:r>
+                        <a:rPr lang="en-US" sz="2800" i="1">
+                          <a:latin typeface="Cambria Math" panose="02040503050406030204" pitchFamily="18" charset="0"/>
+                        </a:rPr>
+                        <m:t>(</m:t>
+                      </m:r>
+                      <m:r>
+                        <a:rPr lang="en-US" sz="2800" i="1">
+                          <a:latin typeface="Cambria Math" panose="02040503050406030204" pitchFamily="18" charset="0"/>
+                        </a:rPr>
+                        <m:t>𝑥</m:t>
+                      </m:r>
+                      <m:r>
+                        <a:rPr lang="en-US" sz="2800" i="1">
+                          <a:latin typeface="Cambria Math" panose="02040503050406030204" pitchFamily="18" charset="0"/>
+                        </a:rPr>
+                        <m:t>)=</m:t>
+                      </m:r>
+                      <m:f>
+                        <m:fPr>
+                          <m:ctrlPr>
+                            <a:rPr lang="en-US" sz="2800" i="1">
+                              <a:latin typeface="Cambria Math" panose="02040503050406030204" pitchFamily="18" charset="0"/>
+                            </a:rPr>
+                          </m:ctrlPr>
+                        </m:fPr>
+                        <m:num>
+                          <m:sSub>
+                            <m:sSubPr>
+                              <m:ctrlPr>
+                                <a:rPr lang="en-US" sz="2800" b="0" i="1" smtClean="0">
+                                  <a:latin typeface="Cambria Math" panose="02040503050406030204" pitchFamily="18" charset="0"/>
+                                </a:rPr>
+                              </m:ctrlPr>
+                            </m:sSubPr>
+                            <m:e>
+                              <m:r>
+                                <a:rPr lang="en-US" sz="2800" b="0" i="1" smtClean="0">
+                                  <a:latin typeface="Cambria Math" panose="02040503050406030204" pitchFamily="18" charset="0"/>
+                                </a:rPr>
+                                <m:t>𝜋</m:t>
+                              </m:r>
+                            </m:e>
+                            <m:sub>
+                              <m:r>
+                                <a:rPr lang="en-US" sz="2800" b="0" i="1" smtClean="0">
+                                  <a:latin typeface="Cambria Math" panose="02040503050406030204" pitchFamily="18" charset="0"/>
+                                </a:rPr>
+                                <m:t>𝑘</m:t>
+                              </m:r>
+                            </m:sub>
+                          </m:sSub>
+                          <m:f>
+                            <m:fPr>
+                              <m:ctrlPr>
+                                <a:rPr lang="en-US" sz="2800" i="1">
+                                  <a:latin typeface="Cambria Math" panose="02040503050406030204" pitchFamily="18" charset="0"/>
+                                </a:rPr>
+                              </m:ctrlPr>
+                            </m:fPr>
+                            <m:num>
+                              <m:r>
+                                <a:rPr lang="en-US" sz="2800" i="1">
+                                  <a:latin typeface="Cambria Math" panose="02040503050406030204" pitchFamily="18" charset="0"/>
+                                </a:rPr>
+                                <m:t>1</m:t>
+                              </m:r>
+                            </m:num>
+                            <m:den>
+                              <m:rad>
+                                <m:radPr>
+                                  <m:degHide m:val="on"/>
+                                  <m:ctrlPr>
+                                    <a:rPr lang="en-US" sz="2800" i="1">
+                                      <a:latin typeface="Cambria Math" panose="02040503050406030204" pitchFamily="18" charset="0"/>
+                                    </a:rPr>
+                                  </m:ctrlPr>
+                                </m:radPr>
+                                <m:deg/>
+                                <m:e>
+                                  <m:r>
+                                    <a:rPr lang="en-US" sz="2800" i="1">
+                                      <a:latin typeface="Cambria Math" panose="02040503050406030204" pitchFamily="18" charset="0"/>
+                                    </a:rPr>
+                                    <m:t>2</m:t>
+                                  </m:r>
+                                  <m:r>
+                                    <a:rPr lang="en-US" sz="2800" i="1">
+                                      <a:latin typeface="Cambria Math" panose="02040503050406030204" pitchFamily="18" charset="0"/>
+                                    </a:rPr>
+                                    <m:t>𝜋𝜎</m:t>
+                                  </m:r>
+                                </m:e>
+                              </m:rad>
+                            </m:den>
+                          </m:f>
+                          <m:sSup>
+                            <m:sSupPr>
+                              <m:ctrlPr>
+                                <a:rPr lang="en-US" sz="2800" i="1">
+                                  <a:latin typeface="Cambria Math" panose="02040503050406030204" pitchFamily="18" charset="0"/>
+                                </a:rPr>
+                              </m:ctrlPr>
+                            </m:sSupPr>
+                            <m:e>
+                              <m:r>
+                                <a:rPr lang="en-US" sz="2800" i="1">
+                                  <a:latin typeface="Cambria Math" panose="02040503050406030204" pitchFamily="18" charset="0"/>
+                                </a:rPr>
+                                <m:t>𝑒</m:t>
+                              </m:r>
+                            </m:e>
+                            <m:sup>
+                              <m:r>
+                                <a:rPr lang="en-US" sz="2800" i="1">
+                                  <a:latin typeface="Cambria Math" panose="02040503050406030204" pitchFamily="18" charset="0"/>
+                                </a:rPr>
+                                <m:t>−</m:t>
+                              </m:r>
+                              <m:f>
+                                <m:fPr>
+                                  <m:ctrlPr>
+                                    <a:rPr lang="en-US" sz="2800" i="1">
+                                      <a:latin typeface="Cambria Math" panose="02040503050406030204" pitchFamily="18" charset="0"/>
+                                    </a:rPr>
+                                  </m:ctrlPr>
+                                </m:fPr>
+                                <m:num>
+                                  <m:r>
+                                    <a:rPr lang="en-US" sz="2800" i="1">
+                                      <a:latin typeface="Cambria Math" panose="02040503050406030204" pitchFamily="18" charset="0"/>
+                                    </a:rPr>
+                                    <m:t>1</m:t>
+                                  </m:r>
+                                </m:num>
+                                <m:den>
+                                  <m:r>
+                                    <a:rPr lang="en-US" sz="2800" i="1">
+                                      <a:latin typeface="Cambria Math" panose="02040503050406030204" pitchFamily="18" charset="0"/>
+                                    </a:rPr>
+                                    <m:t>2</m:t>
+                                  </m:r>
+                                </m:den>
+                              </m:f>
+                              <m:sSup>
+                                <m:sSupPr>
+                                  <m:ctrlPr>
+                                    <a:rPr lang="en-US" sz="2800" i="1">
+                                      <a:latin typeface="Cambria Math" panose="02040503050406030204" pitchFamily="18" charset="0"/>
+                                    </a:rPr>
+                                  </m:ctrlPr>
+                                </m:sSupPr>
+                                <m:e>
+                                  <m:d>
+                                    <m:dPr>
+                                      <m:ctrlPr>
+                                        <a:rPr lang="en-US" sz="2800" i="1">
+                                          <a:latin typeface="Cambria Math" panose="02040503050406030204" pitchFamily="18" charset="0"/>
+                                        </a:rPr>
+                                      </m:ctrlPr>
+                                    </m:dPr>
+                                    <m:e>
+                                      <m:f>
+                                        <m:fPr>
+                                          <m:ctrlPr>
+                                            <a:rPr lang="en-US" sz="2800" i="1">
+                                              <a:latin typeface="Cambria Math" panose="02040503050406030204" pitchFamily="18" charset="0"/>
+                                            </a:rPr>
+                                          </m:ctrlPr>
+                                        </m:fPr>
+                                        <m:num>
+                                          <m:r>
+                                            <a:rPr lang="en-US" sz="2800" i="1">
+                                              <a:latin typeface="Cambria Math" panose="02040503050406030204" pitchFamily="18" charset="0"/>
+                                            </a:rPr>
+                                            <m:t>𝑥</m:t>
+                                          </m:r>
+                                          <m:r>
+                                            <a:rPr lang="en-US" sz="2800" i="1">
+                                              <a:latin typeface="Cambria Math" panose="02040503050406030204" pitchFamily="18" charset="0"/>
+                                            </a:rPr>
+                                            <m:t>−</m:t>
+                                          </m:r>
+                                          <m:sSub>
+                                            <m:sSubPr>
+                                              <m:ctrlPr>
+                                                <a:rPr lang="en-US" sz="2800" i="1">
+                                                  <a:latin typeface="Cambria Math" panose="02040503050406030204" pitchFamily="18" charset="0"/>
+                                                </a:rPr>
+                                              </m:ctrlPr>
+                                            </m:sSubPr>
+                                            <m:e>
+                                              <m:r>
+                                                <a:rPr lang="en-US" sz="2800" i="1">
+                                                  <a:latin typeface="Cambria Math" panose="02040503050406030204" pitchFamily="18" charset="0"/>
+                                                </a:rPr>
+                                                <m:t>𝜇</m:t>
+                                              </m:r>
+                                            </m:e>
+                                            <m:sub>
+                                              <m:r>
+                                                <a:rPr lang="en-US" sz="2800" b="0" i="1" smtClean="0">
+                                                  <a:latin typeface="Cambria Math" panose="02040503050406030204" pitchFamily="18" charset="0"/>
+                                                </a:rPr>
+                                                <m:t>𝑘</m:t>
+                                              </m:r>
+                                            </m:sub>
+                                          </m:sSub>
+                                        </m:num>
+                                        <m:den>
+                                          <m:sSub>
+                                            <m:sSubPr>
+                                              <m:ctrlPr>
+                                                <a:rPr lang="en-US" sz="2800" i="1">
+                                                  <a:latin typeface="Cambria Math" panose="02040503050406030204" pitchFamily="18" charset="0"/>
+                                                </a:rPr>
+                                              </m:ctrlPr>
+                                            </m:sSubPr>
+                                            <m:e>
+                                              <m:r>
+                                                <a:rPr lang="en-US" sz="2800" i="1">
+                                                  <a:latin typeface="Cambria Math" panose="02040503050406030204" pitchFamily="18" charset="0"/>
+                                                </a:rPr>
+                                                <m:t>𝜎</m:t>
+                                              </m:r>
+                                            </m:e>
+                                            <m:sub>
+                                              <m:r>
+                                                <a:rPr lang="en-US" sz="2800" i="1">
+                                                  <a:latin typeface="Cambria Math" panose="02040503050406030204" pitchFamily="18" charset="0"/>
+                                                </a:rPr>
+                                                <m:t>𝑘</m:t>
+                                              </m:r>
+                                            </m:sub>
+                                          </m:sSub>
+                                        </m:den>
+                                      </m:f>
+                                    </m:e>
+                                  </m:d>
+                                </m:e>
+                                <m:sup>
+                                  <m:r>
+                                    <a:rPr lang="en-US" sz="2800" i="1">
+                                      <a:latin typeface="Cambria Math" panose="02040503050406030204" pitchFamily="18" charset="0"/>
+                                    </a:rPr>
+                                    <m:t>2</m:t>
+                                  </m:r>
+                                </m:sup>
+                              </m:sSup>
+                            </m:sup>
+                          </m:sSup>
+                        </m:num>
+                        <m:den>
+                          <m:nary>
+                            <m:naryPr>
+                              <m:chr m:val="∑"/>
+                              <m:ctrlPr>
+                                <a:rPr lang="en-US" sz="2800" i="1">
+                                  <a:latin typeface="Cambria Math" panose="02040503050406030204" pitchFamily="18" charset="0"/>
+                                </a:rPr>
+                              </m:ctrlPr>
+                            </m:naryPr>
+                            <m:sub>
+                              <m:r>
+                                <m:rPr>
+                                  <m:brk m:alnAt="23"/>
+                                </m:rPr>
+                                <a:rPr lang="en-US" sz="2800" i="1">
+                                  <a:latin typeface="Cambria Math" panose="02040503050406030204" pitchFamily="18" charset="0"/>
+                                </a:rPr>
+                                <m:t>𝑙</m:t>
+                              </m:r>
+                              <m:r>
+                                <a:rPr lang="en-US" sz="2800" i="1">
+                                  <a:latin typeface="Cambria Math" panose="02040503050406030204" pitchFamily="18" charset="0"/>
+                                </a:rPr>
+                                <m:t>=1</m:t>
+                              </m:r>
+                            </m:sub>
+                            <m:sup>
+                              <m:r>
+                                <a:rPr lang="en-US" sz="2800" i="1">
+                                  <a:latin typeface="Cambria Math" panose="02040503050406030204" pitchFamily="18" charset="0"/>
+                                </a:rPr>
+                                <m:t>𝐾</m:t>
+                              </m:r>
+                            </m:sup>
+                            <m:e>
+                              <m:sSub>
+                                <m:sSubPr>
+                                  <m:ctrlPr>
+                                    <a:rPr lang="en-US" sz="2800" i="1">
+                                      <a:latin typeface="Cambria Math" panose="02040503050406030204" pitchFamily="18" charset="0"/>
+                                    </a:rPr>
+                                  </m:ctrlPr>
+                                </m:sSubPr>
+                                <m:e>
+                                  <m:r>
+                                    <a:rPr lang="en-US" sz="2800" i="1">
+                                      <a:latin typeface="Cambria Math" panose="02040503050406030204" pitchFamily="18" charset="0"/>
+                                    </a:rPr>
+                                    <m:t>𝜋</m:t>
+                                  </m:r>
+                                </m:e>
+                                <m:sub>
+                                  <m:r>
+                                    <a:rPr lang="en-US" sz="2800" b="0" i="1" smtClean="0">
+                                      <a:latin typeface="Cambria Math" panose="02040503050406030204" pitchFamily="18" charset="0"/>
+                                    </a:rPr>
+                                    <m:t>𝑙</m:t>
+                                  </m:r>
+                                </m:sub>
+                              </m:sSub>
+                              <m:f>
+                                <m:fPr>
+                                  <m:ctrlPr>
+                                    <a:rPr lang="en-US" sz="2800" i="1">
+                                      <a:latin typeface="Cambria Math" panose="02040503050406030204" pitchFamily="18" charset="0"/>
+                                    </a:rPr>
+                                  </m:ctrlPr>
+                                </m:fPr>
+                                <m:num>
+                                  <m:r>
+                                    <a:rPr lang="en-US" sz="2800" i="1">
+                                      <a:latin typeface="Cambria Math" panose="02040503050406030204" pitchFamily="18" charset="0"/>
+                                    </a:rPr>
+                                    <m:t>1</m:t>
+                                  </m:r>
+                                </m:num>
+                                <m:den>
+                                  <m:rad>
+                                    <m:radPr>
+                                      <m:degHide m:val="on"/>
+                                      <m:ctrlPr>
+                                        <a:rPr lang="en-US" sz="2800" i="1">
+                                          <a:latin typeface="Cambria Math" panose="02040503050406030204" pitchFamily="18" charset="0"/>
+                                        </a:rPr>
+                                      </m:ctrlPr>
+                                    </m:radPr>
+                                    <m:deg/>
+                                    <m:e>
+                                      <m:r>
+                                        <a:rPr lang="en-US" sz="2800" i="1">
+                                          <a:latin typeface="Cambria Math" panose="02040503050406030204" pitchFamily="18" charset="0"/>
+                                        </a:rPr>
+                                        <m:t>2</m:t>
+                                      </m:r>
+                                      <m:r>
+                                        <a:rPr lang="en-US" sz="2800" i="1">
+                                          <a:latin typeface="Cambria Math" panose="02040503050406030204" pitchFamily="18" charset="0"/>
+                                        </a:rPr>
+                                        <m:t>𝜋𝜎</m:t>
+                                      </m:r>
+                                    </m:e>
+                                  </m:rad>
+                                </m:den>
+                              </m:f>
+                              <m:sSup>
+                                <m:sSupPr>
+                                  <m:ctrlPr>
+                                    <a:rPr lang="en-US" sz="2800" i="1">
+                                      <a:latin typeface="Cambria Math" panose="02040503050406030204" pitchFamily="18" charset="0"/>
+                                    </a:rPr>
+                                  </m:ctrlPr>
+                                </m:sSupPr>
+                                <m:e>
+                                  <m:r>
+                                    <a:rPr lang="en-US" sz="2800" i="1">
+                                      <a:latin typeface="Cambria Math" panose="02040503050406030204" pitchFamily="18" charset="0"/>
+                                    </a:rPr>
+                                    <m:t>𝑒</m:t>
+                                  </m:r>
+                                </m:e>
+                                <m:sup>
+                                  <m:r>
+                                    <a:rPr lang="en-US" sz="2800" i="1">
+                                      <a:latin typeface="Cambria Math" panose="02040503050406030204" pitchFamily="18" charset="0"/>
+                                    </a:rPr>
+                                    <m:t>−</m:t>
+                                  </m:r>
+                                  <m:f>
+                                    <m:fPr>
+                                      <m:ctrlPr>
+                                        <a:rPr lang="en-US" sz="2800" i="1">
+                                          <a:latin typeface="Cambria Math" panose="02040503050406030204" pitchFamily="18" charset="0"/>
+                                        </a:rPr>
+                                      </m:ctrlPr>
+                                    </m:fPr>
+                                    <m:num>
+                                      <m:r>
+                                        <a:rPr lang="en-US" sz="2800" i="1">
+                                          <a:latin typeface="Cambria Math" panose="02040503050406030204" pitchFamily="18" charset="0"/>
+                                        </a:rPr>
+                                        <m:t>1</m:t>
+                                      </m:r>
+                                    </m:num>
+                                    <m:den>
+                                      <m:r>
+                                        <a:rPr lang="en-US" sz="2800" i="1">
+                                          <a:latin typeface="Cambria Math" panose="02040503050406030204" pitchFamily="18" charset="0"/>
+                                        </a:rPr>
+                                        <m:t>2</m:t>
+                                      </m:r>
+                                    </m:den>
+                                  </m:f>
+                                  <m:sSup>
+                                    <m:sSupPr>
+                                      <m:ctrlPr>
+                                        <a:rPr lang="en-US" sz="2800" i="1">
+                                          <a:latin typeface="Cambria Math" panose="02040503050406030204" pitchFamily="18" charset="0"/>
+                                        </a:rPr>
+                                      </m:ctrlPr>
+                                    </m:sSupPr>
+                                    <m:e>
+                                      <m:d>
+                                        <m:dPr>
+                                          <m:ctrlPr>
+                                            <a:rPr lang="en-US" sz="2800" i="1">
+                                              <a:latin typeface="Cambria Math" panose="02040503050406030204" pitchFamily="18" charset="0"/>
+                                            </a:rPr>
+                                          </m:ctrlPr>
+                                        </m:dPr>
+                                        <m:e>
+                                          <m:f>
+                                            <m:fPr>
+                                              <m:ctrlPr>
+                                                <a:rPr lang="en-US" sz="2800" i="1">
+                                                  <a:latin typeface="Cambria Math" panose="02040503050406030204" pitchFamily="18" charset="0"/>
+                                                </a:rPr>
+                                              </m:ctrlPr>
+                                            </m:fPr>
+                                            <m:num>
+                                              <m:r>
+                                                <a:rPr lang="en-US" sz="2800" i="1">
+                                                  <a:latin typeface="Cambria Math" panose="02040503050406030204" pitchFamily="18" charset="0"/>
+                                                </a:rPr>
+                                                <m:t>𝑥</m:t>
+                                              </m:r>
+                                              <m:r>
+                                                <a:rPr lang="en-US" sz="2800" i="1">
+                                                  <a:latin typeface="Cambria Math" panose="02040503050406030204" pitchFamily="18" charset="0"/>
+                                                </a:rPr>
+                                                <m:t>−</m:t>
+                                              </m:r>
+                                              <m:sSub>
+                                                <m:sSubPr>
+                                                  <m:ctrlPr>
+                                                    <a:rPr lang="en-US" sz="2800" i="1">
+                                                      <a:latin typeface="Cambria Math" panose="02040503050406030204" pitchFamily="18" charset="0"/>
+                                                    </a:rPr>
+                                                  </m:ctrlPr>
+                                                </m:sSubPr>
+                                                <m:e>
+                                                  <m:r>
+                                                    <a:rPr lang="en-US" sz="2800" i="1">
+                                                      <a:latin typeface="Cambria Math" panose="02040503050406030204" pitchFamily="18" charset="0"/>
+                                                    </a:rPr>
+                                                    <m:t>𝜇</m:t>
+                                                  </m:r>
+                                                </m:e>
+                                                <m:sub>
+                                                  <m:r>
+                                                    <a:rPr lang="en-US" sz="2800" b="0" i="1" smtClean="0">
+                                                      <a:latin typeface="Cambria Math" panose="02040503050406030204" pitchFamily="18" charset="0"/>
+                                                    </a:rPr>
+                                                    <m:t>𝑙</m:t>
+                                                  </m:r>
+                                                </m:sub>
+                                              </m:sSub>
+                                            </m:num>
+                                            <m:den>
+                                              <m:sSub>
+                                                <m:sSubPr>
+                                                  <m:ctrlPr>
+                                                    <a:rPr lang="en-US" sz="2800" i="1">
+                                                      <a:latin typeface="Cambria Math" panose="02040503050406030204" pitchFamily="18" charset="0"/>
+                                                    </a:rPr>
+                                                  </m:ctrlPr>
+                                                </m:sSubPr>
+                                                <m:e>
+                                                  <m:r>
+                                                    <a:rPr lang="en-US" sz="2800" i="1">
+                                                      <a:latin typeface="Cambria Math" panose="02040503050406030204" pitchFamily="18" charset="0"/>
+                                                    </a:rPr>
+                                                    <m:t>𝜎</m:t>
+                                                  </m:r>
+                                                </m:e>
+                                                <m:sub>
+                                                  <m:r>
+                                                    <a:rPr lang="en-US" sz="2800" b="0" i="1" smtClean="0">
+                                                      <a:latin typeface="Cambria Math" panose="02040503050406030204" pitchFamily="18" charset="0"/>
+                                                    </a:rPr>
+                                                    <m:t>𝑙</m:t>
+                                                  </m:r>
+                                                </m:sub>
+                                              </m:sSub>
+                                            </m:den>
+                                          </m:f>
+                                        </m:e>
+                                      </m:d>
+                                    </m:e>
+                                    <m:sup>
+                                      <m:r>
+                                        <a:rPr lang="en-US" sz="2800" i="1">
+                                          <a:latin typeface="Cambria Math" panose="02040503050406030204" pitchFamily="18" charset="0"/>
+                                        </a:rPr>
+                                        <m:t>2</m:t>
+                                      </m:r>
+                                    </m:sup>
+                                  </m:sSup>
+                                </m:sup>
+                              </m:sSup>
+                            </m:e>
+                          </m:nary>
+                        </m:den>
+                      </m:f>
+                    </m:oMath>
+                  </m:oMathPara>
+                </a14:m>
+                <a:endParaRPr lang="en-US" sz="2800" dirty="0"/>
+              </a:p>
+            </p:txBody>
+          </p:sp>
+        </mc:Choice>
+        <mc:Fallback>
+          <p:sp>
+            <p:nvSpPr>
+              <p:cNvPr id="4" name="TextBox 3">
+                <a:extLst>
+                  <a:ext uri="{FF2B5EF4-FFF2-40B4-BE49-F238E27FC236}">
+                    <a16:creationId xmlns:a16="http://schemas.microsoft.com/office/drawing/2014/main" id="{A4D8EC2C-909D-669C-73D2-F906AAB777B6}"/>
+                  </a:ext>
+                </a:extLst>
+              </p:cNvPr>
+              <p:cNvSpPr txBox="1">
+                <a:spLocks noRot="1" noChangeAspect="1" noMove="1" noResize="1" noEditPoints="1" noAdjustHandles="1" noChangeArrowheads="1" noChangeShapeType="1" noTextEdit="1"/>
+              </p:cNvSpPr>
+              <p:nvPr/>
+            </p:nvSpPr>
+            <p:spPr>
+              <a:xfrm>
+                <a:off x="365760" y="2377077"/>
+                <a:ext cx="10408920" cy="2103846"/>
+              </a:xfrm>
+              <a:prstGeom prst="rect">
+                <a:avLst/>
+              </a:prstGeom>
+              <a:blipFill>
+                <a:blip r:embed="rId4"/>
+                <a:stretch>
+                  <a:fillRect b="-35542"/>
+                </a:stretch>
+              </a:blipFill>
+            </p:spPr>
+            <p:txBody>
+              <a:bodyPr/>
+              <a:lstStyle/>
+              <a:p>
+                <a:r>
+                  <a:rPr lang="en-US">
+                    <a:noFill/>
+                  </a:rPr>
+                  <a:t> </a:t>
+                </a:r>
+              </a:p>
+            </p:txBody>
+          </p:sp>
+        </mc:Fallback>
+      </mc:AlternateContent>
+      <mc:AlternateContent xmlns:mc="http://schemas.openxmlformats.org/markup-compatibility/2006">
+        <mc:Choice xmlns:a14="http://schemas.microsoft.com/office/drawing/2010/main" Requires="a14">
+          <p:sp>
+            <p:nvSpPr>
+              <p:cNvPr id="5" name="TextBox 4">
+                <a:extLst>
+                  <a:ext uri="{FF2B5EF4-FFF2-40B4-BE49-F238E27FC236}">
+                    <a16:creationId xmlns:a16="http://schemas.microsoft.com/office/drawing/2014/main" id="{D6B820D6-B23C-2084-3881-5D383AD8BF60}"/>
+                  </a:ext>
+                </a:extLst>
+              </p:cNvPr>
+              <p:cNvSpPr txBox="1"/>
+              <p:nvPr/>
+            </p:nvSpPr>
+            <p:spPr>
+              <a:xfrm>
+                <a:off x="365760" y="5139208"/>
+                <a:ext cx="10408920" cy="968150"/>
+              </a:xfrm>
+              <a:prstGeom prst="rect">
+                <a:avLst/>
+              </a:prstGeom>
+              <a:noFill/>
+            </p:spPr>
+            <p:txBody>
+              <a:bodyPr wrap="square">
+                <a:spAutoFit/>
+              </a:bodyPr>
+              <a:lstStyle/>
+              <a:p>
+                <a:pPr/>
+                <a14:m>
+                  <m:oMathPara xmlns:m="http://schemas.openxmlformats.org/officeDocument/2006/math">
+                    <m:oMathParaPr>
+                      <m:jc m:val="centerGroup"/>
+                    </m:oMathParaPr>
+                    <m:oMath xmlns:m="http://schemas.openxmlformats.org/officeDocument/2006/math">
+                      <m:sSub>
+                        <m:sSubPr>
+                          <m:ctrlPr>
+                            <a:rPr lang="en-US" sz="2800" b="0" i="1" smtClean="0">
+                              <a:latin typeface="Cambria Math" panose="02040503050406030204" pitchFamily="18" charset="0"/>
+                            </a:rPr>
+                          </m:ctrlPr>
+                        </m:sSubPr>
+                        <m:e>
+                          <m:r>
+                            <a:rPr lang="en-US" sz="2800" b="0" i="1" smtClean="0">
+                              <a:latin typeface="Cambria Math" panose="02040503050406030204" pitchFamily="18" charset="0"/>
+                            </a:rPr>
+                            <m:t>𝛿</m:t>
+                          </m:r>
+                        </m:e>
+                        <m:sub>
+                          <m:r>
+                            <a:rPr lang="en-US" sz="2800" b="0" i="1" smtClean="0">
+                              <a:latin typeface="Cambria Math" panose="02040503050406030204" pitchFamily="18" charset="0"/>
+                            </a:rPr>
+                            <m:t>𝑘</m:t>
+                          </m:r>
+                        </m:sub>
+                      </m:sSub>
+                      <m:d>
+                        <m:dPr>
+                          <m:ctrlPr>
+                            <a:rPr lang="en-US" sz="2800" b="0" i="1" smtClean="0">
+                              <a:latin typeface="Cambria Math" panose="02040503050406030204" pitchFamily="18" charset="0"/>
+                            </a:rPr>
+                          </m:ctrlPr>
+                        </m:dPr>
+                        <m:e>
+                          <m:r>
+                            <a:rPr lang="en-US" sz="2800" i="1">
+                              <a:latin typeface="Cambria Math" panose="02040503050406030204" pitchFamily="18" charset="0"/>
+                            </a:rPr>
+                            <m:t>𝑥</m:t>
+                          </m:r>
+                        </m:e>
+                      </m:d>
+                      <m:r>
+                        <a:rPr lang="en-US" sz="2800" b="0" i="1" smtClean="0">
+                          <a:latin typeface="Cambria Math" panose="02040503050406030204" pitchFamily="18" charset="0"/>
+                        </a:rPr>
+                        <m:t>=</m:t>
+                      </m:r>
+                      <m:r>
+                        <a:rPr lang="en-US" sz="2800" b="0" i="1" smtClean="0">
+                          <a:latin typeface="Cambria Math" panose="02040503050406030204" pitchFamily="18" charset="0"/>
+                        </a:rPr>
+                        <m:t>𝑥</m:t>
+                      </m:r>
+                      <m:f>
+                        <m:fPr>
+                          <m:ctrlPr>
+                            <a:rPr lang="en-US" sz="2800" b="0" i="1" smtClean="0">
+                              <a:latin typeface="Cambria Math" panose="02040503050406030204" pitchFamily="18" charset="0"/>
+                            </a:rPr>
+                          </m:ctrlPr>
+                        </m:fPr>
+                        <m:num>
+                          <m:sSub>
+                            <m:sSubPr>
+                              <m:ctrlPr>
+                                <a:rPr lang="en-US" sz="2800" b="0" i="1" smtClean="0">
+                                  <a:latin typeface="Cambria Math" panose="02040503050406030204" pitchFamily="18" charset="0"/>
+                                </a:rPr>
+                              </m:ctrlPr>
+                            </m:sSubPr>
+                            <m:e>
+                              <m:r>
+                                <a:rPr lang="en-US" sz="2800" b="0" i="1" smtClean="0">
+                                  <a:latin typeface="Cambria Math" panose="02040503050406030204" pitchFamily="18" charset="0"/>
+                                </a:rPr>
+                                <m:t>𝜇</m:t>
+                              </m:r>
+                            </m:e>
+                            <m:sub>
+                              <m:r>
+                                <a:rPr lang="en-US" sz="2800" b="0" i="1" smtClean="0">
+                                  <a:latin typeface="Cambria Math" panose="02040503050406030204" pitchFamily="18" charset="0"/>
+                                </a:rPr>
+                                <m:t>𝑘</m:t>
+                              </m:r>
+                            </m:sub>
+                          </m:sSub>
+                        </m:num>
+                        <m:den>
+                          <m:sSup>
+                            <m:sSupPr>
+                              <m:ctrlPr>
+                                <a:rPr lang="en-US" sz="2800" b="0" i="1" smtClean="0">
+                                  <a:latin typeface="Cambria Math" panose="02040503050406030204" pitchFamily="18" charset="0"/>
+                                </a:rPr>
+                              </m:ctrlPr>
+                            </m:sSupPr>
+                            <m:e>
+                              <m:r>
+                                <a:rPr lang="en-US" sz="2800" b="0" i="1" smtClean="0">
+                                  <a:latin typeface="Cambria Math" panose="02040503050406030204" pitchFamily="18" charset="0"/>
+                                </a:rPr>
+                                <m:t>𝜎</m:t>
+                              </m:r>
+                            </m:e>
+                            <m:sup>
+                              <m:r>
+                                <a:rPr lang="en-US" sz="2800" b="0" i="1" smtClean="0">
+                                  <a:latin typeface="Cambria Math" panose="02040503050406030204" pitchFamily="18" charset="0"/>
+                                </a:rPr>
+                                <m:t>2</m:t>
+                              </m:r>
+                            </m:sup>
+                          </m:sSup>
+                        </m:den>
+                      </m:f>
+                      <m:r>
+                        <a:rPr lang="en-US" sz="2800" b="0" i="1" smtClean="0">
+                          <a:latin typeface="Cambria Math" panose="02040503050406030204" pitchFamily="18" charset="0"/>
+                        </a:rPr>
+                        <m:t>−</m:t>
+                      </m:r>
+                      <m:f>
+                        <m:fPr>
+                          <m:ctrlPr>
+                            <a:rPr lang="en-US" sz="2800" i="1">
+                              <a:latin typeface="Cambria Math" panose="02040503050406030204" pitchFamily="18" charset="0"/>
+                            </a:rPr>
+                          </m:ctrlPr>
+                        </m:fPr>
+                        <m:num>
+                          <m:sSubSup>
+                            <m:sSubSupPr>
+                              <m:ctrlPr>
+                                <a:rPr lang="en-US" sz="2800" b="0" i="1" smtClean="0">
+                                  <a:latin typeface="Cambria Math" panose="02040503050406030204" pitchFamily="18" charset="0"/>
+                                </a:rPr>
+                              </m:ctrlPr>
+                            </m:sSubSupPr>
+                            <m:e>
+                              <m:r>
+                                <a:rPr lang="en-US" sz="2800" i="1">
+                                  <a:latin typeface="Cambria Math" panose="02040503050406030204" pitchFamily="18" charset="0"/>
+                                </a:rPr>
+                                <m:t>𝜇</m:t>
+                              </m:r>
+                            </m:e>
+                            <m:sub>
+                              <m:r>
+                                <a:rPr lang="en-US" sz="2800" i="1">
+                                  <a:latin typeface="Cambria Math" panose="02040503050406030204" pitchFamily="18" charset="0"/>
+                                </a:rPr>
+                                <m:t>𝑘</m:t>
+                              </m:r>
+                            </m:sub>
+                            <m:sup>
+                              <m:r>
+                                <a:rPr lang="en-US" sz="2800" b="0" i="1" smtClean="0">
+                                  <a:latin typeface="Cambria Math" panose="02040503050406030204" pitchFamily="18" charset="0"/>
+                                </a:rPr>
+                                <m:t>2</m:t>
+                              </m:r>
+                            </m:sup>
+                          </m:sSubSup>
+                        </m:num>
+                        <m:den>
+                          <m:sSup>
+                            <m:sSupPr>
+                              <m:ctrlPr>
+                                <a:rPr lang="en-US" sz="2800" i="1">
+                                  <a:latin typeface="Cambria Math" panose="02040503050406030204" pitchFamily="18" charset="0"/>
+                                </a:rPr>
+                              </m:ctrlPr>
+                            </m:sSupPr>
+                            <m:e>
+                              <m:r>
+                                <a:rPr lang="en-US" sz="2800" b="0" i="1" smtClean="0">
+                                  <a:latin typeface="Cambria Math" panose="02040503050406030204" pitchFamily="18" charset="0"/>
+                                </a:rPr>
+                                <m:t>2</m:t>
+                              </m:r>
+                              <m:r>
+                                <a:rPr lang="en-US" sz="2800" i="1">
+                                  <a:latin typeface="Cambria Math" panose="02040503050406030204" pitchFamily="18" charset="0"/>
+                                </a:rPr>
+                                <m:t>𝜎</m:t>
+                              </m:r>
+                            </m:e>
+                            <m:sup>
+                              <m:r>
+                                <a:rPr lang="en-US" sz="2800" i="1">
+                                  <a:latin typeface="Cambria Math" panose="02040503050406030204" pitchFamily="18" charset="0"/>
+                                </a:rPr>
+                                <m:t>2</m:t>
+                              </m:r>
+                            </m:sup>
+                          </m:sSup>
+                        </m:den>
+                      </m:f>
+                      <m:r>
+                        <a:rPr lang="en-US" sz="2800" b="0" i="1" smtClean="0">
+                          <a:latin typeface="Cambria Math" panose="02040503050406030204" pitchFamily="18" charset="0"/>
+                        </a:rPr>
+                        <m:t>+</m:t>
+                      </m:r>
+                      <m:r>
+                        <m:rPr>
+                          <m:sty m:val="p"/>
+                        </m:rPr>
+                        <a:rPr lang="en-US" sz="2800" b="0" i="0" smtClean="0">
+                          <a:latin typeface="Cambria Math" panose="02040503050406030204" pitchFamily="18" charset="0"/>
+                        </a:rPr>
+                        <m:t>log</m:t>
+                      </m:r>
+                      <m:r>
+                        <a:rPr lang="en-US" sz="2800" b="0" i="1" smtClean="0">
+                          <a:latin typeface="Cambria Math" panose="02040503050406030204" pitchFamily="18" charset="0"/>
+                        </a:rPr>
+                        <m:t>⁡(</m:t>
+                      </m:r>
+                      <m:sSub>
+                        <m:sSubPr>
+                          <m:ctrlPr>
+                            <a:rPr lang="en-US" sz="2800" b="0" i="1" smtClean="0">
+                              <a:latin typeface="Cambria Math" panose="02040503050406030204" pitchFamily="18" charset="0"/>
+                            </a:rPr>
+                          </m:ctrlPr>
+                        </m:sSubPr>
+                        <m:e>
+                          <m:r>
+                            <a:rPr lang="en-US" sz="2800" b="0" i="1" smtClean="0">
+                              <a:latin typeface="Cambria Math" panose="02040503050406030204" pitchFamily="18" charset="0"/>
+                            </a:rPr>
+                            <m:t>𝜋</m:t>
+                          </m:r>
+                        </m:e>
+                        <m:sub>
+                          <m:r>
+                            <a:rPr lang="en-US" sz="2800" b="0" i="1" smtClean="0">
+                              <a:latin typeface="Cambria Math" panose="02040503050406030204" pitchFamily="18" charset="0"/>
+                            </a:rPr>
+                            <m:t>𝑘</m:t>
+                          </m:r>
+                        </m:sub>
+                      </m:sSub>
+                      <m:r>
+                        <a:rPr lang="en-US" sz="2800" b="0" i="1" smtClean="0">
+                          <a:latin typeface="Cambria Math" panose="02040503050406030204" pitchFamily="18" charset="0"/>
+                        </a:rPr>
+                        <m:t>)</m:t>
+                      </m:r>
+                    </m:oMath>
+                  </m:oMathPara>
+                </a14:m>
+                <a:endParaRPr lang="en-US" sz="2800" dirty="0"/>
+              </a:p>
+            </p:txBody>
+          </p:sp>
+        </mc:Choice>
+        <mc:Fallback>
+          <p:sp>
+            <p:nvSpPr>
+              <p:cNvPr id="5" name="TextBox 4">
+                <a:extLst>
+                  <a:ext uri="{FF2B5EF4-FFF2-40B4-BE49-F238E27FC236}">
+                    <a16:creationId xmlns:a16="http://schemas.microsoft.com/office/drawing/2014/main" id="{D6B820D6-B23C-2084-3881-5D383AD8BF60}"/>
+                  </a:ext>
+                </a:extLst>
+              </p:cNvPr>
+              <p:cNvSpPr txBox="1">
+                <a:spLocks noRot="1" noChangeAspect="1" noMove="1" noResize="1" noEditPoints="1" noAdjustHandles="1" noChangeArrowheads="1" noChangeShapeType="1" noTextEdit="1"/>
+              </p:cNvSpPr>
+              <p:nvPr/>
+            </p:nvSpPr>
+            <p:spPr>
+              <a:xfrm>
+                <a:off x="365760" y="5139208"/>
+                <a:ext cx="10408920" cy="968150"/>
+              </a:xfrm>
+              <a:prstGeom prst="rect">
+                <a:avLst/>
+              </a:prstGeom>
+              <a:blipFill>
+                <a:blip r:embed="rId5"/>
+                <a:stretch>
+                  <a:fillRect b="-6494"/>
+                </a:stretch>
+              </a:blipFill>
+            </p:spPr>
+            <p:txBody>
+              <a:bodyPr/>
+              <a:lstStyle/>
+              <a:p>
+                <a:r>
+                  <a:rPr lang="en-US">
+                    <a:noFill/>
+                  </a:rPr>
+                  <a:t> </a:t>
+                </a:r>
+              </a:p>
+            </p:txBody>
+          </p:sp>
+        </mc:Fallback>
+      </mc:AlternateContent>
+      <p:sp>
+        <p:nvSpPr>
+          <p:cNvPr id="7" name="TextBox 6">
+            <a:extLst>
+              <a:ext uri="{FF2B5EF4-FFF2-40B4-BE49-F238E27FC236}">
+                <a16:creationId xmlns:a16="http://schemas.microsoft.com/office/drawing/2014/main" id="{A94B3D18-A3EB-B11E-149F-C5AA35AA9626}"/>
+              </a:ext>
+            </a:extLst>
+          </p:cNvPr>
+          <p:cNvSpPr txBox="1"/>
+          <p:nvPr/>
+        </p:nvSpPr>
+        <p:spPr>
+          <a:xfrm>
+            <a:off x="891540" y="4748632"/>
+            <a:ext cx="10408920" cy="523220"/>
+          </a:xfrm>
+          <a:prstGeom prst="rect">
+            <a:avLst/>
+          </a:prstGeom>
+          <a:noFill/>
+        </p:spPr>
+        <p:txBody>
+          <a:bodyPr wrap="square">
+            <a:spAutoFit/>
+          </a:bodyPr>
+          <a:lstStyle/>
+          <a:p>
+            <a:pPr/>
+            <a:r>
+              <a:rPr lang="en-US" sz="2800" dirty="0"/>
+              <a:t>Discriminant score</a:t>
+            </a:r>
+          </a:p>
+        </p:txBody>
+      </p:sp>
+    </p:spTree>
+    <p:extLst>
+      <p:ext uri="{BB962C8B-B14F-4D97-AF65-F5344CB8AC3E}">
+        <p14:creationId xmlns:p14="http://schemas.microsoft.com/office/powerpoint/2010/main" val="180903274"/>
+      </p:ext>
+    </p:extLst>
+  </p:cSld>
+  <p:clrMapOvr>
+    <a:masterClrMapping/>
+  </p:clrMapOvr>
+</p:sld>
+</file>
+
 <file path=ppt/slides/slide13.xml><?xml version="1.0" encoding="utf-8"?>
+<p:sld xmlns:a="http://schemas.openxmlformats.org/drawingml/2006/main" xmlns:r="http://schemas.openxmlformats.org/officeDocument/2006/relationships" xmlns:p="http://schemas.openxmlformats.org/presentationml/2006/main">
+  <p:cSld>
+    <p:spTree>
+      <p:nvGrpSpPr>
+        <p:cNvPr id="1" name=""/>
+        <p:cNvGrpSpPr/>
+        <p:nvPr/>
+      </p:nvGrpSpPr>
+      <p:grpSpPr>
+        <a:xfrm>
+          <a:off x="0" y="0"/>
+          <a:ext cx="0" cy="0"/>
+          <a:chOff x="0" y="0"/>
+          <a:chExt cx="0" cy="0"/>
+        </a:xfrm>
+      </p:grpSpPr>
+      <p:sp>
+        <p:nvSpPr>
+          <p:cNvPr id="2" name="Title 1"/>
+          <p:cNvSpPr>
+            <a:spLocks noGrp="1"/>
+          </p:cNvSpPr>
+          <p:nvPr>
+            <p:ph type="title"/>
+          </p:nvPr>
+        </p:nvSpPr>
+        <p:spPr>
+          <a:xfrm>
+            <a:off x="838200" y="365126"/>
+            <a:ext cx="10515600" cy="981894"/>
+          </a:xfrm>
+        </p:spPr>
+        <p:txBody>
+          <a:bodyPr>
+            <a:normAutofit/>
+          </a:bodyPr>
+          <a:lstStyle/>
+          <a:p>
+            <a:r>
+              <a:rPr lang="en-US" dirty="0"/>
+              <a:t>Multi-Variable Discriminant Analysis</a:t>
+            </a:r>
+          </a:p>
+        </p:txBody>
+      </p:sp>
+      <p:pic>
+        <p:nvPicPr>
+          <p:cNvPr id="6" name="Picture 5">
+            <a:extLst>
+              <a:ext uri="{FF2B5EF4-FFF2-40B4-BE49-F238E27FC236}">
+                <a16:creationId xmlns:a16="http://schemas.microsoft.com/office/drawing/2014/main" id="{A2F6A9AF-A707-7281-D4D2-67A5F7800002}"/>
+              </a:ext>
+            </a:extLst>
+          </p:cNvPr>
+          <p:cNvPicPr>
+            <a:picLocks noChangeAspect="1"/>
+          </p:cNvPicPr>
+          <p:nvPr/>
+        </p:nvPicPr>
+        <p:blipFill>
+          <a:blip r:embed="rId3"/>
+          <a:stretch>
+            <a:fillRect/>
+          </a:stretch>
+        </p:blipFill>
+        <p:spPr>
+          <a:xfrm>
+            <a:off x="2829560" y="1805940"/>
+            <a:ext cx="5917738" cy="1135380"/>
+          </a:xfrm>
+          <a:prstGeom prst="rect">
+            <a:avLst/>
+          </a:prstGeom>
+        </p:spPr>
+      </p:pic>
+      <p:pic>
+        <p:nvPicPr>
+          <p:cNvPr id="8" name="Picture 7">
+            <a:extLst>
+              <a:ext uri="{FF2B5EF4-FFF2-40B4-BE49-F238E27FC236}">
+                <a16:creationId xmlns:a16="http://schemas.microsoft.com/office/drawing/2014/main" id="{523AC553-EDCD-460A-E5F9-FB7840B7E4D2}"/>
+              </a:ext>
+            </a:extLst>
+          </p:cNvPr>
+          <p:cNvPicPr>
+            <a:picLocks noChangeAspect="1"/>
+          </p:cNvPicPr>
+          <p:nvPr/>
+        </p:nvPicPr>
+        <p:blipFill>
+          <a:blip r:embed="rId4"/>
+          <a:stretch>
+            <a:fillRect/>
+          </a:stretch>
+        </p:blipFill>
+        <p:spPr>
+          <a:xfrm>
+            <a:off x="2453639" y="3370764"/>
+            <a:ext cx="6774873" cy="1242060"/>
+          </a:xfrm>
+          <a:prstGeom prst="rect">
+            <a:avLst/>
+          </a:prstGeom>
+        </p:spPr>
+      </p:pic>
+    </p:spTree>
+    <p:extLst>
+      <p:ext uri="{BB962C8B-B14F-4D97-AF65-F5344CB8AC3E}">
+        <p14:creationId xmlns:p14="http://schemas.microsoft.com/office/powerpoint/2010/main" val="1197708933"/>
+      </p:ext>
+    </p:extLst>
+  </p:cSld>
+  <p:clrMapOvr>
+    <a:masterClrMapping/>
+  </p:clrMapOvr>
+</p:sld>
+</file>
+
+<file path=ppt/slides/slide14.xml><?xml version="1.0" encoding="utf-8"?>
 <p:sld xmlns:a="http://schemas.openxmlformats.org/drawingml/2006/main" xmlns:r="http://schemas.openxmlformats.org/officeDocument/2006/relationships" xmlns:p="http://schemas.openxmlformats.org/presentationml/2006/main">
   <p:cSld>
     <p:spTree>
@@ -10393,7 +11958,7 @@
         </p:nvSpPr>
         <p:spPr>
           <a:xfrm>
-            <a:off x="891540" y="1680923"/>
+            <a:off x="891540" y="1749533"/>
             <a:ext cx="10408920" cy="523220"/>
           </a:xfrm>
           <a:prstGeom prst="rect">
@@ -10448,7 +12013,15 @@
                 <a:pPr/>
                 <a:r>
                   <a:rPr lang="en-US" sz="2800" dirty="0"/>
-                  <a:t>Use the Bayes theorem to obtain </a:t>
+                  <a:t>Use the </a:t>
+                </a:r>
+                <a:r>
+                  <a:rPr lang="en-US" sz="2800" b="1" dirty="0"/>
+                  <a:t>Bayes theorem </a:t>
+                </a:r>
+                <a:r>
+                  <a:rPr lang="en-US" sz="2800" dirty="0"/>
+                  <a:t>to obtain </a:t>
                 </a:r>
                 <a14:m>
                   <m:oMath xmlns:m="http://schemas.openxmlformats.org/officeDocument/2006/math">
@@ -10837,7 +12410,7 @@
     </p:spTree>
     <p:extLst>
       <p:ext uri="{BB962C8B-B14F-4D97-AF65-F5344CB8AC3E}">
-        <p14:creationId xmlns:p14="http://schemas.microsoft.com/office/powerpoint/2010/main" val="2467597709"/>
+        <p14:creationId xmlns:p14="http://schemas.microsoft.com/office/powerpoint/2010/main" val="2542798167"/>
       </p:ext>
     </p:extLst>
   </p:cSld>

--- a/_umkc-teaching/slides/Lecture 5.pptx
+++ b/_umkc-teaching/slides/Lecture 5.pptx
@@ -5,7 +5,7 @@
     <p:sldMasterId id="2147483648" r:id="rId1"/>
   </p:sldMasterIdLst>
   <p:notesMasterIdLst>
-    <p:notesMasterId r:id="rId16"/>
+    <p:notesMasterId r:id="rId21"/>
   </p:notesMasterIdLst>
   <p:sldIdLst>
     <p:sldId id="257" r:id="rId2"/>
@@ -21,7 +21,12 @@
     <p:sldId id="333" r:id="rId12"/>
     <p:sldId id="334" r:id="rId13"/>
     <p:sldId id="335" r:id="rId14"/>
-    <p:sldId id="325" r:id="rId15"/>
+    <p:sldId id="337" r:id="rId15"/>
+    <p:sldId id="336" r:id="rId16"/>
+    <p:sldId id="339" r:id="rId17"/>
+    <p:sldId id="338" r:id="rId18"/>
+    <p:sldId id="340" r:id="rId19"/>
+    <p:sldId id="325" r:id="rId20"/>
   </p:sldIdLst>
   <p:sldSz cx="12192000" cy="6858000"/>
   <p:notesSz cx="6858000" cy="9144000"/>
@@ -804,6 +809,426 @@
     <p:extLst>
       <p:ext uri="{BB962C8B-B14F-4D97-AF65-F5344CB8AC3E}">
         <p14:creationId xmlns:p14="http://schemas.microsoft.com/office/powerpoint/2010/main" val="2908532850"/>
+      </p:ext>
+    </p:extLst>
+  </p:cSld>
+  <p:clrMapOvr>
+    <a:masterClrMapping/>
+  </p:clrMapOvr>
+</p:notes>
+</file>
+
+<file path=ppt/notesSlides/notesSlide13.xml><?xml version="1.0" encoding="utf-8"?>
+<p:notes xmlns:a="http://schemas.openxmlformats.org/drawingml/2006/main" xmlns:r="http://schemas.openxmlformats.org/officeDocument/2006/relationships" xmlns:p="http://schemas.openxmlformats.org/presentationml/2006/main">
+  <p:cSld>
+    <p:spTree>
+      <p:nvGrpSpPr>
+        <p:cNvPr id="1" name=""/>
+        <p:cNvGrpSpPr/>
+        <p:nvPr/>
+      </p:nvGrpSpPr>
+      <p:grpSpPr>
+        <a:xfrm>
+          <a:off x="0" y="0"/>
+          <a:ext cx="0" cy="0"/>
+          <a:chOff x="0" y="0"/>
+          <a:chExt cx="0" cy="0"/>
+        </a:xfrm>
+      </p:grpSpPr>
+      <p:sp>
+        <p:nvSpPr>
+          <p:cNvPr id="2" name="Slide Image Placeholder 1"/>
+          <p:cNvSpPr>
+            <a:spLocks noGrp="1" noRot="1" noChangeAspect="1"/>
+          </p:cNvSpPr>
+          <p:nvPr>
+            <p:ph type="sldImg"/>
+          </p:nvPr>
+        </p:nvSpPr>
+        <p:spPr/>
+      </p:sp>
+      <p:sp>
+        <p:nvSpPr>
+          <p:cNvPr id="3" name="Notes Placeholder 2"/>
+          <p:cNvSpPr>
+            <a:spLocks noGrp="1"/>
+          </p:cNvSpPr>
+          <p:nvPr>
+            <p:ph type="body" idx="1"/>
+          </p:nvPr>
+        </p:nvSpPr>
+        <p:spPr/>
+        <p:txBody>
+          <a:bodyPr/>
+          <a:lstStyle/>
+          <a:p>
+            <a:endParaRPr lang="en-US" dirty="0"/>
+          </a:p>
+        </p:txBody>
+      </p:sp>
+      <p:sp>
+        <p:nvSpPr>
+          <p:cNvPr id="4" name="Slide Number Placeholder 3"/>
+          <p:cNvSpPr>
+            <a:spLocks noGrp="1"/>
+          </p:cNvSpPr>
+          <p:nvPr>
+            <p:ph type="sldNum" sz="quarter" idx="5"/>
+          </p:nvPr>
+        </p:nvSpPr>
+        <p:spPr/>
+        <p:txBody>
+          <a:bodyPr/>
+          <a:lstStyle/>
+          <a:p>
+            <a:fld id="{3F8BDF20-BE86-4883-8A23-4CE3D0058BEA}" type="slidenum">
+              <a:rPr lang="en-US" smtClean="0"/>
+              <a:t>14</a:t>
+            </a:fld>
+            <a:endParaRPr lang="en-US"/>
+          </a:p>
+        </p:txBody>
+      </p:sp>
+    </p:spTree>
+    <p:extLst>
+      <p:ext uri="{BB962C8B-B14F-4D97-AF65-F5344CB8AC3E}">
+        <p14:creationId xmlns:p14="http://schemas.microsoft.com/office/powerpoint/2010/main" val="2851246935"/>
+      </p:ext>
+    </p:extLst>
+  </p:cSld>
+  <p:clrMapOvr>
+    <a:masterClrMapping/>
+  </p:clrMapOvr>
+</p:notes>
+</file>
+
+<file path=ppt/notesSlides/notesSlide14.xml><?xml version="1.0" encoding="utf-8"?>
+<p:notes xmlns:a="http://schemas.openxmlformats.org/drawingml/2006/main" xmlns:r="http://schemas.openxmlformats.org/officeDocument/2006/relationships" xmlns:p="http://schemas.openxmlformats.org/presentationml/2006/main">
+  <p:cSld>
+    <p:spTree>
+      <p:nvGrpSpPr>
+        <p:cNvPr id="1" name=""/>
+        <p:cNvGrpSpPr/>
+        <p:nvPr/>
+      </p:nvGrpSpPr>
+      <p:grpSpPr>
+        <a:xfrm>
+          <a:off x="0" y="0"/>
+          <a:ext cx="0" cy="0"/>
+          <a:chOff x="0" y="0"/>
+          <a:chExt cx="0" cy="0"/>
+        </a:xfrm>
+      </p:grpSpPr>
+      <p:sp>
+        <p:nvSpPr>
+          <p:cNvPr id="2" name="Slide Image Placeholder 1"/>
+          <p:cNvSpPr>
+            <a:spLocks noGrp="1" noRot="1" noChangeAspect="1"/>
+          </p:cNvSpPr>
+          <p:nvPr>
+            <p:ph type="sldImg"/>
+          </p:nvPr>
+        </p:nvSpPr>
+        <p:spPr/>
+      </p:sp>
+      <p:sp>
+        <p:nvSpPr>
+          <p:cNvPr id="3" name="Notes Placeholder 2"/>
+          <p:cNvSpPr>
+            <a:spLocks noGrp="1"/>
+          </p:cNvSpPr>
+          <p:nvPr>
+            <p:ph type="body" idx="1"/>
+          </p:nvPr>
+        </p:nvSpPr>
+        <p:spPr/>
+        <p:txBody>
+          <a:bodyPr/>
+          <a:lstStyle/>
+          <a:p>
+            <a:endParaRPr lang="en-US" dirty="0"/>
+          </a:p>
+        </p:txBody>
+      </p:sp>
+      <p:sp>
+        <p:nvSpPr>
+          <p:cNvPr id="4" name="Slide Number Placeholder 3"/>
+          <p:cNvSpPr>
+            <a:spLocks noGrp="1"/>
+          </p:cNvSpPr>
+          <p:nvPr>
+            <p:ph type="sldNum" sz="quarter" idx="5"/>
+          </p:nvPr>
+        </p:nvSpPr>
+        <p:spPr/>
+        <p:txBody>
+          <a:bodyPr/>
+          <a:lstStyle/>
+          <a:p>
+            <a:fld id="{3F8BDF20-BE86-4883-8A23-4CE3D0058BEA}" type="slidenum">
+              <a:rPr lang="en-US" smtClean="0"/>
+              <a:t>15</a:t>
+            </a:fld>
+            <a:endParaRPr lang="en-US"/>
+          </a:p>
+        </p:txBody>
+      </p:sp>
+    </p:spTree>
+    <p:extLst>
+      <p:ext uri="{BB962C8B-B14F-4D97-AF65-F5344CB8AC3E}">
+        <p14:creationId xmlns:p14="http://schemas.microsoft.com/office/powerpoint/2010/main" val="1229922829"/>
+      </p:ext>
+    </p:extLst>
+  </p:cSld>
+  <p:clrMapOvr>
+    <a:masterClrMapping/>
+  </p:clrMapOvr>
+</p:notes>
+</file>
+
+<file path=ppt/notesSlides/notesSlide15.xml><?xml version="1.0" encoding="utf-8"?>
+<p:notes xmlns:a="http://schemas.openxmlformats.org/drawingml/2006/main" xmlns:r="http://schemas.openxmlformats.org/officeDocument/2006/relationships" xmlns:p="http://schemas.openxmlformats.org/presentationml/2006/main">
+  <p:cSld>
+    <p:spTree>
+      <p:nvGrpSpPr>
+        <p:cNvPr id="1" name=""/>
+        <p:cNvGrpSpPr/>
+        <p:nvPr/>
+      </p:nvGrpSpPr>
+      <p:grpSpPr>
+        <a:xfrm>
+          <a:off x="0" y="0"/>
+          <a:ext cx="0" cy="0"/>
+          <a:chOff x="0" y="0"/>
+          <a:chExt cx="0" cy="0"/>
+        </a:xfrm>
+      </p:grpSpPr>
+      <p:sp>
+        <p:nvSpPr>
+          <p:cNvPr id="2" name="Slide Image Placeholder 1"/>
+          <p:cNvSpPr>
+            <a:spLocks noGrp="1" noRot="1" noChangeAspect="1"/>
+          </p:cNvSpPr>
+          <p:nvPr>
+            <p:ph type="sldImg"/>
+          </p:nvPr>
+        </p:nvSpPr>
+        <p:spPr/>
+      </p:sp>
+      <p:sp>
+        <p:nvSpPr>
+          <p:cNvPr id="3" name="Notes Placeholder 2"/>
+          <p:cNvSpPr>
+            <a:spLocks noGrp="1"/>
+          </p:cNvSpPr>
+          <p:nvPr>
+            <p:ph type="body" idx="1"/>
+          </p:nvPr>
+        </p:nvSpPr>
+        <p:spPr/>
+        <p:txBody>
+          <a:bodyPr/>
+          <a:lstStyle/>
+          <a:p>
+            <a:endParaRPr lang="en-US" dirty="0"/>
+          </a:p>
+        </p:txBody>
+      </p:sp>
+      <p:sp>
+        <p:nvSpPr>
+          <p:cNvPr id="4" name="Slide Number Placeholder 3"/>
+          <p:cNvSpPr>
+            <a:spLocks noGrp="1"/>
+          </p:cNvSpPr>
+          <p:nvPr>
+            <p:ph type="sldNum" sz="quarter" idx="5"/>
+          </p:nvPr>
+        </p:nvSpPr>
+        <p:spPr/>
+        <p:txBody>
+          <a:bodyPr/>
+          <a:lstStyle/>
+          <a:p>
+            <a:fld id="{3F8BDF20-BE86-4883-8A23-4CE3D0058BEA}" type="slidenum">
+              <a:rPr lang="en-US" smtClean="0"/>
+              <a:t>16</a:t>
+            </a:fld>
+            <a:endParaRPr lang="en-US"/>
+          </a:p>
+        </p:txBody>
+      </p:sp>
+    </p:spTree>
+    <p:extLst>
+      <p:ext uri="{BB962C8B-B14F-4D97-AF65-F5344CB8AC3E}">
+        <p14:creationId xmlns:p14="http://schemas.microsoft.com/office/powerpoint/2010/main" val="3261302048"/>
+      </p:ext>
+    </p:extLst>
+  </p:cSld>
+  <p:clrMapOvr>
+    <a:masterClrMapping/>
+  </p:clrMapOvr>
+</p:notes>
+</file>
+
+<file path=ppt/notesSlides/notesSlide16.xml><?xml version="1.0" encoding="utf-8"?>
+<p:notes xmlns:a="http://schemas.openxmlformats.org/drawingml/2006/main" xmlns:r="http://schemas.openxmlformats.org/officeDocument/2006/relationships" xmlns:p="http://schemas.openxmlformats.org/presentationml/2006/main">
+  <p:cSld>
+    <p:spTree>
+      <p:nvGrpSpPr>
+        <p:cNvPr id="1" name=""/>
+        <p:cNvGrpSpPr/>
+        <p:nvPr/>
+      </p:nvGrpSpPr>
+      <p:grpSpPr>
+        <a:xfrm>
+          <a:off x="0" y="0"/>
+          <a:ext cx="0" cy="0"/>
+          <a:chOff x="0" y="0"/>
+          <a:chExt cx="0" cy="0"/>
+        </a:xfrm>
+      </p:grpSpPr>
+      <p:sp>
+        <p:nvSpPr>
+          <p:cNvPr id="2" name="Slide Image Placeholder 1"/>
+          <p:cNvSpPr>
+            <a:spLocks noGrp="1" noRot="1" noChangeAspect="1"/>
+          </p:cNvSpPr>
+          <p:nvPr>
+            <p:ph type="sldImg"/>
+          </p:nvPr>
+        </p:nvSpPr>
+        <p:spPr/>
+      </p:sp>
+      <p:sp>
+        <p:nvSpPr>
+          <p:cNvPr id="3" name="Notes Placeholder 2"/>
+          <p:cNvSpPr>
+            <a:spLocks noGrp="1"/>
+          </p:cNvSpPr>
+          <p:nvPr>
+            <p:ph type="body" idx="1"/>
+          </p:nvPr>
+        </p:nvSpPr>
+        <p:spPr/>
+        <p:txBody>
+          <a:bodyPr/>
+          <a:lstStyle/>
+          <a:p>
+            <a:endParaRPr lang="en-US" dirty="0"/>
+          </a:p>
+        </p:txBody>
+      </p:sp>
+      <p:sp>
+        <p:nvSpPr>
+          <p:cNvPr id="4" name="Slide Number Placeholder 3"/>
+          <p:cNvSpPr>
+            <a:spLocks noGrp="1"/>
+          </p:cNvSpPr>
+          <p:nvPr>
+            <p:ph type="sldNum" sz="quarter" idx="5"/>
+          </p:nvPr>
+        </p:nvSpPr>
+        <p:spPr/>
+        <p:txBody>
+          <a:bodyPr/>
+          <a:lstStyle/>
+          <a:p>
+            <a:fld id="{3F8BDF20-BE86-4883-8A23-4CE3D0058BEA}" type="slidenum">
+              <a:rPr lang="en-US" smtClean="0"/>
+              <a:t>17</a:t>
+            </a:fld>
+            <a:endParaRPr lang="en-US"/>
+          </a:p>
+        </p:txBody>
+      </p:sp>
+    </p:spTree>
+    <p:extLst>
+      <p:ext uri="{BB962C8B-B14F-4D97-AF65-F5344CB8AC3E}">
+        <p14:creationId xmlns:p14="http://schemas.microsoft.com/office/powerpoint/2010/main" val="1355673239"/>
+      </p:ext>
+    </p:extLst>
+  </p:cSld>
+  <p:clrMapOvr>
+    <a:masterClrMapping/>
+  </p:clrMapOvr>
+</p:notes>
+</file>
+
+<file path=ppt/notesSlides/notesSlide17.xml><?xml version="1.0" encoding="utf-8"?>
+<p:notes xmlns:a="http://schemas.openxmlformats.org/drawingml/2006/main" xmlns:r="http://schemas.openxmlformats.org/officeDocument/2006/relationships" xmlns:p="http://schemas.openxmlformats.org/presentationml/2006/main">
+  <p:cSld>
+    <p:spTree>
+      <p:nvGrpSpPr>
+        <p:cNvPr id="1" name=""/>
+        <p:cNvGrpSpPr/>
+        <p:nvPr/>
+      </p:nvGrpSpPr>
+      <p:grpSpPr>
+        <a:xfrm>
+          <a:off x="0" y="0"/>
+          <a:ext cx="0" cy="0"/>
+          <a:chOff x="0" y="0"/>
+          <a:chExt cx="0" cy="0"/>
+        </a:xfrm>
+      </p:grpSpPr>
+      <p:sp>
+        <p:nvSpPr>
+          <p:cNvPr id="2" name="Slide Image Placeholder 1"/>
+          <p:cNvSpPr>
+            <a:spLocks noGrp="1" noRot="1" noChangeAspect="1"/>
+          </p:cNvSpPr>
+          <p:nvPr>
+            <p:ph type="sldImg"/>
+          </p:nvPr>
+        </p:nvSpPr>
+        <p:spPr/>
+      </p:sp>
+      <p:sp>
+        <p:nvSpPr>
+          <p:cNvPr id="3" name="Notes Placeholder 2"/>
+          <p:cNvSpPr>
+            <a:spLocks noGrp="1"/>
+          </p:cNvSpPr>
+          <p:nvPr>
+            <p:ph type="body" idx="1"/>
+          </p:nvPr>
+        </p:nvSpPr>
+        <p:spPr/>
+        <p:txBody>
+          <a:bodyPr/>
+          <a:lstStyle/>
+          <a:p>
+            <a:endParaRPr lang="en-US" dirty="0"/>
+          </a:p>
+        </p:txBody>
+      </p:sp>
+      <p:sp>
+        <p:nvSpPr>
+          <p:cNvPr id="4" name="Slide Number Placeholder 3"/>
+          <p:cNvSpPr>
+            <a:spLocks noGrp="1"/>
+          </p:cNvSpPr>
+          <p:nvPr>
+            <p:ph type="sldNum" sz="quarter" idx="5"/>
+          </p:nvPr>
+        </p:nvSpPr>
+        <p:spPr/>
+        <p:txBody>
+          <a:bodyPr/>
+          <a:lstStyle/>
+          <a:p>
+            <a:fld id="{3F8BDF20-BE86-4883-8A23-4CE3D0058BEA}" type="slidenum">
+              <a:rPr lang="en-US" smtClean="0"/>
+              <a:t>18</a:t>
+            </a:fld>
+            <a:endParaRPr lang="en-US"/>
+          </a:p>
+        </p:txBody>
+      </p:sp>
+    </p:spTree>
+    <p:extLst>
+      <p:ext uri="{BB962C8B-B14F-4D97-AF65-F5344CB8AC3E}">
+        <p14:creationId xmlns:p14="http://schemas.microsoft.com/office/powerpoint/2010/main" val="1956613960"/>
       </p:ext>
     </p:extLst>
   </p:cSld>
@@ -6969,7 +7394,7 @@
             <p:spPr>
               <a:xfrm>
                 <a:off x="365760" y="2377077"/>
-                <a:ext cx="10408920" cy="2103846"/>
+                <a:ext cx="10408920" cy="1953612"/>
               </a:xfrm>
               <a:prstGeom prst="rect">
                 <a:avLst/>
@@ -7014,11 +7439,76 @@
                           </m:r>
                         </m:sub>
                       </m:sSub>
+                      <m:d>
+                        <m:dPr>
+                          <m:ctrlPr>
+                            <a:rPr lang="en-US" sz="2800" b="0" i="1" smtClean="0">
+                              <a:latin typeface="Cambria Math" panose="02040503050406030204" pitchFamily="18" charset="0"/>
+                            </a:rPr>
+                          </m:ctrlPr>
+                        </m:dPr>
+                        <m:e>
+                          <m:r>
+                            <a:rPr lang="en-US" sz="2800" b="0" i="1" smtClean="0">
+                              <a:latin typeface="Cambria Math" panose="02040503050406030204" pitchFamily="18" charset="0"/>
+                            </a:rPr>
+                            <m:t>𝑥</m:t>
+                          </m:r>
+                        </m:e>
+                      </m:d>
+                      <m:r>
+                        <a:rPr lang="en-US" sz="2800" b="0" i="1" smtClean="0">
+                          <a:latin typeface="Cambria Math" panose="02040503050406030204" pitchFamily="18" charset="0"/>
+                        </a:rPr>
+                        <m:t>=</m:t>
+                      </m:r>
+                      <m:r>
+                        <a:rPr lang="en-US" sz="2800" b="0" i="1" smtClean="0">
+                          <a:latin typeface="Cambria Math" panose="02040503050406030204" pitchFamily="18" charset="0"/>
+                        </a:rPr>
+                        <m:t>𝑝</m:t>
+                      </m:r>
                       <m:r>
                         <a:rPr lang="en-US" sz="2800" i="1">
                           <a:latin typeface="Cambria Math" panose="02040503050406030204" pitchFamily="18" charset="0"/>
                         </a:rPr>
                         <m:t>(</m:t>
+                      </m:r>
+                      <m:r>
+                        <a:rPr lang="en-US" sz="2800" b="0" i="1" smtClean="0">
+                          <a:latin typeface="Cambria Math" panose="02040503050406030204" pitchFamily="18" charset="0"/>
+                        </a:rPr>
+                        <m:t>𝑌</m:t>
+                      </m:r>
+                      <m:r>
+                        <a:rPr lang="en-US" sz="2800" b="0" i="1" smtClean="0">
+                          <a:latin typeface="Cambria Math" panose="02040503050406030204" pitchFamily="18" charset="0"/>
+                        </a:rPr>
+                        <m:t>=</m:t>
+                      </m:r>
+                      <m:r>
+                        <a:rPr lang="en-US" sz="2800" b="0" i="1" smtClean="0">
+                          <a:latin typeface="Cambria Math" panose="02040503050406030204" pitchFamily="18" charset="0"/>
+                        </a:rPr>
+                        <m:t>𝑘</m:t>
+                      </m:r>
+                      <m:r>
+                        <a:rPr lang="en-US" sz="2800" b="0" i="1" smtClean="0">
+                          <a:latin typeface="Cambria Math" panose="02040503050406030204" pitchFamily="18" charset="0"/>
+                        </a:rPr>
+                        <m:t>|</m:t>
+                      </m:r>
+                      <m:r>
+                        <a:rPr lang="en-US" sz="2800" b="0" i="1" smtClean="0">
+                          <a:latin typeface="Cambria Math" panose="02040503050406030204" pitchFamily="18" charset="0"/>
+                        </a:rPr>
+                        <m:t>𝑋</m:t>
+                      </m:r>
+                      <m:r>
+                        <a:rPr lang="en-US" sz="2800" b="0" i="1" smtClean="0">
+                          <a:latin typeface="Cambria Math" panose="02040503050406030204" pitchFamily="18" charset="0"/>
+                        </a:rPr>
+                        <m:t>=</m:t>
                       </m:r>
                       <m:r>
                         <a:rPr lang="en-US" sz="2800" i="1">
@@ -7179,7 +7669,7 @@
                                       <m:f>
                                         <m:fPr>
                                           <m:ctrlPr>
-                                            <a:rPr lang="en-US" sz="2800" i="1">
+                                            <a:rPr lang="en-US" sz="2800" i="1" smtClean="0">
                                               <a:latin typeface="Cambria Math" panose="02040503050406030204" pitchFamily="18" charset="0"/>
                                             </a:rPr>
                                           </m:ctrlPr>
@@ -7224,31 +7714,12 @@
                                           </m:sSub>
                                         </m:num>
                                         <m:den>
-                                          <m:sSub>
-                                            <m:sSubPr>
-                                              <m:ctrlPr>
-                                                <a:rPr lang="en-US" sz="2800" i="1">
-                                                  <a:latin typeface="Cambria Math" panose="02040503050406030204" pitchFamily="18" charset="0"/>
-                                                </a:rPr>
-                                              </m:ctrlPr>
-                                            </m:sSubPr>
-                                            <m:e>
-                                              <m:r>
-                                                <a:rPr lang="en-US" sz="2800" i="1">
-                                                  <a:latin typeface="Cambria Math" panose="02040503050406030204" pitchFamily="18" charset="0"/>
-                                                </a:rPr>
-                                                <m:t>𝜎</m:t>
-                                              </m:r>
-                                            </m:e>
-                                            <m:sub>
-                                              <m:r>
-                                                <a:rPr lang="en-US" sz="2800" i="1">
-                                                  <a:latin typeface="Cambria Math" panose="02040503050406030204" pitchFamily="18" charset="0"/>
-                                                </a:rPr>
-                                                <m:t>𝑘</m:t>
-                                              </m:r>
-                                            </m:sub>
-                                          </m:sSub>
+                                          <m:r>
+                                            <a:rPr lang="en-US" sz="2800" b="0" i="1" smtClean="0">
+                                              <a:latin typeface="Cambria Math" panose="02040503050406030204" pitchFamily="18" charset="0"/>
+                                            </a:rPr>
+                                            <m:t>𝜎</m:t>
+                                          </m:r>
                                         </m:den>
                                       </m:f>
                                     </m:e>
@@ -7485,31 +7956,12 @@
                                               </m:sSub>
                                             </m:num>
                                             <m:den>
-                                              <m:sSub>
-                                                <m:sSubPr>
-                                                  <m:ctrlPr>
-                                                    <a:rPr lang="en-US" sz="2800" i="1">
-                                                      <a:latin typeface="Cambria Math" panose="02040503050406030204" pitchFamily="18" charset="0"/>
-                                                    </a:rPr>
-                                                  </m:ctrlPr>
-                                                </m:sSubPr>
-                                                <m:e>
-                                                  <m:r>
-                                                    <a:rPr lang="en-US" sz="2800" i="1">
-                                                      <a:latin typeface="Cambria Math" panose="02040503050406030204" pitchFamily="18" charset="0"/>
-                                                    </a:rPr>
-                                                    <m:t>𝜎</m:t>
-                                                  </m:r>
-                                                </m:e>
-                                                <m:sub>
-                                                  <m:r>
-                                                    <a:rPr lang="en-US" sz="2800" b="0" i="1" smtClean="0">
-                                                      <a:latin typeface="Cambria Math" panose="02040503050406030204" pitchFamily="18" charset="0"/>
-                                                    </a:rPr>
-                                                    <m:t>𝑙</m:t>
-                                                  </m:r>
-                                                </m:sub>
-                                              </m:sSub>
+                                              <m:r>
+                                                <a:rPr lang="en-US" sz="2800" b="0" i="1" smtClean="0">
+                                                  <a:latin typeface="Cambria Math" panose="02040503050406030204" pitchFamily="18" charset="0"/>
+                                                </a:rPr>
+                                                <m:t>𝜎</m:t>
+                                              </m:r>
                                             </m:den>
                                           </m:f>
                                         </m:e>
@@ -7556,7 +8008,7 @@
             <p:spPr>
               <a:xfrm>
                 <a:off x="365760" y="2377077"/>
-                <a:ext cx="10408920" cy="2103846"/>
+                <a:ext cx="10408920" cy="1953612"/>
               </a:xfrm>
               <a:prstGeom prst="rect">
                 <a:avLst/>
@@ -7564,7 +8016,7 @@
               <a:blipFill>
                 <a:blip r:embed="rId4"/>
                 <a:stretch>
-                  <a:fillRect b="-35542"/>
+                  <a:fillRect b="-42208"/>
                 </a:stretch>
               </a:blipFill>
             </p:spPr>
@@ -8072,7 +8524,7 @@
         </p:blipFill>
         <p:spPr>
           <a:xfrm>
-            <a:off x="2453639" y="3370764"/>
+            <a:off x="2514599" y="4368822"/>
             <a:ext cx="6774873" cy="1242060"/>
           </a:xfrm>
           <a:prstGeom prst="rect">
@@ -8080,6 +8532,42 @@
           </a:prstGeom>
         </p:spPr>
       </p:pic>
+      <p:sp>
+        <p:nvSpPr>
+          <p:cNvPr id="9" name="TextBox 8">
+            <a:extLst>
+              <a:ext uri="{FF2B5EF4-FFF2-40B4-BE49-F238E27FC236}">
+                <a16:creationId xmlns:a16="http://schemas.microsoft.com/office/drawing/2014/main" id="{CD61F3A4-5AE4-9434-0075-8D823DC7602E}"/>
+              </a:ext>
+            </a:extLst>
+          </p:cNvPr>
+          <p:cNvSpPr txBox="1"/>
+          <p:nvPr/>
+        </p:nvSpPr>
+        <p:spPr>
+          <a:xfrm>
+            <a:off x="838200" y="3393461"/>
+            <a:ext cx="10408920" cy="523220"/>
+          </a:xfrm>
+          <a:prstGeom prst="rect">
+            <a:avLst/>
+          </a:prstGeom>
+          <a:noFill/>
+        </p:spPr>
+        <p:txBody>
+          <a:bodyPr wrap="square">
+            <a:spAutoFit/>
+          </a:bodyPr>
+          <a:lstStyle/>
+          <a:p>
+            <a:pPr/>
+            <a:r>
+              <a:rPr lang="en-US" sz="2800" dirty="0"/>
+              <a:t>Use the data from class k to estimate the mean and covariance</a:t>
+            </a:r>
+          </a:p>
+        </p:txBody>
+      </p:sp>
     </p:spTree>
     <p:extLst>
       <p:ext uri="{BB962C8B-B14F-4D97-AF65-F5344CB8AC3E}">
@@ -8094,6 +8582,1659 @@
 </file>
 
 <file path=ppt/slides/slide14.xml><?xml version="1.0" encoding="utf-8"?>
+<p:sld xmlns:a="http://schemas.openxmlformats.org/drawingml/2006/main" xmlns:r="http://schemas.openxmlformats.org/officeDocument/2006/relationships" xmlns:p="http://schemas.openxmlformats.org/presentationml/2006/main">
+  <p:cSld>
+    <p:spTree>
+      <p:nvGrpSpPr>
+        <p:cNvPr id="1" name=""/>
+        <p:cNvGrpSpPr/>
+        <p:nvPr/>
+      </p:nvGrpSpPr>
+      <p:grpSpPr>
+        <a:xfrm>
+          <a:off x="0" y="0"/>
+          <a:ext cx="0" cy="0"/>
+          <a:chOff x="0" y="0"/>
+          <a:chExt cx="0" cy="0"/>
+        </a:xfrm>
+      </p:grpSpPr>
+      <p:sp>
+        <p:nvSpPr>
+          <p:cNvPr id="2" name="Title 1"/>
+          <p:cNvSpPr>
+            <a:spLocks noGrp="1"/>
+          </p:cNvSpPr>
+          <p:nvPr>
+            <p:ph type="title"/>
+          </p:nvPr>
+        </p:nvSpPr>
+        <p:spPr>
+          <a:xfrm>
+            <a:off x="838200" y="365126"/>
+            <a:ext cx="10515600" cy="981894"/>
+          </a:xfrm>
+        </p:spPr>
+        <p:txBody>
+          <a:bodyPr>
+            <a:normAutofit/>
+          </a:bodyPr>
+          <a:lstStyle/>
+          <a:p>
+            <a:r>
+              <a:rPr lang="en-US" dirty="0"/>
+              <a:t>Linear or Quadratic Discriminant Analysis</a:t>
+            </a:r>
+          </a:p>
+        </p:txBody>
+      </p:sp>
+      <p:sp>
+        <p:nvSpPr>
+          <p:cNvPr id="9" name="TextBox 8">
+            <a:extLst>
+              <a:ext uri="{FF2B5EF4-FFF2-40B4-BE49-F238E27FC236}">
+                <a16:creationId xmlns:a16="http://schemas.microsoft.com/office/drawing/2014/main" id="{CD61F3A4-5AE4-9434-0075-8D823DC7602E}"/>
+              </a:ext>
+            </a:extLst>
+          </p:cNvPr>
+          <p:cNvSpPr txBox="1"/>
+          <p:nvPr/>
+        </p:nvSpPr>
+        <p:spPr>
+          <a:xfrm>
+            <a:off x="838200" y="2073091"/>
+            <a:ext cx="10408920" cy="954107"/>
+          </a:xfrm>
+          <a:prstGeom prst="rect">
+            <a:avLst/>
+          </a:prstGeom>
+          <a:noFill/>
+        </p:spPr>
+        <p:txBody>
+          <a:bodyPr wrap="square">
+            <a:spAutoFit/>
+          </a:bodyPr>
+          <a:lstStyle/>
+          <a:p>
+            <a:pPr/>
+            <a:r>
+              <a:rPr lang="en-US" sz="2800" b="1" dirty="0"/>
+              <a:t>Linear Discriminant Analysis</a:t>
+            </a:r>
+            <a:r>
+              <a:rPr lang="en-US" sz="2800" dirty="0"/>
+              <a:t>: same estimation of standard deviation or covariance for all the classes </a:t>
+            </a:r>
+          </a:p>
+        </p:txBody>
+      </p:sp>
+      <p:sp>
+        <p:nvSpPr>
+          <p:cNvPr id="3" name="TextBox 2">
+            <a:extLst>
+              <a:ext uri="{FF2B5EF4-FFF2-40B4-BE49-F238E27FC236}">
+                <a16:creationId xmlns:a16="http://schemas.microsoft.com/office/drawing/2014/main" id="{5C0C67AA-4F58-2BED-0E53-F63BED5A5C91}"/>
+              </a:ext>
+            </a:extLst>
+          </p:cNvPr>
+          <p:cNvSpPr txBox="1"/>
+          <p:nvPr/>
+        </p:nvSpPr>
+        <p:spPr>
+          <a:xfrm>
+            <a:off x="891540" y="4191451"/>
+            <a:ext cx="10408920" cy="954107"/>
+          </a:xfrm>
+          <a:prstGeom prst="rect">
+            <a:avLst/>
+          </a:prstGeom>
+          <a:noFill/>
+        </p:spPr>
+        <p:txBody>
+          <a:bodyPr wrap="square">
+            <a:spAutoFit/>
+          </a:bodyPr>
+          <a:lstStyle/>
+          <a:p>
+            <a:pPr/>
+            <a:r>
+              <a:rPr lang="en-US" sz="2800" b="1" dirty="0"/>
+              <a:t>Quadratic Discriminant Analysis</a:t>
+            </a:r>
+            <a:r>
+              <a:rPr lang="en-US" sz="2800" dirty="0"/>
+              <a:t>: different estimations of standard deviation or covariance for all the classes </a:t>
+            </a:r>
+          </a:p>
+        </p:txBody>
+      </p:sp>
+    </p:spTree>
+    <p:extLst>
+      <p:ext uri="{BB962C8B-B14F-4D97-AF65-F5344CB8AC3E}">
+        <p14:creationId xmlns:p14="http://schemas.microsoft.com/office/powerpoint/2010/main" val="3437138537"/>
+      </p:ext>
+    </p:extLst>
+  </p:cSld>
+  <p:clrMapOvr>
+    <a:masterClrMapping/>
+  </p:clrMapOvr>
+</p:sld>
+</file>
+
+<file path=ppt/slides/slide15.xml><?xml version="1.0" encoding="utf-8"?>
+<p:sld xmlns:a="http://schemas.openxmlformats.org/drawingml/2006/main" xmlns:r="http://schemas.openxmlformats.org/officeDocument/2006/relationships" xmlns:p="http://schemas.openxmlformats.org/presentationml/2006/main">
+  <p:cSld>
+    <p:spTree>
+      <p:nvGrpSpPr>
+        <p:cNvPr id="1" name=""/>
+        <p:cNvGrpSpPr/>
+        <p:nvPr/>
+      </p:nvGrpSpPr>
+      <p:grpSpPr>
+        <a:xfrm>
+          <a:off x="0" y="0"/>
+          <a:ext cx="0" cy="0"/>
+          <a:chOff x="0" y="0"/>
+          <a:chExt cx="0" cy="0"/>
+        </a:xfrm>
+      </p:grpSpPr>
+      <p:sp>
+        <p:nvSpPr>
+          <p:cNvPr id="2" name="Title 1"/>
+          <p:cNvSpPr>
+            <a:spLocks noGrp="1"/>
+          </p:cNvSpPr>
+          <p:nvPr>
+            <p:ph type="title"/>
+          </p:nvPr>
+        </p:nvSpPr>
+        <p:spPr>
+          <a:xfrm>
+            <a:off x="838200" y="365126"/>
+            <a:ext cx="10515600" cy="981894"/>
+          </a:xfrm>
+        </p:spPr>
+        <p:txBody>
+          <a:bodyPr>
+            <a:normAutofit/>
+          </a:bodyPr>
+          <a:lstStyle/>
+          <a:p>
+            <a:r>
+              <a:rPr lang="en-US" dirty="0"/>
+              <a:t>ROC Curve</a:t>
+            </a:r>
+          </a:p>
+        </p:txBody>
+      </p:sp>
+      <p:sp>
+        <p:nvSpPr>
+          <p:cNvPr id="9" name="TextBox 8">
+            <a:extLst>
+              <a:ext uri="{FF2B5EF4-FFF2-40B4-BE49-F238E27FC236}">
+                <a16:creationId xmlns:a16="http://schemas.microsoft.com/office/drawing/2014/main" id="{CD61F3A4-5AE4-9434-0075-8D823DC7602E}"/>
+              </a:ext>
+            </a:extLst>
+          </p:cNvPr>
+          <p:cNvSpPr txBox="1"/>
+          <p:nvPr/>
+        </p:nvSpPr>
+        <p:spPr>
+          <a:xfrm>
+            <a:off x="838200" y="1671341"/>
+            <a:ext cx="10408920" cy="523220"/>
+          </a:xfrm>
+          <a:prstGeom prst="rect">
+            <a:avLst/>
+          </a:prstGeom>
+          <a:noFill/>
+        </p:spPr>
+        <p:txBody>
+          <a:bodyPr wrap="square">
+            <a:spAutoFit/>
+          </a:bodyPr>
+          <a:lstStyle/>
+          <a:p>
+            <a:pPr/>
+            <a:r>
+              <a:rPr lang="en-US" sz="2800" dirty="0"/>
+              <a:t>True Positive Rate and False Positive Rate</a:t>
+            </a:r>
+          </a:p>
+        </p:txBody>
+      </p:sp>
+      <mc:AlternateContent xmlns:mc="http://schemas.openxmlformats.org/markup-compatibility/2006">
+        <mc:Choice xmlns:a14="http://schemas.microsoft.com/office/drawing/2010/main" Requires="a14">
+          <p:sp>
+            <p:nvSpPr>
+              <p:cNvPr id="5" name="TextBox 4">
+                <a:extLst>
+                  <a:ext uri="{FF2B5EF4-FFF2-40B4-BE49-F238E27FC236}">
+                    <a16:creationId xmlns:a16="http://schemas.microsoft.com/office/drawing/2014/main" id="{E0BF40E4-698D-3CDD-42C1-5B012EB77759}"/>
+                  </a:ext>
+                </a:extLst>
+              </p:cNvPr>
+              <p:cNvSpPr txBox="1"/>
+              <p:nvPr/>
+            </p:nvSpPr>
+            <p:spPr>
+              <a:xfrm>
+                <a:off x="457200" y="3429000"/>
+                <a:ext cx="6096000" cy="523220"/>
+              </a:xfrm>
+              <a:prstGeom prst="rect">
+                <a:avLst/>
+              </a:prstGeom>
+              <a:noFill/>
+            </p:spPr>
+            <p:txBody>
+              <a:bodyPr wrap="square">
+                <a:spAutoFit/>
+              </a:bodyPr>
+              <a:lstStyle/>
+              <a:p>
+                <a:pPr/>
+                <a14:m>
+                  <m:oMathPara xmlns:m="http://schemas.openxmlformats.org/officeDocument/2006/math">
+                    <m:oMathParaPr>
+                      <m:jc m:val="centerGroup"/>
+                    </m:oMathParaPr>
+                    <m:oMath xmlns:m="http://schemas.openxmlformats.org/officeDocument/2006/math">
+                      <m:r>
+                        <a:rPr lang="en-US" sz="2800" i="1" smtClean="0">
+                          <a:latin typeface="Cambria Math" panose="02040503050406030204" pitchFamily="18" charset="0"/>
+                        </a:rPr>
+                        <m:t>𝑝</m:t>
+                      </m:r>
+                      <m:d>
+                        <m:dPr>
+                          <m:ctrlPr>
+                            <a:rPr lang="en-US" sz="2800" i="1" smtClean="0">
+                              <a:latin typeface="Cambria Math" panose="02040503050406030204" pitchFamily="18" charset="0"/>
+                            </a:rPr>
+                          </m:ctrlPr>
+                        </m:dPr>
+                        <m:e>
+                          <m:r>
+                            <a:rPr lang="en-US" sz="2800" i="1" smtClean="0">
+                              <a:latin typeface="Cambria Math" panose="02040503050406030204" pitchFamily="18" charset="0"/>
+                            </a:rPr>
+                            <m:t>𝑌</m:t>
+                          </m:r>
+                          <m:r>
+                            <a:rPr lang="en-US" sz="2800" i="1" smtClean="0">
+                              <a:latin typeface="Cambria Math" panose="02040503050406030204" pitchFamily="18" charset="0"/>
+                            </a:rPr>
+                            <m:t>=1</m:t>
+                          </m:r>
+                        </m:e>
+                        <m:e>
+                          <m:r>
+                            <a:rPr lang="en-US" sz="2800" i="1">
+                              <a:latin typeface="Cambria Math" panose="02040503050406030204" pitchFamily="18" charset="0"/>
+                            </a:rPr>
+                            <m:t>𝑋</m:t>
+                          </m:r>
+                        </m:e>
+                      </m:d>
+                      <m:r>
+                        <a:rPr lang="en-US" sz="2800" b="0" i="1" smtClean="0">
+                          <a:latin typeface="Cambria Math" panose="02040503050406030204" pitchFamily="18" charset="0"/>
+                        </a:rPr>
+                        <m:t>≥</m:t>
+                      </m:r>
+                      <m:r>
+                        <a:rPr lang="en-US" sz="2800" b="0" i="1" smtClean="0">
+                          <a:latin typeface="Cambria Math" panose="02040503050406030204" pitchFamily="18" charset="0"/>
+                        </a:rPr>
+                        <m:t>𝑡h𝑟𝑒𝑠h𝑜𝑙𝑑</m:t>
+                      </m:r>
+                    </m:oMath>
+                  </m:oMathPara>
+                </a14:m>
+                <a:endParaRPr lang="en-US" sz="2800" dirty="0"/>
+              </a:p>
+            </p:txBody>
+          </p:sp>
+        </mc:Choice>
+        <mc:Fallback>
+          <p:sp>
+            <p:nvSpPr>
+              <p:cNvPr id="5" name="TextBox 4">
+                <a:extLst>
+                  <a:ext uri="{FF2B5EF4-FFF2-40B4-BE49-F238E27FC236}">
+                    <a16:creationId xmlns:a16="http://schemas.microsoft.com/office/drawing/2014/main" id="{E0BF40E4-698D-3CDD-42C1-5B012EB77759}"/>
+                  </a:ext>
+                </a:extLst>
+              </p:cNvPr>
+              <p:cNvSpPr txBox="1">
+                <a:spLocks noRot="1" noChangeAspect="1" noMove="1" noResize="1" noEditPoints="1" noAdjustHandles="1" noChangeArrowheads="1" noChangeShapeType="1" noTextEdit="1"/>
+              </p:cNvSpPr>
+              <p:nvPr/>
+            </p:nvSpPr>
+            <p:spPr>
+              <a:xfrm>
+                <a:off x="457200" y="3429000"/>
+                <a:ext cx="6096000" cy="523220"/>
+              </a:xfrm>
+              <a:prstGeom prst="rect">
+                <a:avLst/>
+              </a:prstGeom>
+              <a:blipFill>
+                <a:blip r:embed="rId3"/>
+                <a:stretch>
+                  <a:fillRect b="-9524"/>
+                </a:stretch>
+              </a:blipFill>
+            </p:spPr>
+            <p:txBody>
+              <a:bodyPr/>
+              <a:lstStyle/>
+              <a:p>
+                <a:r>
+                  <a:rPr lang="en-US">
+                    <a:noFill/>
+                  </a:rPr>
+                  <a:t> </a:t>
+                </a:r>
+              </a:p>
+            </p:txBody>
+          </p:sp>
+        </mc:Fallback>
+      </mc:AlternateContent>
+      <p:pic>
+        <p:nvPicPr>
+          <p:cNvPr id="7" name="Picture 6">
+            <a:extLst>
+              <a:ext uri="{FF2B5EF4-FFF2-40B4-BE49-F238E27FC236}">
+                <a16:creationId xmlns:a16="http://schemas.microsoft.com/office/drawing/2014/main" id="{9F5E27D2-ECB3-8466-D1F4-709BE02F2B58}"/>
+              </a:ext>
+            </a:extLst>
+          </p:cNvPr>
+          <p:cNvPicPr>
+            <a:picLocks noChangeAspect="1"/>
+          </p:cNvPicPr>
+          <p:nvPr/>
+        </p:nvPicPr>
+        <p:blipFill rotWithShape="1">
+          <a:blip r:embed="rId4"/>
+          <a:srcRect t="7904"/>
+          <a:stretch/>
+        </p:blipFill>
+        <p:spPr>
+          <a:xfrm>
+            <a:off x="6416040" y="2194561"/>
+            <a:ext cx="5181600" cy="4427390"/>
+          </a:xfrm>
+          <a:prstGeom prst="rect">
+            <a:avLst/>
+          </a:prstGeom>
+        </p:spPr>
+      </p:pic>
+    </p:spTree>
+    <p:extLst>
+      <p:ext uri="{BB962C8B-B14F-4D97-AF65-F5344CB8AC3E}">
+        <p14:creationId xmlns:p14="http://schemas.microsoft.com/office/powerpoint/2010/main" val="4144396036"/>
+      </p:ext>
+    </p:extLst>
+  </p:cSld>
+  <p:clrMapOvr>
+    <a:masterClrMapping/>
+  </p:clrMapOvr>
+</p:sld>
+</file>
+
+<file path=ppt/slides/slide16.xml><?xml version="1.0" encoding="utf-8"?>
+<p:sld xmlns:a="http://schemas.openxmlformats.org/drawingml/2006/main" xmlns:r="http://schemas.openxmlformats.org/officeDocument/2006/relationships" xmlns:p="http://schemas.openxmlformats.org/presentationml/2006/main">
+  <p:cSld>
+    <p:spTree>
+      <p:nvGrpSpPr>
+        <p:cNvPr id="1" name=""/>
+        <p:cNvGrpSpPr/>
+        <p:nvPr/>
+      </p:nvGrpSpPr>
+      <p:grpSpPr>
+        <a:xfrm>
+          <a:off x="0" y="0"/>
+          <a:ext cx="0" cy="0"/>
+          <a:chOff x="0" y="0"/>
+          <a:chExt cx="0" cy="0"/>
+        </a:xfrm>
+      </p:grpSpPr>
+      <p:sp>
+        <p:nvSpPr>
+          <p:cNvPr id="2" name="Title 1"/>
+          <p:cNvSpPr>
+            <a:spLocks noGrp="1"/>
+          </p:cNvSpPr>
+          <p:nvPr>
+            <p:ph type="title"/>
+          </p:nvPr>
+        </p:nvSpPr>
+        <p:spPr>
+          <a:xfrm>
+            <a:off x="838200" y="365126"/>
+            <a:ext cx="10515600" cy="981894"/>
+          </a:xfrm>
+        </p:spPr>
+        <p:txBody>
+          <a:bodyPr>
+            <a:normAutofit/>
+          </a:bodyPr>
+          <a:lstStyle/>
+          <a:p>
+            <a:r>
+              <a:rPr lang="en-US" dirty="0"/>
+              <a:t>Logistic Regression vs Linear DA</a:t>
+            </a:r>
+          </a:p>
+        </p:txBody>
+      </p:sp>
+      <p:sp>
+        <p:nvSpPr>
+          <p:cNvPr id="5" name="TextBox 4">
+            <a:extLst>
+              <a:ext uri="{FF2B5EF4-FFF2-40B4-BE49-F238E27FC236}">
+                <a16:creationId xmlns:a16="http://schemas.microsoft.com/office/drawing/2014/main" id="{2041F87A-F3F4-6A88-2DE4-42FDD7C8284A}"/>
+              </a:ext>
+            </a:extLst>
+          </p:cNvPr>
+          <p:cNvSpPr txBox="1"/>
+          <p:nvPr/>
+        </p:nvSpPr>
+        <p:spPr>
+          <a:xfrm>
+            <a:off x="891540" y="1686581"/>
+            <a:ext cx="10408920" cy="523220"/>
+          </a:xfrm>
+          <a:prstGeom prst="rect">
+            <a:avLst/>
+          </a:prstGeom>
+          <a:noFill/>
+        </p:spPr>
+        <p:txBody>
+          <a:bodyPr wrap="square">
+            <a:spAutoFit/>
+          </a:bodyPr>
+          <a:lstStyle/>
+          <a:p>
+            <a:pPr/>
+            <a:r>
+              <a:rPr lang="en-US" sz="2800" dirty="0"/>
+              <a:t>Linear Discriminant Analysis </a:t>
+            </a:r>
+          </a:p>
+        </p:txBody>
+      </p:sp>
+      <mc:AlternateContent xmlns:mc="http://schemas.openxmlformats.org/markup-compatibility/2006">
+        <mc:Choice xmlns:a14="http://schemas.microsoft.com/office/drawing/2010/main" Requires="a14">
+          <p:sp>
+            <p:nvSpPr>
+              <p:cNvPr id="8" name="TextBox 7">
+                <a:extLst>
+                  <a:ext uri="{FF2B5EF4-FFF2-40B4-BE49-F238E27FC236}">
+                    <a16:creationId xmlns:a16="http://schemas.microsoft.com/office/drawing/2014/main" id="{24A5FA2F-0EDC-5914-0EAC-499652E8A59E}"/>
+                  </a:ext>
+                </a:extLst>
+              </p:cNvPr>
+              <p:cNvSpPr txBox="1"/>
+              <p:nvPr/>
+            </p:nvSpPr>
+            <p:spPr>
+              <a:xfrm>
+                <a:off x="944880" y="2549362"/>
+                <a:ext cx="10408920" cy="1075872"/>
+              </a:xfrm>
+              <a:prstGeom prst="rect">
+                <a:avLst/>
+              </a:prstGeom>
+              <a:noFill/>
+            </p:spPr>
+            <p:txBody>
+              <a:bodyPr wrap="square">
+                <a:spAutoFit/>
+              </a:bodyPr>
+              <a:lstStyle/>
+              <a:p>
+                <a:pPr/>
+                <a14:m>
+                  <m:oMathPara xmlns:m="http://schemas.openxmlformats.org/officeDocument/2006/math">
+                    <m:oMathParaPr>
+                      <m:jc m:val="centerGroup"/>
+                    </m:oMathParaPr>
+                    <m:oMath xmlns:m="http://schemas.openxmlformats.org/officeDocument/2006/math">
+                      <m:func>
+                        <m:funcPr>
+                          <m:ctrlPr>
+                            <a:rPr lang="en-US" sz="2800" b="0" i="1" smtClean="0">
+                              <a:latin typeface="Cambria Math" panose="02040503050406030204" pitchFamily="18" charset="0"/>
+                            </a:rPr>
+                          </m:ctrlPr>
+                        </m:funcPr>
+                        <m:fName>
+                          <m:r>
+                            <m:rPr>
+                              <m:sty m:val="p"/>
+                            </m:rPr>
+                            <a:rPr lang="en-US" sz="2800" b="0" i="0" smtClean="0">
+                              <a:latin typeface="Cambria Math" panose="02040503050406030204" pitchFamily="18" charset="0"/>
+                            </a:rPr>
+                            <m:t>log</m:t>
+                          </m:r>
+                        </m:fName>
+                        <m:e>
+                          <m:d>
+                            <m:dPr>
+                              <m:ctrlPr>
+                                <a:rPr lang="en-US" sz="2800" i="1">
+                                  <a:latin typeface="Cambria Math" panose="02040503050406030204" pitchFamily="18" charset="0"/>
+                                </a:rPr>
+                              </m:ctrlPr>
+                            </m:dPr>
+                            <m:e>
+                              <m:f>
+                                <m:fPr>
+                                  <m:ctrlPr>
+                                    <a:rPr lang="en-US" sz="2800" i="1">
+                                      <a:latin typeface="Cambria Math" panose="02040503050406030204" pitchFamily="18" charset="0"/>
+                                    </a:rPr>
+                                  </m:ctrlPr>
+                                </m:fPr>
+                                <m:num>
+                                  <m:sSub>
+                                    <m:sSubPr>
+                                      <m:ctrlPr>
+                                        <a:rPr lang="en-US" sz="2800" b="0" i="1" smtClean="0">
+                                          <a:latin typeface="Cambria Math" panose="02040503050406030204" pitchFamily="18" charset="0"/>
+                                        </a:rPr>
+                                      </m:ctrlPr>
+                                    </m:sSubPr>
+                                    <m:e>
+                                      <m:r>
+                                        <a:rPr lang="en-US" sz="2800" i="1">
+                                          <a:latin typeface="Cambria Math" panose="02040503050406030204" pitchFamily="18" charset="0"/>
+                                        </a:rPr>
+                                        <m:t>𝑝</m:t>
+                                      </m:r>
+                                    </m:e>
+                                    <m:sub>
+                                      <m:r>
+                                        <a:rPr lang="en-US" sz="2800" b="0" i="1" smtClean="0">
+                                          <a:latin typeface="Cambria Math" panose="02040503050406030204" pitchFamily="18" charset="0"/>
+                                        </a:rPr>
+                                        <m:t>1</m:t>
+                                      </m:r>
+                                    </m:sub>
+                                  </m:sSub>
+                                  <m:d>
+                                    <m:dPr>
+                                      <m:ctrlPr>
+                                        <a:rPr lang="en-US" sz="2800" b="0" i="1" smtClean="0">
+                                          <a:latin typeface="Cambria Math" panose="02040503050406030204" pitchFamily="18" charset="0"/>
+                                        </a:rPr>
+                                      </m:ctrlPr>
+                                    </m:dPr>
+                                    <m:e>
+                                      <m:r>
+                                        <a:rPr lang="en-US" sz="2800" b="0" i="1" smtClean="0">
+                                          <a:latin typeface="Cambria Math" panose="02040503050406030204" pitchFamily="18" charset="0"/>
+                                        </a:rPr>
+                                        <m:t>𝑥</m:t>
+                                      </m:r>
+                                    </m:e>
+                                  </m:d>
+                                </m:num>
+                                <m:den>
+                                  <m:sSub>
+                                    <m:sSubPr>
+                                      <m:ctrlPr>
+                                        <a:rPr lang="en-US" sz="2800" b="0" i="1" smtClean="0">
+                                          <a:latin typeface="Cambria Math" panose="02040503050406030204" pitchFamily="18" charset="0"/>
+                                        </a:rPr>
+                                      </m:ctrlPr>
+                                    </m:sSubPr>
+                                    <m:e>
+                                      <m:r>
+                                        <a:rPr lang="en-US" sz="2800" i="1">
+                                          <a:latin typeface="Cambria Math" panose="02040503050406030204" pitchFamily="18" charset="0"/>
+                                        </a:rPr>
+                                        <m:t>𝑝</m:t>
+                                      </m:r>
+                                    </m:e>
+                                    <m:sub>
+                                      <m:r>
+                                        <a:rPr lang="en-US" sz="2800" b="0" i="1" smtClean="0">
+                                          <a:latin typeface="Cambria Math" panose="02040503050406030204" pitchFamily="18" charset="0"/>
+                                        </a:rPr>
+                                        <m:t>2</m:t>
+                                      </m:r>
+                                    </m:sub>
+                                  </m:sSub>
+                                  <m:d>
+                                    <m:dPr>
+                                      <m:ctrlPr>
+                                        <a:rPr lang="en-US" sz="2800" b="0" i="1" smtClean="0">
+                                          <a:latin typeface="Cambria Math" panose="02040503050406030204" pitchFamily="18" charset="0"/>
+                                        </a:rPr>
+                                      </m:ctrlPr>
+                                    </m:dPr>
+                                    <m:e>
+                                      <m:r>
+                                        <a:rPr lang="en-US" sz="2800" b="0" i="1" smtClean="0">
+                                          <a:latin typeface="Cambria Math" panose="02040503050406030204" pitchFamily="18" charset="0"/>
+                                        </a:rPr>
+                                        <m:t>𝑥</m:t>
+                                      </m:r>
+                                    </m:e>
+                                  </m:d>
+                                </m:den>
+                              </m:f>
+                            </m:e>
+                          </m:d>
+                        </m:e>
+                      </m:func>
+                      <m:r>
+                        <a:rPr lang="en-US" sz="2800" b="0" i="1" smtClean="0">
+                          <a:latin typeface="Cambria Math" panose="02040503050406030204" pitchFamily="18" charset="0"/>
+                        </a:rPr>
+                        <m:t>=</m:t>
+                      </m:r>
+                      <m:sSub>
+                        <m:sSubPr>
+                          <m:ctrlPr>
+                            <a:rPr lang="en-US" sz="2800" b="0" i="1" smtClean="0">
+                              <a:latin typeface="Cambria Math" panose="02040503050406030204" pitchFamily="18" charset="0"/>
+                            </a:rPr>
+                          </m:ctrlPr>
+                        </m:sSubPr>
+                        <m:e>
+                          <m:r>
+                            <a:rPr lang="en-US" sz="2800" b="0" i="1" smtClean="0">
+                              <a:latin typeface="Cambria Math" panose="02040503050406030204" pitchFamily="18" charset="0"/>
+                            </a:rPr>
+                            <m:t>𝛿</m:t>
+                          </m:r>
+                        </m:e>
+                        <m:sub>
+                          <m:r>
+                            <a:rPr lang="en-US" sz="2800" b="0" i="1" smtClean="0">
+                              <a:latin typeface="Cambria Math" panose="02040503050406030204" pitchFamily="18" charset="0"/>
+                            </a:rPr>
+                            <m:t>1</m:t>
+                          </m:r>
+                        </m:sub>
+                      </m:sSub>
+                      <m:d>
+                        <m:dPr>
+                          <m:ctrlPr>
+                            <a:rPr lang="en-US" sz="2800" b="0" i="1" smtClean="0">
+                              <a:latin typeface="Cambria Math" panose="02040503050406030204" pitchFamily="18" charset="0"/>
+                            </a:rPr>
+                          </m:ctrlPr>
+                        </m:dPr>
+                        <m:e>
+                          <m:r>
+                            <a:rPr lang="en-US" sz="2800" b="0" i="1" smtClean="0">
+                              <a:latin typeface="Cambria Math" panose="02040503050406030204" pitchFamily="18" charset="0"/>
+                            </a:rPr>
+                            <m:t>𝑥</m:t>
+                          </m:r>
+                        </m:e>
+                      </m:d>
+                      <m:r>
+                        <a:rPr lang="en-US" sz="2800" b="0" i="1" smtClean="0">
+                          <a:latin typeface="Cambria Math" panose="02040503050406030204" pitchFamily="18" charset="0"/>
+                        </a:rPr>
+                        <m:t>−</m:t>
+                      </m:r>
+                      <m:sSub>
+                        <m:sSubPr>
+                          <m:ctrlPr>
+                            <a:rPr lang="en-US" sz="2800" i="1">
+                              <a:latin typeface="Cambria Math" panose="02040503050406030204" pitchFamily="18" charset="0"/>
+                            </a:rPr>
+                          </m:ctrlPr>
+                        </m:sSubPr>
+                        <m:e>
+                          <m:r>
+                            <a:rPr lang="en-US" sz="2800" i="1">
+                              <a:latin typeface="Cambria Math" panose="02040503050406030204" pitchFamily="18" charset="0"/>
+                            </a:rPr>
+                            <m:t>𝛿</m:t>
+                          </m:r>
+                        </m:e>
+                        <m:sub>
+                          <m:r>
+                            <a:rPr lang="en-US" sz="2800" b="0" i="1" smtClean="0">
+                              <a:latin typeface="Cambria Math" panose="02040503050406030204" pitchFamily="18" charset="0"/>
+                            </a:rPr>
+                            <m:t>2</m:t>
+                          </m:r>
+                        </m:sub>
+                      </m:sSub>
+                      <m:d>
+                        <m:dPr>
+                          <m:ctrlPr>
+                            <a:rPr lang="en-US" sz="2800" i="1">
+                              <a:latin typeface="Cambria Math" panose="02040503050406030204" pitchFamily="18" charset="0"/>
+                            </a:rPr>
+                          </m:ctrlPr>
+                        </m:dPr>
+                        <m:e>
+                          <m:r>
+                            <a:rPr lang="en-US" sz="2800" i="1">
+                              <a:latin typeface="Cambria Math" panose="02040503050406030204" pitchFamily="18" charset="0"/>
+                            </a:rPr>
+                            <m:t>𝑥</m:t>
+                          </m:r>
+                        </m:e>
+                      </m:d>
+                      <m:r>
+                        <a:rPr lang="en-US" sz="2800" b="0" i="1" smtClean="0">
+                          <a:latin typeface="Cambria Math" panose="02040503050406030204" pitchFamily="18" charset="0"/>
+                        </a:rPr>
+                        <m:t>=</m:t>
+                      </m:r>
+                      <m:d>
+                        <m:dPr>
+                          <m:ctrlPr>
+                            <a:rPr lang="en-US" sz="2800" b="0" i="1" smtClean="0">
+                              <a:latin typeface="Cambria Math" panose="02040503050406030204" pitchFamily="18" charset="0"/>
+                            </a:rPr>
+                          </m:ctrlPr>
+                        </m:dPr>
+                        <m:e>
+                          <m:f>
+                            <m:fPr>
+                              <m:ctrlPr>
+                                <a:rPr lang="en-US" sz="2800" i="1">
+                                  <a:latin typeface="Cambria Math" panose="02040503050406030204" pitchFamily="18" charset="0"/>
+                                </a:rPr>
+                              </m:ctrlPr>
+                            </m:fPr>
+                            <m:num>
+                              <m:sSub>
+                                <m:sSubPr>
+                                  <m:ctrlPr>
+                                    <a:rPr lang="en-US" sz="2800" i="1">
+                                      <a:latin typeface="Cambria Math" panose="02040503050406030204" pitchFamily="18" charset="0"/>
+                                    </a:rPr>
+                                  </m:ctrlPr>
+                                </m:sSubPr>
+                                <m:e>
+                                  <m:r>
+                                    <a:rPr lang="en-US" sz="2800" i="1">
+                                      <a:latin typeface="Cambria Math" panose="02040503050406030204" pitchFamily="18" charset="0"/>
+                                    </a:rPr>
+                                    <m:t>𝜇</m:t>
+                                  </m:r>
+                                </m:e>
+                                <m:sub>
+                                  <m:r>
+                                    <a:rPr lang="en-US" sz="2800" b="0" i="1" smtClean="0">
+                                      <a:latin typeface="Cambria Math" panose="02040503050406030204" pitchFamily="18" charset="0"/>
+                                    </a:rPr>
+                                    <m:t>1</m:t>
+                                  </m:r>
+                                </m:sub>
+                              </m:sSub>
+                            </m:num>
+                            <m:den>
+                              <m:sSup>
+                                <m:sSupPr>
+                                  <m:ctrlPr>
+                                    <a:rPr lang="en-US" sz="2800" i="1">
+                                      <a:latin typeface="Cambria Math" panose="02040503050406030204" pitchFamily="18" charset="0"/>
+                                    </a:rPr>
+                                  </m:ctrlPr>
+                                </m:sSupPr>
+                                <m:e>
+                                  <m:r>
+                                    <a:rPr lang="en-US" sz="2800" i="1">
+                                      <a:latin typeface="Cambria Math" panose="02040503050406030204" pitchFamily="18" charset="0"/>
+                                    </a:rPr>
+                                    <m:t>𝜎</m:t>
+                                  </m:r>
+                                </m:e>
+                                <m:sup>
+                                  <m:r>
+                                    <a:rPr lang="en-US" sz="2800" i="1">
+                                      <a:latin typeface="Cambria Math" panose="02040503050406030204" pitchFamily="18" charset="0"/>
+                                    </a:rPr>
+                                    <m:t>2</m:t>
+                                  </m:r>
+                                </m:sup>
+                              </m:sSup>
+                            </m:den>
+                          </m:f>
+                          <m:r>
+                            <a:rPr lang="en-US" sz="2800" b="0" i="1" smtClean="0">
+                              <a:latin typeface="Cambria Math" panose="02040503050406030204" pitchFamily="18" charset="0"/>
+                            </a:rPr>
+                            <m:t>−</m:t>
+                          </m:r>
+                          <m:f>
+                            <m:fPr>
+                              <m:ctrlPr>
+                                <a:rPr lang="en-US" sz="2800" i="1">
+                                  <a:latin typeface="Cambria Math" panose="02040503050406030204" pitchFamily="18" charset="0"/>
+                                </a:rPr>
+                              </m:ctrlPr>
+                            </m:fPr>
+                            <m:num>
+                              <m:sSub>
+                                <m:sSubPr>
+                                  <m:ctrlPr>
+                                    <a:rPr lang="en-US" sz="2800" i="1">
+                                      <a:latin typeface="Cambria Math" panose="02040503050406030204" pitchFamily="18" charset="0"/>
+                                    </a:rPr>
+                                  </m:ctrlPr>
+                                </m:sSubPr>
+                                <m:e>
+                                  <m:r>
+                                    <a:rPr lang="en-US" sz="2800" i="1">
+                                      <a:latin typeface="Cambria Math" panose="02040503050406030204" pitchFamily="18" charset="0"/>
+                                    </a:rPr>
+                                    <m:t>𝜇</m:t>
+                                  </m:r>
+                                </m:e>
+                                <m:sub>
+                                  <m:r>
+                                    <a:rPr lang="en-US" sz="2800" b="0" i="1" smtClean="0">
+                                      <a:latin typeface="Cambria Math" panose="02040503050406030204" pitchFamily="18" charset="0"/>
+                                    </a:rPr>
+                                    <m:t>2</m:t>
+                                  </m:r>
+                                </m:sub>
+                              </m:sSub>
+                            </m:num>
+                            <m:den>
+                              <m:sSup>
+                                <m:sSupPr>
+                                  <m:ctrlPr>
+                                    <a:rPr lang="en-US" sz="2800" i="1">
+                                      <a:latin typeface="Cambria Math" panose="02040503050406030204" pitchFamily="18" charset="0"/>
+                                    </a:rPr>
+                                  </m:ctrlPr>
+                                </m:sSupPr>
+                                <m:e>
+                                  <m:r>
+                                    <a:rPr lang="en-US" sz="2800" i="1">
+                                      <a:latin typeface="Cambria Math" panose="02040503050406030204" pitchFamily="18" charset="0"/>
+                                    </a:rPr>
+                                    <m:t>𝜎</m:t>
+                                  </m:r>
+                                </m:e>
+                                <m:sup>
+                                  <m:r>
+                                    <a:rPr lang="en-US" sz="2800" i="1">
+                                      <a:latin typeface="Cambria Math" panose="02040503050406030204" pitchFamily="18" charset="0"/>
+                                    </a:rPr>
+                                    <m:t>2</m:t>
+                                  </m:r>
+                                </m:sup>
+                              </m:sSup>
+                            </m:den>
+                          </m:f>
+                        </m:e>
+                      </m:d>
+                      <m:r>
+                        <a:rPr lang="en-US" sz="2800" b="0" i="1" smtClean="0">
+                          <a:latin typeface="Cambria Math" panose="02040503050406030204" pitchFamily="18" charset="0"/>
+                        </a:rPr>
+                        <m:t>𝑥</m:t>
+                      </m:r>
+                      <m:r>
+                        <a:rPr lang="en-US" sz="2800" i="1">
+                          <a:latin typeface="Cambria Math" panose="02040503050406030204" pitchFamily="18" charset="0"/>
+                        </a:rPr>
+                        <m:t>−</m:t>
+                      </m:r>
+                      <m:f>
+                        <m:fPr>
+                          <m:ctrlPr>
+                            <a:rPr lang="en-US" sz="2800" i="1">
+                              <a:latin typeface="Cambria Math" panose="02040503050406030204" pitchFamily="18" charset="0"/>
+                            </a:rPr>
+                          </m:ctrlPr>
+                        </m:fPr>
+                        <m:num>
+                          <m:sSubSup>
+                            <m:sSubSupPr>
+                              <m:ctrlPr>
+                                <a:rPr lang="en-US" sz="2800" i="1">
+                                  <a:latin typeface="Cambria Math" panose="02040503050406030204" pitchFamily="18" charset="0"/>
+                                </a:rPr>
+                              </m:ctrlPr>
+                            </m:sSubSupPr>
+                            <m:e>
+                              <m:r>
+                                <a:rPr lang="en-US" sz="2800" i="1">
+                                  <a:latin typeface="Cambria Math" panose="02040503050406030204" pitchFamily="18" charset="0"/>
+                                </a:rPr>
+                                <m:t>𝜇</m:t>
+                              </m:r>
+                            </m:e>
+                            <m:sub>
+                              <m:r>
+                                <a:rPr lang="en-US" sz="2800" b="0" i="1" smtClean="0">
+                                  <a:latin typeface="Cambria Math" panose="02040503050406030204" pitchFamily="18" charset="0"/>
+                                </a:rPr>
+                                <m:t>1</m:t>
+                              </m:r>
+                            </m:sub>
+                            <m:sup>
+                              <m:r>
+                                <a:rPr lang="en-US" sz="2800" i="1">
+                                  <a:latin typeface="Cambria Math" panose="02040503050406030204" pitchFamily="18" charset="0"/>
+                                </a:rPr>
+                                <m:t>2</m:t>
+                              </m:r>
+                            </m:sup>
+                          </m:sSubSup>
+                        </m:num>
+                        <m:den>
+                          <m:sSup>
+                            <m:sSupPr>
+                              <m:ctrlPr>
+                                <a:rPr lang="en-US" sz="2800" i="1">
+                                  <a:latin typeface="Cambria Math" panose="02040503050406030204" pitchFamily="18" charset="0"/>
+                                </a:rPr>
+                              </m:ctrlPr>
+                            </m:sSupPr>
+                            <m:e>
+                              <m:r>
+                                <a:rPr lang="en-US" sz="2800" i="1">
+                                  <a:latin typeface="Cambria Math" panose="02040503050406030204" pitchFamily="18" charset="0"/>
+                                </a:rPr>
+                                <m:t>2</m:t>
+                              </m:r>
+                              <m:r>
+                                <a:rPr lang="en-US" sz="2800" i="1">
+                                  <a:latin typeface="Cambria Math" panose="02040503050406030204" pitchFamily="18" charset="0"/>
+                                </a:rPr>
+                                <m:t>𝜎</m:t>
+                              </m:r>
+                            </m:e>
+                            <m:sup>
+                              <m:r>
+                                <a:rPr lang="en-US" sz="2800" i="1">
+                                  <a:latin typeface="Cambria Math" panose="02040503050406030204" pitchFamily="18" charset="0"/>
+                                </a:rPr>
+                                <m:t>2</m:t>
+                              </m:r>
+                            </m:sup>
+                          </m:sSup>
+                        </m:den>
+                      </m:f>
+                      <m:r>
+                        <a:rPr lang="en-US" sz="2800" i="1">
+                          <a:latin typeface="Cambria Math" panose="02040503050406030204" pitchFamily="18" charset="0"/>
+                        </a:rPr>
+                        <m:t>+</m:t>
+                      </m:r>
+                      <m:f>
+                        <m:fPr>
+                          <m:ctrlPr>
+                            <a:rPr lang="en-US" sz="2800" i="1">
+                              <a:latin typeface="Cambria Math" panose="02040503050406030204" pitchFamily="18" charset="0"/>
+                            </a:rPr>
+                          </m:ctrlPr>
+                        </m:fPr>
+                        <m:num>
+                          <m:sSubSup>
+                            <m:sSubSupPr>
+                              <m:ctrlPr>
+                                <a:rPr lang="en-US" sz="2800" i="1">
+                                  <a:latin typeface="Cambria Math" panose="02040503050406030204" pitchFamily="18" charset="0"/>
+                                </a:rPr>
+                              </m:ctrlPr>
+                            </m:sSubSupPr>
+                            <m:e>
+                              <m:r>
+                                <a:rPr lang="en-US" sz="2800" i="1">
+                                  <a:latin typeface="Cambria Math" panose="02040503050406030204" pitchFamily="18" charset="0"/>
+                                </a:rPr>
+                                <m:t>𝜇</m:t>
+                              </m:r>
+                            </m:e>
+                            <m:sub>
+                              <m:r>
+                                <a:rPr lang="en-US" sz="2800" b="0" i="1" smtClean="0">
+                                  <a:latin typeface="Cambria Math" panose="02040503050406030204" pitchFamily="18" charset="0"/>
+                                </a:rPr>
+                                <m:t>2</m:t>
+                              </m:r>
+                            </m:sub>
+                            <m:sup>
+                              <m:r>
+                                <a:rPr lang="en-US" sz="2800" i="1">
+                                  <a:latin typeface="Cambria Math" panose="02040503050406030204" pitchFamily="18" charset="0"/>
+                                </a:rPr>
+                                <m:t>2</m:t>
+                              </m:r>
+                            </m:sup>
+                          </m:sSubSup>
+                        </m:num>
+                        <m:den>
+                          <m:sSup>
+                            <m:sSupPr>
+                              <m:ctrlPr>
+                                <a:rPr lang="en-US" sz="2800" i="1">
+                                  <a:latin typeface="Cambria Math" panose="02040503050406030204" pitchFamily="18" charset="0"/>
+                                </a:rPr>
+                              </m:ctrlPr>
+                            </m:sSupPr>
+                            <m:e>
+                              <m:r>
+                                <a:rPr lang="en-US" sz="2800" i="1">
+                                  <a:latin typeface="Cambria Math" panose="02040503050406030204" pitchFamily="18" charset="0"/>
+                                </a:rPr>
+                                <m:t>2</m:t>
+                              </m:r>
+                              <m:r>
+                                <a:rPr lang="en-US" sz="2800" i="1">
+                                  <a:latin typeface="Cambria Math" panose="02040503050406030204" pitchFamily="18" charset="0"/>
+                                </a:rPr>
+                                <m:t>𝜎</m:t>
+                              </m:r>
+                            </m:e>
+                            <m:sup>
+                              <m:r>
+                                <a:rPr lang="en-US" sz="2800" i="1">
+                                  <a:latin typeface="Cambria Math" panose="02040503050406030204" pitchFamily="18" charset="0"/>
+                                </a:rPr>
+                                <m:t>2</m:t>
+                              </m:r>
+                            </m:sup>
+                          </m:sSup>
+                        </m:den>
+                      </m:f>
+                      <m:r>
+                        <a:rPr lang="en-US" sz="2800" b="0" i="1" smtClean="0">
+                          <a:latin typeface="Cambria Math" panose="02040503050406030204" pitchFamily="18" charset="0"/>
+                        </a:rPr>
+                        <m:t>+</m:t>
+                      </m:r>
+                      <m:r>
+                        <m:rPr>
+                          <m:sty m:val="p"/>
+                        </m:rPr>
+                        <a:rPr lang="en-US" sz="2800">
+                          <a:latin typeface="Cambria Math" panose="02040503050406030204" pitchFamily="18" charset="0"/>
+                        </a:rPr>
+                        <m:t>log</m:t>
+                      </m:r>
+                      <m:r>
+                        <a:rPr lang="en-US" sz="2800" i="1">
+                          <a:latin typeface="Cambria Math" panose="02040503050406030204" pitchFamily="18" charset="0"/>
+                        </a:rPr>
+                        <m:t>⁡(</m:t>
+                      </m:r>
+                      <m:f>
+                        <m:fPr>
+                          <m:ctrlPr>
+                            <a:rPr lang="en-US" sz="2800" i="1">
+                              <a:latin typeface="Cambria Math" panose="02040503050406030204" pitchFamily="18" charset="0"/>
+                            </a:rPr>
+                          </m:ctrlPr>
+                        </m:fPr>
+                        <m:num>
+                          <m:sSub>
+                            <m:sSubPr>
+                              <m:ctrlPr>
+                                <a:rPr lang="en-US" sz="2800" b="0" i="1" smtClean="0">
+                                  <a:latin typeface="Cambria Math" panose="02040503050406030204" pitchFamily="18" charset="0"/>
+                                </a:rPr>
+                              </m:ctrlPr>
+                            </m:sSubPr>
+                            <m:e>
+                              <m:r>
+                                <a:rPr lang="en-US" sz="2800" b="0" i="1" smtClean="0">
+                                  <a:latin typeface="Cambria Math" panose="02040503050406030204" pitchFamily="18" charset="0"/>
+                                </a:rPr>
+                                <m:t>𝜋</m:t>
+                              </m:r>
+                            </m:e>
+                            <m:sub>
+                              <m:r>
+                                <a:rPr lang="en-US" sz="2800" b="0" i="1" smtClean="0">
+                                  <a:latin typeface="Cambria Math" panose="02040503050406030204" pitchFamily="18" charset="0"/>
+                                </a:rPr>
+                                <m:t>1</m:t>
+                              </m:r>
+                            </m:sub>
+                          </m:sSub>
+                        </m:num>
+                        <m:den>
+                          <m:sSub>
+                            <m:sSubPr>
+                              <m:ctrlPr>
+                                <a:rPr lang="en-US" sz="2800" b="0" i="1" smtClean="0">
+                                  <a:latin typeface="Cambria Math" panose="02040503050406030204" pitchFamily="18" charset="0"/>
+                                </a:rPr>
+                              </m:ctrlPr>
+                            </m:sSubPr>
+                            <m:e>
+                              <m:r>
+                                <a:rPr lang="en-US" sz="2800" b="0" i="1" smtClean="0">
+                                  <a:latin typeface="Cambria Math" panose="02040503050406030204" pitchFamily="18" charset="0"/>
+                                </a:rPr>
+                                <m:t>𝜋</m:t>
+                              </m:r>
+                            </m:e>
+                            <m:sub>
+                              <m:r>
+                                <a:rPr lang="en-US" sz="2800" b="0" i="1" smtClean="0">
+                                  <a:latin typeface="Cambria Math" panose="02040503050406030204" pitchFamily="18" charset="0"/>
+                                </a:rPr>
+                                <m:t>2</m:t>
+                              </m:r>
+                            </m:sub>
+                          </m:sSub>
+                        </m:den>
+                      </m:f>
+                      <m:r>
+                        <a:rPr lang="en-US" sz="2800" i="1">
+                          <a:latin typeface="Cambria Math" panose="02040503050406030204" pitchFamily="18" charset="0"/>
+                        </a:rPr>
+                        <m:t>)</m:t>
+                      </m:r>
+                    </m:oMath>
+                  </m:oMathPara>
+                </a14:m>
+                <a:endParaRPr lang="en-US" sz="2800" dirty="0"/>
+              </a:p>
+            </p:txBody>
+          </p:sp>
+        </mc:Choice>
+        <mc:Fallback>
+          <p:sp>
+            <p:nvSpPr>
+              <p:cNvPr id="8" name="TextBox 7">
+                <a:extLst>
+                  <a:ext uri="{FF2B5EF4-FFF2-40B4-BE49-F238E27FC236}">
+                    <a16:creationId xmlns:a16="http://schemas.microsoft.com/office/drawing/2014/main" id="{24A5FA2F-0EDC-5914-0EAC-499652E8A59E}"/>
+                  </a:ext>
+                </a:extLst>
+              </p:cNvPr>
+              <p:cNvSpPr txBox="1">
+                <a:spLocks noRot="1" noChangeAspect="1" noMove="1" noResize="1" noEditPoints="1" noAdjustHandles="1" noChangeArrowheads="1" noChangeShapeType="1" noTextEdit="1"/>
+              </p:cNvSpPr>
+              <p:nvPr/>
+            </p:nvSpPr>
+            <p:spPr>
+              <a:xfrm>
+                <a:off x="944880" y="2549362"/>
+                <a:ext cx="10408920" cy="1075872"/>
+              </a:xfrm>
+              <a:prstGeom prst="rect">
+                <a:avLst/>
+              </a:prstGeom>
+              <a:blipFill>
+                <a:blip r:embed="rId3"/>
+                <a:stretch>
+                  <a:fillRect l="-609" r="-609" b="-2326"/>
+                </a:stretch>
+              </a:blipFill>
+            </p:spPr>
+            <p:txBody>
+              <a:bodyPr/>
+              <a:lstStyle/>
+              <a:p>
+                <a:r>
+                  <a:rPr lang="en-US">
+                    <a:noFill/>
+                  </a:rPr>
+                  <a:t> </a:t>
+                </a:r>
+              </a:p>
+            </p:txBody>
+          </p:sp>
+        </mc:Fallback>
+      </mc:AlternateContent>
+      <p:sp>
+        <p:nvSpPr>
+          <p:cNvPr id="10" name="TextBox 9">
+            <a:extLst>
+              <a:ext uri="{FF2B5EF4-FFF2-40B4-BE49-F238E27FC236}">
+                <a16:creationId xmlns:a16="http://schemas.microsoft.com/office/drawing/2014/main" id="{D25F40B8-0BBD-7D2C-6EDF-0EF6861331C1}"/>
+              </a:ext>
+            </a:extLst>
+          </p:cNvPr>
+          <p:cNvSpPr txBox="1"/>
+          <p:nvPr/>
+        </p:nvSpPr>
+        <p:spPr>
+          <a:xfrm>
+            <a:off x="944880" y="4109741"/>
+            <a:ext cx="10408920" cy="954107"/>
+          </a:xfrm>
+          <a:prstGeom prst="rect">
+            <a:avLst/>
+          </a:prstGeom>
+          <a:noFill/>
+        </p:spPr>
+        <p:txBody>
+          <a:bodyPr wrap="square">
+            <a:spAutoFit/>
+          </a:bodyPr>
+          <a:lstStyle/>
+          <a:p>
+            <a:pPr/>
+            <a:r>
+              <a:rPr lang="en-US" sz="2800" dirty="0"/>
+              <a:t>Logistic Regression maximizes conditional likelihood for estimation (discriminative learning)</a:t>
+            </a:r>
+          </a:p>
+        </p:txBody>
+      </p:sp>
+      <p:sp>
+        <p:nvSpPr>
+          <p:cNvPr id="11" name="TextBox 10">
+            <a:extLst>
+              <a:ext uri="{FF2B5EF4-FFF2-40B4-BE49-F238E27FC236}">
+                <a16:creationId xmlns:a16="http://schemas.microsoft.com/office/drawing/2014/main" id="{45F7497E-3B08-A613-4D45-32C7281CA6FE}"/>
+              </a:ext>
+            </a:extLst>
+          </p:cNvPr>
+          <p:cNvSpPr txBox="1"/>
+          <p:nvPr/>
+        </p:nvSpPr>
+        <p:spPr>
+          <a:xfrm>
+            <a:off x="944880" y="5467626"/>
+            <a:ext cx="10408920" cy="523220"/>
+          </a:xfrm>
+          <a:prstGeom prst="rect">
+            <a:avLst/>
+          </a:prstGeom>
+          <a:noFill/>
+        </p:spPr>
+        <p:txBody>
+          <a:bodyPr wrap="square">
+            <a:spAutoFit/>
+          </a:bodyPr>
+          <a:lstStyle/>
+          <a:p>
+            <a:pPr/>
+            <a:r>
+              <a:rPr lang="en-US" sz="2800" dirty="0"/>
+              <a:t>Linear Discriminant Analysis use full likelihood (generative learning) </a:t>
+            </a:r>
+          </a:p>
+        </p:txBody>
+      </p:sp>
+    </p:spTree>
+    <p:extLst>
+      <p:ext uri="{BB962C8B-B14F-4D97-AF65-F5344CB8AC3E}">
+        <p14:creationId xmlns:p14="http://schemas.microsoft.com/office/powerpoint/2010/main" val="3286947866"/>
+      </p:ext>
+    </p:extLst>
+  </p:cSld>
+  <p:clrMapOvr>
+    <a:masterClrMapping/>
+  </p:clrMapOvr>
+</p:sld>
+</file>
+
+<file path=ppt/slides/slide17.xml><?xml version="1.0" encoding="utf-8"?>
+<p:sld xmlns:a="http://schemas.openxmlformats.org/drawingml/2006/main" xmlns:r="http://schemas.openxmlformats.org/officeDocument/2006/relationships" xmlns:p="http://schemas.openxmlformats.org/presentationml/2006/main">
+  <p:cSld>
+    <p:spTree>
+      <p:nvGrpSpPr>
+        <p:cNvPr id="1" name=""/>
+        <p:cNvGrpSpPr/>
+        <p:nvPr/>
+      </p:nvGrpSpPr>
+      <p:grpSpPr>
+        <a:xfrm>
+          <a:off x="0" y="0"/>
+          <a:ext cx="0" cy="0"/>
+          <a:chOff x="0" y="0"/>
+          <a:chExt cx="0" cy="0"/>
+        </a:xfrm>
+      </p:grpSpPr>
+      <p:sp>
+        <p:nvSpPr>
+          <p:cNvPr id="2" name="Title 1"/>
+          <p:cNvSpPr>
+            <a:spLocks noGrp="1"/>
+          </p:cNvSpPr>
+          <p:nvPr>
+            <p:ph type="title"/>
+          </p:nvPr>
+        </p:nvSpPr>
+        <p:spPr>
+          <a:xfrm>
+            <a:off x="838200" y="365126"/>
+            <a:ext cx="10515600" cy="981894"/>
+          </a:xfrm>
+        </p:spPr>
+        <p:txBody>
+          <a:bodyPr>
+            <a:normAutofit/>
+          </a:bodyPr>
+          <a:lstStyle/>
+          <a:p>
+            <a:r>
+              <a:rPr lang="en-US" dirty="0"/>
+              <a:t>Naïve Bayes</a:t>
+            </a:r>
+          </a:p>
+        </p:txBody>
+      </p:sp>
+      <p:sp>
+        <p:nvSpPr>
+          <p:cNvPr id="9" name="TextBox 8">
+            <a:extLst>
+              <a:ext uri="{FF2B5EF4-FFF2-40B4-BE49-F238E27FC236}">
+                <a16:creationId xmlns:a16="http://schemas.microsoft.com/office/drawing/2014/main" id="{CD61F3A4-5AE4-9434-0075-8D823DC7602E}"/>
+              </a:ext>
+            </a:extLst>
+          </p:cNvPr>
+          <p:cNvSpPr txBox="1"/>
+          <p:nvPr/>
+        </p:nvSpPr>
+        <p:spPr>
+          <a:xfrm>
+            <a:off x="891540" y="1686581"/>
+            <a:ext cx="10408920" cy="954107"/>
+          </a:xfrm>
+          <a:prstGeom prst="rect">
+            <a:avLst/>
+          </a:prstGeom>
+          <a:noFill/>
+        </p:spPr>
+        <p:txBody>
+          <a:bodyPr wrap="square">
+            <a:spAutoFit/>
+          </a:bodyPr>
+          <a:lstStyle/>
+          <a:p>
+            <a:pPr/>
+            <a:r>
+              <a:rPr lang="en-US" sz="2800" dirty="0"/>
+              <a:t>Assume the features are independent, which means the covariance matrix is diagonal. </a:t>
+            </a:r>
+          </a:p>
+        </p:txBody>
+      </p:sp>
+      <p:pic>
+        <p:nvPicPr>
+          <p:cNvPr id="3" name="Picture 2">
+            <a:extLst>
+              <a:ext uri="{FF2B5EF4-FFF2-40B4-BE49-F238E27FC236}">
+                <a16:creationId xmlns:a16="http://schemas.microsoft.com/office/drawing/2014/main" id="{95E684FC-56A1-FA57-5290-89F4AB0407CD}"/>
+              </a:ext>
+            </a:extLst>
+          </p:cNvPr>
+          <p:cNvPicPr>
+            <a:picLocks noChangeAspect="1"/>
+          </p:cNvPicPr>
+          <p:nvPr/>
+        </p:nvPicPr>
+        <p:blipFill rotWithShape="1">
+          <a:blip r:embed="rId3"/>
+          <a:srcRect b="5687"/>
+          <a:stretch/>
+        </p:blipFill>
+        <p:spPr>
+          <a:xfrm>
+            <a:off x="3779519" y="2965009"/>
+            <a:ext cx="3749041" cy="607720"/>
+          </a:xfrm>
+          <a:prstGeom prst="rect">
+            <a:avLst/>
+          </a:prstGeom>
+        </p:spPr>
+      </p:pic>
+      <p:pic>
+        <p:nvPicPr>
+          <p:cNvPr id="4" name="Picture 3">
+            <a:extLst>
+              <a:ext uri="{FF2B5EF4-FFF2-40B4-BE49-F238E27FC236}">
+                <a16:creationId xmlns:a16="http://schemas.microsoft.com/office/drawing/2014/main" id="{6CD63290-1ADF-EC64-8176-190E9103DD01}"/>
+              </a:ext>
+            </a:extLst>
+          </p:cNvPr>
+          <p:cNvPicPr>
+            <a:picLocks noChangeAspect="1"/>
+          </p:cNvPicPr>
+          <p:nvPr/>
+        </p:nvPicPr>
+        <p:blipFill rotWithShape="1">
+          <a:blip r:embed="rId4"/>
+          <a:srcRect b="4476"/>
+          <a:stretch/>
+        </p:blipFill>
+        <p:spPr>
+          <a:xfrm>
+            <a:off x="1765300" y="4134068"/>
+            <a:ext cx="7927340" cy="2602012"/>
+          </a:xfrm>
+          <a:prstGeom prst="rect">
+            <a:avLst/>
+          </a:prstGeom>
+        </p:spPr>
+      </p:pic>
+      <p:sp>
+        <p:nvSpPr>
+          <p:cNvPr id="6" name="TextBox 5">
+            <a:extLst>
+              <a:ext uri="{FF2B5EF4-FFF2-40B4-BE49-F238E27FC236}">
+                <a16:creationId xmlns:a16="http://schemas.microsoft.com/office/drawing/2014/main" id="{462AD468-6BDB-F89F-AD1E-372851DB8EC3}"/>
+              </a:ext>
+            </a:extLst>
+          </p:cNvPr>
+          <p:cNvSpPr txBox="1"/>
+          <p:nvPr/>
+        </p:nvSpPr>
+        <p:spPr>
+          <a:xfrm>
+            <a:off x="891540" y="3872458"/>
+            <a:ext cx="10408920" cy="523220"/>
+          </a:xfrm>
+          <a:prstGeom prst="rect">
+            <a:avLst/>
+          </a:prstGeom>
+          <a:noFill/>
+        </p:spPr>
+        <p:txBody>
+          <a:bodyPr wrap="square">
+            <a:spAutoFit/>
+          </a:bodyPr>
+          <a:lstStyle/>
+          <a:p>
+            <a:pPr/>
+            <a:r>
+              <a:rPr lang="en-US" sz="2800" dirty="0"/>
+              <a:t>Discriminant score</a:t>
+            </a:r>
+          </a:p>
+        </p:txBody>
+      </p:sp>
+    </p:spTree>
+    <p:extLst>
+      <p:ext uri="{BB962C8B-B14F-4D97-AF65-F5344CB8AC3E}">
+        <p14:creationId xmlns:p14="http://schemas.microsoft.com/office/powerpoint/2010/main" val="527193587"/>
+      </p:ext>
+    </p:extLst>
+  </p:cSld>
+  <p:clrMapOvr>
+    <a:masterClrMapping/>
+  </p:clrMapOvr>
+</p:sld>
+</file>
+
+<file path=ppt/slides/slide18.xml><?xml version="1.0" encoding="utf-8"?>
+<p:sld xmlns:a="http://schemas.openxmlformats.org/drawingml/2006/main" xmlns:r="http://schemas.openxmlformats.org/officeDocument/2006/relationships" xmlns:p="http://schemas.openxmlformats.org/presentationml/2006/main">
+  <p:cSld>
+    <p:spTree>
+      <p:nvGrpSpPr>
+        <p:cNvPr id="1" name=""/>
+        <p:cNvGrpSpPr/>
+        <p:nvPr/>
+      </p:nvGrpSpPr>
+      <p:grpSpPr>
+        <a:xfrm>
+          <a:off x="0" y="0"/>
+          <a:ext cx="0" cy="0"/>
+          <a:chOff x="0" y="0"/>
+          <a:chExt cx="0" cy="0"/>
+        </a:xfrm>
+      </p:grpSpPr>
+      <p:sp>
+        <p:nvSpPr>
+          <p:cNvPr id="2" name="Title 1"/>
+          <p:cNvSpPr>
+            <a:spLocks noGrp="1"/>
+          </p:cNvSpPr>
+          <p:nvPr>
+            <p:ph type="title"/>
+          </p:nvPr>
+        </p:nvSpPr>
+        <p:spPr>
+          <a:xfrm>
+            <a:off x="838200" y="365126"/>
+            <a:ext cx="10515600" cy="981894"/>
+          </a:xfrm>
+        </p:spPr>
+        <p:txBody>
+          <a:bodyPr>
+            <a:normAutofit/>
+          </a:bodyPr>
+          <a:lstStyle/>
+          <a:p>
+            <a:r>
+              <a:rPr lang="en-US"/>
+              <a:t>Summary</a:t>
+            </a:r>
+            <a:endParaRPr lang="en-US" dirty="0"/>
+          </a:p>
+        </p:txBody>
+      </p:sp>
+      <p:sp>
+        <p:nvSpPr>
+          <p:cNvPr id="5" name="TextBox 4">
+            <a:extLst>
+              <a:ext uri="{FF2B5EF4-FFF2-40B4-BE49-F238E27FC236}">
+                <a16:creationId xmlns:a16="http://schemas.microsoft.com/office/drawing/2014/main" id="{2041F87A-F3F4-6A88-2DE4-42FDD7C8284A}"/>
+              </a:ext>
+            </a:extLst>
+          </p:cNvPr>
+          <p:cNvSpPr txBox="1"/>
+          <p:nvPr/>
+        </p:nvSpPr>
+        <p:spPr>
+          <a:xfrm>
+            <a:off x="891540" y="1686581"/>
+            <a:ext cx="10408920" cy="523220"/>
+          </a:xfrm>
+          <a:prstGeom prst="rect">
+            <a:avLst/>
+          </a:prstGeom>
+          <a:noFill/>
+        </p:spPr>
+        <p:txBody>
+          <a:bodyPr wrap="square">
+            <a:spAutoFit/>
+          </a:bodyPr>
+          <a:lstStyle/>
+          <a:p>
+            <a:pPr/>
+            <a:r>
+              <a:rPr lang="en-US" sz="2800" dirty="0"/>
+              <a:t>Logistic Regression is very popular when K=2</a:t>
+            </a:r>
+          </a:p>
+        </p:txBody>
+      </p:sp>
+      <p:sp>
+        <p:nvSpPr>
+          <p:cNvPr id="10" name="TextBox 9">
+            <a:extLst>
+              <a:ext uri="{FF2B5EF4-FFF2-40B4-BE49-F238E27FC236}">
+                <a16:creationId xmlns:a16="http://schemas.microsoft.com/office/drawing/2014/main" id="{D25F40B8-0BBD-7D2C-6EDF-0EF6861331C1}"/>
+              </a:ext>
+            </a:extLst>
+          </p:cNvPr>
+          <p:cNvSpPr txBox="1"/>
+          <p:nvPr/>
+        </p:nvSpPr>
+        <p:spPr>
+          <a:xfrm>
+            <a:off x="944880" y="2936260"/>
+            <a:ext cx="10408920" cy="954107"/>
+          </a:xfrm>
+          <a:prstGeom prst="rect">
+            <a:avLst/>
+          </a:prstGeom>
+          <a:noFill/>
+        </p:spPr>
+        <p:txBody>
+          <a:bodyPr wrap="square">
+            <a:spAutoFit/>
+          </a:bodyPr>
+          <a:lstStyle/>
+          <a:p>
+            <a:pPr/>
+            <a:r>
+              <a:rPr lang="en-US" sz="2800" dirty="0"/>
+              <a:t>Linear Discriminant Analysis is useful when n is small, K is large and the Gaussian distribution assumption makes sense </a:t>
+            </a:r>
+          </a:p>
+        </p:txBody>
+      </p:sp>
+      <p:sp>
+        <p:nvSpPr>
+          <p:cNvPr id="3" name="TextBox 2">
+            <a:extLst>
+              <a:ext uri="{FF2B5EF4-FFF2-40B4-BE49-F238E27FC236}">
+                <a16:creationId xmlns:a16="http://schemas.microsoft.com/office/drawing/2014/main" id="{153BF027-7CB5-6C08-F8F3-82B9A5F4AB9E}"/>
+              </a:ext>
+            </a:extLst>
+          </p:cNvPr>
+          <p:cNvSpPr txBox="1"/>
+          <p:nvPr/>
+        </p:nvSpPr>
+        <p:spPr>
+          <a:xfrm>
+            <a:off x="891540" y="4616826"/>
+            <a:ext cx="10408920" cy="954107"/>
+          </a:xfrm>
+          <a:prstGeom prst="rect">
+            <a:avLst/>
+          </a:prstGeom>
+          <a:noFill/>
+        </p:spPr>
+        <p:txBody>
+          <a:bodyPr wrap="square">
+            <a:spAutoFit/>
+          </a:bodyPr>
+          <a:lstStyle/>
+          <a:p>
+            <a:pPr/>
+            <a:r>
+              <a:rPr lang="en-US" sz="2800" dirty="0"/>
+              <a:t>Naïve Bayes is useful when p (number of features) is large, and features are not correlated</a:t>
+            </a:r>
+          </a:p>
+        </p:txBody>
+      </p:sp>
+    </p:spTree>
+    <p:extLst>
+      <p:ext uri="{BB962C8B-B14F-4D97-AF65-F5344CB8AC3E}">
+        <p14:creationId xmlns:p14="http://schemas.microsoft.com/office/powerpoint/2010/main" val="3261506618"/>
+      </p:ext>
+    </p:extLst>
+  </p:cSld>
+  <p:clrMapOvr>
+    <a:masterClrMapping/>
+  </p:clrMapOvr>
+</p:sld>
+</file>
+
+<file path=ppt/slides/slide19.xml><?xml version="1.0" encoding="utf-8"?>
 <p:sld xmlns:a="http://schemas.openxmlformats.org/drawingml/2006/main" xmlns:r="http://schemas.openxmlformats.org/officeDocument/2006/relationships" xmlns:p="http://schemas.openxmlformats.org/presentationml/2006/main">
   <p:cSld>
     <p:spTree>
@@ -10458,7 +12599,19 @@
                           <a:rPr lang="en-US" sz="2800" b="0" i="1" smtClean="0">
                             <a:latin typeface="Cambria Math" panose="02040503050406030204" pitchFamily="18" charset="0"/>
                           </a:rPr>
-                          <m:t>𝐷</m:t>
+                          <m:t>𝑦</m:t>
+                        </m:r>
+                        <m:r>
+                          <a:rPr lang="en-US" sz="2800" b="0" i="1" smtClean="0">
+                            <a:latin typeface="Cambria Math" panose="02040503050406030204" pitchFamily="18" charset="0"/>
+                          </a:rPr>
+                          <m:t>|</m:t>
+                        </m:r>
+                        <m:r>
+                          <a:rPr lang="en-US" sz="2800" b="0" i="1" smtClean="0">
+                            <a:latin typeface="Cambria Math" panose="02040503050406030204" pitchFamily="18" charset="0"/>
+                          </a:rPr>
+                          <m:t>𝑥</m:t>
                         </m:r>
                       </m:e>
                     </m:d>
@@ -10753,7 +12906,7 @@
         <p:spPr>
           <a:xfrm>
             <a:off x="838200" y="5138284"/>
-            <a:ext cx="10408920" cy="523220"/>
+            <a:ext cx="10408920" cy="954107"/>
           </a:xfrm>
           <a:prstGeom prst="rect">
             <a:avLst/>
@@ -10769,7 +12922,7 @@
             <a:pPr/>
             <a:r>
               <a:rPr lang="en-US" sz="2800" b="0" dirty="0"/>
-              <a:t>This likelihood characterizes the probability of the observed data</a:t>
+              <a:t>This likelihood characterizes the conditional probability of the observed data</a:t>
             </a:r>
             <a:endParaRPr lang="en-US" sz="2800" dirty="0"/>
           </a:p>

--- a/_umkc-teaching/slides/Lecture 5.pptx
+++ b/_umkc-teaching/slides/Lecture 5.pptx
@@ -5,7 +5,7 @@
     <p:sldMasterId id="2147483648" r:id="rId1"/>
   </p:sldMasterIdLst>
   <p:notesMasterIdLst>
-    <p:notesMasterId r:id="rId21"/>
+    <p:notesMasterId r:id="rId23"/>
   </p:notesMasterIdLst>
   <p:sldIdLst>
     <p:sldId id="257" r:id="rId2"/>
@@ -25,8 +25,10 @@
     <p:sldId id="336" r:id="rId16"/>
     <p:sldId id="339" r:id="rId17"/>
     <p:sldId id="338" r:id="rId18"/>
-    <p:sldId id="340" r:id="rId19"/>
-    <p:sldId id="325" r:id="rId20"/>
+    <p:sldId id="341" r:id="rId19"/>
+    <p:sldId id="342" r:id="rId20"/>
+    <p:sldId id="340" r:id="rId21"/>
+    <p:sldId id="325" r:id="rId22"/>
   </p:sldIdLst>
   <p:sldSz cx="12192000" cy="6858000"/>
   <p:notesSz cx="6858000" cy="9144000"/>
@@ -1220,6 +1222,174 @@
             <a:fld id="{3F8BDF20-BE86-4883-8A23-4CE3D0058BEA}" type="slidenum">
               <a:rPr lang="en-US" smtClean="0"/>
               <a:t>18</a:t>
+            </a:fld>
+            <a:endParaRPr lang="en-US"/>
+          </a:p>
+        </p:txBody>
+      </p:sp>
+    </p:spTree>
+    <p:extLst>
+      <p:ext uri="{BB962C8B-B14F-4D97-AF65-F5344CB8AC3E}">
+        <p14:creationId xmlns:p14="http://schemas.microsoft.com/office/powerpoint/2010/main" val="2784095113"/>
+      </p:ext>
+    </p:extLst>
+  </p:cSld>
+  <p:clrMapOvr>
+    <a:masterClrMapping/>
+  </p:clrMapOvr>
+</p:notes>
+</file>
+
+<file path=ppt/notesSlides/notesSlide18.xml><?xml version="1.0" encoding="utf-8"?>
+<p:notes xmlns:a="http://schemas.openxmlformats.org/drawingml/2006/main" xmlns:r="http://schemas.openxmlformats.org/officeDocument/2006/relationships" xmlns:p="http://schemas.openxmlformats.org/presentationml/2006/main">
+  <p:cSld>
+    <p:spTree>
+      <p:nvGrpSpPr>
+        <p:cNvPr id="1" name=""/>
+        <p:cNvGrpSpPr/>
+        <p:nvPr/>
+      </p:nvGrpSpPr>
+      <p:grpSpPr>
+        <a:xfrm>
+          <a:off x="0" y="0"/>
+          <a:ext cx="0" cy="0"/>
+          <a:chOff x="0" y="0"/>
+          <a:chExt cx="0" cy="0"/>
+        </a:xfrm>
+      </p:grpSpPr>
+      <p:sp>
+        <p:nvSpPr>
+          <p:cNvPr id="2" name="Slide Image Placeholder 1"/>
+          <p:cNvSpPr>
+            <a:spLocks noGrp="1" noRot="1" noChangeAspect="1"/>
+          </p:cNvSpPr>
+          <p:nvPr>
+            <p:ph type="sldImg"/>
+          </p:nvPr>
+        </p:nvSpPr>
+        <p:spPr/>
+      </p:sp>
+      <p:sp>
+        <p:nvSpPr>
+          <p:cNvPr id="3" name="Notes Placeholder 2"/>
+          <p:cNvSpPr>
+            <a:spLocks noGrp="1"/>
+          </p:cNvSpPr>
+          <p:nvPr>
+            <p:ph type="body" idx="1"/>
+          </p:nvPr>
+        </p:nvSpPr>
+        <p:spPr/>
+        <p:txBody>
+          <a:bodyPr/>
+          <a:lstStyle/>
+          <a:p>
+            <a:endParaRPr lang="en-US" dirty="0"/>
+          </a:p>
+        </p:txBody>
+      </p:sp>
+      <p:sp>
+        <p:nvSpPr>
+          <p:cNvPr id="4" name="Slide Number Placeholder 3"/>
+          <p:cNvSpPr>
+            <a:spLocks noGrp="1"/>
+          </p:cNvSpPr>
+          <p:nvPr>
+            <p:ph type="sldNum" sz="quarter" idx="5"/>
+          </p:nvPr>
+        </p:nvSpPr>
+        <p:spPr/>
+        <p:txBody>
+          <a:bodyPr/>
+          <a:lstStyle/>
+          <a:p>
+            <a:fld id="{3F8BDF20-BE86-4883-8A23-4CE3D0058BEA}" type="slidenum">
+              <a:rPr lang="en-US" smtClean="0"/>
+              <a:t>19</a:t>
+            </a:fld>
+            <a:endParaRPr lang="en-US"/>
+          </a:p>
+        </p:txBody>
+      </p:sp>
+    </p:spTree>
+    <p:extLst>
+      <p:ext uri="{BB962C8B-B14F-4D97-AF65-F5344CB8AC3E}">
+        <p14:creationId xmlns:p14="http://schemas.microsoft.com/office/powerpoint/2010/main" val="623356640"/>
+      </p:ext>
+    </p:extLst>
+  </p:cSld>
+  <p:clrMapOvr>
+    <a:masterClrMapping/>
+  </p:clrMapOvr>
+</p:notes>
+</file>
+
+<file path=ppt/notesSlides/notesSlide19.xml><?xml version="1.0" encoding="utf-8"?>
+<p:notes xmlns:a="http://schemas.openxmlformats.org/drawingml/2006/main" xmlns:r="http://schemas.openxmlformats.org/officeDocument/2006/relationships" xmlns:p="http://schemas.openxmlformats.org/presentationml/2006/main">
+  <p:cSld>
+    <p:spTree>
+      <p:nvGrpSpPr>
+        <p:cNvPr id="1" name=""/>
+        <p:cNvGrpSpPr/>
+        <p:nvPr/>
+      </p:nvGrpSpPr>
+      <p:grpSpPr>
+        <a:xfrm>
+          <a:off x="0" y="0"/>
+          <a:ext cx="0" cy="0"/>
+          <a:chOff x="0" y="0"/>
+          <a:chExt cx="0" cy="0"/>
+        </a:xfrm>
+      </p:grpSpPr>
+      <p:sp>
+        <p:nvSpPr>
+          <p:cNvPr id="2" name="Slide Image Placeholder 1"/>
+          <p:cNvSpPr>
+            <a:spLocks noGrp="1" noRot="1" noChangeAspect="1"/>
+          </p:cNvSpPr>
+          <p:nvPr>
+            <p:ph type="sldImg"/>
+          </p:nvPr>
+        </p:nvSpPr>
+        <p:spPr/>
+      </p:sp>
+      <p:sp>
+        <p:nvSpPr>
+          <p:cNvPr id="3" name="Notes Placeholder 2"/>
+          <p:cNvSpPr>
+            <a:spLocks noGrp="1"/>
+          </p:cNvSpPr>
+          <p:nvPr>
+            <p:ph type="body" idx="1"/>
+          </p:nvPr>
+        </p:nvSpPr>
+        <p:spPr/>
+        <p:txBody>
+          <a:bodyPr/>
+          <a:lstStyle/>
+          <a:p>
+            <a:endParaRPr lang="en-US" dirty="0"/>
+          </a:p>
+        </p:txBody>
+      </p:sp>
+      <p:sp>
+        <p:nvSpPr>
+          <p:cNvPr id="4" name="Slide Number Placeholder 3"/>
+          <p:cNvSpPr>
+            <a:spLocks noGrp="1"/>
+          </p:cNvSpPr>
+          <p:nvPr>
+            <p:ph type="sldNum" sz="quarter" idx="5"/>
+          </p:nvPr>
+        </p:nvSpPr>
+        <p:spPr/>
+        <p:txBody>
+          <a:bodyPr/>
+          <a:lstStyle/>
+          <a:p>
+            <a:fld id="{3F8BDF20-BE86-4883-8A23-4CE3D0058BEA}" type="slidenum">
+              <a:rPr lang="en-US" smtClean="0"/>
+              <a:t>20</a:t>
             </a:fld>
             <a:endParaRPr lang="en-US"/>
           </a:p>
@@ -10106,19 +10276,18 @@
           <a:lstStyle/>
           <a:p>
             <a:r>
-              <a:rPr lang="en-US"/>
-              <a:t>Summary</a:t>
+              <a:rPr lang="en-US" dirty="0"/>
+              <a:t>K Nearest Neighbors</a:t>
             </a:r>
-            <a:endParaRPr lang="en-US" dirty="0"/>
-          </a:p>
-        </p:txBody>
-      </p:sp>
-      <p:sp>
-        <p:nvSpPr>
-          <p:cNvPr id="5" name="TextBox 4">
+          </a:p>
+        </p:txBody>
+      </p:sp>
+      <p:sp>
+        <p:nvSpPr>
+          <p:cNvPr id="9" name="TextBox 8">
             <a:extLst>
               <a:ext uri="{FF2B5EF4-FFF2-40B4-BE49-F238E27FC236}">
-                <a16:creationId xmlns:a16="http://schemas.microsoft.com/office/drawing/2014/main" id="{2041F87A-F3F4-6A88-2DE4-42FDD7C8284A}"/>
+                <a16:creationId xmlns:a16="http://schemas.microsoft.com/office/drawing/2014/main" id="{CD61F3A4-5AE4-9434-0075-8D823DC7602E}"/>
               </a:ext>
             </a:extLst>
           </p:cNvPr>
@@ -10144,17 +10313,17 @@
             <a:pPr/>
             <a:r>
               <a:rPr lang="en-US" sz="2800" dirty="0"/>
-              <a:t>Logistic Regression is very popular when K=2</a:t>
+              <a:t>A non-parametric supervised learning algorithm for classification</a:t>
             </a:r>
           </a:p>
         </p:txBody>
       </p:sp>
       <p:sp>
         <p:nvSpPr>
-          <p:cNvPr id="10" name="TextBox 9">
+          <p:cNvPr id="6" name="TextBox 5">
             <a:extLst>
               <a:ext uri="{FF2B5EF4-FFF2-40B4-BE49-F238E27FC236}">
-                <a16:creationId xmlns:a16="http://schemas.microsoft.com/office/drawing/2014/main" id="{D25F40B8-0BBD-7D2C-6EDF-0EF6861331C1}"/>
+                <a16:creationId xmlns:a16="http://schemas.microsoft.com/office/drawing/2014/main" id="{462AD468-6BDB-F89F-AD1E-372851DB8EC3}"/>
               </a:ext>
             </a:extLst>
           </p:cNvPr>
@@ -10163,8 +10332,8 @@
         </p:nvSpPr>
         <p:spPr>
           <a:xfrm>
-            <a:off x="944880" y="2936260"/>
-            <a:ext cx="10408920" cy="954107"/>
+            <a:off x="891540" y="2905780"/>
+            <a:ext cx="10408920" cy="523220"/>
           </a:xfrm>
           <a:prstGeom prst="rect">
             <a:avLst/>
@@ -10180,17 +10349,17 @@
             <a:pPr/>
             <a:r>
               <a:rPr lang="en-US" sz="2800" dirty="0"/>
-              <a:t>Linear Discriminant Analysis is useful when n is small, K is large and the Gaussian distribution assumption makes sense </a:t>
+              <a:t>Assign the label of x based on a majority vote mechanism</a:t>
             </a:r>
           </a:p>
         </p:txBody>
       </p:sp>
       <p:sp>
         <p:nvSpPr>
-          <p:cNvPr id="3" name="TextBox 2">
+          <p:cNvPr id="5" name="TextBox 4">
             <a:extLst>
               <a:ext uri="{FF2B5EF4-FFF2-40B4-BE49-F238E27FC236}">
-                <a16:creationId xmlns:a16="http://schemas.microsoft.com/office/drawing/2014/main" id="{153BF027-7CB5-6C08-F8F3-82B9A5F4AB9E}"/>
+                <a16:creationId xmlns:a16="http://schemas.microsoft.com/office/drawing/2014/main" id="{7FF48007-2562-6911-E77E-3CA52CC5FFCA}"/>
               </a:ext>
             </a:extLst>
           </p:cNvPr>
@@ -10199,8 +10368,8 @@
         </p:nvSpPr>
         <p:spPr>
           <a:xfrm>
-            <a:off x="891540" y="4616826"/>
-            <a:ext cx="10408920" cy="954107"/>
+            <a:off x="891540" y="4124980"/>
+            <a:ext cx="10408920" cy="523220"/>
           </a:xfrm>
           <a:prstGeom prst="rect">
             <a:avLst/>
@@ -10216,7 +10385,43 @@
             <a:pPr/>
             <a:r>
               <a:rPr lang="en-US" sz="2800" dirty="0"/>
-              <a:t>Naïve Bayes is useful when p (number of features) is large, and features are not correlated</a:t>
+              <a:t>Select the k training points that are nearest to the target point x </a:t>
+            </a:r>
+          </a:p>
+        </p:txBody>
+      </p:sp>
+      <p:sp>
+        <p:nvSpPr>
+          <p:cNvPr id="7" name="TextBox 6">
+            <a:extLst>
+              <a:ext uri="{FF2B5EF4-FFF2-40B4-BE49-F238E27FC236}">
+                <a16:creationId xmlns:a16="http://schemas.microsoft.com/office/drawing/2014/main" id="{E6D96585-FEA1-EC42-24A4-2E2CDE02E0DE}"/>
+              </a:ext>
+            </a:extLst>
+          </p:cNvPr>
+          <p:cNvSpPr txBox="1"/>
+          <p:nvPr/>
+        </p:nvSpPr>
+        <p:spPr>
+          <a:xfrm>
+            <a:off x="944880" y="5171419"/>
+            <a:ext cx="10408920" cy="523220"/>
+          </a:xfrm>
+          <a:prstGeom prst="rect">
+            <a:avLst/>
+          </a:prstGeom>
+          <a:noFill/>
+        </p:spPr>
+        <p:txBody>
+          <a:bodyPr wrap="square">
+            <a:spAutoFit/>
+          </a:bodyPr>
+          <a:lstStyle/>
+          <a:p>
+            <a:pPr/>
+            <a:r>
+              <a:rPr lang="en-US" sz="2800" dirty="0"/>
+              <a:t>Assign the majority label for the k training points as the label of x</a:t>
             </a:r>
           </a:p>
         </p:txBody>
@@ -10224,7 +10429,7 @@
     </p:spTree>
     <p:extLst>
       <p:ext uri="{BB962C8B-B14F-4D97-AF65-F5344CB8AC3E}">
-        <p14:creationId xmlns:p14="http://schemas.microsoft.com/office/powerpoint/2010/main" val="3261506618"/>
+        <p14:creationId xmlns:p14="http://schemas.microsoft.com/office/powerpoint/2010/main" val="2954687995"/>
       </p:ext>
     </p:extLst>
   </p:cSld>
@@ -10253,10 +10458,39 @@
       </p:grpSpPr>
       <p:sp>
         <p:nvSpPr>
-          <p:cNvPr id="10" name="TextBox 9">
+          <p:cNvPr id="2" name="Title 1"/>
+          <p:cNvSpPr>
+            <a:spLocks noGrp="1"/>
+          </p:cNvSpPr>
+          <p:nvPr>
+            <p:ph type="title"/>
+          </p:nvPr>
+        </p:nvSpPr>
+        <p:spPr>
+          <a:xfrm>
+            <a:off x="838200" y="365126"/>
+            <a:ext cx="10515600" cy="981894"/>
+          </a:xfrm>
+        </p:spPr>
+        <p:txBody>
+          <a:bodyPr>
+            <a:normAutofit/>
+          </a:bodyPr>
+          <a:lstStyle/>
+          <a:p>
+            <a:r>
+              <a:rPr lang="en-US" dirty="0"/>
+              <a:t>Grid Search for k</a:t>
+            </a:r>
+          </a:p>
+        </p:txBody>
+      </p:sp>
+      <p:sp>
+        <p:nvSpPr>
+          <p:cNvPr id="9" name="TextBox 8">
             <a:extLst>
               <a:ext uri="{FF2B5EF4-FFF2-40B4-BE49-F238E27FC236}">
-                <a16:creationId xmlns:a16="http://schemas.microsoft.com/office/drawing/2014/main" id="{514E73AD-7A38-9D42-8C4C-ADC0FDE0FBC3}"/>
+                <a16:creationId xmlns:a16="http://schemas.microsoft.com/office/drawing/2014/main" id="{CD61F3A4-5AE4-9434-0075-8D823DC7602E}"/>
               </a:ext>
             </a:extLst>
           </p:cNvPr>
@@ -10265,8 +10499,8 @@
         </p:nvSpPr>
         <p:spPr>
           <a:xfrm>
-            <a:off x="4792980" y="2601575"/>
-            <a:ext cx="5951220" cy="1077218"/>
+            <a:off x="891540" y="1686581"/>
+            <a:ext cx="10408920" cy="523220"/>
           </a:xfrm>
           <a:prstGeom prst="rect">
             <a:avLst/>
@@ -10279,9 +10513,90 @@
           </a:bodyPr>
           <a:lstStyle/>
           <a:p>
+            <a:pPr/>
             <a:r>
-              <a:rPr lang="en-US" sz="6400" dirty="0"/>
-              <a:t>Q &amp; A</a:t>
+              <a:rPr lang="en-US" sz="2800" dirty="0"/>
+              <a:t>To search the best k, we could create a validation dataset</a:t>
+            </a:r>
+          </a:p>
+        </p:txBody>
+      </p:sp>
+      <p:sp>
+        <p:nvSpPr>
+          <p:cNvPr id="6" name="TextBox 5">
+            <a:extLst>
+              <a:ext uri="{FF2B5EF4-FFF2-40B4-BE49-F238E27FC236}">
+                <a16:creationId xmlns:a16="http://schemas.microsoft.com/office/drawing/2014/main" id="{462AD468-6BDB-F89F-AD1E-372851DB8EC3}"/>
+              </a:ext>
+            </a:extLst>
+          </p:cNvPr>
+          <p:cNvSpPr txBox="1"/>
+          <p:nvPr/>
+        </p:nvSpPr>
+        <p:spPr>
+          <a:xfrm>
+            <a:off x="891540" y="2905780"/>
+            <a:ext cx="10408920" cy="523220"/>
+          </a:xfrm>
+          <a:prstGeom prst="rect">
+            <a:avLst/>
+          </a:prstGeom>
+          <a:noFill/>
+        </p:spPr>
+        <p:txBody>
+          <a:bodyPr wrap="square">
+            <a:spAutoFit/>
+          </a:bodyPr>
+          <a:lstStyle/>
+          <a:p>
+            <a:pPr/>
+            <a:r>
+              <a:rPr lang="en-US" sz="2800" dirty="0"/>
+              <a:t>Try different k, and see the performance on the validation dataset</a:t>
+            </a:r>
+          </a:p>
+        </p:txBody>
+      </p:sp>
+      <p:sp>
+        <p:nvSpPr>
+          <p:cNvPr id="5" name="TextBox 4">
+            <a:extLst>
+              <a:ext uri="{FF2B5EF4-FFF2-40B4-BE49-F238E27FC236}">
+                <a16:creationId xmlns:a16="http://schemas.microsoft.com/office/drawing/2014/main" id="{7FF48007-2562-6911-E77E-3CA52CC5FFCA}"/>
+              </a:ext>
+            </a:extLst>
+          </p:cNvPr>
+          <p:cNvSpPr txBox="1"/>
+          <p:nvPr/>
+        </p:nvSpPr>
+        <p:spPr>
+          <a:xfrm>
+            <a:off x="891540" y="4124980"/>
+            <a:ext cx="10408920" cy="523220"/>
+          </a:xfrm>
+          <a:prstGeom prst="rect">
+            <a:avLst/>
+          </a:prstGeom>
+          <a:noFill/>
+        </p:spPr>
+        <p:txBody>
+          <a:bodyPr wrap="square">
+            <a:spAutoFit/>
+          </a:bodyPr>
+          <a:lstStyle/>
+          <a:p>
+            <a:pPr/>
+            <a:r>
+              <a:rPr lang="en-US" sz="2800" dirty="0"/>
+              <a:t>Select the best-performed k (can be done by </a:t>
+            </a:r>
+            <a:r>
+              <a:rPr lang="en-US" sz="2800" dirty="0" err="1"/>
+              <a:t>sklearn</a:t>
+            </a:r>
+            <a:r>
+              <a:rPr lang="en-US" sz="2800" dirty="0"/>
+              <a:t>)</a:t>
             </a:r>
           </a:p>
         </p:txBody>
@@ -10289,7 +10604,7 @@
     </p:spTree>
     <p:extLst>
       <p:ext uri="{BB962C8B-B14F-4D97-AF65-F5344CB8AC3E}">
-        <p14:creationId xmlns:p14="http://schemas.microsoft.com/office/powerpoint/2010/main" val="1222215017"/>
+        <p14:creationId xmlns:p14="http://schemas.microsoft.com/office/powerpoint/2010/main" val="172746239"/>
       </p:ext>
     </p:extLst>
   </p:cSld>
@@ -10895,6 +11210,238 @@
     <p:extLst>
       <p:ext uri="{BB962C8B-B14F-4D97-AF65-F5344CB8AC3E}">
         <p14:creationId xmlns:p14="http://schemas.microsoft.com/office/powerpoint/2010/main" val="673514985"/>
+      </p:ext>
+    </p:extLst>
+  </p:cSld>
+  <p:clrMapOvr>
+    <a:masterClrMapping/>
+  </p:clrMapOvr>
+</p:sld>
+</file>
+
+<file path=ppt/slides/slide20.xml><?xml version="1.0" encoding="utf-8"?>
+<p:sld xmlns:a="http://schemas.openxmlformats.org/drawingml/2006/main" xmlns:r="http://schemas.openxmlformats.org/officeDocument/2006/relationships" xmlns:p="http://schemas.openxmlformats.org/presentationml/2006/main">
+  <p:cSld>
+    <p:spTree>
+      <p:nvGrpSpPr>
+        <p:cNvPr id="1" name=""/>
+        <p:cNvGrpSpPr/>
+        <p:nvPr/>
+      </p:nvGrpSpPr>
+      <p:grpSpPr>
+        <a:xfrm>
+          <a:off x="0" y="0"/>
+          <a:ext cx="0" cy="0"/>
+          <a:chOff x="0" y="0"/>
+          <a:chExt cx="0" cy="0"/>
+        </a:xfrm>
+      </p:grpSpPr>
+      <p:sp>
+        <p:nvSpPr>
+          <p:cNvPr id="2" name="Title 1"/>
+          <p:cNvSpPr>
+            <a:spLocks noGrp="1"/>
+          </p:cNvSpPr>
+          <p:nvPr>
+            <p:ph type="title"/>
+          </p:nvPr>
+        </p:nvSpPr>
+        <p:spPr>
+          <a:xfrm>
+            <a:off x="838200" y="365126"/>
+            <a:ext cx="10515600" cy="981894"/>
+          </a:xfrm>
+        </p:spPr>
+        <p:txBody>
+          <a:bodyPr>
+            <a:normAutofit/>
+          </a:bodyPr>
+          <a:lstStyle/>
+          <a:p>
+            <a:r>
+              <a:rPr lang="en-US" dirty="0"/>
+              <a:t>Summary</a:t>
+            </a:r>
+          </a:p>
+        </p:txBody>
+      </p:sp>
+      <p:sp>
+        <p:nvSpPr>
+          <p:cNvPr id="5" name="TextBox 4">
+            <a:extLst>
+              <a:ext uri="{FF2B5EF4-FFF2-40B4-BE49-F238E27FC236}">
+                <a16:creationId xmlns:a16="http://schemas.microsoft.com/office/drawing/2014/main" id="{2041F87A-F3F4-6A88-2DE4-42FDD7C8284A}"/>
+              </a:ext>
+            </a:extLst>
+          </p:cNvPr>
+          <p:cNvSpPr txBox="1"/>
+          <p:nvPr/>
+        </p:nvSpPr>
+        <p:spPr>
+          <a:xfrm>
+            <a:off x="891540" y="1686581"/>
+            <a:ext cx="10408920" cy="523220"/>
+          </a:xfrm>
+          <a:prstGeom prst="rect">
+            <a:avLst/>
+          </a:prstGeom>
+          <a:noFill/>
+        </p:spPr>
+        <p:txBody>
+          <a:bodyPr wrap="square">
+            <a:spAutoFit/>
+          </a:bodyPr>
+          <a:lstStyle/>
+          <a:p>
+            <a:pPr/>
+            <a:r>
+              <a:rPr lang="en-US" sz="2800" dirty="0"/>
+              <a:t>Logistic Regression is very popular when K=2</a:t>
+            </a:r>
+          </a:p>
+        </p:txBody>
+      </p:sp>
+      <p:sp>
+        <p:nvSpPr>
+          <p:cNvPr id="10" name="TextBox 9">
+            <a:extLst>
+              <a:ext uri="{FF2B5EF4-FFF2-40B4-BE49-F238E27FC236}">
+                <a16:creationId xmlns:a16="http://schemas.microsoft.com/office/drawing/2014/main" id="{D25F40B8-0BBD-7D2C-6EDF-0EF6861331C1}"/>
+              </a:ext>
+            </a:extLst>
+          </p:cNvPr>
+          <p:cNvSpPr txBox="1"/>
+          <p:nvPr/>
+        </p:nvSpPr>
+        <p:spPr>
+          <a:xfrm>
+            <a:off x="944880" y="2936260"/>
+            <a:ext cx="10408920" cy="954107"/>
+          </a:xfrm>
+          <a:prstGeom prst="rect">
+            <a:avLst/>
+          </a:prstGeom>
+          <a:noFill/>
+        </p:spPr>
+        <p:txBody>
+          <a:bodyPr wrap="square">
+            <a:spAutoFit/>
+          </a:bodyPr>
+          <a:lstStyle/>
+          <a:p>
+            <a:pPr/>
+            <a:r>
+              <a:rPr lang="en-US" sz="2800" dirty="0"/>
+              <a:t>Linear Discriminant Analysis is useful when n is small, K is large and the Gaussian distribution assumption makes sense </a:t>
+            </a:r>
+          </a:p>
+        </p:txBody>
+      </p:sp>
+      <p:sp>
+        <p:nvSpPr>
+          <p:cNvPr id="3" name="TextBox 2">
+            <a:extLst>
+              <a:ext uri="{FF2B5EF4-FFF2-40B4-BE49-F238E27FC236}">
+                <a16:creationId xmlns:a16="http://schemas.microsoft.com/office/drawing/2014/main" id="{153BF027-7CB5-6C08-F8F3-82B9A5F4AB9E}"/>
+              </a:ext>
+            </a:extLst>
+          </p:cNvPr>
+          <p:cNvSpPr txBox="1"/>
+          <p:nvPr/>
+        </p:nvSpPr>
+        <p:spPr>
+          <a:xfrm>
+            <a:off x="891540" y="4616826"/>
+            <a:ext cx="10408920" cy="954107"/>
+          </a:xfrm>
+          <a:prstGeom prst="rect">
+            <a:avLst/>
+          </a:prstGeom>
+          <a:noFill/>
+        </p:spPr>
+        <p:txBody>
+          <a:bodyPr wrap="square">
+            <a:spAutoFit/>
+          </a:bodyPr>
+          <a:lstStyle/>
+          <a:p>
+            <a:pPr/>
+            <a:r>
+              <a:rPr lang="en-US" sz="2800" dirty="0"/>
+              <a:t>Naïve Bayes is useful when p (number of features) is large, and features are not correlated</a:t>
+            </a:r>
+          </a:p>
+        </p:txBody>
+      </p:sp>
+    </p:spTree>
+    <p:extLst>
+      <p:ext uri="{BB962C8B-B14F-4D97-AF65-F5344CB8AC3E}">
+        <p14:creationId xmlns:p14="http://schemas.microsoft.com/office/powerpoint/2010/main" val="3261506618"/>
+      </p:ext>
+    </p:extLst>
+  </p:cSld>
+  <p:clrMapOvr>
+    <a:masterClrMapping/>
+  </p:clrMapOvr>
+</p:sld>
+</file>
+
+<file path=ppt/slides/slide21.xml><?xml version="1.0" encoding="utf-8"?>
+<p:sld xmlns:a="http://schemas.openxmlformats.org/drawingml/2006/main" xmlns:r="http://schemas.openxmlformats.org/officeDocument/2006/relationships" xmlns:p="http://schemas.openxmlformats.org/presentationml/2006/main">
+  <p:cSld>
+    <p:spTree>
+      <p:nvGrpSpPr>
+        <p:cNvPr id="1" name=""/>
+        <p:cNvGrpSpPr/>
+        <p:nvPr/>
+      </p:nvGrpSpPr>
+      <p:grpSpPr>
+        <a:xfrm>
+          <a:off x="0" y="0"/>
+          <a:ext cx="0" cy="0"/>
+          <a:chOff x="0" y="0"/>
+          <a:chExt cx="0" cy="0"/>
+        </a:xfrm>
+      </p:grpSpPr>
+      <p:sp>
+        <p:nvSpPr>
+          <p:cNvPr id="10" name="TextBox 9">
+            <a:extLst>
+              <a:ext uri="{FF2B5EF4-FFF2-40B4-BE49-F238E27FC236}">
+                <a16:creationId xmlns:a16="http://schemas.microsoft.com/office/drawing/2014/main" id="{514E73AD-7A38-9D42-8C4C-ADC0FDE0FBC3}"/>
+              </a:ext>
+            </a:extLst>
+          </p:cNvPr>
+          <p:cNvSpPr txBox="1"/>
+          <p:nvPr/>
+        </p:nvSpPr>
+        <p:spPr>
+          <a:xfrm>
+            <a:off x="4792980" y="2601575"/>
+            <a:ext cx="5951220" cy="1077218"/>
+          </a:xfrm>
+          <a:prstGeom prst="rect">
+            <a:avLst/>
+          </a:prstGeom>
+          <a:noFill/>
+        </p:spPr>
+        <p:txBody>
+          <a:bodyPr wrap="square">
+            <a:spAutoFit/>
+          </a:bodyPr>
+          <a:lstStyle/>
+          <a:p>
+            <a:r>
+              <a:rPr lang="en-US" sz="6400" dirty="0"/>
+              <a:t>Q &amp; A</a:t>
+            </a:r>
+          </a:p>
+        </p:txBody>
+      </p:sp>
+    </p:spTree>
+    <p:extLst>
+      <p:ext uri="{BB962C8B-B14F-4D97-AF65-F5344CB8AC3E}">
+        <p14:creationId xmlns:p14="http://schemas.microsoft.com/office/powerpoint/2010/main" val="1222215017"/>
       </p:ext>
     </p:extLst>
   </p:cSld>
